--- a/Docs/ForTheBlind/Implementing Visually Impaired Introduction.pptx
+++ b/Docs/ForTheBlind/Implementing Visually Impaired Introduction.pptx
@@ -5,7 +5,7 @@
     <p:sldMasterId id="2147483660" r:id="rId1"/>
   </p:sldMasterIdLst>
   <p:notesMasterIdLst>
-    <p:notesMasterId r:id="rId24"/>
+    <p:notesMasterId r:id="rId27"/>
   </p:notesMasterIdLst>
   <p:sldIdLst>
     <p:sldId id="411" r:id="rId2"/>
@@ -19,17 +19,20 @@
     <p:sldId id="431" r:id="rId10"/>
     <p:sldId id="435" r:id="rId11"/>
     <p:sldId id="445" r:id="rId12"/>
-    <p:sldId id="449" r:id="rId13"/>
-    <p:sldId id="432" r:id="rId14"/>
-    <p:sldId id="436" r:id="rId15"/>
-    <p:sldId id="455" r:id="rId16"/>
-    <p:sldId id="447" r:id="rId17"/>
-    <p:sldId id="434" r:id="rId18"/>
-    <p:sldId id="439" r:id="rId19"/>
-    <p:sldId id="442" r:id="rId20"/>
-    <p:sldId id="450" r:id="rId21"/>
-    <p:sldId id="444" r:id="rId22"/>
-    <p:sldId id="441" r:id="rId23"/>
+    <p:sldId id="459" r:id="rId13"/>
+    <p:sldId id="462" r:id="rId14"/>
+    <p:sldId id="461" r:id="rId15"/>
+    <p:sldId id="460" r:id="rId16"/>
+    <p:sldId id="432" r:id="rId17"/>
+    <p:sldId id="456" r:id="rId18"/>
+    <p:sldId id="457" r:id="rId19"/>
+    <p:sldId id="447" r:id="rId20"/>
+    <p:sldId id="434" r:id="rId21"/>
+    <p:sldId id="439" r:id="rId22"/>
+    <p:sldId id="442" r:id="rId23"/>
+    <p:sldId id="450" r:id="rId24"/>
+    <p:sldId id="444" r:id="rId25"/>
+    <p:sldId id="441" r:id="rId26"/>
   </p:sldIdLst>
   <p:sldSz cx="12192000" cy="6858000"/>
   <p:notesSz cx="6858000" cy="9144000"/>
@@ -218,7 +221,7 @@
           <a:p>
             <a:fld id="{656D2E9F-587F-4929-A615-D1B22C008AE4}" type="datetimeFigureOut">
               <a:rPr lang="en-US" smtClean="0"/>
-              <a:t>2/10/2023</a:t>
+              <a:t>3/1/2023</a:t>
             </a:fld>
             <a:endParaRPr lang="en-US" dirty="0"/>
           </a:p>
@@ -649,7 +652,7 @@
                 <a:tabLst/>
                 <a:defRPr/>
               </a:pPr>
-              <a:t>2/10/2023</a:t>
+              <a:t>3/1/2023</a:t>
             </a:fld>
             <a:endParaRPr kumimoji="0" lang="en-US" sz="1200" b="0" i="0" u="none" strike="noStrike" kern="1200" cap="none" spc="0" normalizeH="0" baseline="0" noProof="0" dirty="0">
               <a:ln>
@@ -862,7 +865,7 @@
           <a:p>
             <a:r>
               <a:rPr lang="en-US" dirty="0"/>
-              <a:t>OK – long bullets – read the bullets</a:t>
+              <a:t>Predates python</a:t>
             </a:r>
           </a:p>
         </p:txBody>
@@ -884,7 +887,7 @@
           <a:p>
             <a:fld id="{194D4E80-AAF7-4841-B2F0-A647B649A6DE}" type="slidenum">
               <a:rPr lang="en-US" smtClean="0"/>
-              <a:t>14</a:t>
+              <a:t>12</a:t>
             </a:fld>
             <a:endParaRPr lang="en-US" dirty="0"/>
           </a:p>
@@ -893,7 +896,7 @@
     </p:spTree>
     <p:extLst>
       <p:ext uri="{BB962C8B-B14F-4D97-AF65-F5344CB8AC3E}">
-        <p14:creationId xmlns:p14="http://schemas.microsoft.com/office/powerpoint/2010/main" val="3126179804"/>
+        <p14:creationId xmlns:p14="http://schemas.microsoft.com/office/powerpoint/2010/main" val="1423466019"/>
       </p:ext>
     </p:extLst>
   </p:cSld>
@@ -949,7 +952,7 @@
           <a:p>
             <a:r>
               <a:rPr lang="en-US" dirty="0"/>
-              <a:t>OK – long bullets – read the bullets</a:t>
+              <a:t>Predates python</a:t>
             </a:r>
           </a:p>
         </p:txBody>
@@ -971,7 +974,7 @@
           <a:p>
             <a:fld id="{194D4E80-AAF7-4841-B2F0-A647B649A6DE}" type="slidenum">
               <a:rPr lang="en-US" smtClean="0"/>
-              <a:t>15</a:t>
+              <a:t>13</a:t>
             </a:fld>
             <a:endParaRPr lang="en-US" dirty="0"/>
           </a:p>
@@ -980,7 +983,7 @@
     </p:spTree>
     <p:extLst>
       <p:ext uri="{BB962C8B-B14F-4D97-AF65-F5344CB8AC3E}">
-        <p14:creationId xmlns:p14="http://schemas.microsoft.com/office/powerpoint/2010/main" val="3086269553"/>
+        <p14:creationId xmlns:p14="http://schemas.microsoft.com/office/powerpoint/2010/main" val="3030058681"/>
       </p:ext>
     </p:extLst>
   </p:cSld>
@@ -1034,21 +1037,6 @@
           <a:bodyPr/>
           <a:lstStyle/>
           <a:p>
-            <a:r>
-              <a:rPr lang="en-US" dirty="0"/>
-              <a:t>Multiple space conversion</a:t>
-            </a:r>
-          </a:p>
-          <a:p>
-            <a:r>
-              <a:rPr lang="en-US" dirty="0"/>
-              <a:t>Talk is slow – audio tones</a:t>
-            </a:r>
-          </a:p>
-          <a:p>
-            <a:endParaRPr lang="en-US" dirty="0"/>
-          </a:p>
-          <a:p>
             <a:endParaRPr lang="en-US" dirty="0"/>
           </a:p>
         </p:txBody>
@@ -1070,7 +1058,7 @@
           <a:p>
             <a:fld id="{194D4E80-AAF7-4841-B2F0-A647B649A6DE}" type="slidenum">
               <a:rPr lang="en-US" smtClean="0"/>
-              <a:t>20</a:t>
+              <a:t>14</a:t>
             </a:fld>
             <a:endParaRPr lang="en-US" dirty="0"/>
           </a:p>
@@ -1079,7 +1067,7 @@
     </p:spTree>
     <p:extLst>
       <p:ext uri="{BB962C8B-B14F-4D97-AF65-F5344CB8AC3E}">
-        <p14:creationId xmlns:p14="http://schemas.microsoft.com/office/powerpoint/2010/main" val="753568036"/>
+        <p14:creationId xmlns:p14="http://schemas.microsoft.com/office/powerpoint/2010/main" val="811535306"/>
       </p:ext>
     </p:extLst>
   </p:cSld>
@@ -1133,6 +1121,180 @@
           <a:bodyPr/>
           <a:lstStyle/>
           <a:p>
+            <a:r>
+              <a:rPr lang="en-US" dirty="0"/>
+              <a:t>self.base references the tkinter.Canvas populated by turtle actions</a:t>
+            </a:r>
+          </a:p>
+        </p:txBody>
+      </p:sp>
+      <p:sp>
+        <p:nvSpPr>
+          <p:cNvPr id="4" name="Slide Number Placeholder 3"/>
+          <p:cNvSpPr>
+            <a:spLocks noGrp="1"/>
+          </p:cNvSpPr>
+          <p:nvPr>
+            <p:ph type="sldNum" sz="quarter" idx="5"/>
+          </p:nvPr>
+        </p:nvSpPr>
+        <p:spPr/>
+        <p:txBody>
+          <a:bodyPr/>
+          <a:lstStyle/>
+          <a:p>
+            <a:fld id="{194D4E80-AAF7-4841-B2F0-A647B649A6DE}" type="slidenum">
+              <a:rPr lang="en-US" smtClean="0"/>
+              <a:t>15</a:t>
+            </a:fld>
+            <a:endParaRPr lang="en-US" dirty="0"/>
+          </a:p>
+        </p:txBody>
+      </p:sp>
+    </p:spTree>
+    <p:extLst>
+      <p:ext uri="{BB962C8B-B14F-4D97-AF65-F5344CB8AC3E}">
+        <p14:creationId xmlns:p14="http://schemas.microsoft.com/office/powerpoint/2010/main" val="2133111459"/>
+      </p:ext>
+    </p:extLst>
+  </p:cSld>
+  <p:clrMapOvr>
+    <a:masterClrMapping/>
+  </p:clrMapOvr>
+</p:notes>
+</file>
+
+<file path=ppt/notesSlides/notesSlide14.xml><?xml version="1.0" encoding="utf-8"?>
+<p:notes xmlns:a="http://schemas.openxmlformats.org/drawingml/2006/main" xmlns:r="http://schemas.openxmlformats.org/officeDocument/2006/relationships" xmlns:p="http://schemas.openxmlformats.org/presentationml/2006/main">
+  <p:cSld>
+    <p:spTree>
+      <p:nvGrpSpPr>
+        <p:cNvPr id="1" name=""/>
+        <p:cNvGrpSpPr/>
+        <p:nvPr/>
+      </p:nvGrpSpPr>
+      <p:grpSpPr>
+        <a:xfrm>
+          <a:off x="0" y="0"/>
+          <a:ext cx="0" cy="0"/>
+          <a:chOff x="0" y="0"/>
+          <a:chExt cx="0" cy="0"/>
+        </a:xfrm>
+      </p:grpSpPr>
+      <p:sp>
+        <p:nvSpPr>
+          <p:cNvPr id="2" name="Slide Image Placeholder 1"/>
+          <p:cNvSpPr>
+            <a:spLocks noGrp="1" noRot="1" noChangeAspect="1"/>
+          </p:cNvSpPr>
+          <p:nvPr>
+            <p:ph type="sldImg"/>
+          </p:nvPr>
+        </p:nvSpPr>
+        <p:spPr/>
+      </p:sp>
+      <p:sp>
+        <p:nvSpPr>
+          <p:cNvPr id="3" name="Notes Placeholder 2"/>
+          <p:cNvSpPr>
+            <a:spLocks noGrp="1"/>
+          </p:cNvSpPr>
+          <p:nvPr>
+            <p:ph type="body" idx="1"/>
+          </p:nvPr>
+        </p:nvSpPr>
+        <p:spPr/>
+        <p:txBody>
+          <a:bodyPr/>
+          <a:lstStyle/>
+          <a:p>
+            <a:endParaRPr lang="en-US" dirty="0"/>
+          </a:p>
+          <a:p>
+            <a:endParaRPr lang="en-US" dirty="0"/>
+          </a:p>
+        </p:txBody>
+      </p:sp>
+      <p:sp>
+        <p:nvSpPr>
+          <p:cNvPr id="4" name="Slide Number Placeholder 3"/>
+          <p:cNvSpPr>
+            <a:spLocks noGrp="1"/>
+          </p:cNvSpPr>
+          <p:nvPr>
+            <p:ph type="sldNum" sz="quarter" idx="5"/>
+          </p:nvPr>
+        </p:nvSpPr>
+        <p:spPr/>
+        <p:txBody>
+          <a:bodyPr/>
+          <a:lstStyle/>
+          <a:p>
+            <a:fld id="{194D4E80-AAF7-4841-B2F0-A647B649A6DE}" type="slidenum">
+              <a:rPr lang="en-US" smtClean="0"/>
+              <a:t>23</a:t>
+            </a:fld>
+            <a:endParaRPr lang="en-US" dirty="0"/>
+          </a:p>
+        </p:txBody>
+      </p:sp>
+    </p:spTree>
+    <p:extLst>
+      <p:ext uri="{BB962C8B-B14F-4D97-AF65-F5344CB8AC3E}">
+        <p14:creationId xmlns:p14="http://schemas.microsoft.com/office/powerpoint/2010/main" val="753568036"/>
+      </p:ext>
+    </p:extLst>
+  </p:cSld>
+  <p:clrMapOvr>
+    <a:masterClrMapping/>
+  </p:clrMapOvr>
+</p:notes>
+</file>
+
+<file path=ppt/notesSlides/notesSlide15.xml><?xml version="1.0" encoding="utf-8"?>
+<p:notes xmlns:a="http://schemas.openxmlformats.org/drawingml/2006/main" xmlns:r="http://schemas.openxmlformats.org/officeDocument/2006/relationships" xmlns:p="http://schemas.openxmlformats.org/presentationml/2006/main">
+  <p:cSld>
+    <p:spTree>
+      <p:nvGrpSpPr>
+        <p:cNvPr id="1" name=""/>
+        <p:cNvGrpSpPr/>
+        <p:nvPr/>
+      </p:nvGrpSpPr>
+      <p:grpSpPr>
+        <a:xfrm>
+          <a:off x="0" y="0"/>
+          <a:ext cx="0" cy="0"/>
+          <a:chOff x="0" y="0"/>
+          <a:chExt cx="0" cy="0"/>
+        </a:xfrm>
+      </p:grpSpPr>
+      <p:sp>
+        <p:nvSpPr>
+          <p:cNvPr id="2" name="Slide Image Placeholder 1"/>
+          <p:cNvSpPr>
+            <a:spLocks noGrp="1" noRot="1" noChangeAspect="1"/>
+          </p:cNvSpPr>
+          <p:nvPr>
+            <p:ph type="sldImg"/>
+          </p:nvPr>
+        </p:nvSpPr>
+        <p:spPr/>
+      </p:sp>
+      <p:sp>
+        <p:nvSpPr>
+          <p:cNvPr id="3" name="Notes Placeholder 2"/>
+          <p:cNvSpPr>
+            <a:spLocks noGrp="1"/>
+          </p:cNvSpPr>
+          <p:nvPr>
+            <p:ph type="body" idx="1"/>
+          </p:nvPr>
+        </p:nvSpPr>
+        <p:spPr/>
+        <p:txBody>
+          <a:bodyPr/>
+          <a:lstStyle/>
+          <a:p>
             <a:endParaRPr lang="en-US" dirty="0"/>
           </a:p>
         </p:txBody>
@@ -1253,7 +1415,7 @@
                 <a:tabLst/>
                 <a:defRPr/>
               </a:pPr>
-              <a:t>2/10/2023</a:t>
+              <a:t>3/1/2023</a:t>
             </a:fld>
             <a:endParaRPr kumimoji="0" lang="en-US" sz="1200" b="0" i="0" u="none" strike="noStrike" kern="1200" cap="none" spc="0" normalizeH="0" baseline="0" noProof="0" dirty="0">
               <a:ln>
@@ -1388,7 +1550,7 @@
                 <a:tabLst/>
                 <a:defRPr/>
               </a:pPr>
-              <a:t>22</a:t>
+              <a:t>25</a:t>
             </a:fld>
             <a:endParaRPr kumimoji="0" lang="en-US" sz="1200" b="0" i="0" u="none" strike="noStrike" kern="1200" cap="none" spc="0" normalizeH="0" baseline="0" noProof="0" dirty="0">
               <a:ln>
@@ -1584,7 +1746,7 @@
                 <a:tabLst/>
                 <a:defRPr/>
               </a:pPr>
-              <a:t>2/10/2023</a:t>
+              <a:t>3/1/2023</a:t>
             </a:fld>
             <a:endParaRPr kumimoji="0" lang="en-US" sz="1200" b="0" i="0" u="none" strike="noStrike" kern="1200" cap="none" spc="0" normalizeH="0" baseline="0" noProof="0" dirty="0">
               <a:ln>
@@ -1915,7 +2077,7 @@
                 <a:tabLst/>
                 <a:defRPr/>
               </a:pPr>
-              <a:t>2/10/2023</a:t>
+              <a:t>3/1/2023</a:t>
             </a:fld>
             <a:endParaRPr kumimoji="0" lang="en-US" sz="1200" b="0" i="0" u="none" strike="noStrike" kern="1200" cap="none" spc="0" normalizeH="0" baseline="0" noProof="0" dirty="0">
               <a:ln>
@@ -2246,7 +2408,7 @@
                 <a:tabLst/>
                 <a:defRPr/>
               </a:pPr>
-              <a:t>2/10/2023</a:t>
+              <a:t>3/1/2023</a:t>
             </a:fld>
             <a:endParaRPr kumimoji="0" lang="en-US" sz="1200" b="0" i="0" u="none" strike="noStrike" kern="1200" cap="none" spc="0" normalizeH="0" baseline="0" noProof="0" dirty="0">
               <a:ln>
@@ -2459,6 +2621,35 @@
           <a:p>
             <a:r>
               <a:rPr lang="en-US" dirty="0"/>
+              <a:t>Turtle Graphics a part of the Logo programming language</a:t>
+            </a:r>
+          </a:p>
+          <a:p>
+            <a:r>
+              <a:rPr lang="en-US" dirty="0"/>
+              <a:t>Developed by </a:t>
+            </a:r>
+            <a:r>
+              <a:rPr lang="en-US" b="0" i="0" dirty="0">
+                <a:solidFill>
+                  <a:srgbClr val="222222"/>
+                </a:solidFill>
+                <a:effectLst/>
+                <a:latin typeface="Lucida Grande"/>
+              </a:rPr>
+              <a:t>Wally Feurzeig, Seymour Papert and Cynthia Solomon in 1967 </a:t>
+            </a:r>
+            <a:r>
+              <a:rPr lang="en-US" dirty="0"/>
+              <a:t>MIT</a:t>
+            </a:r>
+          </a:p>
+          <a:p>
+            <a:endParaRPr lang="en-US" dirty="0"/>
+          </a:p>
+          <a:p>
+            <a:r>
+              <a:rPr lang="en-US" dirty="0"/>
               <a:t>We don't like possible confusion by re-using turtle.py name.</a:t>
             </a:r>
           </a:p>
@@ -2580,7 +2771,7 @@
                 <a:tabLst/>
                 <a:defRPr/>
               </a:pPr>
-              <a:t>2/10/2023</a:t>
+              <a:t>3/1/2023</a:t>
             </a:fld>
             <a:endParaRPr kumimoji="0" lang="en-US" sz="1200" b="0" i="0" u="none" strike="noStrike" kern="1200" cap="none" spc="0" normalizeH="0" baseline="0" noProof="0" dirty="0">
               <a:ln>
@@ -2914,7 +3105,7 @@
                 <a:tabLst/>
                 <a:defRPr/>
               </a:pPr>
-              <a:t>2/10/2023</a:t>
+              <a:t>3/1/2023</a:t>
             </a:fld>
             <a:endParaRPr kumimoji="0" lang="en-US" sz="1200" b="0" i="0" u="none" strike="noStrike" kern="1200" cap="none" spc="0" normalizeH="0" baseline="0" noProof="0" dirty="0">
               <a:ln>
@@ -3127,7 +3318,7 @@
           <a:p>
             <a:r>
               <a:rPr lang="en-US" dirty="0"/>
-              <a:t>We don't like possible confusion by re-using turtle.py name.</a:t>
+              <a:t>We don't want possible confusion by re-using turtle.py name.</a:t>
             </a:r>
           </a:p>
         </p:txBody>
@@ -3248,7 +3439,7 @@
                 <a:tabLst/>
                 <a:defRPr/>
               </a:pPr>
-              <a:t>2/10/2023</a:t>
+              <a:t>3/1/2023</a:t>
             </a:fld>
             <a:endParaRPr kumimoji="0" lang="en-US" sz="1200" b="0" i="0" u="none" strike="noStrike" kern="1200" cap="none" spc="0" normalizeH="0" baseline="0" noProof="0" dirty="0">
               <a:ln>
@@ -4317,7 +4508,7 @@
           <a:p>
             <a:fld id="{B1DF5501-EE91-4443-9D3B-24E6F28D34E2}" type="datetime1">
               <a:rPr lang="en-US" smtClean="0"/>
-              <a:t>2/10/2023</a:t>
+              <a:t>3/1/2023</a:t>
             </a:fld>
             <a:endParaRPr lang="en-US" dirty="0"/>
           </a:p>
@@ -4583,7 +4774,7 @@
           <a:p>
             <a:fld id="{E954E1E9-8456-43AD-BA28-861520D256B9}" type="datetime1">
               <a:rPr lang="en-US" smtClean="0"/>
-              <a:t>2/10/2023</a:t>
+              <a:t>3/1/2023</a:t>
             </a:fld>
             <a:endParaRPr lang="en-US" dirty="0"/>
           </a:p>
@@ -4901,7 +5092,7 @@
           <a:p>
             <a:fld id="{FAF31E0C-AAFD-4E63-B3AE-16CD757951F4}" type="datetime1">
               <a:rPr lang="en-US" smtClean="0"/>
-              <a:t>2/10/2023</a:t>
+              <a:t>3/1/2023</a:t>
             </a:fld>
             <a:endParaRPr lang="en-US" dirty="0"/>
           </a:p>
@@ -5246,7 +5437,7 @@
           <a:p>
             <a:fld id="{000084FF-4715-4B6E-BD22-453621E5873F}" type="datetime1">
               <a:rPr lang="en-US" smtClean="0"/>
-              <a:t>2/10/2023</a:t>
+              <a:t>3/1/2023</a:t>
             </a:fld>
             <a:endParaRPr lang="en-US" dirty="0"/>
           </a:p>
@@ -5564,7 +5755,7 @@
           <a:p>
             <a:fld id="{6AC37F8D-4DF5-4AB6-A766-5A84B3D74A3B}" type="datetime1">
               <a:rPr lang="en-US" smtClean="0"/>
-              <a:t>2/10/2023</a:t>
+              <a:t>3/1/2023</a:t>
             </a:fld>
             <a:endParaRPr lang="en-US" dirty="0"/>
           </a:p>
@@ -5961,7 +6152,7 @@
           <a:p>
             <a:fld id="{1BF3CD1A-162D-40B2-9B22-9056F77C27F2}" type="datetime1">
               <a:rPr lang="en-US" smtClean="0"/>
-              <a:t>2/10/2023</a:t>
+              <a:t>3/1/2023</a:t>
             </a:fld>
             <a:endParaRPr lang="en-US" dirty="0"/>
           </a:p>
@@ -6135,7 +6326,7 @@
           <a:p>
             <a:fld id="{D42E4200-B1E5-4E39-8279-05DD69810A37}" type="datetime1">
               <a:rPr lang="en-US" smtClean="0"/>
-              <a:t>2/10/2023</a:t>
+              <a:t>3/1/2023</a:t>
             </a:fld>
             <a:endParaRPr lang="en-US" dirty="0"/>
           </a:p>
@@ -6318,7 +6509,7 @@
           <a:p>
             <a:fld id="{47CF7895-00AC-42E5-9790-7B0E3CE09DF2}" type="datetime1">
               <a:rPr lang="en-US" smtClean="0"/>
-              <a:t>2/10/2023</a:t>
+              <a:t>3/1/2023</a:t>
             </a:fld>
             <a:endParaRPr lang="en-US" dirty="0"/>
           </a:p>
@@ -6497,7 +6688,7 @@
           <a:p>
             <a:fld id="{A7119916-CD40-456D-ABE3-55F8822671F7}" type="datetime1">
               <a:rPr lang="en-US" smtClean="0"/>
-              <a:t>2/10/2023</a:t>
+              <a:t>3/1/2023</a:t>
             </a:fld>
             <a:endParaRPr lang="en-US" dirty="0"/>
           </a:p>
@@ -6747,7 +6938,7 @@
           <a:p>
             <a:fld id="{3F9A13D6-B8C2-463B-B3F7-C62E098B328E}" type="datetime1">
               <a:rPr lang="en-US" smtClean="0"/>
-              <a:t>2/10/2023</a:t>
+              <a:t>3/1/2023</a:t>
             </a:fld>
             <a:endParaRPr lang="en-US" dirty="0"/>
           </a:p>
@@ -6982,7 +7173,7 @@
           <a:p>
             <a:fld id="{D2B63420-31EE-4E4B-911C-2601B14D9FDD}" type="datetime1">
               <a:rPr lang="en-US" smtClean="0"/>
-              <a:t>2/10/2023</a:t>
+              <a:t>3/1/2023</a:t>
             </a:fld>
             <a:endParaRPr lang="en-US" dirty="0"/>
           </a:p>
@@ -7359,7 +7550,7 @@
           <a:p>
             <a:fld id="{2DD8986D-86F8-41E6-8CFF-8C91AEF92622}" type="datetime1">
               <a:rPr lang="en-US" smtClean="0"/>
-              <a:t>2/10/2023</a:t>
+              <a:t>3/1/2023</a:t>
             </a:fld>
             <a:endParaRPr lang="en-US" dirty="0"/>
           </a:p>
@@ -7485,7 +7676,7 @@
           <a:p>
             <a:fld id="{BA885161-032E-4C6A-8EDA-39D168DF18E4}" type="datetime1">
               <a:rPr lang="en-US" smtClean="0"/>
-              <a:t>2/10/2023</a:t>
+              <a:t>3/1/2023</a:t>
             </a:fld>
             <a:endParaRPr lang="en-US" dirty="0"/>
           </a:p>
@@ -7583,7 +7774,7 @@
           <a:p>
             <a:fld id="{958E6740-E523-48D9-9C4E-6F218E87BAF3}" type="datetime1">
               <a:rPr lang="en-US" smtClean="0"/>
-              <a:t>2/10/2023</a:t>
+              <a:t>3/1/2023</a:t>
             </a:fld>
             <a:endParaRPr lang="en-US" dirty="0"/>
           </a:p>
@@ -7841,7 +8032,7 @@
           <a:p>
             <a:fld id="{6121D4CA-FF09-4CB8-8D51-2613D19A0F2E}" type="datetime1">
               <a:rPr lang="en-US" smtClean="0"/>
-              <a:t>2/10/2023</a:t>
+              <a:t>3/1/2023</a:t>
             </a:fld>
             <a:endParaRPr lang="en-US" dirty="0"/>
           </a:p>
@@ -8106,7 +8297,7 @@
           <a:p>
             <a:fld id="{8C4779EA-AEA7-43B3-9B65-A77E9A890421}" type="datetime1">
               <a:rPr lang="en-US" smtClean="0"/>
-              <a:t>2/10/2023</a:t>
+              <a:t>3/1/2023</a:t>
             </a:fld>
             <a:endParaRPr lang="en-US" dirty="0"/>
           </a:p>
@@ -8852,7 +9043,7 @@
           <a:p>
             <a:fld id="{059A67F1-3EA0-4026-BE6A-31EE4E1B1DB5}" type="datetime1">
               <a:rPr lang="en-US" smtClean="0"/>
-              <a:t>2/10/2023</a:t>
+              <a:t>3/1/2023</a:t>
             </a:fld>
             <a:endParaRPr lang="en-US" dirty="0"/>
           </a:p>
@@ -9596,7 +9787,7 @@
                 <a:tabLst/>
                 <a:defRPr/>
               </a:pPr>
-              <a:t>2/10/2023</a:t>
+              <a:t>3/1/2023</a:t>
             </a:fld>
             <a:endParaRPr kumimoji="0" lang="en-US" sz="900" b="0" i="0" u="none" strike="noStrike" kern="1200" cap="none" spc="0" normalizeH="0" baseline="0" noProof="0" dirty="0">
               <a:ln>
@@ -9721,7 +9912,7 @@
                   <a:noFill/>
                 </a:ln>
                 <a:solidFill>
-                  <a:srgbClr val="90C226"/>
+                  <a:schemeClr val="tx1"/>
                 </a:solidFill>
                 <a:effectLst/>
                 <a:uLnTx/>
@@ -9754,7 +9945,7 @@
                 <a:noFill/>
               </a:ln>
               <a:solidFill>
-                <a:srgbClr val="90C226"/>
+                <a:schemeClr val="tx1"/>
               </a:solidFill>
               <a:effectLst/>
               <a:uLnTx/>
@@ -9902,7 +10093,7 @@
                   <a:schemeClr val="tx1"/>
                 </a:solidFill>
               </a:rPr>
-              <a:t>Sample points for each visible graphic – e.g. line/rectangle</a:t>
+              <a:t>Run turtle code</a:t>
             </a:r>
           </a:p>
           <a:p>
@@ -9912,7 +10103,27 @@
                   <a:schemeClr val="tx1"/>
                 </a:solidFill>
               </a:rPr>
-              <a:t>Create display cells from points</a:t>
+              <a:t>Scan tkinter.Canvas created</a:t>
+            </a:r>
+          </a:p>
+          <a:p>
+            <a:r>
+              <a:rPr lang="en-US" sz="3800" dirty="0">
+                <a:solidFill>
+                  <a:schemeClr val="tx1"/>
+                </a:solidFill>
+              </a:rPr>
+              <a:t>Look at each of 40 by 25 regions</a:t>
+            </a:r>
+          </a:p>
+          <a:p>
+            <a:r>
+              <a:rPr lang="en-US" sz="3800" dirty="0">
+                <a:solidFill>
+                  <a:schemeClr val="tx1"/>
+                </a:solidFill>
+              </a:rPr>
+              <a:t>display regions with overlapping Canvas items</a:t>
             </a:r>
           </a:p>
           <a:p>
@@ -9948,7 +10159,7 @@
           <a:p>
             <a:fld id="{A7119916-CD40-456D-ABE3-55F8822671F7}" type="datetime1">
               <a:rPr lang="en-US" smtClean="0"/>
-              <a:t>2/10/2023</a:t>
+              <a:t>3/1/2023</a:t>
             </a:fld>
             <a:endParaRPr lang="en-US" dirty="0"/>
           </a:p>
@@ -10004,10 +10215,18 @@
           <a:lstStyle/>
           <a:p>
             <a:fld id="{6D22F896-40B5-4ADD-8801-0D06FADFA095}" type="slidenum">
-              <a:rPr lang="en-US" smtClean="0"/>
+              <a:rPr lang="en-US" smtClean="0">
+                <a:solidFill>
+                  <a:schemeClr val="tx1"/>
+                </a:solidFill>
+              </a:rPr>
               <a:t>10</a:t>
             </a:fld>
-            <a:endParaRPr lang="en-US" dirty="0"/>
+            <a:endParaRPr lang="en-US" dirty="0">
+              <a:solidFill>
+                <a:schemeClr val="tx1"/>
+              </a:solidFill>
+            </a:endParaRPr>
           </a:p>
         </p:txBody>
       </p:sp>
@@ -10154,7 +10373,7 @@
                   <a:schemeClr val="accent1"/>
                 </a:solidFill>
               </a:rPr>
-              <a:t>What are Shadow functions ?</a:t>
+              <a:t>Obtaining Turtle screen</a:t>
             </a:r>
           </a:p>
         </p:txBody>
@@ -10187,53 +10406,65 @@
           </a:bodyPr>
           <a:lstStyle/>
           <a:p>
+            <a:pPr marL="0" indent="0">
+              <a:buNone/>
+            </a:pPr>
             <a:r>
               <a:rPr lang="en-US" sz="3600" dirty="0">
                 <a:solidFill>
                   <a:schemeClr val="tx1"/>
                 </a:solidFill>
               </a:rPr>
-              <a:t>Associated with each/most primary functions e.g. Turtle functions</a:t>
-            </a:r>
-          </a:p>
-          <a:p>
-            <a:r>
-              <a:rPr lang="en-US" sz="3800" dirty="0">
-                <a:solidFill>
-                  <a:schemeClr val="tx1"/>
-                </a:solidFill>
-              </a:rPr>
-              <a:t>Produce "extra" action/state</a:t>
-            </a:r>
-          </a:p>
-          <a:p>
-            <a:r>
-              <a:rPr lang="en-US" sz="3800" dirty="0">
-                <a:solidFill>
-                  <a:schemeClr val="tx1"/>
-                </a:solidFill>
-              </a:rPr>
-              <a:t>The "extra" supports our needs</a:t>
-            </a:r>
-          </a:p>
-          <a:p>
-            <a:pPr lvl="1"/>
-            <a:r>
-              <a:rPr lang="en-US" sz="3600" dirty="0">
-                <a:solidFill>
-                  <a:schemeClr val="tx1"/>
-                </a:solidFill>
-              </a:rPr>
-              <a:t>E.g. displays, optimization, tracking</a:t>
-            </a:r>
-          </a:p>
-          <a:p>
-            <a:pPr lvl="1"/>
-            <a:endParaRPr lang="en-US" sz="3600" dirty="0">
+              <a:t>Only ONE turtle call captured:</a:t>
+            </a:r>
+            <a:endParaRPr lang="en-US" sz="3800" dirty="0">
               <a:solidFill>
                 <a:schemeClr val="tx1"/>
               </a:solidFill>
             </a:endParaRPr>
+          </a:p>
+          <a:p>
+            <a:r>
+              <a:rPr lang="en-US" sz="3800" dirty="0">
+                <a:solidFill>
+                  <a:schemeClr val="tx1"/>
+                </a:solidFill>
+              </a:rPr>
+              <a:t>done()</a:t>
+            </a:r>
+          </a:p>
+          <a:p>
+            <a:pPr lvl="1"/>
+            <a:r>
+              <a:rPr lang="en-US" sz="3600" dirty="0">
+                <a:solidFill>
+                  <a:schemeClr val="tx1"/>
+                </a:solidFill>
+              </a:rPr>
+              <a:t>Obtain turtle's tkinter.Canvas</a:t>
+            </a:r>
+          </a:p>
+          <a:p>
+            <a:pPr lvl="1"/>
+            <a:r>
+              <a:rPr lang="en-US" sz="3600" dirty="0">
+                <a:solidFill>
+                  <a:schemeClr val="tx1"/>
+                </a:solidFill>
+              </a:rPr>
+              <a:t>Scan cell regions for overlapping</a:t>
+            </a:r>
+          </a:p>
+          <a:p>
+            <a:pPr lvl="1"/>
+            <a:r>
+              <a:rPr lang="en-US" sz="3600" dirty="0">
+                <a:solidFill>
+                  <a:schemeClr val="tx1"/>
+                </a:solidFill>
+              </a:rPr>
+              <a:t>Do displays</a:t>
+            </a:r>
           </a:p>
           <a:p>
             <a:endParaRPr lang="en-US" sz="3200" dirty="0">
@@ -10267,7 +10498,7 @@
           <a:p>
             <a:fld id="{A7119916-CD40-456D-ABE3-55F8822671F7}" type="datetime1">
               <a:rPr lang="en-US" smtClean="0"/>
-              <a:t>2/10/2023</a:t>
+              <a:t>3/1/2023</a:t>
             </a:fld>
             <a:endParaRPr lang="en-US" dirty="0"/>
           </a:p>
@@ -10323,10 +10554,18 @@
           <a:lstStyle/>
           <a:p>
             <a:fld id="{6D22F896-40B5-4ADD-8801-0D06FADFA095}" type="slidenum">
-              <a:rPr lang="en-US" smtClean="0"/>
+              <a:rPr lang="en-US" smtClean="0">
+                <a:solidFill>
+                  <a:schemeClr val="tx1"/>
+                </a:solidFill>
+              </a:rPr>
               <a:t>11</a:t>
             </a:fld>
-            <a:endParaRPr lang="en-US" dirty="0"/>
+            <a:endParaRPr lang="en-US" dirty="0">
+              <a:solidFill>
+                <a:schemeClr val="tx1"/>
+              </a:solidFill>
+            </a:endParaRPr>
           </a:p>
         </p:txBody>
       </p:sp>
@@ -10473,8 +10712,17 @@
                   <a:schemeClr val="accent1"/>
                 </a:solidFill>
               </a:rPr>
-              <a:t>Our Turtle Shadow functions</a:t>
-            </a:r>
+              <a:t>Control</a:t>
+            </a:r>
+            <a:r>
+              <a:rPr lang="en-US" dirty="0"/>
+              <a:t> code snippets</a:t>
+            </a:r>
+            <a:endParaRPr lang="en-US" sz="3600" dirty="0">
+              <a:solidFill>
+                <a:schemeClr val="accent1"/>
+              </a:solidFill>
+            </a:endParaRPr>
           </a:p>
         </p:txBody>
       </p:sp>
@@ -10496,94 +10744,311 @@
         </p:nvSpPr>
         <p:spPr>
           <a:xfrm>
-            <a:off x="550113" y="2051051"/>
-            <a:ext cx="8596668" cy="3880773"/>
+            <a:off x="542162" y="1454227"/>
+            <a:ext cx="10860296" cy="4794173"/>
           </a:xfrm>
         </p:spPr>
         <p:txBody>
           <a:bodyPr>
-            <a:normAutofit/>
+            <a:noAutofit/>
           </a:bodyPr>
           <a:lstStyle/>
           <a:p>
-            <a:r>
-              <a:rPr lang="en-US" sz="3600" dirty="0">
-                <a:solidFill>
-                  <a:schemeClr val="tx1"/>
-                </a:solidFill>
-              </a:rPr>
-              <a:t>Create/maintain state for </a:t>
-            </a:r>
-            <a:r>
-              <a:rPr lang="en-US" sz="3600" b="1" dirty="0">
-                <a:solidFill>
-                  <a:schemeClr val="tx1"/>
-                </a:solidFill>
-              </a:rPr>
-              <a:t>our</a:t>
-            </a:r>
-            <a:r>
-              <a:rPr lang="en-US" sz="3600" dirty="0">
-                <a:solidFill>
-                  <a:schemeClr val="tx1"/>
-                </a:solidFill>
-              </a:rPr>
-              <a:t> display(s)</a:t>
-            </a:r>
-          </a:p>
-          <a:p>
-            <a:r>
-              <a:rPr lang="en-US" sz="3600" dirty="0">
-                <a:solidFill>
-                  <a:schemeClr val="tx1"/>
-                </a:solidFill>
-              </a:rPr>
-              <a:t>for each Turtle function</a:t>
-            </a:r>
-          </a:p>
-          <a:p>
-            <a:pPr lvl="1"/>
-            <a:r>
-              <a:rPr lang="en-US" sz="3600" dirty="0">
-                <a:solidFill>
-                  <a:schemeClr val="tx1"/>
-                </a:solidFill>
-              </a:rPr>
-              <a:t>Do action mirroring turtle action</a:t>
-            </a:r>
-          </a:p>
-          <a:p>
-            <a:pPr lvl="1"/>
-            <a:r>
-              <a:rPr lang="en-US" sz="3600" dirty="0">
-                <a:solidFill>
-                  <a:schemeClr val="tx1"/>
-                </a:solidFill>
-              </a:rPr>
-              <a:t>Maintain state e.g. color, position</a:t>
-            </a:r>
-          </a:p>
-          <a:p>
-            <a:pPr lvl="1"/>
-            <a:endParaRPr lang="en-US" sz="3600" dirty="0">
+            <a:pPr marL="0" indent="0" algn="l">
+              <a:buNone/>
+            </a:pPr>
+            <a:r>
+              <a:rPr lang="en-US" sz="2400" dirty="0">
+                <a:solidFill>
+                  <a:srgbClr val="0000FF"/>
+                </a:solidFill>
+                <a:latin typeface="Consolas" panose="020B0609020204030204" pitchFamily="49" charset="0"/>
+              </a:rPr>
+              <a:t>class</a:t>
+            </a:r>
+            <a:r>
+              <a:rPr lang="en-US" sz="2400" dirty="0">
+                <a:solidFill>
+                  <a:srgbClr val="000000"/>
+                </a:solidFill>
+                <a:latin typeface="Consolas" panose="020B0609020204030204" pitchFamily="49" charset="0"/>
+              </a:rPr>
+              <a:t> </a:t>
+            </a:r>
+            <a:r>
+              <a:rPr lang="en-US" sz="2400" b="1" dirty="0">
+                <a:solidFill>
+                  <a:srgbClr val="000000"/>
+                </a:solidFill>
+                <a:latin typeface="Consolas" panose="020B0609020204030204" pitchFamily="49" charset="0"/>
+              </a:rPr>
+              <a:t>BrailleDisplay:</a:t>
+            </a:r>
+          </a:p>
+          <a:p>
+            <a:pPr marL="0" indent="0" algn="l">
+              <a:buNone/>
+            </a:pPr>
+            <a:r>
+              <a:rPr lang="en-US" sz="2400" dirty="0">
+                <a:solidFill>
+                  <a:srgbClr val="0000FF"/>
+                </a:solidFill>
+                <a:latin typeface="Consolas" panose="020B0609020204030204" pitchFamily="49" charset="0"/>
+              </a:rPr>
+              <a:t>    def</a:t>
+            </a:r>
+            <a:r>
+              <a:rPr lang="en-US" sz="2400" dirty="0">
+                <a:solidFill>
+                  <a:srgbClr val="000000"/>
+                </a:solidFill>
+                <a:latin typeface="Consolas" panose="020B0609020204030204" pitchFamily="49" charset="0"/>
+              </a:rPr>
+              <a:t> </a:t>
+            </a:r>
+            <a:r>
+              <a:rPr lang="en-US" sz="2400" b="1" dirty="0">
+                <a:solidFill>
+                  <a:srgbClr val="000000"/>
+                </a:solidFill>
+                <a:latin typeface="Consolas" panose="020B0609020204030204" pitchFamily="49" charset="0"/>
+              </a:rPr>
+              <a:t>__init__(self, </a:t>
+            </a:r>
+            <a:r>
+              <a:rPr lang="en-US" sz="2400" b="1" dirty="0">
+                <a:solidFill>
+                  <a:schemeClr val="bg1">
+                    <a:lumMod val="50000"/>
+                  </a:schemeClr>
+                </a:solidFill>
+                <a:latin typeface="Consolas" panose="020B0609020204030204" pitchFamily="49" charset="0"/>
+              </a:rPr>
+              <a:t>…args</a:t>
+            </a:r>
+            <a:r>
+              <a:rPr lang="en-US" sz="2400" dirty="0">
+                <a:solidFill>
+                  <a:srgbClr val="000000"/>
+                </a:solidFill>
+                <a:latin typeface="Consolas" panose="020B0609020204030204" pitchFamily="49" charset="0"/>
+              </a:rPr>
+              <a:t>):</a:t>
+            </a:r>
+          </a:p>
+          <a:p>
+            <a:pPr marL="800100" lvl="2" indent="0">
+              <a:buNone/>
+            </a:pPr>
+            <a:r>
+              <a:rPr lang="en-US" sz="2400" dirty="0">
+                <a:solidFill>
+                  <a:srgbClr val="000000"/>
+                </a:solidFill>
+                <a:latin typeface="Consolas" panose="020B0609020204030204" pitchFamily="49" charset="0"/>
+              </a:rPr>
+              <a:t>    </a:t>
+            </a:r>
+            <a:r>
+              <a:rPr lang="en-US" sz="2400" dirty="0">
+                <a:solidFill>
+                  <a:schemeClr val="bg1">
+                    <a:lumMod val="50000"/>
+                  </a:schemeClr>
+                </a:solidFill>
+                <a:latin typeface="Consolas" panose="020B0609020204030204" pitchFamily="49" charset="0"/>
+              </a:rPr>
+              <a:t>…setup</a:t>
+            </a:r>
+          </a:p>
+          <a:p>
+            <a:pPr marL="800100" lvl="2" indent="0">
+              <a:buNone/>
+            </a:pPr>
+            <a:r>
+              <a:rPr lang="en-US" sz="2400" dirty="0">
+                <a:solidFill>
+                  <a:srgbClr val="000000"/>
+                </a:solidFill>
+                <a:latin typeface="Consolas" panose="020B0609020204030204" pitchFamily="49" charset="0"/>
+              </a:rPr>
+              <a:t>    </a:t>
+            </a:r>
+            <a:r>
+              <a:rPr lang="en-US" sz="2400" i="1" dirty="0">
+                <a:solidFill>
+                  <a:srgbClr val="000000"/>
+                </a:solidFill>
+                <a:latin typeface="Consolas" panose="020B0609020204030204" pitchFamily="49" charset="0"/>
+              </a:rPr>
+              <a:t>self.tu_screen = tur.Screen()</a:t>
+            </a:r>
+            <a:endParaRPr lang="en-US" sz="2400" i="1" dirty="0">
               <a:solidFill>
-                <a:schemeClr val="tx1"/>
+                <a:schemeClr val="bg1">
+                  <a:lumMod val="50000"/>
+                </a:schemeClr>
               </a:solidFill>
+              <a:latin typeface="Consolas" panose="020B0609020204030204" pitchFamily="49" charset="0"/>
             </a:endParaRPr>
           </a:p>
           <a:p>
-            <a:pPr lvl="1"/>
-            <a:endParaRPr lang="en-US" sz="3600" dirty="0">
+            <a:pPr marL="0" indent="0" algn="l">
+              <a:buNone/>
+            </a:pPr>
+            <a:r>
+              <a:rPr lang="en-US" sz="2400" dirty="0">
+                <a:solidFill>
+                  <a:srgbClr val="0000FF"/>
+                </a:solidFill>
+                <a:latin typeface="Consolas" panose="020B0609020204030204" pitchFamily="49" charset="0"/>
+              </a:rPr>
+              <a:t>    def</a:t>
+            </a:r>
+            <a:r>
+              <a:rPr lang="en-US" sz="2400" dirty="0">
+                <a:solidFill>
+                  <a:srgbClr val="000000"/>
+                </a:solidFill>
+                <a:latin typeface="Consolas" panose="020B0609020204030204" pitchFamily="49" charset="0"/>
+              </a:rPr>
+              <a:t> </a:t>
+            </a:r>
+            <a:r>
+              <a:rPr lang="en-US" sz="2400" b="1" dirty="0">
+                <a:solidFill>
+                  <a:srgbClr val="000000"/>
+                </a:solidFill>
+                <a:latin typeface="Consolas" panose="020B0609020204030204" pitchFamily="49" charset="0"/>
+              </a:rPr>
+              <a:t>done(</a:t>
+            </a:r>
+            <a:r>
+              <a:rPr lang="en-US" sz="2400" b="1" i="1" dirty="0">
+                <a:solidFill>
+                  <a:srgbClr val="000000"/>
+                </a:solidFill>
+                <a:latin typeface="Consolas" panose="020B0609020204030204" pitchFamily="49" charset="0"/>
+              </a:rPr>
+              <a:t>self): </a:t>
+            </a:r>
+            <a:r>
+              <a:rPr lang="en-US" sz="2400" b="1" i="1" dirty="0">
+                <a:solidFill>
+                  <a:schemeClr val="bg1">
+                    <a:lumMod val="50000"/>
+                  </a:schemeClr>
+                </a:solidFill>
+                <a:latin typeface="Consolas" panose="020B0609020204030204" pitchFamily="49" charset="0"/>
+              </a:rPr>
+              <a:t># called by user's program</a:t>
+            </a:r>
+          </a:p>
+          <a:p>
+            <a:pPr marL="0" indent="0" algn="l">
+              <a:buNone/>
+            </a:pPr>
+            <a:r>
+              <a:rPr lang="en-US" sz="2400" dirty="0">
+                <a:solidFill>
+                  <a:srgbClr val="000000"/>
+                </a:solidFill>
+                <a:latin typeface="Consolas" panose="020B0609020204030204" pitchFamily="49" charset="0"/>
+              </a:rPr>
+              <a:t>        </a:t>
+            </a:r>
+            <a:r>
+              <a:rPr lang="en-US" sz="2400" i="1" dirty="0">
+                <a:solidFill>
+                  <a:srgbClr val="000000"/>
+                </a:solidFill>
+                <a:latin typeface="Consolas" panose="020B0609020204030204" pitchFamily="49" charset="0"/>
+              </a:rPr>
+              <a:t>self.mainloop()</a:t>
+            </a:r>
+          </a:p>
+          <a:p>
+            <a:pPr marL="0" indent="0" algn="l">
+              <a:buNone/>
+            </a:pPr>
+            <a:r>
+              <a:rPr lang="en-US" sz="2400" dirty="0">
+                <a:solidFill>
+                  <a:srgbClr val="0000FF"/>
+                </a:solidFill>
+                <a:latin typeface="Consolas" panose="020B0609020204030204" pitchFamily="49" charset="0"/>
+              </a:rPr>
+              <a:t>    def</a:t>
+            </a:r>
+            <a:r>
+              <a:rPr lang="en-US" sz="2400" dirty="0">
+                <a:solidFill>
+                  <a:srgbClr val="000000"/>
+                </a:solidFill>
+                <a:latin typeface="Consolas" panose="020B0609020204030204" pitchFamily="49" charset="0"/>
+              </a:rPr>
+              <a:t> </a:t>
+            </a:r>
+            <a:r>
+              <a:rPr lang="en-US" sz="2400" b="1" dirty="0">
+                <a:solidFill>
+                  <a:srgbClr val="000000"/>
+                </a:solidFill>
+                <a:latin typeface="Consolas" panose="020B0609020204030204" pitchFamily="49" charset="0"/>
+              </a:rPr>
+              <a:t>mainloop(</a:t>
+            </a:r>
+            <a:r>
+              <a:rPr lang="en-US" sz="2400" b="1" i="1" dirty="0">
+                <a:solidFill>
+                  <a:srgbClr val="000000"/>
+                </a:solidFill>
+                <a:latin typeface="Consolas" panose="020B0609020204030204" pitchFamily="49" charset="0"/>
+              </a:rPr>
+              <a:t>self):</a:t>
+            </a:r>
+          </a:p>
+          <a:p>
+            <a:pPr marL="0" indent="0" algn="l">
+              <a:buNone/>
+            </a:pPr>
+            <a:r>
+              <a:rPr lang="en-US" sz="2400" i="1" dirty="0">
+                <a:solidFill>
+                  <a:srgbClr val="000000"/>
+                </a:solidFill>
+                <a:latin typeface="Consolas" panose="020B0609020204030204" pitchFamily="49" charset="0"/>
+              </a:rPr>
+              <a:t>        self.display(title=title,</a:t>
+            </a:r>
+            <a:r>
+              <a:rPr lang="en-US" sz="2400" i="1" dirty="0">
+                <a:solidFill>
+                  <a:schemeClr val="bg1">
+                    <a:lumMod val="50000"/>
+                  </a:schemeClr>
+                </a:solidFill>
+                <a:latin typeface="Consolas" panose="020B0609020204030204" pitchFamily="49" charset="0"/>
+              </a:rPr>
+              <a:t>…args</a:t>
+            </a:r>
+            <a:r>
+              <a:rPr lang="en-US" sz="2400" i="1" dirty="0">
+                <a:solidFill>
+                  <a:srgbClr val="000000"/>
+                </a:solidFill>
+                <a:latin typeface="Consolas" panose="020B0609020204030204" pitchFamily="49" charset="0"/>
+              </a:rPr>
+              <a:t>)</a:t>
+            </a:r>
+            <a:endParaRPr lang="en-US" sz="2400" i="1" dirty="0">
               <a:solidFill>
-                <a:schemeClr val="tx1"/>
+                <a:schemeClr val="bg1">
+                  <a:lumMod val="50000"/>
+                </a:schemeClr>
               </a:solidFill>
-            </a:endParaRPr>
-          </a:p>
-          <a:p>
-            <a:endParaRPr lang="en-US" sz="3200" dirty="0">
-              <a:solidFill>
-                <a:schemeClr val="accent1"/>
-              </a:solidFill>
+              <a:latin typeface="Consolas" panose="020B0609020204030204" pitchFamily="49" charset="0"/>
             </a:endParaRPr>
           </a:p>
         </p:txBody>
@@ -10611,7 +11076,7 @@
           <a:p>
             <a:fld id="{A7119916-CD40-456D-ABE3-55F8822671F7}" type="datetime1">
               <a:rPr lang="en-US" smtClean="0"/>
-              <a:t>2/10/2023</a:t>
+              <a:t>3/1/2023</a:t>
             </a:fld>
             <a:endParaRPr lang="en-US" dirty="0"/>
           </a:p>
@@ -10667,10 +11132,18 @@
           <a:lstStyle/>
           <a:p>
             <a:fld id="{6D22F896-40B5-4ADD-8801-0D06FADFA095}" type="slidenum">
-              <a:rPr lang="en-US" smtClean="0"/>
+              <a:rPr lang="en-US" smtClean="0">
+                <a:solidFill>
+                  <a:schemeClr val="tx1"/>
+                </a:solidFill>
+              </a:rPr>
               <a:t>12</a:t>
             </a:fld>
-            <a:endParaRPr lang="en-US" dirty="0"/>
+            <a:endParaRPr lang="en-US" dirty="0">
+              <a:solidFill>
+                <a:schemeClr val="tx1"/>
+              </a:solidFill>
+            </a:endParaRPr>
           </a:p>
         </p:txBody>
       </p:sp>
@@ -10689,7 +11162,7 @@
           <p:nvPr/>
         </p:nvPicPr>
         <p:blipFill>
-          <a:blip r:embed="rId2">
+          <a:blip r:embed="rId3">
             <a:extLst>
               <a:ext uri="{28A0092B-C50C-407E-A947-70E740481C1C}">
                 <a14:useLocalDpi xmlns:a14="http://schemas.microsoft.com/office/drawing/2010/main" val="0"/>
@@ -10724,7 +11197,7 @@
     </p:spTree>
     <p:extLst>
       <p:ext uri="{BB962C8B-B14F-4D97-AF65-F5344CB8AC3E}">
-        <p14:creationId xmlns:p14="http://schemas.microsoft.com/office/powerpoint/2010/main" val="1374506394"/>
+        <p14:creationId xmlns:p14="http://schemas.microsoft.com/office/powerpoint/2010/main" val="77055429"/>
       </p:ext>
     </p:extLst>
   </p:cSld>
@@ -10804,7 +11277,7 @@
         <p:spPr>
           <a:xfrm>
             <a:off x="677334" y="609600"/>
-            <a:ext cx="8596668" cy="1028369"/>
+            <a:ext cx="8596668" cy="942906"/>
           </a:xfrm>
         </p:spPr>
         <p:txBody>
@@ -10817,544 +11290,293 @@
                   <a:schemeClr val="accent1"/>
                 </a:solidFill>
               </a:rPr>
-              <a:t>Shadow Function: goto()</a:t>
-            </a:r>
-            <a:endParaRPr lang="en-US" dirty="0"/>
-          </a:p>
-        </p:txBody>
-      </p:sp>
-      <p:graphicFrame>
-        <p:nvGraphicFramePr>
-          <p:cNvPr id="7" name="Content Placeholder 6">
+              <a:t>BrailleDisplay continued</a:t>
+            </a:r>
+          </a:p>
+        </p:txBody>
+      </p:sp>
+      <p:sp>
+        <p:nvSpPr>
+          <p:cNvPr id="3" name="Content Placeholder 2">
             <a:extLst>
               <a:ext uri="{FF2B5EF4-FFF2-40B4-BE49-F238E27FC236}">
-                <a16:creationId xmlns:a16="http://schemas.microsoft.com/office/drawing/2014/main" id="{83595BD9-9FB0-755F-D8F3-6252508F6806}"/>
+                <a16:creationId xmlns:a16="http://schemas.microsoft.com/office/drawing/2014/main" id="{0C360948-50A1-2DC8-8408-53BDDAF2B33C}"/>
               </a:ext>
             </a:extLst>
           </p:cNvPr>
-          <p:cNvGraphicFramePr>
-            <a:graphicFrameLocks noGrp="1"/>
-          </p:cNvGraphicFramePr>
+          <p:cNvSpPr>
+            <a:spLocks noGrp="1"/>
+          </p:cNvSpPr>
           <p:nvPr>
             <p:ph idx="1"/>
-            <p:extLst>
-              <p:ext uri="{D42A27DB-BD31-4B8C-83A1-F6EECF244321}">
-                <p14:modId xmlns:p14="http://schemas.microsoft.com/office/powerpoint/2010/main" val="1808957110"/>
-              </p:ext>
-            </p:extLst>
-          </p:nvPr>
-        </p:nvGraphicFramePr>
-        <p:xfrm>
-          <a:off x="389615" y="1240403"/>
-          <a:ext cx="10440062" cy="4800959"/>
-        </p:xfrm>
-        <a:graphic>
-          <a:graphicData uri="http://schemas.openxmlformats.org/drawingml/2006/table">
-            <a:tbl>
-              <a:tblPr/>
-              <a:tblGrid>
-                <a:gridCol w="10440062">
-                  <a:extLst>
-                    <a:ext uri="{9D8B030D-6E8A-4147-A177-3AD203B41FA5}">
-                      <a16:colId xmlns:a16="http://schemas.microsoft.com/office/drawing/2014/main" val="2688735557"/>
-                    </a:ext>
-                  </a:extLst>
-                </a:gridCol>
-              </a:tblGrid>
-              <a:tr h="4800959">
-                <a:tc>
-                  <a:txBody>
-                    <a:bodyPr/>
-                    <a:lstStyle/>
-                    <a:p>
-                      <a:pPr marL="0" marR="0" algn="l">
-                        <a:lnSpc>
-                          <a:spcPct val="107000"/>
-                        </a:lnSpc>
-                        <a:spcBef>
-                          <a:spcPts val="200"/>
-                        </a:spcBef>
-                        <a:spcAft>
-                          <a:spcPts val="0"/>
-                        </a:spcAft>
-                      </a:pPr>
-                      <a:r>
-                        <a:rPr lang="en-US" sz="2800" dirty="0">
-                          <a:solidFill>
-                            <a:srgbClr val="0000FF"/>
-                          </a:solidFill>
-                          <a:effectLst/>
-                          <a:latin typeface="Courier New" panose="02070309020205020404" pitchFamily="49" charset="0"/>
-                          <a:ea typeface="Calibri" panose="020F0502020204030204" pitchFamily="34" charset="0"/>
-                          <a:cs typeface="Times New Roman" panose="02020603050405020304" pitchFamily="18" charset="0"/>
-                        </a:rPr>
-                        <a:t>def</a:t>
-                      </a:r>
-                      <a:r>
-                        <a:rPr lang="en-US" sz="2800" dirty="0">
-                          <a:effectLst/>
-                          <a:latin typeface="Courier New" panose="02070309020205020404" pitchFamily="49" charset="0"/>
-                          <a:ea typeface="Calibri" panose="020F0502020204030204" pitchFamily="34" charset="0"/>
-                          <a:cs typeface="Times New Roman" panose="02020603050405020304" pitchFamily="18" charset="0"/>
-                        </a:rPr>
-                        <a:t> </a:t>
-                      </a:r>
-                      <a:r>
-                        <a:rPr lang="en-US" sz="2800" b="1" dirty="0">
-                          <a:effectLst/>
-                          <a:latin typeface="Courier New" panose="02070309020205020404" pitchFamily="49" charset="0"/>
-                          <a:ea typeface="Calibri" panose="020F0502020204030204" pitchFamily="34" charset="0"/>
-                          <a:cs typeface="Times New Roman" panose="02020603050405020304" pitchFamily="18" charset="0"/>
-                        </a:rPr>
-                        <a:t>goto</a:t>
-                      </a:r>
-                      <a:r>
-                        <a:rPr lang="en-US" sz="2800" dirty="0">
-                          <a:effectLst/>
-                          <a:latin typeface="Courier New" panose="02070309020205020404" pitchFamily="49" charset="0"/>
-                          <a:ea typeface="Calibri" panose="020F0502020204030204" pitchFamily="34" charset="0"/>
-                          <a:cs typeface="Times New Roman" panose="02020603050405020304" pitchFamily="18" charset="0"/>
-                        </a:rPr>
-                        <a:t>(</a:t>
-                      </a:r>
-                      <a:r>
-                        <a:rPr lang="en-US" sz="2800" i="1" dirty="0">
-                          <a:effectLst/>
-                          <a:latin typeface="Courier New" panose="02070309020205020404" pitchFamily="49" charset="0"/>
-                          <a:ea typeface="Calibri" panose="020F0502020204030204" pitchFamily="34" charset="0"/>
-                          <a:cs typeface="Times New Roman" panose="02020603050405020304" pitchFamily="18" charset="0"/>
-                        </a:rPr>
-                        <a:t>self</a:t>
-                      </a:r>
-                      <a:r>
-                        <a:rPr lang="en-US" sz="2800" dirty="0">
-                          <a:effectLst/>
-                          <a:latin typeface="Courier New" panose="02070309020205020404" pitchFamily="49" charset="0"/>
-                          <a:ea typeface="Calibri" panose="020F0502020204030204" pitchFamily="34" charset="0"/>
-                          <a:cs typeface="Times New Roman" panose="02020603050405020304" pitchFamily="18" charset="0"/>
-                        </a:rPr>
-                        <a:t>, x, y=</a:t>
-                      </a:r>
-                      <a:r>
-                        <a:rPr lang="en-US" sz="2800" dirty="0">
-                          <a:solidFill>
-                            <a:srgbClr val="0000FF"/>
-                          </a:solidFill>
-                          <a:effectLst/>
-                          <a:latin typeface="Courier New" panose="02070309020205020404" pitchFamily="49" charset="0"/>
-                          <a:ea typeface="Calibri" panose="020F0502020204030204" pitchFamily="34" charset="0"/>
-                          <a:cs typeface="Times New Roman" panose="02020603050405020304" pitchFamily="18" charset="0"/>
-                        </a:rPr>
-                        <a:t>None</a:t>
-                      </a:r>
-                      <a:r>
-                        <a:rPr lang="en-US" sz="2800" dirty="0">
-                          <a:effectLst/>
-                          <a:latin typeface="Courier New" panose="02070309020205020404" pitchFamily="49" charset="0"/>
-                          <a:ea typeface="Calibri" panose="020F0502020204030204" pitchFamily="34" charset="0"/>
-                          <a:cs typeface="Times New Roman" panose="02020603050405020304" pitchFamily="18" charset="0"/>
-                        </a:rPr>
-                        <a:t>):</a:t>
-                      </a:r>
-                    </a:p>
-                    <a:p>
-                      <a:pPr marL="0" marR="0" algn="l">
-                        <a:lnSpc>
-                          <a:spcPct val="107000"/>
-                        </a:lnSpc>
-                        <a:spcBef>
-                          <a:spcPts val="200"/>
-                        </a:spcBef>
-                        <a:spcAft>
-                          <a:spcPts val="0"/>
-                        </a:spcAft>
-                      </a:pPr>
-                      <a:r>
-                        <a:rPr lang="en-US" sz="2800" dirty="0">
-                          <a:effectLst/>
-                          <a:latin typeface="Courier New" panose="02070309020205020404" pitchFamily="49" charset="0"/>
-                          <a:ea typeface="Calibri" panose="020F0502020204030204" pitchFamily="34" charset="0"/>
-                          <a:cs typeface="Times New Roman" panose="02020603050405020304" pitchFamily="18" charset="0"/>
-                        </a:rPr>
-                        <a:t>        rt = </a:t>
-                      </a:r>
-                      <a:r>
-                        <a:rPr lang="en-US" sz="2800" i="1" dirty="0">
-                          <a:effectLst/>
-                          <a:latin typeface="Courier New" panose="02070309020205020404" pitchFamily="49" charset="0"/>
-                          <a:ea typeface="Calibri" panose="020F0502020204030204" pitchFamily="34" charset="0"/>
-                          <a:cs typeface="Times New Roman" panose="02020603050405020304" pitchFamily="18" charset="0"/>
-                        </a:rPr>
-                        <a:t>self</a:t>
-                      </a:r>
-                      <a:r>
-                        <a:rPr lang="en-US" sz="2800" dirty="0">
-                          <a:effectLst/>
-                          <a:latin typeface="Courier New" panose="02070309020205020404" pitchFamily="49" charset="0"/>
-                          <a:ea typeface="Calibri" panose="020F0502020204030204" pitchFamily="34" charset="0"/>
-                          <a:cs typeface="Times New Roman" panose="02020603050405020304" pitchFamily="18" charset="0"/>
-                        </a:rPr>
-                        <a:t>.tu.goto(x,y) </a:t>
-                      </a:r>
-                    </a:p>
-                    <a:p>
-                      <a:pPr marL="0" marR="0" algn="l">
-                        <a:lnSpc>
-                          <a:spcPct val="107000"/>
-                        </a:lnSpc>
-                        <a:spcBef>
-                          <a:spcPts val="200"/>
-                        </a:spcBef>
-                        <a:spcAft>
-                          <a:spcPts val="0"/>
-                        </a:spcAft>
-                      </a:pPr>
-                      <a:r>
-                        <a:rPr lang="en-US" sz="2800" dirty="0">
-                          <a:effectLst/>
-                          <a:latin typeface="Courier New" panose="02070309020205020404" pitchFamily="49" charset="0"/>
-                          <a:ea typeface="Calibri" panose="020F0502020204030204" pitchFamily="34" charset="0"/>
-                          <a:cs typeface="Times New Roman" panose="02020603050405020304" pitchFamily="18" charset="0"/>
-                        </a:rPr>
-                        <a:t>        x1 = </a:t>
-                      </a:r>
-                      <a:r>
-                        <a:rPr lang="en-US" sz="2800" i="1" dirty="0">
-                          <a:effectLst/>
-                          <a:latin typeface="Courier New" panose="02070309020205020404" pitchFamily="49" charset="0"/>
-                          <a:ea typeface="Calibri" panose="020F0502020204030204" pitchFamily="34" charset="0"/>
-                          <a:cs typeface="Times New Roman" panose="02020603050405020304" pitchFamily="18" charset="0"/>
-                        </a:rPr>
-                        <a:t>self</a:t>
-                      </a:r>
-                      <a:r>
-                        <a:rPr lang="en-US" sz="2800" dirty="0">
-                          <a:effectLst/>
-                          <a:latin typeface="Courier New" panose="02070309020205020404" pitchFamily="49" charset="0"/>
-                          <a:ea typeface="Calibri" panose="020F0502020204030204" pitchFamily="34" charset="0"/>
-                          <a:cs typeface="Times New Roman" panose="02020603050405020304" pitchFamily="18" charset="0"/>
-                        </a:rPr>
-                        <a:t>.x</a:t>
-                      </a:r>
-                    </a:p>
-                    <a:p>
-                      <a:pPr marL="0" marR="0" algn="l">
-                        <a:lnSpc>
-                          <a:spcPct val="107000"/>
-                        </a:lnSpc>
-                        <a:spcBef>
-                          <a:spcPts val="200"/>
-                        </a:spcBef>
-                        <a:spcAft>
-                          <a:spcPts val="0"/>
-                        </a:spcAft>
-                      </a:pPr>
-                      <a:r>
-                        <a:rPr lang="en-US" sz="2800" dirty="0">
-                          <a:effectLst/>
-                          <a:latin typeface="Courier New" panose="02070309020205020404" pitchFamily="49" charset="0"/>
-                          <a:ea typeface="Calibri" panose="020F0502020204030204" pitchFamily="34" charset="0"/>
-                          <a:cs typeface="Times New Roman" panose="02020603050405020304" pitchFamily="18" charset="0"/>
-                        </a:rPr>
-                        <a:t>        y1 = </a:t>
-                      </a:r>
-                      <a:r>
-                        <a:rPr lang="en-US" sz="2800" i="1" dirty="0">
-                          <a:effectLst/>
-                          <a:latin typeface="Courier New" panose="02070309020205020404" pitchFamily="49" charset="0"/>
-                          <a:ea typeface="Calibri" panose="020F0502020204030204" pitchFamily="34" charset="0"/>
-                          <a:cs typeface="Times New Roman" panose="02020603050405020304" pitchFamily="18" charset="0"/>
-                        </a:rPr>
-                        <a:t>self</a:t>
-                      </a:r>
-                      <a:r>
-                        <a:rPr lang="en-US" sz="2800" dirty="0">
-                          <a:effectLst/>
-                          <a:latin typeface="Courier New" panose="02070309020205020404" pitchFamily="49" charset="0"/>
-                          <a:ea typeface="Calibri" panose="020F0502020204030204" pitchFamily="34" charset="0"/>
-                          <a:cs typeface="Times New Roman" panose="02020603050405020304" pitchFamily="18" charset="0"/>
-                        </a:rPr>
-                        <a:t>.y</a:t>
-                      </a:r>
-                    </a:p>
-                    <a:p>
-                      <a:pPr marL="0" marR="0" algn="l">
-                        <a:lnSpc>
-                          <a:spcPct val="107000"/>
-                        </a:lnSpc>
-                        <a:spcBef>
-                          <a:spcPts val="200"/>
-                        </a:spcBef>
-                        <a:spcAft>
-                          <a:spcPts val="0"/>
-                        </a:spcAft>
-                      </a:pPr>
-                      <a:r>
-                        <a:rPr lang="en-US" sz="2800" dirty="0">
-                          <a:effectLst/>
-                          <a:latin typeface="Courier New" panose="02070309020205020404" pitchFamily="49" charset="0"/>
-                          <a:ea typeface="Calibri" panose="020F0502020204030204" pitchFamily="34" charset="0"/>
-                          <a:cs typeface="Times New Roman" panose="02020603050405020304" pitchFamily="18" charset="0"/>
-                        </a:rPr>
-                        <a:t>        x2 = x </a:t>
-                      </a:r>
-                    </a:p>
-                    <a:p>
-                      <a:pPr marL="0" marR="0" algn="l">
-                        <a:lnSpc>
-                          <a:spcPct val="107000"/>
-                        </a:lnSpc>
-                        <a:spcBef>
-                          <a:spcPts val="200"/>
-                        </a:spcBef>
-                        <a:spcAft>
-                          <a:spcPts val="0"/>
-                        </a:spcAft>
-                      </a:pPr>
-                      <a:r>
-                        <a:rPr lang="en-US" sz="2800" dirty="0">
-                          <a:effectLst/>
-                          <a:latin typeface="Courier New" panose="02070309020205020404" pitchFamily="49" charset="0"/>
-                          <a:ea typeface="Calibri" panose="020F0502020204030204" pitchFamily="34" charset="0"/>
-                          <a:cs typeface="Times New Roman" panose="02020603050405020304" pitchFamily="18" charset="0"/>
-                        </a:rPr>
-                        <a:t>        </a:t>
-                      </a:r>
-                      <a:r>
-                        <a:rPr lang="en-US" sz="2800" dirty="0">
-                          <a:solidFill>
-                            <a:srgbClr val="0000FF"/>
-                          </a:solidFill>
-                          <a:effectLst/>
-                          <a:latin typeface="Courier New" panose="02070309020205020404" pitchFamily="49" charset="0"/>
-                          <a:ea typeface="Calibri" panose="020F0502020204030204" pitchFamily="34" charset="0"/>
-                          <a:cs typeface="Times New Roman" panose="02020603050405020304" pitchFamily="18" charset="0"/>
-                        </a:rPr>
-                        <a:t>if</a:t>
-                      </a:r>
-                      <a:r>
-                        <a:rPr lang="en-US" sz="2800" dirty="0">
-                          <a:effectLst/>
-                          <a:latin typeface="Courier New" panose="02070309020205020404" pitchFamily="49" charset="0"/>
-                          <a:ea typeface="Calibri" panose="020F0502020204030204" pitchFamily="34" charset="0"/>
-                          <a:cs typeface="Times New Roman" panose="02020603050405020304" pitchFamily="18" charset="0"/>
-                        </a:rPr>
-                        <a:t> y </a:t>
-                      </a:r>
-                      <a:r>
-                        <a:rPr lang="en-US" sz="2800" dirty="0">
-                          <a:solidFill>
-                            <a:srgbClr val="0000FF"/>
-                          </a:solidFill>
-                          <a:effectLst/>
-                          <a:latin typeface="Courier New" panose="02070309020205020404" pitchFamily="49" charset="0"/>
-                          <a:ea typeface="Calibri" panose="020F0502020204030204" pitchFamily="34" charset="0"/>
-                          <a:cs typeface="Times New Roman" panose="02020603050405020304" pitchFamily="18" charset="0"/>
-                        </a:rPr>
-                        <a:t>is</a:t>
-                      </a:r>
-                      <a:r>
-                        <a:rPr lang="en-US" sz="2800" dirty="0">
-                          <a:effectLst/>
-                          <a:latin typeface="Courier New" panose="02070309020205020404" pitchFamily="49" charset="0"/>
-                          <a:ea typeface="Calibri" panose="020F0502020204030204" pitchFamily="34" charset="0"/>
-                          <a:cs typeface="Times New Roman" panose="02020603050405020304" pitchFamily="18" charset="0"/>
-                        </a:rPr>
-                        <a:t> </a:t>
-                      </a:r>
-                      <a:r>
-                        <a:rPr lang="en-US" sz="2800" dirty="0">
-                          <a:solidFill>
-                            <a:srgbClr val="0000FF"/>
-                          </a:solidFill>
-                          <a:effectLst/>
-                          <a:latin typeface="Courier New" panose="02070309020205020404" pitchFamily="49" charset="0"/>
-                          <a:ea typeface="Calibri" panose="020F0502020204030204" pitchFamily="34" charset="0"/>
-                          <a:cs typeface="Times New Roman" panose="02020603050405020304" pitchFamily="18" charset="0"/>
-                        </a:rPr>
-                        <a:t>None</a:t>
-                      </a:r>
-                      <a:r>
-                        <a:rPr lang="en-US" sz="2800" dirty="0">
-                          <a:effectLst/>
-                          <a:latin typeface="Courier New" panose="02070309020205020404" pitchFamily="49" charset="0"/>
-                          <a:ea typeface="Calibri" panose="020F0502020204030204" pitchFamily="34" charset="0"/>
-                          <a:cs typeface="Times New Roman" panose="02020603050405020304" pitchFamily="18" charset="0"/>
-                        </a:rPr>
-                        <a:t>:</a:t>
-                      </a:r>
-                    </a:p>
-                    <a:p>
-                      <a:pPr marL="0" marR="0" algn="l">
-                        <a:lnSpc>
-                          <a:spcPct val="107000"/>
-                        </a:lnSpc>
-                        <a:spcBef>
-                          <a:spcPts val="200"/>
-                        </a:spcBef>
-                        <a:spcAft>
-                          <a:spcPts val="0"/>
-                        </a:spcAft>
-                      </a:pPr>
-                      <a:r>
-                        <a:rPr lang="en-US" sz="2800" dirty="0">
-                          <a:effectLst/>
-                          <a:latin typeface="Courier New" panose="02070309020205020404" pitchFamily="49" charset="0"/>
-                          <a:ea typeface="Calibri" panose="020F0502020204030204" pitchFamily="34" charset="0"/>
-                          <a:cs typeface="Times New Roman" panose="02020603050405020304" pitchFamily="18" charset="0"/>
-                        </a:rPr>
-                        <a:t>            y = </a:t>
-                      </a:r>
-                      <a:r>
-                        <a:rPr lang="en-US" sz="2800" i="1" dirty="0">
-                          <a:effectLst/>
-                          <a:latin typeface="Courier New" panose="02070309020205020404" pitchFamily="49" charset="0"/>
-                          <a:ea typeface="Calibri" panose="020F0502020204030204" pitchFamily="34" charset="0"/>
-                          <a:cs typeface="Times New Roman" panose="02020603050405020304" pitchFamily="18" charset="0"/>
-                        </a:rPr>
-                        <a:t>self</a:t>
-                      </a:r>
-                      <a:r>
-                        <a:rPr lang="en-US" sz="2800" dirty="0">
-                          <a:effectLst/>
-                          <a:latin typeface="Courier New" panose="02070309020205020404" pitchFamily="49" charset="0"/>
-                          <a:ea typeface="Calibri" panose="020F0502020204030204" pitchFamily="34" charset="0"/>
-                          <a:cs typeface="Times New Roman" panose="02020603050405020304" pitchFamily="18" charset="0"/>
-                        </a:rPr>
-                        <a:t>.y</a:t>
-                      </a:r>
-                    </a:p>
-                    <a:p>
-                      <a:pPr marL="0" marR="0" algn="l">
-                        <a:lnSpc>
-                          <a:spcPct val="107000"/>
-                        </a:lnSpc>
-                        <a:spcBef>
-                          <a:spcPts val="200"/>
-                        </a:spcBef>
-                        <a:spcAft>
-                          <a:spcPts val="0"/>
-                        </a:spcAft>
-                      </a:pPr>
-                      <a:r>
-                        <a:rPr lang="en-US" sz="2800" dirty="0">
-                          <a:effectLst/>
-                          <a:latin typeface="Courier New" panose="02070309020205020404" pitchFamily="49" charset="0"/>
-                          <a:ea typeface="Calibri" panose="020F0502020204030204" pitchFamily="34" charset="0"/>
-                          <a:cs typeface="Times New Roman" panose="02020603050405020304" pitchFamily="18" charset="0"/>
-                        </a:rPr>
-                        <a:t>        y2 = y </a:t>
-                      </a:r>
-                    </a:p>
-                    <a:p>
-                      <a:pPr marL="0" marR="0" algn="l">
-                        <a:lnSpc>
-                          <a:spcPct val="107000"/>
-                        </a:lnSpc>
-                        <a:spcBef>
-                          <a:spcPts val="200"/>
-                        </a:spcBef>
-                        <a:spcAft>
-                          <a:spcPts val="0"/>
-                        </a:spcAft>
-                      </a:pPr>
-                      <a:r>
-                        <a:rPr lang="en-US" sz="2800" dirty="0">
-                          <a:effectLst/>
-                          <a:latin typeface="Courier New" panose="02070309020205020404" pitchFamily="49" charset="0"/>
-                          <a:ea typeface="Calibri" panose="020F0502020204030204" pitchFamily="34" charset="0"/>
-                          <a:cs typeface="Times New Roman" panose="02020603050405020304" pitchFamily="18" charset="0"/>
-                        </a:rPr>
-                        <a:t>        </a:t>
-                      </a:r>
-                      <a:r>
-                        <a:rPr lang="en-US" sz="2800" i="1" dirty="0">
-                          <a:effectLst/>
-                          <a:latin typeface="Courier New" panose="02070309020205020404" pitchFamily="49" charset="0"/>
-                          <a:ea typeface="Calibri" panose="020F0502020204030204" pitchFamily="34" charset="0"/>
-                          <a:cs typeface="Times New Roman" panose="02020603050405020304" pitchFamily="18" charset="0"/>
-                        </a:rPr>
-                        <a:t>self</a:t>
-                      </a:r>
-                      <a:r>
-                        <a:rPr lang="en-US" sz="2800" dirty="0">
-                          <a:effectLst/>
-                          <a:latin typeface="Courier New" panose="02070309020205020404" pitchFamily="49" charset="0"/>
-                          <a:ea typeface="Calibri" panose="020F0502020204030204" pitchFamily="34" charset="0"/>
-                          <a:cs typeface="Times New Roman" panose="02020603050405020304" pitchFamily="18" charset="0"/>
-                        </a:rPr>
-                        <a:t>.add_line(p1=(x1,y1), p2=(x2,y2))</a:t>
-                      </a:r>
-                    </a:p>
-                    <a:p>
-                      <a:pPr marL="0" marR="0" algn="l">
-                        <a:lnSpc>
-                          <a:spcPct val="107000"/>
-                        </a:lnSpc>
-                        <a:spcBef>
-                          <a:spcPts val="200"/>
-                        </a:spcBef>
-                        <a:spcAft>
-                          <a:spcPts val="0"/>
-                        </a:spcAft>
-                      </a:pPr>
-                      <a:r>
-                        <a:rPr lang="en-US" sz="2800" dirty="0">
-                          <a:effectLst/>
-                          <a:latin typeface="Courier New" panose="02070309020205020404" pitchFamily="49" charset="0"/>
-                          <a:ea typeface="Calibri" panose="020F0502020204030204" pitchFamily="34" charset="0"/>
-                          <a:cs typeface="Times New Roman" panose="02020603050405020304" pitchFamily="18" charset="0"/>
-                        </a:rPr>
-                        <a:t>        </a:t>
-                      </a:r>
-                      <a:r>
-                        <a:rPr lang="en-US" sz="2800" dirty="0">
-                          <a:solidFill>
-                            <a:srgbClr val="0000FF"/>
-                          </a:solidFill>
-                          <a:effectLst/>
-                          <a:latin typeface="Courier New" panose="02070309020205020404" pitchFamily="49" charset="0"/>
-                          <a:ea typeface="Calibri" panose="020F0502020204030204" pitchFamily="34" charset="0"/>
-                          <a:cs typeface="Times New Roman" panose="02020603050405020304" pitchFamily="18" charset="0"/>
-                        </a:rPr>
-                        <a:t>return</a:t>
-                      </a:r>
-                      <a:r>
-                        <a:rPr lang="en-US" sz="2800" dirty="0">
-                          <a:effectLst/>
-                          <a:latin typeface="Courier New" panose="02070309020205020404" pitchFamily="49" charset="0"/>
-                          <a:ea typeface="Calibri" panose="020F0502020204030204" pitchFamily="34" charset="0"/>
-                          <a:cs typeface="Times New Roman" panose="02020603050405020304" pitchFamily="18" charset="0"/>
-                        </a:rPr>
-                        <a:t> rt</a:t>
-                      </a:r>
-                    </a:p>
-                  </a:txBody>
-                  <a:tcPr marL="0" marR="0" marT="0" marB="0">
-                    <a:lnL>
-                      <a:noFill/>
-                    </a:lnL>
-                    <a:lnR>
-                      <a:noFill/>
-                    </a:lnR>
-                    <a:lnT>
-                      <a:noFill/>
-                    </a:lnT>
-                    <a:lnB>
-                      <a:noFill/>
-                    </a:lnB>
-                  </a:tcPr>
-                </a:tc>
-                <a:extLst>
-                  <a:ext uri="{0D108BD9-81ED-4DB2-BD59-A6C34878D82A}">
-                    <a16:rowId xmlns:a16="http://schemas.microsoft.com/office/drawing/2014/main" val="1185727523"/>
-                  </a:ext>
-                </a:extLst>
-              </a:tr>
-            </a:tbl>
-          </a:graphicData>
-        </a:graphic>
-      </p:graphicFrame>
+          </p:nvPr>
+        </p:nvSpPr>
+        <p:spPr>
+          <a:xfrm>
+            <a:off x="542162" y="1454227"/>
+            <a:ext cx="10860296" cy="4794173"/>
+          </a:xfrm>
+        </p:spPr>
+        <p:txBody>
+          <a:bodyPr>
+            <a:noAutofit/>
+          </a:bodyPr>
+          <a:lstStyle/>
+          <a:p>
+            <a:pPr marL="0" indent="0" algn="l">
+              <a:buNone/>
+            </a:pPr>
+            <a:r>
+              <a:rPr lang="en-US" sz="2400" dirty="0">
+                <a:solidFill>
+                  <a:srgbClr val="0000FF"/>
+                </a:solidFill>
+                <a:latin typeface="Consolas" panose="020B0609020204030204" pitchFamily="49" charset="0"/>
+              </a:rPr>
+              <a:t>…</a:t>
+            </a:r>
+            <a:endParaRPr lang="en-US" sz="2400" b="1" dirty="0">
+              <a:solidFill>
+                <a:srgbClr val="000000"/>
+              </a:solidFill>
+              <a:latin typeface="Consolas" panose="020B0609020204030204" pitchFamily="49" charset="0"/>
+            </a:endParaRPr>
+          </a:p>
+          <a:p>
+            <a:pPr marL="0" indent="0" algn="l">
+              <a:buNone/>
+            </a:pPr>
+            <a:r>
+              <a:rPr lang="en-US" sz="2400" dirty="0">
+                <a:solidFill>
+                  <a:srgbClr val="0000FF"/>
+                </a:solidFill>
+                <a:latin typeface="Consolas" panose="020B0609020204030204" pitchFamily="49" charset="0"/>
+              </a:rPr>
+              <a:t>    def</a:t>
+            </a:r>
+            <a:r>
+              <a:rPr lang="en-US" sz="2400" dirty="0">
+                <a:solidFill>
+                  <a:srgbClr val="000000"/>
+                </a:solidFill>
+                <a:latin typeface="Consolas" panose="020B0609020204030204" pitchFamily="49" charset="0"/>
+              </a:rPr>
+              <a:t> </a:t>
+            </a:r>
+            <a:r>
+              <a:rPr lang="en-US" sz="2400" b="1" dirty="0">
+                <a:solidFill>
+                  <a:srgbClr val="000000"/>
+                </a:solidFill>
+                <a:latin typeface="Consolas" panose="020B0609020204030204" pitchFamily="49" charset="0"/>
+              </a:rPr>
+              <a:t>display(self, </a:t>
+            </a:r>
+            <a:r>
+              <a:rPr lang="en-US" sz="2400" b="1" dirty="0">
+                <a:solidFill>
+                  <a:schemeClr val="bg1">
+                    <a:lumMod val="50000"/>
+                  </a:schemeClr>
+                </a:solidFill>
+                <a:latin typeface="Consolas" panose="020B0609020204030204" pitchFamily="49" charset="0"/>
+              </a:rPr>
+              <a:t>…args</a:t>
+            </a:r>
+            <a:r>
+              <a:rPr lang="en-US" sz="2400" dirty="0">
+                <a:solidFill>
+                  <a:srgbClr val="000000"/>
+                </a:solidFill>
+                <a:latin typeface="Consolas" panose="020B0609020204030204" pitchFamily="49" charset="0"/>
+              </a:rPr>
+              <a:t>):</a:t>
+            </a:r>
+          </a:p>
+          <a:p>
+            <a:pPr marL="0" indent="0" algn="l">
+              <a:buNone/>
+            </a:pPr>
+            <a:r>
+              <a:rPr lang="en-US" sz="2400" dirty="0">
+                <a:solidFill>
+                  <a:srgbClr val="000000"/>
+                </a:solidFill>
+                <a:latin typeface="Consolas" panose="020B0609020204030204" pitchFamily="49" charset="0"/>
+              </a:rPr>
+              <a:t>    </a:t>
+            </a:r>
+            <a:r>
+              <a:rPr lang="en-US" sz="2400" dirty="0">
+                <a:solidFill>
+                  <a:schemeClr val="bg1">
+                    <a:lumMod val="50000"/>
+                  </a:schemeClr>
+                </a:solidFill>
+                <a:latin typeface="Consolas" panose="020B0609020204030204" pitchFamily="49" charset="0"/>
+              </a:rPr>
+              <a:t>…setup</a:t>
+            </a:r>
+            <a:endParaRPr lang="en-US" sz="2400" i="1" dirty="0">
+              <a:solidFill>
+                <a:schemeClr val="bg1">
+                  <a:lumMod val="50000"/>
+                </a:schemeClr>
+              </a:solidFill>
+              <a:latin typeface="Consolas" panose="020B0609020204030204" pitchFamily="49" charset="0"/>
+            </a:endParaRPr>
+          </a:p>
+          <a:p>
+            <a:pPr marL="0" indent="0" algn="l">
+              <a:buNone/>
+            </a:pPr>
+            <a:r>
+              <a:rPr lang="en-US" sz="2400" dirty="0">
+                <a:solidFill>
+                  <a:srgbClr val="000000"/>
+                </a:solidFill>
+                <a:latin typeface="Consolas" panose="020B0609020204030204" pitchFamily="49" charset="0"/>
+              </a:rPr>
+              <a:t>    tu_canvas = </a:t>
+            </a:r>
+            <a:r>
+              <a:rPr lang="en-US" sz="2400" i="1" dirty="0">
+                <a:solidFill>
+                  <a:srgbClr val="000000"/>
+                </a:solidFill>
+                <a:latin typeface="Consolas" panose="020B0609020204030204" pitchFamily="49" charset="0"/>
+              </a:rPr>
+              <a:t>self.tu_screen.getcanvas()</a:t>
+            </a:r>
+          </a:p>
+          <a:p>
+            <a:pPr marL="0" indent="0" algn="l">
+              <a:buNone/>
+            </a:pPr>
+            <a:r>
+              <a:rPr lang="en-US" sz="2400" dirty="0">
+                <a:solidFill>
+                  <a:srgbClr val="000000"/>
+                </a:solidFill>
+                <a:latin typeface="Consolas" panose="020B0609020204030204" pitchFamily="49" charset="0"/>
+              </a:rPr>
+              <a:t>    </a:t>
+            </a:r>
+            <a:r>
+              <a:rPr lang="en-US" sz="2400" i="1" dirty="0">
+                <a:solidFill>
+                  <a:srgbClr val="000000"/>
+                </a:solidFill>
+                <a:latin typeface="Consolas" panose="020B0609020204030204" pitchFamily="49" charset="0"/>
+              </a:rPr>
+              <a:t>self.canvas_grid = CanvasGrid(master=mw,</a:t>
+            </a:r>
+          </a:p>
+          <a:p>
+            <a:pPr marL="0" indent="0" algn="l">
+              <a:buNone/>
+            </a:pPr>
+            <a:r>
+              <a:rPr lang="en-US" sz="2400" i="1" dirty="0">
+                <a:solidFill>
+                  <a:srgbClr val="000000"/>
+                </a:solidFill>
+                <a:latin typeface="Consolas" panose="020B0609020204030204" pitchFamily="49" charset="0"/>
+              </a:rPr>
+              <a:t>                                 base=tu_canvas</a:t>
+            </a:r>
+            <a:r>
+              <a:rPr lang="en-US" sz="2400" b="1" i="1" dirty="0">
+                <a:solidFill>
+                  <a:srgbClr val="000000"/>
+                </a:solidFill>
+                <a:latin typeface="Consolas" panose="020B0609020204030204" pitchFamily="49" charset="0"/>
+              </a:rPr>
+              <a:t>,…</a:t>
+            </a:r>
+            <a:r>
+              <a:rPr lang="en-US" sz="2400" dirty="0">
+                <a:solidFill>
+                  <a:schemeClr val="bg1">
+                    <a:lumMod val="50000"/>
+                  </a:schemeClr>
+                </a:solidFill>
+                <a:latin typeface="Consolas" panose="020B0609020204030204" pitchFamily="49" charset="0"/>
+              </a:rPr>
+              <a:t>more args</a:t>
+            </a:r>
+            <a:r>
+              <a:rPr lang="en-US" sz="2400" b="1" i="1" dirty="0">
+                <a:solidFill>
+                  <a:srgbClr val="000000"/>
+                </a:solidFill>
+                <a:latin typeface="Consolas" panose="020B0609020204030204" pitchFamily="49" charset="0"/>
+              </a:rPr>
+              <a:t>)</a:t>
+            </a:r>
+          </a:p>
+          <a:p>
+            <a:pPr marL="0" indent="0" algn="l">
+              <a:buNone/>
+            </a:pPr>
+            <a:r>
+              <a:rPr lang="en-US" sz="2400" b="1" i="1" dirty="0">
+                <a:solidFill>
+                  <a:srgbClr val="000000"/>
+                </a:solidFill>
+                <a:latin typeface="Consolas" panose="020B0609020204030204" pitchFamily="49" charset="0"/>
+              </a:rPr>
+              <a:t>    …</a:t>
+            </a:r>
+          </a:p>
+          <a:p>
+            <a:pPr marL="0" indent="0" algn="l">
+              <a:buNone/>
+            </a:pPr>
+            <a:r>
+              <a:rPr lang="en-US" sz="1800" dirty="0">
+                <a:solidFill>
+                  <a:srgbClr val="000000"/>
+                </a:solidFill>
+                <a:latin typeface="Consolas" panose="020B0609020204030204" pitchFamily="49" charset="0"/>
+              </a:rPr>
+              <a:t>     </a:t>
+            </a:r>
+            <a:r>
+              <a:rPr lang="en-US" sz="2400" i="1" dirty="0">
+                <a:solidFill>
+                  <a:srgbClr val="000000"/>
+                </a:solidFill>
+                <a:latin typeface="Consolas" panose="020B0609020204030204" pitchFamily="49" charset="0"/>
+              </a:rPr>
+              <a:t>self.aud_win = self.canvas_grid.create_audio_window(</a:t>
+            </a:r>
+          </a:p>
+          <a:p>
+            <a:pPr marL="0" indent="0" algn="l">
+              <a:buNone/>
+            </a:pPr>
+            <a:r>
+              <a:rPr lang="en-US" sz="2400" i="1" dirty="0">
+                <a:solidFill>
+                  <a:srgbClr val="000000"/>
+                </a:solidFill>
+                <a:latin typeface="Consolas" panose="020B0609020204030204" pitchFamily="49" charset="0"/>
+              </a:rPr>
+              <a:t>                                             title=tib)</a:t>
+            </a:r>
+            <a:endParaRPr lang="en-US" sz="2400" i="1" dirty="0">
+              <a:solidFill>
+                <a:schemeClr val="bg1">
+                  <a:lumMod val="50000"/>
+                </a:schemeClr>
+              </a:solidFill>
+              <a:latin typeface="Consolas" panose="020B0609020204030204" pitchFamily="49" charset="0"/>
+            </a:endParaRPr>
+          </a:p>
+        </p:txBody>
+      </p:sp>
       <p:sp>
         <p:nvSpPr>
           <p:cNvPr id="4" name="Date Placeholder 3">
@@ -11378,7 +11600,7 @@
           <a:p>
             <a:fld id="{A7119916-CD40-456D-ABE3-55F8822671F7}" type="datetime1">
               <a:rPr lang="en-US" smtClean="0"/>
-              <a:t>2/10/2023</a:t>
+              <a:t>3/1/2023</a:t>
             </a:fld>
             <a:endParaRPr lang="en-US" dirty="0"/>
           </a:p>
@@ -11434,10 +11656,18 @@
           <a:lstStyle/>
           <a:p>
             <a:fld id="{6D22F896-40B5-4ADD-8801-0D06FADFA095}" type="slidenum">
-              <a:rPr lang="en-US" smtClean="0"/>
+              <a:rPr lang="en-US" smtClean="0">
+                <a:solidFill>
+                  <a:schemeClr val="tx1"/>
+                </a:solidFill>
+              </a:rPr>
               <a:t>13</a:t>
             </a:fld>
-            <a:endParaRPr lang="en-US" dirty="0"/>
+            <a:endParaRPr lang="en-US" dirty="0">
+              <a:solidFill>
+                <a:schemeClr val="tx1"/>
+              </a:solidFill>
+            </a:endParaRPr>
           </a:p>
         </p:txBody>
       </p:sp>
@@ -11456,7 +11686,7 @@
           <p:nvPr/>
         </p:nvPicPr>
         <p:blipFill>
-          <a:blip r:embed="rId2">
+          <a:blip r:embed="rId3">
             <a:extLst>
               <a:ext uri="{28A0092B-C50C-407E-A947-70E740481C1C}">
                 <a14:useLocalDpi xmlns:a14="http://schemas.microsoft.com/office/drawing/2010/main" val="0"/>
@@ -11491,7 +11721,7 @@
     </p:spTree>
     <p:extLst>
       <p:ext uri="{BB962C8B-B14F-4D97-AF65-F5344CB8AC3E}">
-        <p14:creationId xmlns:p14="http://schemas.microsoft.com/office/powerpoint/2010/main" val="414912413"/>
+        <p14:creationId xmlns:p14="http://schemas.microsoft.com/office/powerpoint/2010/main" val="1473608929"/>
       </p:ext>
     </p:extLst>
   </p:cSld>
@@ -11568,7 +11798,12 @@
             <p:ph type="title"/>
           </p:nvPr>
         </p:nvSpPr>
-        <p:spPr/>
+        <p:spPr>
+          <a:xfrm>
+            <a:off x="677334" y="609600"/>
+            <a:ext cx="8596668" cy="942906"/>
+          </a:xfrm>
+        </p:spPr>
         <p:txBody>
           <a:bodyPr/>
           <a:lstStyle/>
@@ -11579,891 +11814,330 @@
                   <a:schemeClr val="accent1"/>
                 </a:solidFill>
               </a:rPr>
-              <a:t>Shadow function: add_line</a:t>
-            </a:r>
-            <a:endParaRPr lang="en-US" dirty="0"/>
-          </a:p>
-        </p:txBody>
-      </p:sp>
-      <p:graphicFrame>
-        <p:nvGraphicFramePr>
-          <p:cNvPr id="7" name="Content Placeholder 6">
+              <a:t>Scanning</a:t>
+            </a:r>
+            <a:r>
+              <a:rPr lang="en-US" dirty="0"/>
+              <a:t> code snippets</a:t>
+            </a:r>
+            <a:endParaRPr lang="en-US" sz="3600" dirty="0">
+              <a:solidFill>
+                <a:schemeClr val="accent1"/>
+              </a:solidFill>
+            </a:endParaRPr>
+          </a:p>
+        </p:txBody>
+      </p:sp>
+      <p:sp>
+        <p:nvSpPr>
+          <p:cNvPr id="3" name="Content Placeholder 2">
             <a:extLst>
               <a:ext uri="{FF2B5EF4-FFF2-40B4-BE49-F238E27FC236}">
-                <a16:creationId xmlns:a16="http://schemas.microsoft.com/office/drawing/2014/main" id="{A6EF2408-1881-ECFB-7EB9-C348BF465B77}"/>
+                <a16:creationId xmlns:a16="http://schemas.microsoft.com/office/drawing/2014/main" id="{0C360948-50A1-2DC8-8408-53BDDAF2B33C}"/>
               </a:ext>
             </a:extLst>
           </p:cNvPr>
-          <p:cNvGraphicFramePr>
-            <a:graphicFrameLocks noGrp="1"/>
-          </p:cNvGraphicFramePr>
+          <p:cNvSpPr>
+            <a:spLocks noGrp="1"/>
+          </p:cNvSpPr>
           <p:nvPr>
             <p:ph idx="1"/>
-            <p:extLst>
-              <p:ext uri="{D42A27DB-BD31-4B8C-83A1-F6EECF244321}">
-                <p14:modId xmlns:p14="http://schemas.microsoft.com/office/powerpoint/2010/main" val="2918274878"/>
-              </p:ext>
-            </p:extLst>
-          </p:nvPr>
-        </p:nvGraphicFramePr>
-        <p:xfrm>
-          <a:off x="834887" y="1262190"/>
-          <a:ext cx="8348869" cy="4608957"/>
-        </p:xfrm>
-        <a:graphic>
-          <a:graphicData uri="http://schemas.openxmlformats.org/drawingml/2006/table">
-            <a:tbl>
-              <a:tblPr/>
-              <a:tblGrid>
-                <a:gridCol w="8348869">
-                  <a:extLst>
-                    <a:ext uri="{9D8B030D-6E8A-4147-A177-3AD203B41FA5}">
-                      <a16:colId xmlns:a16="http://schemas.microsoft.com/office/drawing/2014/main" val="3396662951"/>
-                    </a:ext>
-                  </a:extLst>
-                </a:gridCol>
-              </a:tblGrid>
-              <a:tr h="4548188">
-                <a:tc>
-                  <a:txBody>
-                    <a:bodyPr/>
-                    <a:lstStyle/>
-                    <a:p>
-                      <a:pPr marL="0" marR="0" algn="l">
-                        <a:lnSpc>
-                          <a:spcPct val="107000"/>
-                        </a:lnSpc>
-                        <a:spcBef>
-                          <a:spcPts val="200"/>
-                        </a:spcBef>
-                        <a:spcAft>
-                          <a:spcPts val="0"/>
-                        </a:spcAft>
-                      </a:pPr>
-                      <a:r>
-                        <a:rPr lang="en-US" sz="1800" dirty="0">
-                          <a:effectLst/>
-                          <a:latin typeface="Courier New" panose="02070309020205020404" pitchFamily="49" charset="0"/>
-                          <a:ea typeface="Calibri" panose="020F0502020204030204" pitchFamily="34" charset="0"/>
-                          <a:cs typeface="Times New Roman" panose="02020603050405020304" pitchFamily="18" charset="0"/>
-                        </a:rPr>
-                        <a:t>    </a:t>
-                      </a:r>
-                      <a:r>
-                        <a:rPr lang="en-US" sz="1800" dirty="0">
-                          <a:solidFill>
-                            <a:srgbClr val="0000FF"/>
-                          </a:solidFill>
-                          <a:effectLst/>
-                          <a:latin typeface="Courier New" panose="02070309020205020404" pitchFamily="49" charset="0"/>
-                          <a:ea typeface="Calibri" panose="020F0502020204030204" pitchFamily="34" charset="0"/>
-                          <a:cs typeface="Times New Roman" panose="02020603050405020304" pitchFamily="18" charset="0"/>
-                        </a:rPr>
-                        <a:t>def</a:t>
-                      </a:r>
-                      <a:r>
-                        <a:rPr lang="en-US" sz="1800" dirty="0">
-                          <a:effectLst/>
-                          <a:latin typeface="Courier New" panose="02070309020205020404" pitchFamily="49" charset="0"/>
-                          <a:ea typeface="Calibri" panose="020F0502020204030204" pitchFamily="34" charset="0"/>
-                          <a:cs typeface="Times New Roman" panose="02020603050405020304" pitchFamily="18" charset="0"/>
-                        </a:rPr>
-                        <a:t> </a:t>
-                      </a:r>
-                      <a:r>
-                        <a:rPr lang="en-US" sz="1800" b="1" dirty="0">
-                          <a:effectLst/>
-                          <a:latin typeface="Courier New" panose="02070309020205020404" pitchFamily="49" charset="0"/>
-                          <a:ea typeface="Calibri" panose="020F0502020204030204" pitchFamily="34" charset="0"/>
-                          <a:cs typeface="Times New Roman" panose="02020603050405020304" pitchFamily="18" charset="0"/>
-                        </a:rPr>
-                        <a:t>add_line</a:t>
-                      </a:r>
-                      <a:r>
-                        <a:rPr lang="en-US" sz="1800" dirty="0">
-                          <a:effectLst/>
-                          <a:latin typeface="Courier New" panose="02070309020205020404" pitchFamily="49" charset="0"/>
-                          <a:ea typeface="Calibri" panose="020F0502020204030204" pitchFamily="34" charset="0"/>
-                          <a:cs typeface="Times New Roman" panose="02020603050405020304" pitchFamily="18" charset="0"/>
-                        </a:rPr>
-                        <a:t>(</a:t>
-                      </a:r>
-                      <a:r>
-                        <a:rPr lang="en-US" sz="1800" i="1" dirty="0">
-                          <a:effectLst/>
-                          <a:latin typeface="Courier New" panose="02070309020205020404" pitchFamily="49" charset="0"/>
-                          <a:ea typeface="Calibri" panose="020F0502020204030204" pitchFamily="34" charset="0"/>
-                          <a:cs typeface="Times New Roman" panose="02020603050405020304" pitchFamily="18" charset="0"/>
-                        </a:rPr>
-                        <a:t>self</a:t>
-                      </a:r>
-                      <a:r>
-                        <a:rPr lang="en-US" sz="1800" dirty="0">
-                          <a:effectLst/>
-                          <a:latin typeface="Courier New" panose="02070309020205020404" pitchFamily="49" charset="0"/>
-                          <a:ea typeface="Calibri" panose="020F0502020204030204" pitchFamily="34" charset="0"/>
-                          <a:cs typeface="Times New Roman" panose="02020603050405020304" pitchFamily="18" charset="0"/>
-                        </a:rPr>
-                        <a:t>, p1=</a:t>
-                      </a:r>
-                      <a:r>
-                        <a:rPr lang="en-US" sz="1800" dirty="0">
-                          <a:solidFill>
-                            <a:srgbClr val="0000FF"/>
-                          </a:solidFill>
-                          <a:effectLst/>
-                          <a:latin typeface="Courier New" panose="02070309020205020404" pitchFamily="49" charset="0"/>
-                          <a:ea typeface="Calibri" panose="020F0502020204030204" pitchFamily="34" charset="0"/>
-                          <a:cs typeface="Times New Roman" panose="02020603050405020304" pitchFamily="18" charset="0"/>
-                        </a:rPr>
-                        <a:t>None</a:t>
-                      </a:r>
-                      <a:r>
-                        <a:rPr lang="en-US" sz="1800" dirty="0">
-                          <a:effectLst/>
-                          <a:latin typeface="Courier New" panose="02070309020205020404" pitchFamily="49" charset="0"/>
-                          <a:ea typeface="Calibri" panose="020F0502020204030204" pitchFamily="34" charset="0"/>
-                          <a:cs typeface="Times New Roman" panose="02020603050405020304" pitchFamily="18" charset="0"/>
-                        </a:rPr>
-                        <a:t>, p2=</a:t>
-                      </a:r>
-                      <a:r>
-                        <a:rPr lang="en-US" sz="1800" dirty="0">
-                          <a:solidFill>
-                            <a:srgbClr val="0000FF"/>
-                          </a:solidFill>
-                          <a:effectLst/>
-                          <a:latin typeface="Courier New" panose="02070309020205020404" pitchFamily="49" charset="0"/>
-                          <a:ea typeface="Calibri" panose="020F0502020204030204" pitchFamily="34" charset="0"/>
-                          <a:cs typeface="Times New Roman" panose="02020603050405020304" pitchFamily="18" charset="0"/>
-                        </a:rPr>
-                        <a:t>None</a:t>
-                      </a:r>
-                      <a:r>
-                        <a:rPr lang="en-US" sz="1800" dirty="0">
-                          <a:effectLst/>
-                          <a:latin typeface="Courier New" panose="02070309020205020404" pitchFamily="49" charset="0"/>
-                          <a:ea typeface="Calibri" panose="020F0502020204030204" pitchFamily="34" charset="0"/>
-                          <a:cs typeface="Times New Roman" panose="02020603050405020304" pitchFamily="18" charset="0"/>
-                        </a:rPr>
-                        <a:t>, color=</a:t>
-                      </a:r>
-                      <a:r>
-                        <a:rPr lang="en-US" sz="1800" dirty="0">
-                          <a:solidFill>
-                            <a:srgbClr val="0000FF"/>
-                          </a:solidFill>
-                          <a:effectLst/>
-                          <a:latin typeface="Courier New" panose="02070309020205020404" pitchFamily="49" charset="0"/>
-                          <a:ea typeface="Calibri" panose="020F0502020204030204" pitchFamily="34" charset="0"/>
-                          <a:cs typeface="Times New Roman" panose="02020603050405020304" pitchFamily="18" charset="0"/>
-                        </a:rPr>
-                        <a:t>None</a:t>
-                      </a:r>
-                      <a:r>
-                        <a:rPr lang="en-US" sz="1800" dirty="0">
-                          <a:effectLst/>
-                          <a:latin typeface="Courier New" panose="02070309020205020404" pitchFamily="49" charset="0"/>
-                          <a:ea typeface="Calibri" panose="020F0502020204030204" pitchFamily="34" charset="0"/>
-                          <a:cs typeface="Times New Roman" panose="02020603050405020304" pitchFamily="18" charset="0"/>
-                        </a:rPr>
-                        <a:t>,</a:t>
-                      </a:r>
-                    </a:p>
-                    <a:p>
-                      <a:pPr marL="0" marR="0" algn="l">
-                        <a:lnSpc>
-                          <a:spcPct val="107000"/>
-                        </a:lnSpc>
-                        <a:spcBef>
-                          <a:spcPts val="200"/>
-                        </a:spcBef>
-                        <a:spcAft>
-                          <a:spcPts val="0"/>
-                        </a:spcAft>
-                      </a:pPr>
-                      <a:r>
-                        <a:rPr lang="en-US" sz="1800" dirty="0">
-                          <a:effectLst/>
-                          <a:latin typeface="Courier New" panose="02070309020205020404" pitchFamily="49" charset="0"/>
-                          <a:ea typeface="Calibri" panose="020F0502020204030204" pitchFamily="34" charset="0"/>
-                          <a:cs typeface="Times New Roman" panose="02020603050405020304" pitchFamily="18" charset="0"/>
-                        </a:rPr>
-                        <a:t>                      width=</a:t>
-                      </a:r>
-                      <a:r>
-                        <a:rPr lang="en-US" sz="1800" dirty="0">
-                          <a:solidFill>
-                            <a:srgbClr val="0000FF"/>
-                          </a:solidFill>
-                          <a:effectLst/>
-                          <a:latin typeface="Courier New" panose="02070309020205020404" pitchFamily="49" charset="0"/>
-                          <a:ea typeface="Calibri" panose="020F0502020204030204" pitchFamily="34" charset="0"/>
-                          <a:cs typeface="Times New Roman" panose="02020603050405020304" pitchFamily="18" charset="0"/>
-                        </a:rPr>
-                        <a:t>None</a:t>
-                      </a:r>
-                      <a:r>
-                        <a:rPr lang="en-US" sz="1800" dirty="0">
-                          <a:effectLst/>
-                          <a:latin typeface="Courier New" panose="02070309020205020404" pitchFamily="49" charset="0"/>
-                          <a:ea typeface="Calibri" panose="020F0502020204030204" pitchFamily="34" charset="0"/>
-                          <a:cs typeface="Times New Roman" panose="02020603050405020304" pitchFamily="18" charset="0"/>
-                        </a:rPr>
-                        <a:t>):</a:t>
-                      </a:r>
-                    </a:p>
-                    <a:p>
-                      <a:pPr marL="0" marR="0" algn="l">
-                        <a:lnSpc>
-                          <a:spcPct val="107000"/>
-                        </a:lnSpc>
-                        <a:spcBef>
-                          <a:spcPts val="200"/>
-                        </a:spcBef>
-                        <a:spcAft>
-                          <a:spcPts val="0"/>
-                        </a:spcAft>
-                      </a:pPr>
-                      <a:r>
-                        <a:rPr lang="en-US" sz="1800" dirty="0">
-                          <a:effectLst/>
-                          <a:latin typeface="Courier New" panose="02070309020205020404" pitchFamily="49" charset="0"/>
-                          <a:ea typeface="Calibri" panose="020F0502020204030204" pitchFamily="34" charset="0"/>
-                          <a:cs typeface="Times New Roman" panose="02020603050405020304" pitchFamily="18" charset="0"/>
-                        </a:rPr>
-                        <a:t>        </a:t>
-                      </a:r>
-                      <a:r>
-                        <a:rPr lang="en-US" sz="1800" i="1" dirty="0">
-                          <a:solidFill>
-                            <a:srgbClr val="00AA00"/>
-                          </a:solidFill>
-                          <a:effectLst/>
-                          <a:latin typeface="Courier New" panose="02070309020205020404" pitchFamily="49" charset="0"/>
-                          <a:ea typeface="Calibri" panose="020F0502020204030204" pitchFamily="34" charset="0"/>
-                          <a:cs typeface="Times New Roman" panose="02020603050405020304" pitchFamily="18" charset="0"/>
-                        </a:rPr>
-                        <a:t>""" Add new line</a:t>
-                      </a:r>
-                      <a:endParaRPr lang="en-US" sz="1800" dirty="0">
-                        <a:effectLst/>
-                        <a:latin typeface="Courier New" panose="02070309020205020404" pitchFamily="49" charset="0"/>
-                        <a:ea typeface="Calibri" panose="020F0502020204030204" pitchFamily="34" charset="0"/>
-                        <a:cs typeface="Times New Roman" panose="02020603050405020304" pitchFamily="18" charset="0"/>
-                      </a:endParaRPr>
-                    </a:p>
-                    <a:p>
-                      <a:pPr marL="0" marR="0" algn="l">
-                        <a:lnSpc>
-                          <a:spcPct val="107000"/>
-                        </a:lnSpc>
-                        <a:spcBef>
-                          <a:spcPts val="200"/>
-                        </a:spcBef>
-                        <a:spcAft>
-                          <a:spcPts val="0"/>
-                        </a:spcAft>
-                      </a:pPr>
-                      <a:r>
-                        <a:rPr lang="en-US" sz="1800" i="1" dirty="0">
-                          <a:solidFill>
-                            <a:srgbClr val="00AA00"/>
-                          </a:solidFill>
-                          <a:effectLst/>
-                          <a:latin typeface="Courier New" panose="02070309020205020404" pitchFamily="49" charset="0"/>
-                          <a:ea typeface="Calibri" panose="020F0502020204030204" pitchFamily="34" charset="0"/>
-                          <a:cs typeface="Times New Roman" panose="02020603050405020304" pitchFamily="18" charset="0"/>
-                        </a:rPr>
-                        <a:t>        </a:t>
-                      </a:r>
-                      <a:r>
-                        <a:rPr lang="en-US" sz="1800" b="1" dirty="0">
-                          <a:solidFill>
-                            <a:srgbClr val="00AA00"/>
-                          </a:solidFill>
-                          <a:effectLst/>
-                          <a:latin typeface="Courier New" panose="02070309020205020404" pitchFamily="49" charset="0"/>
-                          <a:ea typeface="Calibri" panose="020F0502020204030204" pitchFamily="34" charset="0"/>
-                          <a:cs typeface="Times New Roman" panose="02020603050405020304" pitchFamily="18" charset="0"/>
-                        </a:rPr>
-                        <a:t>:p1:</a:t>
-                      </a:r>
-                      <a:r>
-                        <a:rPr lang="en-US" sz="1800" i="1" dirty="0">
-                          <a:solidFill>
-                            <a:srgbClr val="00AA00"/>
-                          </a:solidFill>
-                          <a:effectLst/>
-                          <a:latin typeface="Courier New" panose="02070309020205020404" pitchFamily="49" charset="0"/>
-                          <a:ea typeface="Calibri" panose="020F0502020204030204" pitchFamily="34" charset="0"/>
-                          <a:cs typeface="Times New Roman" panose="02020603050405020304" pitchFamily="18" charset="0"/>
-                        </a:rPr>
-                        <a:t> </a:t>
-                      </a:r>
-                      <a:r>
-                        <a:rPr lang="en-US" sz="1800" i="1" u="sng" dirty="0">
-                          <a:solidFill>
-                            <a:srgbClr val="00AA00"/>
-                          </a:solidFill>
-                          <a:effectLst/>
-                          <a:latin typeface="Courier New" panose="02070309020205020404" pitchFamily="49" charset="0"/>
-                          <a:ea typeface="Calibri" panose="020F0502020204030204" pitchFamily="34" charset="0"/>
-                          <a:cs typeface="Times New Roman" panose="02020603050405020304" pitchFamily="18" charset="0"/>
-                        </a:rPr>
-                        <a:t>xy</a:t>
-                      </a:r>
-                      <a:r>
-                        <a:rPr lang="en-US" sz="1800" i="1" dirty="0">
-                          <a:solidFill>
-                            <a:srgbClr val="00AA00"/>
-                          </a:solidFill>
-                          <a:effectLst/>
-                          <a:latin typeface="Courier New" panose="02070309020205020404" pitchFamily="49" charset="0"/>
-                          <a:ea typeface="Calibri" panose="020F0502020204030204" pitchFamily="34" charset="0"/>
-                          <a:cs typeface="Times New Roman" panose="02020603050405020304" pitchFamily="18" charset="0"/>
-                        </a:rPr>
-                        <a:t> pair - beginning point</a:t>
-                      </a:r>
-                      <a:endParaRPr lang="en-US" sz="1800" dirty="0">
-                        <a:effectLst/>
-                        <a:latin typeface="Courier New" panose="02070309020205020404" pitchFamily="49" charset="0"/>
-                        <a:ea typeface="Calibri" panose="020F0502020204030204" pitchFamily="34" charset="0"/>
-                        <a:cs typeface="Times New Roman" panose="02020603050405020304" pitchFamily="18" charset="0"/>
-                      </a:endParaRPr>
-                    </a:p>
-                    <a:p>
-                      <a:pPr marL="0" marR="0" algn="l">
-                        <a:lnSpc>
-                          <a:spcPct val="107000"/>
-                        </a:lnSpc>
-                        <a:spcBef>
-                          <a:spcPts val="200"/>
-                        </a:spcBef>
-                        <a:spcAft>
-                          <a:spcPts val="0"/>
-                        </a:spcAft>
-                      </a:pPr>
-                      <a:r>
-                        <a:rPr lang="en-US" sz="1800" i="1" dirty="0">
-                          <a:solidFill>
-                            <a:srgbClr val="00AA00"/>
-                          </a:solidFill>
-                          <a:effectLst/>
-                          <a:latin typeface="Courier New" panose="02070309020205020404" pitchFamily="49" charset="0"/>
-                          <a:ea typeface="Calibri" panose="020F0502020204030204" pitchFamily="34" charset="0"/>
-                          <a:cs typeface="Times New Roman" panose="02020603050405020304" pitchFamily="18" charset="0"/>
-                        </a:rPr>
-                        <a:t>            default: previous point (add_point or add_line)</a:t>
-                      </a:r>
-                      <a:endParaRPr lang="en-US" sz="1800" dirty="0">
-                        <a:effectLst/>
-                        <a:latin typeface="Courier New" panose="02070309020205020404" pitchFamily="49" charset="0"/>
-                        <a:ea typeface="Calibri" panose="020F0502020204030204" pitchFamily="34" charset="0"/>
-                        <a:cs typeface="Times New Roman" panose="02020603050405020304" pitchFamily="18" charset="0"/>
-                      </a:endParaRPr>
-                    </a:p>
-                    <a:p>
-                      <a:pPr marL="0" marR="0" algn="l">
-                        <a:lnSpc>
-                          <a:spcPct val="107000"/>
-                        </a:lnSpc>
-                        <a:spcBef>
-                          <a:spcPts val="200"/>
-                        </a:spcBef>
-                        <a:spcAft>
-                          <a:spcPts val="0"/>
-                        </a:spcAft>
-                      </a:pPr>
-                      <a:r>
-                        <a:rPr lang="en-US" sz="1800" i="1" dirty="0">
-                          <a:solidFill>
-                            <a:srgbClr val="00AA00"/>
-                          </a:solidFill>
-                          <a:effectLst/>
-                          <a:latin typeface="Courier New" panose="02070309020205020404" pitchFamily="49" charset="0"/>
-                          <a:ea typeface="Calibri" panose="020F0502020204030204" pitchFamily="34" charset="0"/>
-                          <a:cs typeface="Times New Roman" panose="02020603050405020304" pitchFamily="18" charset="0"/>
-                        </a:rPr>
-                        <a:t>        </a:t>
-                      </a:r>
-                      <a:r>
-                        <a:rPr lang="en-US" sz="1800" b="1" dirty="0">
-                          <a:solidFill>
-                            <a:srgbClr val="00AA00"/>
-                          </a:solidFill>
-                          <a:effectLst/>
-                          <a:latin typeface="Courier New" panose="02070309020205020404" pitchFamily="49" charset="0"/>
-                          <a:ea typeface="Calibri" panose="020F0502020204030204" pitchFamily="34" charset="0"/>
-                          <a:cs typeface="Times New Roman" panose="02020603050405020304" pitchFamily="18" charset="0"/>
-                        </a:rPr>
-                        <a:t>:p2:</a:t>
-                      </a:r>
-                      <a:r>
-                        <a:rPr lang="en-US" sz="1800" i="1" dirty="0">
-                          <a:solidFill>
-                            <a:srgbClr val="00AA00"/>
-                          </a:solidFill>
-                          <a:effectLst/>
-                          <a:latin typeface="Courier New" panose="02070309020205020404" pitchFamily="49" charset="0"/>
-                          <a:ea typeface="Calibri" panose="020F0502020204030204" pitchFamily="34" charset="0"/>
-                          <a:cs typeface="Times New Roman" panose="02020603050405020304" pitchFamily="18" charset="0"/>
-                        </a:rPr>
-                        <a:t> </a:t>
-                      </a:r>
-                      <a:r>
-                        <a:rPr lang="en-US" sz="1800" i="1" u="sng" dirty="0">
-                          <a:solidFill>
-                            <a:srgbClr val="00AA00"/>
-                          </a:solidFill>
-                          <a:effectLst/>
-                          <a:latin typeface="Courier New" panose="02070309020205020404" pitchFamily="49" charset="0"/>
-                          <a:ea typeface="Calibri" panose="020F0502020204030204" pitchFamily="34" charset="0"/>
-                          <a:cs typeface="Times New Roman" panose="02020603050405020304" pitchFamily="18" charset="0"/>
-                        </a:rPr>
-                        <a:t>xy</a:t>
-                      </a:r>
-                      <a:r>
-                        <a:rPr lang="en-US" sz="1800" i="1" dirty="0">
-                          <a:solidFill>
-                            <a:srgbClr val="00AA00"/>
-                          </a:solidFill>
-                          <a:effectLst/>
-                          <a:latin typeface="Courier New" panose="02070309020205020404" pitchFamily="49" charset="0"/>
-                          <a:ea typeface="Calibri" panose="020F0502020204030204" pitchFamily="34" charset="0"/>
-                          <a:cs typeface="Times New Roman" panose="02020603050405020304" pitchFamily="18" charset="0"/>
-                        </a:rPr>
-                        <a:t> pair - ending point</a:t>
-                      </a:r>
-                      <a:endParaRPr lang="en-US" sz="1800" dirty="0">
-                        <a:effectLst/>
-                        <a:latin typeface="Courier New" panose="02070309020205020404" pitchFamily="49" charset="0"/>
-                        <a:ea typeface="Calibri" panose="020F0502020204030204" pitchFamily="34" charset="0"/>
-                        <a:cs typeface="Times New Roman" panose="02020603050405020304" pitchFamily="18" charset="0"/>
-                      </a:endParaRPr>
-                    </a:p>
-                    <a:p>
-                      <a:pPr marL="0" marR="0" algn="l">
-                        <a:lnSpc>
-                          <a:spcPct val="107000"/>
-                        </a:lnSpc>
-                        <a:spcBef>
-                          <a:spcPts val="200"/>
-                        </a:spcBef>
-                        <a:spcAft>
-                          <a:spcPts val="0"/>
-                        </a:spcAft>
-                      </a:pPr>
-                      <a:r>
-                        <a:rPr lang="en-US" sz="1800" i="1" dirty="0">
-                          <a:solidFill>
-                            <a:srgbClr val="00AA00"/>
-                          </a:solidFill>
-                          <a:effectLst/>
-                          <a:latin typeface="Courier New" panose="02070309020205020404" pitchFamily="49" charset="0"/>
-                          <a:ea typeface="Calibri" panose="020F0502020204030204" pitchFamily="34" charset="0"/>
-                          <a:cs typeface="Times New Roman" panose="02020603050405020304" pitchFamily="18" charset="0"/>
-                        </a:rPr>
-                        <a:t>            default: previous point (add_point or add_line)</a:t>
-                      </a:r>
-                      <a:endParaRPr lang="en-US" sz="1800" dirty="0">
-                        <a:effectLst/>
-                        <a:latin typeface="Courier New" panose="02070309020205020404" pitchFamily="49" charset="0"/>
-                        <a:ea typeface="Calibri" panose="020F0502020204030204" pitchFamily="34" charset="0"/>
-                        <a:cs typeface="Times New Roman" panose="02020603050405020304" pitchFamily="18" charset="0"/>
-                      </a:endParaRPr>
-                    </a:p>
-                    <a:p>
-                      <a:pPr marL="0" marR="0" algn="l">
-                        <a:lnSpc>
-                          <a:spcPct val="107000"/>
-                        </a:lnSpc>
-                        <a:spcBef>
-                          <a:spcPts val="200"/>
-                        </a:spcBef>
-                        <a:spcAft>
-                          <a:spcPts val="0"/>
-                        </a:spcAft>
-                      </a:pPr>
-                      <a:r>
-                        <a:rPr lang="en-US" sz="1800" i="1" dirty="0">
-                          <a:solidFill>
-                            <a:srgbClr val="00AA00"/>
-                          </a:solidFill>
-                          <a:effectLst/>
-                          <a:latin typeface="Courier New" panose="02070309020205020404" pitchFamily="49" charset="0"/>
-                          <a:ea typeface="Calibri" panose="020F0502020204030204" pitchFamily="34" charset="0"/>
-                          <a:cs typeface="Times New Roman" panose="02020603050405020304" pitchFamily="18" charset="0"/>
-                        </a:rPr>
-                        <a:t>        </a:t>
-                      </a:r>
-                      <a:r>
-                        <a:rPr lang="en-US" sz="1800" b="1" dirty="0">
-                          <a:solidFill>
-                            <a:srgbClr val="00AA00"/>
-                          </a:solidFill>
-                          <a:effectLst/>
-                          <a:latin typeface="Courier New" panose="02070309020205020404" pitchFamily="49" charset="0"/>
-                          <a:ea typeface="Calibri" panose="020F0502020204030204" pitchFamily="34" charset="0"/>
-                          <a:cs typeface="Times New Roman" panose="02020603050405020304" pitchFamily="18" charset="0"/>
-                        </a:rPr>
-                        <a:t>:color:</a:t>
-                      </a:r>
-                      <a:r>
-                        <a:rPr lang="en-US" sz="1800" i="1" dirty="0">
-                          <a:solidFill>
-                            <a:srgbClr val="00AA00"/>
-                          </a:solidFill>
-                          <a:effectLst/>
-                          <a:latin typeface="Courier New" panose="02070309020205020404" pitchFamily="49" charset="0"/>
-                          <a:ea typeface="Calibri" panose="020F0502020204030204" pitchFamily="34" charset="0"/>
-                          <a:cs typeface="Times New Roman" panose="02020603050405020304" pitchFamily="18" charset="0"/>
-                        </a:rPr>
-                        <a:t> line color</a:t>
-                      </a:r>
-                      <a:endParaRPr lang="en-US" sz="1800" dirty="0">
-                        <a:effectLst/>
-                        <a:latin typeface="Courier New" panose="02070309020205020404" pitchFamily="49" charset="0"/>
-                        <a:ea typeface="Calibri" panose="020F0502020204030204" pitchFamily="34" charset="0"/>
-                        <a:cs typeface="Times New Roman" panose="02020603050405020304" pitchFamily="18" charset="0"/>
-                      </a:endParaRPr>
-                    </a:p>
-                    <a:p>
-                      <a:pPr marL="0" marR="0" algn="l">
-                        <a:lnSpc>
-                          <a:spcPct val="107000"/>
-                        </a:lnSpc>
-                        <a:spcBef>
-                          <a:spcPts val="200"/>
-                        </a:spcBef>
-                        <a:spcAft>
-                          <a:spcPts val="0"/>
-                        </a:spcAft>
-                      </a:pPr>
-                      <a:r>
-                        <a:rPr lang="en-US" sz="1800" i="1" dirty="0">
-                          <a:solidFill>
-                            <a:srgbClr val="00AA00"/>
-                          </a:solidFill>
-                          <a:effectLst/>
-                          <a:latin typeface="Courier New" panose="02070309020205020404" pitchFamily="49" charset="0"/>
-                          <a:ea typeface="Calibri" panose="020F0502020204030204" pitchFamily="34" charset="0"/>
-                          <a:cs typeface="Times New Roman" panose="02020603050405020304" pitchFamily="18" charset="0"/>
-                        </a:rPr>
-                        <a:t>            default: previous color ["black"]</a:t>
-                      </a:r>
-                      <a:endParaRPr lang="en-US" sz="1800" dirty="0">
-                        <a:effectLst/>
-                        <a:latin typeface="Courier New" panose="02070309020205020404" pitchFamily="49" charset="0"/>
-                        <a:ea typeface="Calibri" panose="020F0502020204030204" pitchFamily="34" charset="0"/>
-                        <a:cs typeface="Times New Roman" panose="02020603050405020304" pitchFamily="18" charset="0"/>
-                      </a:endParaRPr>
-                    </a:p>
-                    <a:p>
-                      <a:pPr marL="0" marR="0" algn="l">
-                        <a:lnSpc>
-                          <a:spcPct val="107000"/>
-                        </a:lnSpc>
-                        <a:spcBef>
-                          <a:spcPts val="200"/>
-                        </a:spcBef>
-                        <a:spcAft>
-                          <a:spcPts val="0"/>
-                        </a:spcAft>
-                      </a:pPr>
-                      <a:r>
-                        <a:rPr lang="en-US" sz="1800" i="1" dirty="0">
-                          <a:solidFill>
-                            <a:srgbClr val="00AA00"/>
-                          </a:solidFill>
-                          <a:effectLst/>
-                          <a:latin typeface="Courier New" panose="02070309020205020404" pitchFamily="49" charset="0"/>
-                          <a:ea typeface="Calibri" panose="020F0502020204030204" pitchFamily="34" charset="0"/>
-                          <a:cs typeface="Times New Roman" panose="02020603050405020304" pitchFamily="18" charset="0"/>
-                        </a:rPr>
-                        <a:t>        </a:t>
-                      </a:r>
-                      <a:r>
-                        <a:rPr lang="en-US" sz="1800" b="1" dirty="0">
-                          <a:solidFill>
-                            <a:srgbClr val="00AA00"/>
-                          </a:solidFill>
-                          <a:effectLst/>
-                          <a:latin typeface="Courier New" panose="02070309020205020404" pitchFamily="49" charset="0"/>
-                          <a:ea typeface="Calibri" panose="020F0502020204030204" pitchFamily="34" charset="0"/>
-                          <a:cs typeface="Times New Roman" panose="02020603050405020304" pitchFamily="18" charset="0"/>
-                        </a:rPr>
-                        <a:t>:width:</a:t>
-                      </a:r>
-                      <a:r>
-                        <a:rPr lang="en-US" sz="1800" i="1" dirty="0">
-                          <a:solidFill>
-                            <a:srgbClr val="00AA00"/>
-                          </a:solidFill>
-                          <a:effectLst/>
-                          <a:latin typeface="Courier New" panose="02070309020205020404" pitchFamily="49" charset="0"/>
-                          <a:ea typeface="Calibri" panose="020F0502020204030204" pitchFamily="34" charset="0"/>
-                          <a:cs typeface="Times New Roman" panose="02020603050405020304" pitchFamily="18" charset="0"/>
-                        </a:rPr>
-                        <a:t> line width </a:t>
-                      </a:r>
-                      <a:endParaRPr lang="en-US" sz="1800" dirty="0">
-                        <a:effectLst/>
-                        <a:latin typeface="Courier New" panose="02070309020205020404" pitchFamily="49" charset="0"/>
-                        <a:ea typeface="Calibri" panose="020F0502020204030204" pitchFamily="34" charset="0"/>
-                        <a:cs typeface="Times New Roman" panose="02020603050405020304" pitchFamily="18" charset="0"/>
-                      </a:endParaRPr>
-                    </a:p>
-                    <a:p>
-                      <a:pPr marL="0" marR="0" algn="l">
-                        <a:lnSpc>
-                          <a:spcPct val="107000"/>
-                        </a:lnSpc>
-                        <a:spcBef>
-                          <a:spcPts val="200"/>
-                        </a:spcBef>
-                        <a:spcAft>
-                          <a:spcPts val="0"/>
-                        </a:spcAft>
-                      </a:pPr>
-                      <a:r>
-                        <a:rPr lang="en-US" sz="1800" i="1" dirty="0">
-                          <a:solidFill>
-                            <a:srgbClr val="00AA00"/>
-                          </a:solidFill>
-                          <a:effectLst/>
-                          <a:latin typeface="Courier New" panose="02070309020205020404" pitchFamily="49" charset="0"/>
-                          <a:ea typeface="Calibri" panose="020F0502020204030204" pitchFamily="34" charset="0"/>
-                          <a:cs typeface="Times New Roman" panose="02020603050405020304" pitchFamily="18" charset="0"/>
-                        </a:rPr>
-                        <a:t>            default: previous width [1]</a:t>
-                      </a:r>
-                      <a:endParaRPr lang="en-US" sz="1800" dirty="0">
-                        <a:effectLst/>
-                        <a:latin typeface="Courier New" panose="02070309020205020404" pitchFamily="49" charset="0"/>
-                        <a:ea typeface="Calibri" panose="020F0502020204030204" pitchFamily="34" charset="0"/>
-                        <a:cs typeface="Times New Roman" panose="02020603050405020304" pitchFamily="18" charset="0"/>
-                      </a:endParaRPr>
-                    </a:p>
-                    <a:p>
-                      <a:pPr marL="0" marR="0" algn="l">
-                        <a:lnSpc>
-                          <a:spcPct val="107000"/>
-                        </a:lnSpc>
-                        <a:spcBef>
-                          <a:spcPts val="200"/>
-                        </a:spcBef>
-                        <a:spcAft>
-                          <a:spcPts val="0"/>
-                        </a:spcAft>
-                      </a:pPr>
-                      <a:r>
-                        <a:rPr lang="en-US" sz="1800" i="1" dirty="0">
-                          <a:solidFill>
-                            <a:srgbClr val="00AA00"/>
-                          </a:solidFill>
-                          <a:effectLst/>
-                          <a:latin typeface="Courier New" panose="02070309020205020404" pitchFamily="49" charset="0"/>
-                          <a:ea typeface="Calibri" panose="020F0502020204030204" pitchFamily="34" charset="0"/>
-                          <a:cs typeface="Times New Roman" panose="02020603050405020304" pitchFamily="18" charset="0"/>
-                        </a:rPr>
-                        <a:t>        """</a:t>
-                      </a:r>
-                      <a:endParaRPr lang="en-US" sz="1800" dirty="0">
-                        <a:effectLst/>
-                        <a:latin typeface="Courier New" panose="02070309020205020404" pitchFamily="49" charset="0"/>
-                        <a:ea typeface="Calibri" panose="020F0502020204030204" pitchFamily="34" charset="0"/>
-                        <a:cs typeface="Times New Roman" panose="02020603050405020304" pitchFamily="18" charset="0"/>
-                      </a:endParaRPr>
-                    </a:p>
-                    <a:p>
-                      <a:pPr marL="0" marR="0" algn="l">
-                        <a:lnSpc>
-                          <a:spcPct val="107000"/>
-                        </a:lnSpc>
-                        <a:spcBef>
-                          <a:spcPts val="200"/>
-                        </a:spcBef>
-                        <a:spcAft>
-                          <a:spcPts val="0"/>
-                        </a:spcAft>
-                      </a:pPr>
-                      <a:r>
-                        <a:rPr lang="en-US" sz="1800" dirty="0">
-                          <a:effectLst/>
-                          <a:latin typeface="Courier New" panose="02070309020205020404" pitchFamily="49" charset="0"/>
-                          <a:ea typeface="Calibri" panose="020F0502020204030204" pitchFamily="34" charset="0"/>
-                          <a:cs typeface="Times New Roman" panose="02020603050405020304" pitchFamily="18" charset="0"/>
-                        </a:rPr>
-                        <a:t>        </a:t>
-                      </a:r>
-                      <a:r>
-                        <a:rPr lang="en-US" sz="1800" dirty="0">
-                          <a:solidFill>
-                            <a:srgbClr val="0000FF"/>
-                          </a:solidFill>
-                          <a:effectLst/>
-                          <a:latin typeface="Courier New" panose="02070309020205020404" pitchFamily="49" charset="0"/>
-                          <a:ea typeface="Calibri" panose="020F0502020204030204" pitchFamily="34" charset="0"/>
-                          <a:cs typeface="Times New Roman" panose="02020603050405020304" pitchFamily="18" charset="0"/>
-                        </a:rPr>
-                        <a:t>if</a:t>
-                      </a:r>
-                      <a:r>
-                        <a:rPr lang="en-US" sz="1800" dirty="0">
-                          <a:effectLst/>
-                          <a:latin typeface="Courier New" panose="02070309020205020404" pitchFamily="49" charset="0"/>
-                          <a:ea typeface="Calibri" panose="020F0502020204030204" pitchFamily="34" charset="0"/>
-                          <a:cs typeface="Times New Roman" panose="02020603050405020304" pitchFamily="18" charset="0"/>
-                        </a:rPr>
-                        <a:t> p1 </a:t>
-                      </a:r>
-                      <a:r>
-                        <a:rPr lang="en-US" sz="1800" dirty="0">
-                          <a:solidFill>
-                            <a:srgbClr val="0000FF"/>
-                          </a:solidFill>
-                          <a:effectLst/>
-                          <a:latin typeface="Courier New" panose="02070309020205020404" pitchFamily="49" charset="0"/>
-                          <a:ea typeface="Calibri" panose="020F0502020204030204" pitchFamily="34" charset="0"/>
-                          <a:cs typeface="Times New Roman" panose="02020603050405020304" pitchFamily="18" charset="0"/>
-                        </a:rPr>
-                        <a:t>is</a:t>
-                      </a:r>
-                      <a:r>
-                        <a:rPr lang="en-US" sz="1800" dirty="0">
-                          <a:effectLst/>
-                          <a:latin typeface="Courier New" panose="02070309020205020404" pitchFamily="49" charset="0"/>
-                          <a:ea typeface="Calibri" panose="020F0502020204030204" pitchFamily="34" charset="0"/>
-                          <a:cs typeface="Times New Roman" panose="02020603050405020304" pitchFamily="18" charset="0"/>
-                        </a:rPr>
-                        <a:t> </a:t>
-                      </a:r>
-                      <a:r>
-                        <a:rPr lang="en-US" sz="1800" dirty="0">
-                          <a:solidFill>
-                            <a:srgbClr val="0000FF"/>
-                          </a:solidFill>
-                          <a:effectLst/>
-                          <a:latin typeface="Courier New" panose="02070309020205020404" pitchFamily="49" charset="0"/>
-                          <a:ea typeface="Calibri" panose="020F0502020204030204" pitchFamily="34" charset="0"/>
-                          <a:cs typeface="Times New Roman" panose="02020603050405020304" pitchFamily="18" charset="0"/>
-                        </a:rPr>
-                        <a:t>None</a:t>
-                      </a:r>
-                      <a:r>
-                        <a:rPr lang="en-US" sz="1800" dirty="0">
-                          <a:effectLst/>
-                          <a:latin typeface="Courier New" panose="02070309020205020404" pitchFamily="49" charset="0"/>
-                          <a:ea typeface="Calibri" panose="020F0502020204030204" pitchFamily="34" charset="0"/>
-                          <a:cs typeface="Times New Roman" panose="02020603050405020304" pitchFamily="18" charset="0"/>
-                        </a:rPr>
-                        <a:t>:</a:t>
-                      </a:r>
-                    </a:p>
-                    <a:p>
-                      <a:pPr marL="0" marR="0" algn="l">
-                        <a:lnSpc>
-                          <a:spcPct val="107000"/>
-                        </a:lnSpc>
-                        <a:spcBef>
-                          <a:spcPts val="200"/>
-                        </a:spcBef>
-                        <a:spcAft>
-                          <a:spcPts val="0"/>
-                        </a:spcAft>
-                      </a:pPr>
-                      <a:r>
-                        <a:rPr lang="en-US" sz="1800" dirty="0">
-                          <a:effectLst/>
-                          <a:latin typeface="Courier New" panose="02070309020205020404" pitchFamily="49" charset="0"/>
-                          <a:ea typeface="Calibri" panose="020F0502020204030204" pitchFamily="34" charset="0"/>
-                          <a:cs typeface="Times New Roman" panose="02020603050405020304" pitchFamily="18" charset="0"/>
-                        </a:rPr>
-                        <a:t>            p1 = (</a:t>
-                      </a:r>
-                      <a:r>
-                        <a:rPr lang="en-US" sz="1800" i="1" dirty="0">
-                          <a:effectLst/>
-                          <a:latin typeface="Courier New" panose="02070309020205020404" pitchFamily="49" charset="0"/>
-                          <a:ea typeface="Calibri" panose="020F0502020204030204" pitchFamily="34" charset="0"/>
-                          <a:cs typeface="Times New Roman" panose="02020603050405020304" pitchFamily="18" charset="0"/>
-                        </a:rPr>
-                        <a:t>self</a:t>
-                      </a:r>
-                      <a:r>
-                        <a:rPr lang="en-US" sz="1800" dirty="0">
-                          <a:effectLst/>
-                          <a:latin typeface="Courier New" panose="02070309020205020404" pitchFamily="49" charset="0"/>
-                          <a:ea typeface="Calibri" panose="020F0502020204030204" pitchFamily="34" charset="0"/>
-                          <a:cs typeface="Times New Roman" panose="02020603050405020304" pitchFamily="18" charset="0"/>
-                        </a:rPr>
-                        <a:t>.x,</a:t>
-                      </a:r>
-                      <a:r>
-                        <a:rPr lang="en-US" sz="1800" i="1" dirty="0">
-                          <a:effectLst/>
-                          <a:latin typeface="Courier New" panose="02070309020205020404" pitchFamily="49" charset="0"/>
-                          <a:ea typeface="Calibri" panose="020F0502020204030204" pitchFamily="34" charset="0"/>
-                          <a:cs typeface="Times New Roman" panose="02020603050405020304" pitchFamily="18" charset="0"/>
-                        </a:rPr>
-                        <a:t>self</a:t>
-                      </a:r>
-                      <a:r>
-                        <a:rPr lang="en-US" sz="1800" dirty="0">
-                          <a:effectLst/>
-                          <a:latin typeface="Courier New" panose="02070309020205020404" pitchFamily="49" charset="0"/>
-                          <a:ea typeface="Calibri" panose="020F0502020204030204" pitchFamily="34" charset="0"/>
-                          <a:cs typeface="Times New Roman" panose="02020603050405020304" pitchFamily="18" charset="0"/>
-                        </a:rPr>
-                        <a:t>.y)</a:t>
-                      </a:r>
-                    </a:p>
-                    <a:p>
-                      <a:pPr marL="0" marR="0" algn="l">
-                        <a:lnSpc>
-                          <a:spcPct val="107000"/>
-                        </a:lnSpc>
-                        <a:spcBef>
-                          <a:spcPts val="200"/>
-                        </a:spcBef>
-                        <a:spcAft>
-                          <a:spcPts val="0"/>
-                        </a:spcAft>
-                      </a:pPr>
-                      <a:endParaRPr lang="en-US" sz="900" dirty="0">
-                        <a:effectLst/>
-                        <a:latin typeface="Courier New" panose="02070309020205020404" pitchFamily="49" charset="0"/>
-                        <a:ea typeface="Calibri" panose="020F0502020204030204" pitchFamily="34" charset="0"/>
-                        <a:cs typeface="Times New Roman" panose="02020603050405020304" pitchFamily="18" charset="0"/>
-                      </a:endParaRPr>
-                    </a:p>
-                  </a:txBody>
-                  <a:tcPr marL="0" marR="0" marT="0" marB="0">
-                    <a:lnL>
-                      <a:noFill/>
-                    </a:lnL>
-                    <a:lnR>
-                      <a:noFill/>
-                    </a:lnR>
-                    <a:lnT>
-                      <a:noFill/>
-                    </a:lnT>
-                    <a:lnB>
-                      <a:noFill/>
-                    </a:lnB>
-                  </a:tcPr>
-                </a:tc>
-                <a:extLst>
-                  <a:ext uri="{0D108BD9-81ED-4DB2-BD59-A6C34878D82A}">
-                    <a16:rowId xmlns:a16="http://schemas.microsoft.com/office/drawing/2014/main" val="157505694"/>
-                  </a:ext>
-                </a:extLst>
-              </a:tr>
-            </a:tbl>
-          </a:graphicData>
-        </a:graphic>
-      </p:graphicFrame>
+          </p:nvPr>
+        </p:nvSpPr>
+        <p:spPr>
+          <a:xfrm>
+            <a:off x="542162" y="1454227"/>
+            <a:ext cx="10860296" cy="4794173"/>
+          </a:xfrm>
+        </p:spPr>
+        <p:txBody>
+          <a:bodyPr>
+            <a:noAutofit/>
+          </a:bodyPr>
+          <a:lstStyle/>
+          <a:p>
+            <a:pPr marL="0" indent="0" algn="l">
+              <a:buNone/>
+            </a:pPr>
+            <a:r>
+              <a:rPr lang="en-US" sz="2800" dirty="0">
+                <a:solidFill>
+                  <a:srgbClr val="0000FF"/>
+                </a:solidFill>
+                <a:latin typeface="Consolas" panose="020B0609020204030204" pitchFamily="49" charset="0"/>
+              </a:rPr>
+              <a:t>class</a:t>
+            </a:r>
+            <a:r>
+              <a:rPr lang="en-US" sz="2800" dirty="0">
+                <a:solidFill>
+                  <a:srgbClr val="000000"/>
+                </a:solidFill>
+                <a:latin typeface="Consolas" panose="020B0609020204030204" pitchFamily="49" charset="0"/>
+              </a:rPr>
+              <a:t> </a:t>
+            </a:r>
+            <a:r>
+              <a:rPr lang="en-US" sz="2800" b="1" dirty="0">
+                <a:solidFill>
+                  <a:srgbClr val="000000"/>
+                </a:solidFill>
+                <a:latin typeface="Consolas" panose="020B0609020204030204" pitchFamily="49" charset="0"/>
+              </a:rPr>
+              <a:t>CanvasGrid(tk.Canvas):</a:t>
+            </a:r>
+          </a:p>
+          <a:p>
+            <a:pPr marL="0" indent="0" algn="l">
+              <a:buNone/>
+            </a:pPr>
+            <a:r>
+              <a:rPr lang="en-US" sz="2800" dirty="0">
+                <a:solidFill>
+                  <a:srgbClr val="0000FF"/>
+                </a:solidFill>
+                <a:latin typeface="Consolas" panose="020B0609020204030204" pitchFamily="49" charset="0"/>
+              </a:rPr>
+              <a:t>    def</a:t>
+            </a:r>
+            <a:r>
+              <a:rPr lang="en-US" sz="2800" dirty="0">
+                <a:solidFill>
+                  <a:srgbClr val="000000"/>
+                </a:solidFill>
+                <a:latin typeface="Consolas" panose="020B0609020204030204" pitchFamily="49" charset="0"/>
+              </a:rPr>
+              <a:t> </a:t>
+            </a:r>
+            <a:r>
+              <a:rPr lang="en-US" sz="2800" b="1" dirty="0">
+                <a:solidFill>
+                  <a:srgbClr val="000000"/>
+                </a:solidFill>
+                <a:latin typeface="Consolas" panose="020B0609020204030204" pitchFamily="49" charset="0"/>
+              </a:rPr>
+              <a:t>__init__(</a:t>
+            </a:r>
+            <a:r>
+              <a:rPr lang="en-US" sz="2800" b="1" i="1" dirty="0">
+                <a:solidFill>
+                  <a:srgbClr val="000000"/>
+                </a:solidFill>
+                <a:latin typeface="Consolas" panose="020B0609020204030204" pitchFamily="49" charset="0"/>
+              </a:rPr>
+              <a:t>self, master, base=</a:t>
+            </a:r>
+            <a:r>
+              <a:rPr lang="en-US" sz="2800" b="1" i="1" dirty="0">
+                <a:solidFill>
+                  <a:srgbClr val="0000FF"/>
+                </a:solidFill>
+                <a:latin typeface="Consolas" panose="020B0609020204030204" pitchFamily="49" charset="0"/>
+              </a:rPr>
+              <a:t>None</a:t>
+            </a:r>
+            <a:r>
+              <a:rPr lang="en-US" sz="2800" b="1" i="1" dirty="0">
+                <a:solidFill>
+                  <a:srgbClr val="000000"/>
+                </a:solidFill>
+                <a:latin typeface="Consolas" panose="020B0609020204030204" pitchFamily="49" charset="0"/>
+              </a:rPr>
+              <a:t>,</a:t>
+            </a:r>
+          </a:p>
+          <a:p>
+            <a:pPr marL="800100" lvl="2" indent="0">
+              <a:buNone/>
+            </a:pPr>
+            <a:r>
+              <a:rPr lang="en-US" sz="2800" b="1" i="1" dirty="0">
+                <a:solidFill>
+                  <a:srgbClr val="000000"/>
+                </a:solidFill>
+                <a:latin typeface="Consolas" panose="020B0609020204030204" pitchFamily="49" charset="0"/>
+              </a:rPr>
+              <a:t>                 </a:t>
+            </a:r>
+            <a:r>
+              <a:rPr lang="en-US" sz="2800" b="1" i="1" dirty="0">
+                <a:solidFill>
+                  <a:schemeClr val="bg1">
+                    <a:lumMod val="50000"/>
+                  </a:schemeClr>
+                </a:solidFill>
+                <a:latin typeface="Consolas" panose="020B0609020204030204" pitchFamily="49" charset="0"/>
+              </a:rPr>
+              <a:t>…more args</a:t>
+            </a:r>
+            <a:r>
+              <a:rPr lang="en-US" sz="2800" dirty="0">
+                <a:solidFill>
+                  <a:srgbClr val="000000"/>
+                </a:solidFill>
+                <a:latin typeface="Consolas" panose="020B0609020204030204" pitchFamily="49" charset="0"/>
+              </a:rPr>
+              <a:t>,</a:t>
+            </a:r>
+            <a:r>
+              <a:rPr lang="en-US" sz="2800" u="sng" dirty="0">
+                <a:solidFill>
+                  <a:srgbClr val="000000"/>
+                </a:solidFill>
+                <a:latin typeface="Consolas" panose="020B0609020204030204" pitchFamily="49" charset="0"/>
+              </a:rPr>
+              <a:t> **</a:t>
+            </a:r>
+            <a:r>
+              <a:rPr lang="en-US" sz="2800" dirty="0">
+                <a:solidFill>
+                  <a:srgbClr val="000000"/>
+                </a:solidFill>
+                <a:latin typeface="Consolas" panose="020B0609020204030204" pitchFamily="49" charset="0"/>
+              </a:rPr>
+              <a:t>kwargs):</a:t>
+            </a:r>
+          </a:p>
+          <a:p>
+            <a:pPr marL="800100" lvl="2" indent="0">
+              <a:buNone/>
+            </a:pPr>
+            <a:r>
+              <a:rPr lang="en-US" sz="2800" dirty="0">
+                <a:solidFill>
+                  <a:srgbClr val="000000"/>
+                </a:solidFill>
+                <a:latin typeface="Consolas" panose="020B0609020204030204" pitchFamily="49" charset="0"/>
+              </a:rPr>
+              <a:t>    </a:t>
+            </a:r>
+            <a:r>
+              <a:rPr lang="en-US" sz="2800" dirty="0">
+                <a:solidFill>
+                  <a:srgbClr val="0000FF"/>
+                </a:solidFill>
+                <a:latin typeface="Consolas" panose="020B0609020204030204" pitchFamily="49" charset="0"/>
+              </a:rPr>
+              <a:t>if</a:t>
+            </a:r>
+            <a:r>
+              <a:rPr lang="en-US" sz="2800" dirty="0">
+                <a:solidFill>
+                  <a:srgbClr val="000000"/>
+                </a:solidFill>
+                <a:latin typeface="Consolas" panose="020B0609020204030204" pitchFamily="49" charset="0"/>
+              </a:rPr>
+              <a:t> base </a:t>
+            </a:r>
+            <a:r>
+              <a:rPr lang="en-US" sz="2800" dirty="0">
+                <a:solidFill>
+                  <a:srgbClr val="0000FF"/>
+                </a:solidFill>
+                <a:latin typeface="Consolas" panose="020B0609020204030204" pitchFamily="49" charset="0"/>
+              </a:rPr>
+              <a:t>is</a:t>
+            </a:r>
+            <a:r>
+              <a:rPr lang="en-US" sz="2800" dirty="0">
+                <a:solidFill>
+                  <a:srgbClr val="000000"/>
+                </a:solidFill>
+                <a:latin typeface="Consolas" panose="020B0609020204030204" pitchFamily="49" charset="0"/>
+              </a:rPr>
+              <a:t> </a:t>
+            </a:r>
+            <a:r>
+              <a:rPr lang="en-US" sz="2800" dirty="0">
+                <a:solidFill>
+                  <a:srgbClr val="0000FF"/>
+                </a:solidFill>
+                <a:latin typeface="Consolas" panose="020B0609020204030204" pitchFamily="49" charset="0"/>
+              </a:rPr>
+              <a:t>None</a:t>
+            </a:r>
+            <a:r>
+              <a:rPr lang="en-US" sz="2800" dirty="0">
+                <a:solidFill>
+                  <a:srgbClr val="000000"/>
+                </a:solidFill>
+                <a:latin typeface="Consolas" panose="020B0609020204030204" pitchFamily="49" charset="0"/>
+              </a:rPr>
+              <a:t>:</a:t>
+            </a:r>
+          </a:p>
+          <a:p>
+            <a:pPr marL="800100" lvl="2" indent="0">
+              <a:buNone/>
+            </a:pPr>
+            <a:r>
+              <a:rPr lang="en-US" sz="2800" dirty="0">
+                <a:solidFill>
+                  <a:srgbClr val="000000"/>
+                </a:solidFill>
+                <a:latin typeface="Consolas" panose="020B0609020204030204" pitchFamily="49" charset="0"/>
+              </a:rPr>
+              <a:t>        base = </a:t>
+            </a:r>
+            <a:r>
+              <a:rPr lang="en-US" sz="2800" i="1" dirty="0">
+                <a:solidFill>
+                  <a:srgbClr val="000000"/>
+                </a:solidFill>
+                <a:latin typeface="Consolas" panose="020B0609020204030204" pitchFamily="49" charset="0"/>
+              </a:rPr>
+              <a:t>self </a:t>
+            </a:r>
+          </a:p>
+          <a:p>
+            <a:pPr marL="800100" lvl="2" indent="0">
+              <a:buNone/>
+            </a:pPr>
+            <a:r>
+              <a:rPr lang="en-US" sz="2800" dirty="0">
+                <a:solidFill>
+                  <a:srgbClr val="000000"/>
+                </a:solidFill>
+                <a:latin typeface="Consolas" panose="020B0609020204030204" pitchFamily="49" charset="0"/>
+              </a:rPr>
+              <a:t>    </a:t>
+            </a:r>
+            <a:r>
+              <a:rPr lang="en-US" sz="2800" i="1" dirty="0">
+                <a:solidFill>
+                  <a:srgbClr val="000000"/>
+                </a:solidFill>
+                <a:latin typeface="Consolas" panose="020B0609020204030204" pitchFamily="49" charset="0"/>
+              </a:rPr>
+              <a:t>self.base = base</a:t>
+            </a:r>
+            <a:endParaRPr lang="en-US" sz="2800" i="1" dirty="0">
+              <a:solidFill>
+                <a:schemeClr val="bg1">
+                  <a:lumMod val="50000"/>
+                </a:schemeClr>
+              </a:solidFill>
+              <a:latin typeface="Consolas" panose="020B0609020204030204" pitchFamily="49" charset="0"/>
+            </a:endParaRPr>
+          </a:p>
+          <a:p>
+            <a:pPr marL="800100" lvl="2" indent="0">
+              <a:buNone/>
+            </a:pPr>
+            <a:r>
+              <a:rPr lang="en-US" sz="3600" i="1" dirty="0">
+                <a:solidFill>
+                  <a:schemeClr val="bg1">
+                    <a:lumMod val="50000"/>
+                  </a:schemeClr>
+                </a:solidFill>
+                <a:latin typeface="Consolas" panose="020B0609020204030204" pitchFamily="49" charset="0"/>
+              </a:rPr>
+              <a:t>…</a:t>
+            </a:r>
+          </a:p>
+        </p:txBody>
+      </p:sp>
       <p:sp>
         <p:nvSpPr>
           <p:cNvPr id="4" name="Date Placeholder 3">
@@ -12487,7 +12161,7 @@
           <a:p>
             <a:fld id="{A7119916-CD40-456D-ABE3-55F8822671F7}" type="datetime1">
               <a:rPr lang="en-US" smtClean="0"/>
-              <a:t>2/10/2023</a:t>
+              <a:t>3/1/2023</a:t>
             </a:fld>
             <a:endParaRPr lang="en-US" dirty="0"/>
           </a:p>
@@ -12543,10 +12217,18 @@
           <a:lstStyle/>
           <a:p>
             <a:fld id="{6D22F896-40B5-4ADD-8801-0D06FADFA095}" type="slidenum">
-              <a:rPr lang="en-US" smtClean="0"/>
+              <a:rPr lang="en-US" smtClean="0">
+                <a:solidFill>
+                  <a:schemeClr val="tx1"/>
+                </a:solidFill>
+              </a:rPr>
               <a:t>14</a:t>
             </a:fld>
-            <a:endParaRPr lang="en-US" dirty="0"/>
+            <a:endParaRPr lang="en-US" dirty="0">
+              <a:solidFill>
+                <a:schemeClr val="tx1"/>
+              </a:solidFill>
+            </a:endParaRPr>
           </a:p>
         </p:txBody>
       </p:sp>
@@ -12600,7 +12282,7 @@
     </p:spTree>
     <p:extLst>
       <p:ext uri="{BB962C8B-B14F-4D97-AF65-F5344CB8AC3E}">
-        <p14:creationId xmlns:p14="http://schemas.microsoft.com/office/powerpoint/2010/main" val="1028587879"/>
+        <p14:creationId xmlns:p14="http://schemas.microsoft.com/office/powerpoint/2010/main" val="3285929616"/>
       </p:ext>
     </p:extLst>
   </p:cSld>
@@ -12677,7 +12359,12 @@
             <p:ph type="title"/>
           </p:nvPr>
         </p:nvSpPr>
-        <p:spPr/>
+        <p:spPr>
+          <a:xfrm>
+            <a:off x="677334" y="609600"/>
+            <a:ext cx="8596668" cy="942906"/>
+          </a:xfrm>
+        </p:spPr>
         <p:txBody>
           <a:bodyPr/>
           <a:lstStyle/>
@@ -12688,791 +12375,251 @@
                   <a:schemeClr val="accent1"/>
                 </a:solidFill>
               </a:rPr>
-              <a:t>Shadow function: add_line </a:t>
-            </a:r>
-            <a:r>
-              <a:rPr lang="en-US" sz="2400" dirty="0">
+              <a:t>CanvasGrid </a:t>
+            </a:r>
+            <a:r>
+              <a:rPr lang="en-US" sz="2800" dirty="0">
                 <a:solidFill>
                   <a:schemeClr val="accent1"/>
                 </a:solidFill>
               </a:rPr>
               <a:t>continued</a:t>
             </a:r>
-            <a:endParaRPr lang="en-US" sz="2400" dirty="0"/>
-          </a:p>
-        </p:txBody>
-      </p:sp>
-      <p:graphicFrame>
-        <p:nvGraphicFramePr>
-          <p:cNvPr id="7" name="Content Placeholder 6">
+          </a:p>
+        </p:txBody>
+      </p:sp>
+      <p:sp>
+        <p:nvSpPr>
+          <p:cNvPr id="3" name="Content Placeholder 2">
             <a:extLst>
               <a:ext uri="{FF2B5EF4-FFF2-40B4-BE49-F238E27FC236}">
-                <a16:creationId xmlns:a16="http://schemas.microsoft.com/office/drawing/2014/main" id="{A6EF2408-1881-ECFB-7EB9-C348BF465B77}"/>
+                <a16:creationId xmlns:a16="http://schemas.microsoft.com/office/drawing/2014/main" id="{0C360948-50A1-2DC8-8408-53BDDAF2B33C}"/>
               </a:ext>
             </a:extLst>
           </p:cNvPr>
-          <p:cNvGraphicFramePr>
-            <a:graphicFrameLocks noGrp="1"/>
-          </p:cNvGraphicFramePr>
+          <p:cNvSpPr>
+            <a:spLocks noGrp="1"/>
+          </p:cNvSpPr>
           <p:nvPr>
             <p:ph idx="1"/>
-            <p:extLst>
-              <p:ext uri="{D42A27DB-BD31-4B8C-83A1-F6EECF244321}">
-                <p14:modId xmlns:p14="http://schemas.microsoft.com/office/powerpoint/2010/main" val="1746391752"/>
-              </p:ext>
-            </p:extLst>
-          </p:nvPr>
-        </p:nvGraphicFramePr>
-        <p:xfrm>
-          <a:off x="580445" y="1270000"/>
-          <a:ext cx="9764202" cy="4548188"/>
-        </p:xfrm>
-        <a:graphic>
-          <a:graphicData uri="http://schemas.openxmlformats.org/drawingml/2006/table">
-            <a:tbl>
-              <a:tblPr/>
-              <a:tblGrid>
-                <a:gridCol w="9764202">
-                  <a:extLst>
-                    <a:ext uri="{9D8B030D-6E8A-4147-A177-3AD203B41FA5}">
-                      <a16:colId xmlns:a16="http://schemas.microsoft.com/office/drawing/2014/main" val="3396662951"/>
-                    </a:ext>
-                  </a:extLst>
-                </a:gridCol>
-              </a:tblGrid>
-              <a:tr h="4548188">
-                <a:tc>
-                  <a:txBody>
-                    <a:bodyPr/>
-                    <a:lstStyle/>
-                    <a:p>
-                      <a:pPr marL="0" marR="0" algn="l">
-                        <a:lnSpc>
-                          <a:spcPct val="107000"/>
-                        </a:lnSpc>
-                        <a:spcBef>
-                          <a:spcPts val="200"/>
-                        </a:spcBef>
-                        <a:spcAft>
-                          <a:spcPts val="0"/>
-                        </a:spcAft>
-                      </a:pPr>
-                      <a:r>
-                        <a:rPr lang="en-US" sz="2000" dirty="0">
-                          <a:solidFill>
-                            <a:srgbClr val="0000FF"/>
-                          </a:solidFill>
-                          <a:effectLst/>
-                          <a:latin typeface="Courier New" panose="02070309020205020404" pitchFamily="49" charset="0"/>
-                          <a:ea typeface="Calibri" panose="020F0502020204030204" pitchFamily="34" charset="0"/>
-                          <a:cs typeface="Times New Roman" panose="02020603050405020304" pitchFamily="18" charset="0"/>
-                        </a:rPr>
-                        <a:t> </a:t>
-                      </a:r>
-                      <a:r>
-                        <a:rPr lang="en-US" sz="2000" dirty="0">
-                          <a:effectLst/>
-                          <a:latin typeface="Courier New" panose="02070309020205020404" pitchFamily="49" charset="0"/>
-                          <a:ea typeface="Calibri" panose="020F0502020204030204" pitchFamily="34" charset="0"/>
-                          <a:cs typeface="Times New Roman" panose="02020603050405020304" pitchFamily="18" charset="0"/>
-                        </a:rPr>
-                        <a:t>       </a:t>
-                      </a:r>
-                      <a:r>
-                        <a:rPr lang="en-US" sz="2000" dirty="0">
-                          <a:solidFill>
-                            <a:srgbClr val="0000FF"/>
-                          </a:solidFill>
-                          <a:effectLst/>
-                          <a:latin typeface="Courier New" panose="02070309020205020404" pitchFamily="49" charset="0"/>
-                          <a:ea typeface="Calibri" panose="020F0502020204030204" pitchFamily="34" charset="0"/>
-                          <a:cs typeface="Times New Roman" panose="02020603050405020304" pitchFamily="18" charset="0"/>
-                        </a:rPr>
-                        <a:t>if</a:t>
-                      </a:r>
-                      <a:r>
-                        <a:rPr lang="en-US" sz="2000" dirty="0">
-                          <a:effectLst/>
-                          <a:latin typeface="Courier New" panose="02070309020205020404" pitchFamily="49" charset="0"/>
-                          <a:ea typeface="Calibri" panose="020F0502020204030204" pitchFamily="34" charset="0"/>
-                          <a:cs typeface="Times New Roman" panose="02020603050405020304" pitchFamily="18" charset="0"/>
-                        </a:rPr>
-                        <a:t> p2 </a:t>
-                      </a:r>
-                      <a:r>
-                        <a:rPr lang="en-US" sz="2000" dirty="0">
-                          <a:solidFill>
-                            <a:srgbClr val="0000FF"/>
-                          </a:solidFill>
-                          <a:effectLst/>
-                          <a:latin typeface="Courier New" panose="02070309020205020404" pitchFamily="49" charset="0"/>
-                          <a:ea typeface="Calibri" panose="020F0502020204030204" pitchFamily="34" charset="0"/>
-                          <a:cs typeface="Times New Roman" panose="02020603050405020304" pitchFamily="18" charset="0"/>
-                        </a:rPr>
-                        <a:t>is</a:t>
-                      </a:r>
-                      <a:r>
-                        <a:rPr lang="en-US" sz="2000" dirty="0">
-                          <a:effectLst/>
-                          <a:latin typeface="Courier New" panose="02070309020205020404" pitchFamily="49" charset="0"/>
-                          <a:ea typeface="Calibri" panose="020F0502020204030204" pitchFamily="34" charset="0"/>
-                          <a:cs typeface="Times New Roman" panose="02020603050405020304" pitchFamily="18" charset="0"/>
-                        </a:rPr>
-                        <a:t> </a:t>
-                      </a:r>
-                      <a:r>
-                        <a:rPr lang="en-US" sz="2000" dirty="0">
-                          <a:solidFill>
-                            <a:srgbClr val="0000FF"/>
-                          </a:solidFill>
-                          <a:effectLst/>
-                          <a:latin typeface="Courier New" panose="02070309020205020404" pitchFamily="49" charset="0"/>
-                          <a:ea typeface="Calibri" panose="020F0502020204030204" pitchFamily="34" charset="0"/>
-                          <a:cs typeface="Times New Roman" panose="02020603050405020304" pitchFamily="18" charset="0"/>
-                        </a:rPr>
-                        <a:t>None</a:t>
-                      </a:r>
-                      <a:r>
-                        <a:rPr lang="en-US" sz="2000" dirty="0">
-                          <a:effectLst/>
-                          <a:latin typeface="Courier New" panose="02070309020205020404" pitchFamily="49" charset="0"/>
-                          <a:ea typeface="Calibri" panose="020F0502020204030204" pitchFamily="34" charset="0"/>
-                          <a:cs typeface="Times New Roman" panose="02020603050405020304" pitchFamily="18" charset="0"/>
-                        </a:rPr>
-                        <a:t>:</a:t>
-                      </a:r>
-                    </a:p>
-                    <a:p>
-                      <a:pPr marL="0" marR="0" algn="l">
-                        <a:lnSpc>
-                          <a:spcPct val="107000"/>
-                        </a:lnSpc>
-                        <a:spcBef>
-                          <a:spcPts val="200"/>
-                        </a:spcBef>
-                        <a:spcAft>
-                          <a:spcPts val="0"/>
-                        </a:spcAft>
-                      </a:pPr>
-                      <a:r>
-                        <a:rPr lang="en-US" sz="2000" dirty="0">
-                          <a:effectLst/>
-                          <a:latin typeface="Courier New" panose="02070309020205020404" pitchFamily="49" charset="0"/>
-                          <a:ea typeface="Calibri" panose="020F0502020204030204" pitchFamily="34" charset="0"/>
-                          <a:cs typeface="Times New Roman" panose="02020603050405020304" pitchFamily="18" charset="0"/>
-                        </a:rPr>
-                        <a:t>            </a:t>
-                      </a:r>
-                      <a:r>
-                        <a:rPr lang="en-US" sz="2000" dirty="0">
-                          <a:solidFill>
-                            <a:srgbClr val="0000FF"/>
-                          </a:solidFill>
-                          <a:effectLst/>
-                          <a:latin typeface="Courier New" panose="02070309020205020404" pitchFamily="49" charset="0"/>
-                          <a:ea typeface="Calibri" panose="020F0502020204030204" pitchFamily="34" charset="0"/>
-                          <a:cs typeface="Times New Roman" panose="02020603050405020304" pitchFamily="18" charset="0"/>
-                        </a:rPr>
-                        <a:t>raise</a:t>
-                      </a:r>
-                      <a:r>
-                        <a:rPr lang="en-US" sz="2000" dirty="0">
-                          <a:effectLst/>
-                          <a:latin typeface="Courier New" panose="02070309020205020404" pitchFamily="49" charset="0"/>
-                          <a:ea typeface="Calibri" panose="020F0502020204030204" pitchFamily="34" charset="0"/>
-                          <a:cs typeface="Times New Roman" panose="02020603050405020304" pitchFamily="18" charset="0"/>
-                        </a:rPr>
-                        <a:t> Exception(</a:t>
-                      </a:r>
-                      <a:r>
-                        <a:rPr lang="en-US" sz="2000" i="1" dirty="0">
-                          <a:solidFill>
-                            <a:srgbClr val="00AA00"/>
-                          </a:solidFill>
-                          <a:effectLst/>
-                          <a:latin typeface="Courier New" panose="02070309020205020404" pitchFamily="49" charset="0"/>
-                          <a:ea typeface="Calibri" panose="020F0502020204030204" pitchFamily="34" charset="0"/>
-                          <a:cs typeface="Times New Roman" panose="02020603050405020304" pitchFamily="18" charset="0"/>
-                        </a:rPr>
-                        <a:t>"p2 is missing"</a:t>
-                      </a:r>
-                      <a:r>
-                        <a:rPr lang="en-US" sz="2000" dirty="0">
-                          <a:effectLst/>
-                          <a:latin typeface="Courier New" panose="02070309020205020404" pitchFamily="49" charset="0"/>
-                          <a:ea typeface="Calibri" panose="020F0502020204030204" pitchFamily="34" charset="0"/>
-                          <a:cs typeface="Times New Roman" panose="02020603050405020304" pitchFamily="18" charset="0"/>
-                        </a:rPr>
-                        <a:t>)</a:t>
-                      </a:r>
-                    </a:p>
-                    <a:p>
-                      <a:pPr marL="0" marR="0" algn="l">
-                        <a:lnSpc>
-                          <a:spcPct val="107000"/>
-                        </a:lnSpc>
-                        <a:spcBef>
-                          <a:spcPts val="200"/>
-                        </a:spcBef>
-                        <a:spcAft>
-                          <a:spcPts val="0"/>
-                        </a:spcAft>
-                      </a:pPr>
-                      <a:r>
-                        <a:rPr lang="en-US" sz="2000" dirty="0">
-                          <a:solidFill>
-                            <a:srgbClr val="0000FF"/>
-                          </a:solidFill>
-                          <a:effectLst/>
-                          <a:latin typeface="Courier New" panose="02070309020205020404" pitchFamily="49" charset="0"/>
-                          <a:ea typeface="Calibri" panose="020F0502020204030204" pitchFamily="34" charset="0"/>
-                          <a:cs typeface="Times New Roman" panose="02020603050405020304" pitchFamily="18" charset="0"/>
-                        </a:rPr>
-                        <a:t>        if</a:t>
-                      </a:r>
-                      <a:r>
-                        <a:rPr lang="en-US" sz="2000" dirty="0">
-                          <a:effectLst/>
-                          <a:latin typeface="Courier New" panose="02070309020205020404" pitchFamily="49" charset="0"/>
-                          <a:ea typeface="Calibri" panose="020F0502020204030204" pitchFamily="34" charset="0"/>
-                          <a:cs typeface="Times New Roman" panose="02020603050405020304" pitchFamily="18" charset="0"/>
-                        </a:rPr>
-                        <a:t> </a:t>
-                      </a:r>
-                      <a:r>
-                        <a:rPr lang="en-US" sz="2000" i="1" dirty="0">
-                          <a:effectLst/>
-                          <a:latin typeface="Courier New" panose="02070309020205020404" pitchFamily="49" charset="0"/>
-                          <a:ea typeface="Calibri" panose="020F0502020204030204" pitchFamily="34" charset="0"/>
-                          <a:cs typeface="Times New Roman" panose="02020603050405020304" pitchFamily="18" charset="0"/>
-                        </a:rPr>
-                        <a:t>self</a:t>
-                      </a:r>
-                      <a:r>
-                        <a:rPr lang="en-US" sz="2000" dirty="0">
-                          <a:effectLst/>
-                          <a:latin typeface="Courier New" panose="02070309020205020404" pitchFamily="49" charset="0"/>
-                          <a:ea typeface="Calibri" panose="020F0502020204030204" pitchFamily="34" charset="0"/>
-                          <a:cs typeface="Times New Roman" panose="02020603050405020304" pitchFamily="18" charset="0"/>
-                        </a:rPr>
-                        <a:t>.is_filling:</a:t>
-                      </a:r>
-                    </a:p>
-                    <a:p>
-                      <a:pPr marL="0" marR="0" algn="l">
-                        <a:lnSpc>
-                          <a:spcPct val="107000"/>
-                        </a:lnSpc>
-                        <a:spcBef>
-                          <a:spcPts val="200"/>
-                        </a:spcBef>
-                        <a:spcAft>
-                          <a:spcPts val="0"/>
-                        </a:spcAft>
-                      </a:pPr>
-                      <a:r>
-                        <a:rPr lang="en-US" sz="2000" dirty="0">
-                          <a:effectLst/>
-                          <a:latin typeface="Courier New" panose="02070309020205020404" pitchFamily="49" charset="0"/>
-                          <a:ea typeface="Calibri" panose="020F0502020204030204" pitchFamily="34" charset="0"/>
-                          <a:cs typeface="Times New Roman" panose="02020603050405020304" pitchFamily="18" charset="0"/>
-                        </a:rPr>
-                        <a:t>            </a:t>
-                      </a:r>
-                      <a:r>
-                        <a:rPr lang="en-US" sz="2000" i="1" dirty="0">
-                          <a:effectLst/>
-                          <a:latin typeface="Courier New" panose="02070309020205020404" pitchFamily="49" charset="0"/>
-                          <a:ea typeface="Calibri" panose="020F0502020204030204" pitchFamily="34" charset="0"/>
-                          <a:cs typeface="Times New Roman" panose="02020603050405020304" pitchFamily="18" charset="0"/>
-                        </a:rPr>
-                        <a:t>self</a:t>
-                      </a:r>
-                      <a:r>
-                        <a:rPr lang="en-US" sz="2000" dirty="0">
-                          <a:effectLst/>
-                          <a:latin typeface="Courier New" panose="02070309020205020404" pitchFamily="49" charset="0"/>
-                          <a:ea typeface="Calibri" panose="020F0502020204030204" pitchFamily="34" charset="0"/>
-                          <a:cs typeface="Times New Roman" panose="02020603050405020304" pitchFamily="18" charset="0"/>
-                        </a:rPr>
-                        <a:t>.add_to_fill(p1,p2)</a:t>
-                      </a:r>
-                    </a:p>
-                    <a:p>
-                      <a:pPr marL="0" marR="0" algn="l">
-                        <a:lnSpc>
-                          <a:spcPct val="107000"/>
-                        </a:lnSpc>
-                        <a:spcBef>
-                          <a:spcPts val="200"/>
-                        </a:spcBef>
-                        <a:spcAft>
-                          <a:spcPts val="0"/>
-                        </a:spcAft>
-                      </a:pPr>
-                      <a:r>
-                        <a:rPr lang="en-US" sz="2000" dirty="0">
-                          <a:effectLst/>
-                          <a:latin typeface="Courier New" panose="02070309020205020404" pitchFamily="49" charset="0"/>
-                          <a:ea typeface="Calibri" panose="020F0502020204030204" pitchFamily="34" charset="0"/>
-                          <a:cs typeface="Times New Roman" panose="02020603050405020304" pitchFamily="18" charset="0"/>
-                        </a:rPr>
-                        <a:t>        </a:t>
-                      </a:r>
-                      <a:r>
-                        <a:rPr lang="en-US" sz="2000" dirty="0">
-                          <a:solidFill>
-                            <a:srgbClr val="0000FF"/>
-                          </a:solidFill>
-                          <a:effectLst/>
-                          <a:latin typeface="Courier New" panose="02070309020205020404" pitchFamily="49" charset="0"/>
-                          <a:ea typeface="Calibri" panose="020F0502020204030204" pitchFamily="34" charset="0"/>
-                          <a:cs typeface="Times New Roman" panose="02020603050405020304" pitchFamily="18" charset="0"/>
-                        </a:rPr>
-                        <a:t>if</a:t>
-                      </a:r>
-                      <a:r>
-                        <a:rPr lang="en-US" sz="2000" dirty="0">
-                          <a:effectLst/>
-                          <a:latin typeface="Courier New" panose="02070309020205020404" pitchFamily="49" charset="0"/>
-                          <a:ea typeface="Calibri" panose="020F0502020204030204" pitchFamily="34" charset="0"/>
-                          <a:cs typeface="Times New Roman" panose="02020603050405020304" pitchFamily="18" charset="0"/>
-                        </a:rPr>
-                        <a:t> width </a:t>
-                      </a:r>
-                      <a:r>
-                        <a:rPr lang="en-US" sz="2000" dirty="0">
-                          <a:solidFill>
-                            <a:srgbClr val="0000FF"/>
-                          </a:solidFill>
-                          <a:effectLst/>
-                          <a:latin typeface="Courier New" panose="02070309020205020404" pitchFamily="49" charset="0"/>
-                          <a:ea typeface="Calibri" panose="020F0502020204030204" pitchFamily="34" charset="0"/>
-                          <a:cs typeface="Times New Roman" panose="02020603050405020304" pitchFamily="18" charset="0"/>
-                        </a:rPr>
-                        <a:t>is</a:t>
-                      </a:r>
-                      <a:r>
-                        <a:rPr lang="en-US" sz="2000" dirty="0">
-                          <a:effectLst/>
-                          <a:latin typeface="Courier New" panose="02070309020205020404" pitchFamily="49" charset="0"/>
-                          <a:ea typeface="Calibri" panose="020F0502020204030204" pitchFamily="34" charset="0"/>
-                          <a:cs typeface="Times New Roman" panose="02020603050405020304" pitchFamily="18" charset="0"/>
-                        </a:rPr>
-                        <a:t> </a:t>
-                      </a:r>
-                      <a:r>
-                        <a:rPr lang="en-US" sz="2000" dirty="0">
-                          <a:solidFill>
-                            <a:srgbClr val="0000FF"/>
-                          </a:solidFill>
-                          <a:effectLst/>
-                          <a:latin typeface="Courier New" panose="02070309020205020404" pitchFamily="49" charset="0"/>
-                          <a:ea typeface="Calibri" panose="020F0502020204030204" pitchFamily="34" charset="0"/>
-                          <a:cs typeface="Times New Roman" panose="02020603050405020304" pitchFamily="18" charset="0"/>
-                        </a:rPr>
-                        <a:t>None</a:t>
-                      </a:r>
-                      <a:r>
-                        <a:rPr lang="en-US" sz="2000" dirty="0">
-                          <a:effectLst/>
-                          <a:latin typeface="Courier New" panose="02070309020205020404" pitchFamily="49" charset="0"/>
-                          <a:ea typeface="Calibri" panose="020F0502020204030204" pitchFamily="34" charset="0"/>
-                          <a:cs typeface="Times New Roman" panose="02020603050405020304" pitchFamily="18" charset="0"/>
-                        </a:rPr>
-                        <a:t>:</a:t>
-                      </a:r>
-                    </a:p>
-                    <a:p>
-                      <a:pPr marL="0" marR="0" algn="l">
-                        <a:lnSpc>
-                          <a:spcPct val="107000"/>
-                        </a:lnSpc>
-                        <a:spcBef>
-                          <a:spcPts val="200"/>
-                        </a:spcBef>
-                        <a:spcAft>
-                          <a:spcPts val="0"/>
-                        </a:spcAft>
-                      </a:pPr>
-                      <a:r>
-                        <a:rPr lang="en-US" sz="2000" dirty="0">
-                          <a:effectLst/>
-                          <a:latin typeface="Courier New" panose="02070309020205020404" pitchFamily="49" charset="0"/>
-                          <a:ea typeface="Calibri" panose="020F0502020204030204" pitchFamily="34" charset="0"/>
-                          <a:cs typeface="Times New Roman" panose="02020603050405020304" pitchFamily="18" charset="0"/>
-                        </a:rPr>
-                        <a:t>            width = </a:t>
-                      </a:r>
-                      <a:r>
-                        <a:rPr lang="en-US" sz="2000" i="1" dirty="0">
-                          <a:effectLst/>
-                          <a:latin typeface="Courier New" panose="02070309020205020404" pitchFamily="49" charset="0"/>
-                          <a:ea typeface="Calibri" panose="020F0502020204030204" pitchFamily="34" charset="0"/>
-                          <a:cs typeface="Times New Roman" panose="02020603050405020304" pitchFamily="18" charset="0"/>
-                        </a:rPr>
-                        <a:t>self</a:t>
-                      </a:r>
-                      <a:r>
-                        <a:rPr lang="en-US" sz="2000" dirty="0">
-                          <a:effectLst/>
-                          <a:latin typeface="Courier New" panose="02070309020205020404" pitchFamily="49" charset="0"/>
-                          <a:ea typeface="Calibri" panose="020F0502020204030204" pitchFamily="34" charset="0"/>
-                          <a:cs typeface="Times New Roman" panose="02020603050405020304" pitchFamily="18" charset="0"/>
-                        </a:rPr>
-                        <a:t>.line_width</a:t>
-                      </a:r>
-                    </a:p>
-                    <a:p>
-                      <a:pPr marL="0" marR="0" algn="l">
-                        <a:lnSpc>
-                          <a:spcPct val="107000"/>
-                        </a:lnSpc>
-                        <a:spcBef>
-                          <a:spcPts val="200"/>
-                        </a:spcBef>
-                        <a:spcAft>
-                          <a:spcPts val="0"/>
-                        </a:spcAft>
-                      </a:pPr>
-                      <a:r>
-                        <a:rPr lang="en-US" sz="2000" dirty="0">
-                          <a:effectLst/>
-                          <a:latin typeface="Courier New" panose="02070309020205020404" pitchFamily="49" charset="0"/>
-                          <a:ea typeface="Calibri" panose="020F0502020204030204" pitchFamily="34" charset="0"/>
-                          <a:cs typeface="Times New Roman" panose="02020603050405020304" pitchFamily="18" charset="0"/>
-                        </a:rPr>
-                        <a:t>        </a:t>
-                      </a:r>
-                      <a:r>
-                        <a:rPr lang="en-US" sz="2000" dirty="0">
-                          <a:solidFill>
-                            <a:srgbClr val="0000FF"/>
-                          </a:solidFill>
-                          <a:effectLst/>
-                          <a:latin typeface="Courier New" panose="02070309020205020404" pitchFamily="49" charset="0"/>
-                          <a:ea typeface="Calibri" panose="020F0502020204030204" pitchFamily="34" charset="0"/>
-                          <a:cs typeface="Times New Roman" panose="02020603050405020304" pitchFamily="18" charset="0"/>
-                        </a:rPr>
-                        <a:t>if</a:t>
-                      </a:r>
-                      <a:r>
-                        <a:rPr lang="en-US" sz="2000" dirty="0">
-                          <a:effectLst/>
-                          <a:latin typeface="Courier New" panose="02070309020205020404" pitchFamily="49" charset="0"/>
-                          <a:ea typeface="Calibri" panose="020F0502020204030204" pitchFamily="34" charset="0"/>
-                          <a:cs typeface="Times New Roman" panose="02020603050405020304" pitchFamily="18" charset="0"/>
-                        </a:rPr>
-                        <a:t> color </a:t>
-                      </a:r>
-                      <a:r>
-                        <a:rPr lang="en-US" sz="2000" dirty="0">
-                          <a:solidFill>
-                            <a:srgbClr val="0000FF"/>
-                          </a:solidFill>
-                          <a:effectLst/>
-                          <a:latin typeface="Courier New" panose="02070309020205020404" pitchFamily="49" charset="0"/>
-                          <a:ea typeface="Calibri" panose="020F0502020204030204" pitchFamily="34" charset="0"/>
-                          <a:cs typeface="Times New Roman" panose="02020603050405020304" pitchFamily="18" charset="0"/>
-                        </a:rPr>
-                        <a:t>is</a:t>
-                      </a:r>
-                      <a:r>
-                        <a:rPr lang="en-US" sz="2000" dirty="0">
-                          <a:effectLst/>
-                          <a:latin typeface="Courier New" panose="02070309020205020404" pitchFamily="49" charset="0"/>
-                          <a:ea typeface="Calibri" panose="020F0502020204030204" pitchFamily="34" charset="0"/>
-                          <a:cs typeface="Times New Roman" panose="02020603050405020304" pitchFamily="18" charset="0"/>
-                        </a:rPr>
-                        <a:t> </a:t>
-                      </a:r>
-                      <a:r>
-                        <a:rPr lang="en-US" sz="2000" dirty="0">
-                          <a:solidFill>
-                            <a:srgbClr val="0000FF"/>
-                          </a:solidFill>
-                          <a:effectLst/>
-                          <a:latin typeface="Courier New" panose="02070309020205020404" pitchFamily="49" charset="0"/>
-                          <a:ea typeface="Calibri" panose="020F0502020204030204" pitchFamily="34" charset="0"/>
-                          <a:cs typeface="Times New Roman" panose="02020603050405020304" pitchFamily="18" charset="0"/>
-                        </a:rPr>
-                        <a:t>None</a:t>
-                      </a:r>
-                      <a:r>
-                        <a:rPr lang="en-US" sz="2000" dirty="0">
-                          <a:effectLst/>
-                          <a:latin typeface="Courier New" panose="02070309020205020404" pitchFamily="49" charset="0"/>
-                          <a:ea typeface="Calibri" panose="020F0502020204030204" pitchFamily="34" charset="0"/>
-                          <a:cs typeface="Times New Roman" panose="02020603050405020304" pitchFamily="18" charset="0"/>
-                        </a:rPr>
-                        <a:t>:</a:t>
-                      </a:r>
-                    </a:p>
-                    <a:p>
-                      <a:pPr marL="0" marR="0" algn="l">
-                        <a:lnSpc>
-                          <a:spcPct val="107000"/>
-                        </a:lnSpc>
-                        <a:spcBef>
-                          <a:spcPts val="200"/>
-                        </a:spcBef>
-                        <a:spcAft>
-                          <a:spcPts val="0"/>
-                        </a:spcAft>
-                      </a:pPr>
-                      <a:r>
-                        <a:rPr lang="en-US" sz="2000" dirty="0">
-                          <a:effectLst/>
-                          <a:latin typeface="Courier New" panose="02070309020205020404" pitchFamily="49" charset="0"/>
-                          <a:ea typeface="Calibri" panose="020F0502020204030204" pitchFamily="34" charset="0"/>
-                          <a:cs typeface="Times New Roman" panose="02020603050405020304" pitchFamily="18" charset="0"/>
-                        </a:rPr>
-                        <a:t>            color = </a:t>
-                      </a:r>
-                      <a:r>
-                        <a:rPr lang="en-US" sz="2000" i="1" dirty="0">
-                          <a:effectLst/>
-                          <a:latin typeface="Courier New" panose="02070309020205020404" pitchFamily="49" charset="0"/>
-                          <a:ea typeface="Calibri" panose="020F0502020204030204" pitchFamily="34" charset="0"/>
-                          <a:cs typeface="Times New Roman" panose="02020603050405020304" pitchFamily="18" charset="0"/>
-                        </a:rPr>
-                        <a:t>self</a:t>
-                      </a:r>
-                      <a:r>
-                        <a:rPr lang="en-US" sz="2000" dirty="0">
-                          <a:effectLst/>
-                          <a:latin typeface="Courier New" panose="02070309020205020404" pitchFamily="49" charset="0"/>
-                          <a:ea typeface="Calibri" panose="020F0502020204030204" pitchFamily="34" charset="0"/>
-                          <a:cs typeface="Times New Roman" panose="02020603050405020304" pitchFamily="18" charset="0"/>
-                        </a:rPr>
-                        <a:t>._color</a:t>
-                      </a:r>
-                    </a:p>
-                    <a:p>
-                      <a:pPr marL="0" marR="0" algn="l">
-                        <a:lnSpc>
-                          <a:spcPct val="107000"/>
-                        </a:lnSpc>
-                        <a:spcBef>
-                          <a:spcPts val="200"/>
-                        </a:spcBef>
-                        <a:spcAft>
-                          <a:spcPts val="0"/>
-                        </a:spcAft>
-                      </a:pPr>
-                      <a:r>
-                        <a:rPr lang="en-US" sz="2000" dirty="0">
-                          <a:effectLst/>
-                          <a:latin typeface="Courier New" panose="02070309020205020404" pitchFamily="49" charset="0"/>
-                          <a:ea typeface="Calibri" panose="020F0502020204030204" pitchFamily="34" charset="0"/>
-                          <a:cs typeface="Times New Roman" panose="02020603050405020304" pitchFamily="18" charset="0"/>
-                        </a:rPr>
-                        <a:t>        </a:t>
-                      </a:r>
-                      <a:r>
-                        <a:rPr lang="en-US" sz="2000" dirty="0">
-                          <a:solidFill>
-                            <a:srgbClr val="0000FF"/>
-                          </a:solidFill>
-                          <a:effectLst/>
-                          <a:latin typeface="Courier New" panose="02070309020205020404" pitchFamily="49" charset="0"/>
-                          <a:ea typeface="Calibri" panose="020F0502020204030204" pitchFamily="34" charset="0"/>
-                          <a:cs typeface="Times New Roman" panose="02020603050405020304" pitchFamily="18" charset="0"/>
-                        </a:rPr>
-                        <a:t>if</a:t>
-                      </a:r>
-                      <a:r>
-                        <a:rPr lang="en-US" sz="2000" dirty="0">
-                          <a:effectLst/>
-                          <a:latin typeface="Courier New" panose="02070309020205020404" pitchFamily="49" charset="0"/>
-                          <a:ea typeface="Calibri" panose="020F0502020204030204" pitchFamily="34" charset="0"/>
-                          <a:cs typeface="Times New Roman" panose="02020603050405020304" pitchFamily="18" charset="0"/>
-                        </a:rPr>
-                        <a:t> </a:t>
-                      </a:r>
-                      <a:r>
-                        <a:rPr lang="en-US" sz="2000" i="1" dirty="0">
-                          <a:effectLst/>
-                          <a:latin typeface="Courier New" panose="02070309020205020404" pitchFamily="49" charset="0"/>
-                          <a:ea typeface="Calibri" panose="020F0502020204030204" pitchFamily="34" charset="0"/>
-                          <a:cs typeface="Times New Roman" panose="02020603050405020304" pitchFamily="18" charset="0"/>
-                        </a:rPr>
-                        <a:t>self</a:t>
-                      </a:r>
-                      <a:r>
-                        <a:rPr lang="en-US" sz="2000" dirty="0">
-                          <a:effectLst/>
-                          <a:latin typeface="Courier New" panose="02070309020205020404" pitchFamily="49" charset="0"/>
-                          <a:ea typeface="Calibri" panose="020F0502020204030204" pitchFamily="34" charset="0"/>
-                          <a:cs typeface="Times New Roman" panose="02020603050405020304" pitchFamily="18" charset="0"/>
-                        </a:rPr>
-                        <a:t>.is_pendown:</a:t>
-                      </a:r>
-                    </a:p>
-                    <a:p>
-                      <a:pPr marL="0" marR="0" algn="l">
-                        <a:lnSpc>
-                          <a:spcPct val="107000"/>
-                        </a:lnSpc>
-                        <a:spcBef>
-                          <a:spcPts val="200"/>
-                        </a:spcBef>
-                        <a:spcAft>
-                          <a:spcPts val="0"/>
-                        </a:spcAft>
-                      </a:pPr>
-                      <a:r>
-                        <a:rPr lang="en-US" sz="2000" dirty="0">
-                          <a:effectLst/>
-                          <a:latin typeface="Courier New" panose="02070309020205020404" pitchFamily="49" charset="0"/>
-                          <a:ea typeface="Calibri" panose="020F0502020204030204" pitchFamily="34" charset="0"/>
-                          <a:cs typeface="Times New Roman" panose="02020603050405020304" pitchFamily="18" charset="0"/>
-                        </a:rPr>
-                        <a:t>            points = </a:t>
-                      </a:r>
-                      <a:r>
-                        <a:rPr lang="en-US" sz="2000" i="1" dirty="0">
-                          <a:effectLst/>
-                          <a:latin typeface="Courier New" panose="02070309020205020404" pitchFamily="49" charset="0"/>
-                          <a:ea typeface="Calibri" panose="020F0502020204030204" pitchFamily="34" charset="0"/>
-                          <a:cs typeface="Times New Roman" panose="02020603050405020304" pitchFamily="18" charset="0"/>
-                        </a:rPr>
-                        <a:t>self</a:t>
-                      </a:r>
-                      <a:r>
-                        <a:rPr lang="en-US" sz="2000" dirty="0">
-                          <a:effectLst/>
-                          <a:latin typeface="Courier New" panose="02070309020205020404" pitchFamily="49" charset="0"/>
-                          <a:ea typeface="Calibri" panose="020F0502020204030204" pitchFamily="34" charset="0"/>
-                          <a:cs typeface="Times New Roman" panose="02020603050405020304" pitchFamily="18" charset="0"/>
-                        </a:rPr>
-                        <a:t>.get_drawn_line_points(p1, p2, width)</a:t>
-                      </a:r>
-                    </a:p>
-                    <a:p>
-                      <a:pPr marL="0" marR="0" algn="l">
-                        <a:lnSpc>
-                          <a:spcPct val="107000"/>
-                        </a:lnSpc>
-                        <a:spcBef>
-                          <a:spcPts val="200"/>
-                        </a:spcBef>
-                        <a:spcAft>
-                          <a:spcPts val="0"/>
-                        </a:spcAft>
-                      </a:pPr>
-                      <a:r>
-                        <a:rPr lang="en-US" sz="2000" dirty="0">
-                          <a:effectLst/>
-                          <a:latin typeface="Courier New" panose="02070309020205020404" pitchFamily="49" charset="0"/>
-                          <a:ea typeface="Calibri" panose="020F0502020204030204" pitchFamily="34" charset="0"/>
-                          <a:cs typeface="Times New Roman" panose="02020603050405020304" pitchFamily="18" charset="0"/>
-                        </a:rPr>
-                        <a:t>            </a:t>
-                      </a:r>
-                      <a:r>
-                        <a:rPr lang="en-US" sz="2000" i="1" dirty="0">
-                          <a:effectLst/>
-                          <a:latin typeface="Courier New" panose="02070309020205020404" pitchFamily="49" charset="0"/>
-                          <a:ea typeface="Calibri" panose="020F0502020204030204" pitchFamily="34" charset="0"/>
-                          <a:cs typeface="Times New Roman" panose="02020603050405020304" pitchFamily="18" charset="0"/>
-                        </a:rPr>
-                        <a:t>self</a:t>
-                      </a:r>
-                      <a:r>
-                        <a:rPr lang="en-US" sz="2000" dirty="0">
-                          <a:effectLst/>
-                          <a:latin typeface="Courier New" panose="02070309020205020404" pitchFamily="49" charset="0"/>
-                          <a:ea typeface="Calibri" panose="020F0502020204030204" pitchFamily="34" charset="0"/>
-                          <a:cs typeface="Times New Roman" panose="02020603050405020304" pitchFamily="18" charset="0"/>
-                        </a:rPr>
-                        <a:t>.populate_cells_from_points(points, color=color)</a:t>
-                      </a:r>
-                    </a:p>
-                    <a:p>
-                      <a:pPr marL="0" marR="0" algn="l">
-                        <a:lnSpc>
-                          <a:spcPct val="107000"/>
-                        </a:lnSpc>
-                        <a:spcBef>
-                          <a:spcPts val="200"/>
-                        </a:spcBef>
-                        <a:spcAft>
-                          <a:spcPts val="0"/>
-                        </a:spcAft>
-                      </a:pPr>
-                      <a:r>
-                        <a:rPr lang="en-US" sz="2000" dirty="0">
-                          <a:effectLst/>
-                          <a:latin typeface="Courier New" panose="02070309020205020404" pitchFamily="49" charset="0"/>
-                          <a:ea typeface="Calibri" panose="020F0502020204030204" pitchFamily="34" charset="0"/>
-                          <a:cs typeface="Times New Roman" panose="02020603050405020304" pitchFamily="18" charset="0"/>
-                        </a:rPr>
-                        <a:t>        </a:t>
-                      </a:r>
-                      <a:r>
-                        <a:rPr lang="en-US" sz="2000" i="1" dirty="0">
-                          <a:effectLst/>
-                          <a:latin typeface="Courier New" panose="02070309020205020404" pitchFamily="49" charset="0"/>
-                          <a:ea typeface="Calibri" panose="020F0502020204030204" pitchFamily="34" charset="0"/>
-                          <a:cs typeface="Times New Roman" panose="02020603050405020304" pitchFamily="18" charset="0"/>
-                        </a:rPr>
-                        <a:t>self</a:t>
-                      </a:r>
-                      <a:r>
-                        <a:rPr lang="en-US" sz="2000" dirty="0">
-                          <a:effectLst/>
-                          <a:latin typeface="Courier New" panose="02070309020205020404" pitchFamily="49" charset="0"/>
-                          <a:ea typeface="Calibri" panose="020F0502020204030204" pitchFamily="34" charset="0"/>
-                          <a:cs typeface="Times New Roman" panose="02020603050405020304" pitchFamily="18" charset="0"/>
-                        </a:rPr>
-                        <a:t>.x, </a:t>
-                      </a:r>
-                      <a:r>
-                        <a:rPr lang="en-US" sz="2000" i="1" dirty="0">
-                          <a:effectLst/>
-                          <a:latin typeface="Courier New" panose="02070309020205020404" pitchFamily="49" charset="0"/>
-                          <a:ea typeface="Calibri" panose="020F0502020204030204" pitchFamily="34" charset="0"/>
-                          <a:cs typeface="Times New Roman" panose="02020603050405020304" pitchFamily="18" charset="0"/>
-                        </a:rPr>
-                        <a:t>self</a:t>
-                      </a:r>
-                      <a:r>
-                        <a:rPr lang="en-US" sz="2000" dirty="0">
-                          <a:effectLst/>
-                          <a:latin typeface="Courier New" panose="02070309020205020404" pitchFamily="49" charset="0"/>
-                          <a:ea typeface="Calibri" panose="020F0502020204030204" pitchFamily="34" charset="0"/>
-                          <a:cs typeface="Times New Roman" panose="02020603050405020304" pitchFamily="18" charset="0"/>
-                        </a:rPr>
-                        <a:t>.y = p2</a:t>
-                      </a:r>
-                    </a:p>
-                  </a:txBody>
-                  <a:tcPr marL="0" marR="0" marT="0" marB="0">
-                    <a:lnL>
-                      <a:noFill/>
-                    </a:lnL>
-                    <a:lnR>
-                      <a:noFill/>
-                    </a:lnR>
-                    <a:lnT>
-                      <a:noFill/>
-                    </a:lnT>
-                    <a:lnB>
-                      <a:noFill/>
-                    </a:lnB>
-                  </a:tcPr>
-                </a:tc>
-                <a:extLst>
-                  <a:ext uri="{0D108BD9-81ED-4DB2-BD59-A6C34878D82A}">
-                    <a16:rowId xmlns:a16="http://schemas.microsoft.com/office/drawing/2014/main" val="157505694"/>
-                  </a:ext>
-                </a:extLst>
-              </a:tr>
-            </a:tbl>
-          </a:graphicData>
-        </a:graphic>
-      </p:graphicFrame>
+          </p:nvPr>
+        </p:nvSpPr>
+        <p:spPr>
+          <a:xfrm>
+            <a:off x="542162" y="1454227"/>
+            <a:ext cx="10860296" cy="4794173"/>
+          </a:xfrm>
+        </p:spPr>
+        <p:txBody>
+          <a:bodyPr>
+            <a:noAutofit/>
+          </a:bodyPr>
+          <a:lstStyle/>
+          <a:p>
+            <a:pPr marL="800100" lvl="2" indent="0">
+              <a:buNone/>
+            </a:pPr>
+            <a:r>
+              <a:rPr lang="en-US" sz="2800" i="1" dirty="0">
+                <a:solidFill>
+                  <a:schemeClr val="bg1">
+                    <a:lumMod val="50000"/>
+                  </a:schemeClr>
+                </a:solidFill>
+                <a:latin typeface="Consolas" panose="020B0609020204030204" pitchFamily="49" charset="0"/>
+              </a:rPr>
+              <a:t>Instances of using the base canvas</a:t>
+            </a:r>
+          </a:p>
+          <a:p>
+            <a:pPr marL="800100" lvl="2" indent="0">
+              <a:buNone/>
+            </a:pPr>
+            <a:r>
+              <a:rPr lang="en-US" sz="2800" i="1" dirty="0">
+                <a:solidFill>
+                  <a:schemeClr val="bg1">
+                    <a:lumMod val="50000"/>
+                  </a:schemeClr>
+                </a:solidFill>
+                <a:latin typeface="Consolas" panose="020B0609020204030204" pitchFamily="49" charset="0"/>
+              </a:rPr>
+              <a:t>In our case, that is Turtle's canvas</a:t>
+            </a:r>
+          </a:p>
+          <a:p>
+            <a:pPr marL="0" indent="0" algn="l">
+              <a:buNone/>
+            </a:pPr>
+            <a:r>
+              <a:rPr lang="en-US" sz="2800" dirty="0">
+                <a:solidFill>
+                  <a:srgbClr val="000000"/>
+                </a:solidFill>
+                <a:latin typeface="Consolas" panose="020B0609020204030204" pitchFamily="49" charset="0"/>
+              </a:rPr>
+              <a:t> cx1,cy1,cx2,cy2 = </a:t>
+            </a:r>
+            <a:r>
+              <a:rPr lang="en-US" sz="2800" i="1" dirty="0">
+                <a:solidFill>
+                  <a:srgbClr val="000000"/>
+                </a:solidFill>
+                <a:latin typeface="Consolas" panose="020B0609020204030204" pitchFamily="49" charset="0"/>
+              </a:rPr>
+              <a:t>self.get_grid_ullr(ix=ix, iy=iy,</a:t>
+            </a:r>
+          </a:p>
+          <a:p>
+            <a:pPr marL="0" indent="0" algn="l">
+              <a:buNone/>
+            </a:pPr>
+            <a:r>
+              <a:rPr lang="en-US" sz="2800" i="1" dirty="0">
+                <a:solidFill>
+                  <a:srgbClr val="000000"/>
+                </a:solidFill>
+                <a:latin typeface="Consolas" panose="020B0609020204030204" pitchFamily="49" charset="0"/>
+              </a:rPr>
+              <a:t>                             xs=xs, ys=ys)</a:t>
+            </a:r>
+          </a:p>
+          <a:p>
+            <a:pPr marL="0" indent="0" algn="l">
+              <a:buNone/>
+            </a:pPr>
+            <a:r>
+              <a:rPr lang="en-US" sz="2800" dirty="0">
+                <a:solidFill>
+                  <a:srgbClr val="000000"/>
+                </a:solidFill>
+                <a:latin typeface="Consolas" panose="020B0609020204030204" pitchFamily="49" charset="0"/>
+              </a:rPr>
+              <a:t> item_ids_over_raw =</a:t>
+            </a:r>
+          </a:p>
+          <a:p>
+            <a:pPr marL="0" indent="0" algn="l">
+              <a:buNone/>
+            </a:pPr>
+            <a:r>
+              <a:rPr lang="en-US" sz="2800" dirty="0">
+                <a:solidFill>
+                  <a:srgbClr val="000000"/>
+                </a:solidFill>
+                <a:latin typeface="Consolas" panose="020B0609020204030204" pitchFamily="49" charset="0"/>
+              </a:rPr>
+              <a:t>       </a:t>
+            </a:r>
+            <a:r>
+              <a:rPr lang="en-US" sz="2800" b="1" i="1" dirty="0">
+                <a:solidFill>
+                  <a:srgbClr val="000000"/>
+                </a:solidFill>
+                <a:latin typeface="Consolas" panose="020B0609020204030204" pitchFamily="49" charset="0"/>
+              </a:rPr>
+              <a:t>self.base</a:t>
+            </a:r>
+            <a:r>
+              <a:rPr lang="en-US" sz="2800" i="1" dirty="0">
+                <a:solidFill>
+                  <a:srgbClr val="000000"/>
+                </a:solidFill>
+                <a:latin typeface="Consolas" panose="020B0609020204030204" pitchFamily="49" charset="0"/>
+              </a:rPr>
+              <a:t>.find_overlapping(cx1,cy1,cx2,cy2)</a:t>
+            </a:r>
+          </a:p>
+          <a:p>
+            <a:pPr marL="0" indent="0" algn="l">
+              <a:buNone/>
+            </a:pPr>
+            <a:r>
+              <a:rPr lang="en-US" sz="3600" i="1" dirty="0">
+                <a:solidFill>
+                  <a:schemeClr val="bg1">
+                    <a:lumMod val="50000"/>
+                  </a:schemeClr>
+                </a:solidFill>
+                <a:latin typeface="Consolas" panose="020B0609020204030204" pitchFamily="49" charset="0"/>
+              </a:rPr>
+              <a:t>…</a:t>
+            </a:r>
+          </a:p>
+          <a:p>
+            <a:pPr marL="0" indent="0" algn="l">
+              <a:buNone/>
+            </a:pPr>
+            <a:r>
+              <a:rPr lang="en-US" sz="2800" dirty="0">
+                <a:solidFill>
+                  <a:srgbClr val="000000"/>
+                </a:solidFill>
+                <a:latin typeface="Consolas" panose="020B0609020204030204" pitchFamily="49" charset="0"/>
+              </a:rPr>
+              <a:t> color_tuple = </a:t>
+            </a:r>
+            <a:r>
+              <a:rPr lang="en-US" sz="2800" b="1" i="1" dirty="0">
+                <a:solidFill>
+                  <a:srgbClr val="000000"/>
+                </a:solidFill>
+                <a:latin typeface="Consolas" panose="020B0609020204030204" pitchFamily="49" charset="0"/>
+              </a:rPr>
+              <a:t>self.base</a:t>
+            </a:r>
+            <a:r>
+              <a:rPr lang="en-US" sz="2800" i="1" dirty="0">
+                <a:solidFill>
+                  <a:srgbClr val="000000"/>
+                </a:solidFill>
+                <a:latin typeface="Consolas" panose="020B0609020204030204" pitchFamily="49" charset="0"/>
+              </a:rPr>
+              <a:t>.itemconfigure(top_id,</a:t>
+            </a:r>
+          </a:p>
+          <a:p>
+            <a:pPr marL="0" indent="0" algn="l">
+              <a:buNone/>
+            </a:pPr>
+            <a:r>
+              <a:rPr lang="en-US" sz="2800" i="1" dirty="0">
+                <a:solidFill>
+                  <a:srgbClr val="000000"/>
+                </a:solidFill>
+                <a:latin typeface="Consolas" panose="020B0609020204030204" pitchFamily="49" charset="0"/>
+              </a:rPr>
+              <a:t>                                       </a:t>
+            </a:r>
+            <a:r>
+              <a:rPr lang="en-US" sz="2800" i="1" dirty="0">
+                <a:solidFill>
+                  <a:srgbClr val="00AA00"/>
+                </a:solidFill>
+                <a:latin typeface="Consolas" panose="020B0609020204030204" pitchFamily="49" charset="0"/>
+              </a:rPr>
+              <a:t>"fill"</a:t>
+            </a:r>
+            <a:r>
+              <a:rPr lang="en-US" sz="2800" i="1" dirty="0">
+                <a:solidFill>
+                  <a:srgbClr val="000000"/>
+                </a:solidFill>
+                <a:latin typeface="Consolas" panose="020B0609020204030204" pitchFamily="49" charset="0"/>
+              </a:rPr>
+              <a:t>)</a:t>
+            </a:r>
+            <a:endParaRPr lang="en-US" sz="2800" i="1" dirty="0">
+              <a:solidFill>
+                <a:schemeClr val="bg1">
+                  <a:lumMod val="50000"/>
+                </a:schemeClr>
+              </a:solidFill>
+              <a:latin typeface="Consolas" panose="020B0609020204030204" pitchFamily="49" charset="0"/>
+            </a:endParaRPr>
+          </a:p>
+        </p:txBody>
+      </p:sp>
       <p:sp>
         <p:nvSpPr>
           <p:cNvPr id="4" name="Date Placeholder 3">
@@ -13496,7 +12643,7 @@
           <a:p>
             <a:fld id="{A7119916-CD40-456D-ABE3-55F8822671F7}" type="datetime1">
               <a:rPr lang="en-US" smtClean="0"/>
-              <a:t>2/10/2023</a:t>
+              <a:t>3/1/2023</a:t>
             </a:fld>
             <a:endParaRPr lang="en-US" dirty="0"/>
           </a:p>
@@ -13552,10 +12699,18 @@
           <a:lstStyle/>
           <a:p>
             <a:fld id="{6D22F896-40B5-4ADD-8801-0D06FADFA095}" type="slidenum">
-              <a:rPr lang="en-US" smtClean="0"/>
+              <a:rPr lang="en-US" smtClean="0">
+                <a:solidFill>
+                  <a:schemeClr val="tx1"/>
+                </a:solidFill>
+              </a:rPr>
               <a:t>15</a:t>
             </a:fld>
-            <a:endParaRPr lang="en-US" dirty="0"/>
+            <a:endParaRPr lang="en-US" dirty="0">
+              <a:solidFill>
+                <a:schemeClr val="tx1"/>
+              </a:solidFill>
+            </a:endParaRPr>
           </a:p>
         </p:txBody>
       </p:sp>
@@ -13609,7 +12764,7 @@
     </p:spTree>
     <p:extLst>
       <p:ext uri="{BB962C8B-B14F-4D97-AF65-F5344CB8AC3E}">
-        <p14:creationId xmlns:p14="http://schemas.microsoft.com/office/powerpoint/2010/main" val="3411140911"/>
+        <p14:creationId xmlns:p14="http://schemas.microsoft.com/office/powerpoint/2010/main" val="2764975464"/>
       </p:ext>
     </p:extLst>
   </p:cSld>
@@ -13686,9 +12841,16 @@
             <p:ph type="title"/>
           </p:nvPr>
         </p:nvSpPr>
-        <p:spPr/>
-        <p:txBody>
-          <a:bodyPr/>
+        <p:spPr>
+          <a:xfrm>
+            <a:off x="677334" y="609600"/>
+            <a:ext cx="8596668" cy="1028369"/>
+          </a:xfrm>
+        </p:spPr>
+        <p:txBody>
+          <a:bodyPr>
+            <a:normAutofit fontScale="90000"/>
+          </a:bodyPr>
           <a:lstStyle/>
           <a:p>
             <a:r>
@@ -13697,101 +12859,446 @@
                   <a:schemeClr val="accent1"/>
                 </a:solidFill>
               </a:rPr>
-              <a:t>Audio Feedback</a:t>
-            </a:r>
-            <a:endParaRPr lang="en-US" dirty="0"/>
-          </a:p>
-        </p:txBody>
-      </p:sp>
-      <p:sp>
-        <p:nvSpPr>
-          <p:cNvPr id="3" name="Content Placeholder 2">
+              <a:t>Finding canvas items that overlap grid regions</a:t>
+            </a:r>
+            <a:br>
+              <a:rPr lang="en-US" sz="3600" dirty="0">
+                <a:solidFill>
+                  <a:schemeClr val="accent1"/>
+                </a:solidFill>
+              </a:rPr>
+            </a:br>
+            <a:r>
+              <a:rPr lang="en-US" sz="2200" dirty="0">
+                <a:solidFill>
+                  <a:schemeClr val="accent1"/>
+                </a:solidFill>
+              </a:rPr>
+              <a:t>CanvasGrid continued</a:t>
+            </a:r>
+            <a:endParaRPr lang="en-US" sz="2200" dirty="0"/>
+          </a:p>
+        </p:txBody>
+      </p:sp>
+      <p:graphicFrame>
+        <p:nvGraphicFramePr>
+          <p:cNvPr id="7" name="Content Placeholder 6">
             <a:extLst>
               <a:ext uri="{FF2B5EF4-FFF2-40B4-BE49-F238E27FC236}">
-                <a16:creationId xmlns:a16="http://schemas.microsoft.com/office/drawing/2014/main" id="{0C360948-50A1-2DC8-8408-53BDDAF2B33C}"/>
+                <a16:creationId xmlns:a16="http://schemas.microsoft.com/office/drawing/2014/main" id="{83595BD9-9FB0-755F-D8F3-6252508F6806}"/>
               </a:ext>
             </a:extLst>
           </p:cNvPr>
-          <p:cNvSpPr>
-            <a:spLocks noGrp="1"/>
-          </p:cNvSpPr>
+          <p:cNvGraphicFramePr>
+            <a:graphicFrameLocks noGrp="1"/>
+          </p:cNvGraphicFramePr>
           <p:nvPr>
             <p:ph idx="1"/>
-          </p:nvPr>
-        </p:nvSpPr>
-        <p:spPr>
-          <a:xfrm>
-            <a:off x="550113" y="2051051"/>
-            <a:ext cx="8596668" cy="3880773"/>
-          </a:xfrm>
-        </p:spPr>
-        <p:txBody>
-          <a:bodyPr>
-            <a:normAutofit/>
-          </a:bodyPr>
-          <a:lstStyle/>
-          <a:p>
-            <a:r>
-              <a:rPr lang="en-US" sz="3200" dirty="0">
-                <a:solidFill>
-                  <a:schemeClr val="tx1"/>
-                </a:solidFill>
-              </a:rPr>
-              <a:t>Braille Picture was OK – but slow</a:t>
-            </a:r>
-          </a:p>
-          <a:p>
-            <a:r>
-              <a:rPr lang="en-US" sz="3200" dirty="0">
-                <a:solidFill>
-                  <a:schemeClr val="tx1"/>
-                </a:solidFill>
-              </a:rPr>
-              <a:t>Displays Braille picture with:</a:t>
-            </a:r>
-          </a:p>
-          <a:p>
-            <a:pPr lvl="1"/>
-            <a:r>
-              <a:rPr lang="en-US" sz="3000" dirty="0">
-                <a:solidFill>
-                  <a:schemeClr val="tx1"/>
-                </a:solidFill>
-              </a:rPr>
-              <a:t>User navigation (cursor keys, mouse)</a:t>
-            </a:r>
-          </a:p>
-          <a:p>
-            <a:pPr lvl="1"/>
-            <a:r>
-              <a:rPr lang="en-US" sz="3000" dirty="0">
-                <a:solidFill>
-                  <a:schemeClr val="tx1"/>
-                </a:solidFill>
-              </a:rPr>
-              <a:t>Speech description of location</a:t>
-            </a:r>
-          </a:p>
-          <a:p>
-            <a:pPr lvl="1"/>
-            <a:r>
-              <a:rPr lang="en-US" sz="3000" dirty="0">
-                <a:solidFill>
-                  <a:schemeClr val="tx1"/>
-                </a:solidFill>
-              </a:rPr>
-              <a:t>Audio tones – faster yet response</a:t>
-            </a:r>
-          </a:p>
-          <a:p>
-            <a:endParaRPr lang="en-US" sz="2800" dirty="0">
-              <a:solidFill>
-                <a:schemeClr val="tx1"/>
-              </a:solidFill>
-            </a:endParaRPr>
-          </a:p>
-        </p:txBody>
-      </p:sp>
+            <p:extLst>
+              <p:ext uri="{D42A27DB-BD31-4B8C-83A1-F6EECF244321}">
+                <p14:modId xmlns:p14="http://schemas.microsoft.com/office/powerpoint/2010/main" val="3419389144"/>
+              </p:ext>
+            </p:extLst>
+          </p:nvPr>
+        </p:nvGraphicFramePr>
+        <p:xfrm>
+          <a:off x="22221" y="690825"/>
+          <a:ext cx="10557509" cy="5974080"/>
+        </p:xfrm>
+        <a:graphic>
+          <a:graphicData uri="http://schemas.openxmlformats.org/drawingml/2006/table">
+            <a:tbl>
+              <a:tblPr/>
+              <a:tblGrid>
+                <a:gridCol w="10557509">
+                  <a:extLst>
+                    <a:ext uri="{9D8B030D-6E8A-4147-A177-3AD203B41FA5}">
+                      <a16:colId xmlns:a16="http://schemas.microsoft.com/office/drawing/2014/main" val="2688735557"/>
+                    </a:ext>
+                  </a:extLst>
+                </a:gridCol>
+              </a:tblGrid>
+              <a:tr h="4800959">
+                <a:tc>
+                  <a:txBody>
+                    <a:bodyPr/>
+                    <a:lstStyle/>
+                    <a:p>
+                      <a:endParaRPr lang="en-US" sz="2800" dirty="0">
+                        <a:latin typeface="Consolas" panose="020B0609020204030204" pitchFamily="49" charset="0"/>
+                      </a:endParaRPr>
+                    </a:p>
+                    <a:p>
+                      <a:pPr algn="l"/>
+                      <a:r>
+                        <a:rPr lang="en-US" sz="2800" dirty="0">
+                          <a:solidFill>
+                            <a:srgbClr val="000000"/>
+                          </a:solidFill>
+                          <a:latin typeface="Consolas" panose="020B0609020204030204" pitchFamily="49" charset="0"/>
+                        </a:rPr>
+                        <a:t>    </a:t>
+                      </a:r>
+                      <a:r>
+                        <a:rPr lang="en-US" sz="2800" dirty="0">
+                          <a:solidFill>
+                            <a:srgbClr val="0000FF"/>
+                          </a:solidFill>
+                          <a:latin typeface="Consolas" panose="020B0609020204030204" pitchFamily="49" charset="0"/>
+                        </a:rPr>
+                        <a:t>def</a:t>
+                      </a:r>
+                      <a:r>
+                        <a:rPr lang="en-US" sz="2800" dirty="0">
+                          <a:solidFill>
+                            <a:srgbClr val="000000"/>
+                          </a:solidFill>
+                          <a:latin typeface="Consolas" panose="020B0609020204030204" pitchFamily="49" charset="0"/>
+                        </a:rPr>
+                        <a:t> </a:t>
+                      </a:r>
+                      <a:r>
+                        <a:rPr lang="en-US" sz="2800" b="1" dirty="0">
+                          <a:solidFill>
+                            <a:srgbClr val="000000"/>
+                          </a:solidFill>
+                          <a:latin typeface="Consolas" panose="020B0609020204030204" pitchFamily="49" charset="0"/>
+                        </a:rPr>
+                        <a:t>get_canvas_items(</a:t>
+                      </a:r>
+                      <a:r>
+                        <a:rPr lang="en-US" sz="2800" b="1" i="1" dirty="0">
+                          <a:solidFill>
+                            <a:srgbClr val="000000"/>
+                          </a:solidFill>
+                          <a:latin typeface="Consolas" panose="020B0609020204030204" pitchFamily="49" charset="0"/>
+                        </a:rPr>
+                        <a:t>self,</a:t>
+                      </a:r>
+                    </a:p>
+                    <a:p>
+                      <a:pPr algn="l"/>
+                      <a:r>
+                        <a:rPr lang="en-US" sz="2800" dirty="0">
+                          <a:solidFill>
+                            <a:srgbClr val="000000"/>
+                          </a:solidFill>
+                          <a:latin typeface="Consolas" panose="020B0609020204030204" pitchFamily="49" charset="0"/>
+                        </a:rPr>
+                        <a:t>                        xmin=</a:t>
+                      </a:r>
+                      <a:r>
+                        <a:rPr lang="en-US" sz="2800" dirty="0">
+                          <a:solidFill>
+                            <a:srgbClr val="0000FF"/>
+                          </a:solidFill>
+                          <a:latin typeface="Consolas" panose="020B0609020204030204" pitchFamily="49" charset="0"/>
+                        </a:rPr>
+                        <a:t>None</a:t>
+                      </a:r>
+                      <a:r>
+                        <a:rPr lang="en-US" sz="2800" dirty="0">
+                          <a:solidFill>
+                            <a:srgbClr val="000000"/>
+                          </a:solidFill>
+                          <a:latin typeface="Consolas" panose="020B0609020204030204" pitchFamily="49" charset="0"/>
+                        </a:rPr>
+                        <a:t>, xmax=</a:t>
+                      </a:r>
+                      <a:r>
+                        <a:rPr lang="en-US" sz="2800" dirty="0">
+                          <a:solidFill>
+                            <a:srgbClr val="0000FF"/>
+                          </a:solidFill>
+                          <a:latin typeface="Consolas" panose="020B0609020204030204" pitchFamily="49" charset="0"/>
+                        </a:rPr>
+                        <a:t>None</a:t>
+                      </a:r>
+                      <a:r>
+                        <a:rPr lang="en-US" sz="2800" dirty="0">
+                          <a:solidFill>
+                            <a:srgbClr val="000000"/>
+                          </a:solidFill>
+                          <a:latin typeface="Consolas" panose="020B0609020204030204" pitchFamily="49" charset="0"/>
+                        </a:rPr>
+                        <a:t>,</a:t>
+                      </a:r>
+                    </a:p>
+                    <a:p>
+                      <a:pPr algn="l"/>
+                      <a:r>
+                        <a:rPr lang="en-US" sz="2800" dirty="0">
+                          <a:solidFill>
+                            <a:srgbClr val="000000"/>
+                          </a:solidFill>
+                          <a:latin typeface="Consolas" panose="020B0609020204030204" pitchFamily="49" charset="0"/>
+                        </a:rPr>
+                        <a:t>                        ymin=</a:t>
+                      </a:r>
+                      <a:r>
+                        <a:rPr lang="en-US" sz="2800" dirty="0">
+                          <a:solidFill>
+                            <a:srgbClr val="0000FF"/>
+                          </a:solidFill>
+                          <a:latin typeface="Consolas" panose="020B0609020204030204" pitchFamily="49" charset="0"/>
+                        </a:rPr>
+                        <a:t>None</a:t>
+                      </a:r>
+                      <a:r>
+                        <a:rPr lang="en-US" sz="2800" dirty="0">
+                          <a:solidFill>
+                            <a:srgbClr val="000000"/>
+                          </a:solidFill>
+                          <a:latin typeface="Consolas" panose="020B0609020204030204" pitchFamily="49" charset="0"/>
+                        </a:rPr>
+                        <a:t>, ymax=</a:t>
+                      </a:r>
+                      <a:r>
+                        <a:rPr lang="en-US" sz="2800" dirty="0">
+                          <a:solidFill>
+                            <a:srgbClr val="0000FF"/>
+                          </a:solidFill>
+                          <a:latin typeface="Consolas" panose="020B0609020204030204" pitchFamily="49" charset="0"/>
+                        </a:rPr>
+                        <a:t>None</a:t>
+                      </a:r>
+                      <a:r>
+                        <a:rPr lang="en-US" sz="2800" dirty="0">
+                          <a:solidFill>
+                            <a:srgbClr val="000000"/>
+                          </a:solidFill>
+                          <a:latin typeface="Consolas" panose="020B0609020204030204" pitchFamily="49" charset="0"/>
+                        </a:rPr>
+                        <a:t>,</a:t>
+                      </a:r>
+                    </a:p>
+                    <a:p>
+                      <a:pPr algn="l"/>
+                      <a:r>
+                        <a:rPr lang="en-US" sz="2800" dirty="0">
+                          <a:solidFill>
+                            <a:srgbClr val="000000"/>
+                          </a:solidFill>
+                          <a:latin typeface="Consolas" panose="020B0609020204030204" pitchFamily="49" charset="0"/>
+                        </a:rPr>
+                        <a:t>                        ncols=</a:t>
+                      </a:r>
+                      <a:r>
+                        <a:rPr lang="en-US" sz="2800" dirty="0">
+                          <a:solidFill>
+                            <a:srgbClr val="0000FF"/>
+                          </a:solidFill>
+                          <a:latin typeface="Consolas" panose="020B0609020204030204" pitchFamily="49" charset="0"/>
+                        </a:rPr>
+                        <a:t>None</a:t>
+                      </a:r>
+                      <a:r>
+                        <a:rPr lang="en-US" sz="2800" dirty="0">
+                          <a:solidFill>
+                            <a:srgbClr val="000000"/>
+                          </a:solidFill>
+                          <a:latin typeface="Consolas" panose="020B0609020204030204" pitchFamily="49" charset="0"/>
+                        </a:rPr>
+                        <a:t>, nrows=</a:t>
+                      </a:r>
+                      <a:r>
+                        <a:rPr lang="en-US" sz="2800" dirty="0">
+                          <a:solidFill>
+                            <a:srgbClr val="0000FF"/>
+                          </a:solidFill>
+                          <a:latin typeface="Consolas" panose="020B0609020204030204" pitchFamily="49" charset="0"/>
+                        </a:rPr>
+                        <a:t>None</a:t>
+                      </a:r>
+                      <a:r>
+                        <a:rPr lang="en-US" sz="2800" dirty="0">
+                          <a:solidFill>
+                            <a:srgbClr val="000000"/>
+                          </a:solidFill>
+                          <a:latin typeface="Consolas" panose="020B0609020204030204" pitchFamily="49" charset="0"/>
+                        </a:rPr>
+                        <a:t>,</a:t>
+                      </a:r>
+                    </a:p>
+                    <a:p>
+                      <a:pPr algn="l"/>
+                      <a:r>
+                        <a:rPr lang="fr-FR" sz="2800" dirty="0">
+                          <a:solidFill>
+                            <a:srgbClr val="000000"/>
+                          </a:solidFill>
+                          <a:latin typeface="Consolas" panose="020B0609020204030204" pitchFamily="49" charset="0"/>
+                        </a:rPr>
+                        <a:t>                        </a:t>
+                      </a:r>
+                      <a:r>
+                        <a:rPr lang="en-US" sz="2800" dirty="0">
+                          <a:solidFill>
+                            <a:srgbClr val="000000"/>
+                          </a:solidFill>
+                          <a:latin typeface="Consolas" panose="020B0609020204030204" pitchFamily="49" charset="0"/>
+                        </a:rPr>
+                        <a:t>… other parameters):</a:t>
+                      </a:r>
+                    </a:p>
+                    <a:p>
+                      <a:pPr algn="l"/>
+                      <a:r>
+                        <a:rPr lang="en-US" sz="2800" dirty="0">
+                          <a:solidFill>
+                            <a:srgbClr val="808080"/>
+                          </a:solidFill>
+                          <a:latin typeface="Consolas" panose="020B0609020204030204" pitchFamily="49" charset="0"/>
+                        </a:rPr>
+                        <a:t>        # Get grid </a:t>
+                      </a:r>
+                      <a:r>
+                        <a:rPr lang="en-US" sz="2800" u="none" dirty="0">
+                          <a:solidFill>
+                            <a:srgbClr val="808080"/>
+                          </a:solidFill>
+                          <a:latin typeface="Consolas" panose="020B0609020204030204" pitchFamily="49" charset="0"/>
+                        </a:rPr>
+                        <a:t>limits - defaulting to self.values</a:t>
+                      </a:r>
+                    </a:p>
+                    <a:p>
+                      <a:pPr algn="l"/>
+                      <a:r>
+                        <a:rPr lang="en-US" sz="2800" dirty="0">
+                          <a:solidFill>
+                            <a:srgbClr val="000000"/>
+                          </a:solidFill>
+                          <a:latin typeface="Consolas" panose="020B0609020204030204" pitchFamily="49" charset="0"/>
+                        </a:rPr>
+                        <a:t>        xs,ys = </a:t>
+                      </a:r>
+                      <a:r>
+                        <a:rPr lang="en-US" sz="2800" i="1" dirty="0">
+                          <a:solidFill>
+                            <a:srgbClr val="000000"/>
+                          </a:solidFill>
+                          <a:latin typeface="Consolas" panose="020B0609020204030204" pitchFamily="49" charset="0"/>
+                        </a:rPr>
+                        <a:t>self.get_grid_lims(xmin=xmin,</a:t>
+                      </a:r>
+                    </a:p>
+                    <a:p>
+                      <a:pPr algn="l"/>
+                      <a:r>
+                        <a:rPr lang="en-US" sz="2800" i="1" dirty="0">
+                          <a:solidFill>
+                            <a:srgbClr val="000000"/>
+                          </a:solidFill>
+                          <a:latin typeface="Consolas" panose="020B0609020204030204" pitchFamily="49" charset="0"/>
+                        </a:rPr>
+                        <a:t>                 xmax=xmax, ymin=ymin,ymax=ymax,</a:t>
+                      </a:r>
+                    </a:p>
+                    <a:p>
+                      <a:pPr algn="l"/>
+                      <a:r>
+                        <a:rPr lang="en-US" sz="2800" dirty="0">
+                          <a:solidFill>
+                            <a:srgbClr val="000000"/>
+                          </a:solidFill>
+                          <a:latin typeface="Consolas" panose="020B0609020204030204" pitchFamily="49" charset="0"/>
+                        </a:rPr>
+                        <a:t>                 ncols=ncols,nrows=nrows)</a:t>
+                      </a:r>
+                    </a:p>
+                    <a:p>
+                      <a:pPr algn="l"/>
+                      <a:r>
+                        <a:rPr lang="en-US" sz="2800" dirty="0">
+                          <a:solidFill>
+                            <a:srgbClr val="000000"/>
+                          </a:solidFill>
+                          <a:latin typeface="Consolas" panose="020B0609020204030204" pitchFamily="49" charset="0"/>
+                        </a:rPr>
+                        <a:t>        ixy_ids_list = []   </a:t>
+                      </a:r>
+                      <a:r>
+                        <a:rPr lang="en-US" sz="2800" dirty="0">
+                          <a:solidFill>
+                            <a:srgbClr val="808080"/>
+                          </a:solidFill>
+                          <a:latin typeface="Consolas" panose="020B0609020204030204" pitchFamily="49" charset="0"/>
+                        </a:rPr>
+                        <a:t># Building list of</a:t>
+                      </a:r>
+                    </a:p>
+                    <a:p>
+                      <a:pPr algn="l"/>
+                      <a:r>
+                        <a:rPr lang="en-US" sz="2800" dirty="0">
+                          <a:solidFill>
+                            <a:srgbClr val="808080"/>
+                          </a:solidFill>
+                          <a:latin typeface="Consolas" panose="020B0609020204030204" pitchFamily="49" charset="0"/>
+                        </a:rPr>
+                        <a:t>                            # ((ix,</a:t>
+                      </a:r>
+                      <a:r>
+                        <a:rPr lang="en-US" sz="2800" u="none" dirty="0">
+                          <a:solidFill>
+                            <a:srgbClr val="808080"/>
+                          </a:solidFill>
+                          <a:latin typeface="Consolas" panose="020B0609020204030204" pitchFamily="49" charset="0"/>
+                        </a:rPr>
+                        <a:t>iy), [overlapping</a:t>
+                      </a:r>
+                    </a:p>
+                    <a:p>
+                      <a:pPr algn="l"/>
+                      <a:r>
+                        <a:rPr lang="en-US" sz="2800" u="none" dirty="0">
+                          <a:solidFill>
+                            <a:srgbClr val="808080"/>
+                          </a:solidFill>
+                          <a:latin typeface="Consolas" panose="020B0609020204030204" pitchFamily="49" charset="0"/>
+                        </a:rPr>
+                        <a:t>                            #           ids])</a:t>
+                      </a:r>
+                    </a:p>
+                    <a:p>
+                      <a:pPr algn="l"/>
+                      <a:r>
+                        <a:rPr lang="en-US" sz="2800" dirty="0">
+                          <a:solidFill>
+                            <a:srgbClr val="000000"/>
+                          </a:solidFill>
+                          <a:latin typeface="Consolas" panose="020B0609020204030204" pitchFamily="49" charset="0"/>
+                        </a:rPr>
+                        <a:t>        </a:t>
+                      </a:r>
+                    </a:p>
+                  </a:txBody>
+                  <a:tcPr marL="0" marR="0" marT="0" marB="0">
+                    <a:lnL>
+                      <a:noFill/>
+                    </a:lnL>
+                    <a:lnR>
+                      <a:noFill/>
+                    </a:lnR>
+                    <a:lnT>
+                      <a:noFill/>
+                    </a:lnT>
+                    <a:lnB>
+                      <a:noFill/>
+                    </a:lnB>
+                  </a:tcPr>
+                </a:tc>
+                <a:extLst>
+                  <a:ext uri="{0D108BD9-81ED-4DB2-BD59-A6C34878D82A}">
+                    <a16:rowId xmlns:a16="http://schemas.microsoft.com/office/drawing/2014/main" val="1185727523"/>
+                  </a:ext>
+                </a:extLst>
+              </a:tr>
+            </a:tbl>
+          </a:graphicData>
+        </a:graphic>
+      </p:graphicFrame>
       <p:sp>
         <p:nvSpPr>
           <p:cNvPr id="4" name="Date Placeholder 3">
@@ -13815,7 +13322,7 @@
           <a:p>
             <a:fld id="{A7119916-CD40-456D-ABE3-55F8822671F7}" type="datetime1">
               <a:rPr lang="en-US" smtClean="0"/>
-              <a:t>2/10/2023</a:t>
+              <a:t>3/1/2023</a:t>
             </a:fld>
             <a:endParaRPr lang="en-US" dirty="0"/>
           </a:p>
@@ -13837,7 +13344,12 @@
             <p:ph type="ftr" sz="quarter" idx="11"/>
           </p:nvPr>
         </p:nvSpPr>
-        <p:spPr/>
+        <p:spPr>
+          <a:xfrm>
+            <a:off x="717091" y="5937995"/>
+            <a:ext cx="6297612" cy="365125"/>
+          </a:xfrm>
+        </p:spPr>
         <p:txBody>
           <a:bodyPr/>
           <a:lstStyle/>
@@ -13871,10 +13383,18 @@
           <a:lstStyle/>
           <a:p>
             <a:fld id="{6D22F896-40B5-4ADD-8801-0D06FADFA095}" type="slidenum">
-              <a:rPr lang="en-US" smtClean="0"/>
+              <a:rPr lang="en-US" smtClean="0">
+                <a:solidFill>
+                  <a:schemeClr val="tx1"/>
+                </a:solidFill>
+              </a:rPr>
               <a:t>16</a:t>
             </a:fld>
-            <a:endParaRPr lang="en-US" dirty="0"/>
+            <a:endParaRPr lang="en-US" dirty="0">
+              <a:solidFill>
+                <a:schemeClr val="tx1"/>
+              </a:solidFill>
+            </a:endParaRPr>
           </a:p>
         </p:txBody>
       </p:sp>
@@ -13928,7 +13448,7 @@
     </p:spTree>
     <p:extLst>
       <p:ext uri="{BB962C8B-B14F-4D97-AF65-F5344CB8AC3E}">
-        <p14:creationId xmlns:p14="http://schemas.microsoft.com/office/powerpoint/2010/main" val="2117034800"/>
+        <p14:creationId xmlns:p14="http://schemas.microsoft.com/office/powerpoint/2010/main" val="414912413"/>
       </p:ext>
     </p:extLst>
   </p:cSld>
@@ -14005,199 +13525,476 @@
             <p:ph type="title"/>
           </p:nvPr>
         </p:nvSpPr>
-        <p:spPr/>
-        <p:txBody>
-          <a:bodyPr/>
-          <a:lstStyle/>
-          <a:p>
-            <a:r>
-              <a:rPr lang="en-US" sz="3600" dirty="0">
+        <p:spPr>
+          <a:xfrm>
+            <a:off x="677334" y="609600"/>
+            <a:ext cx="8596668" cy="1028369"/>
+          </a:xfrm>
+        </p:spPr>
+        <p:txBody>
+          <a:bodyPr>
+            <a:normAutofit/>
+          </a:bodyPr>
+          <a:lstStyle/>
+          <a:p>
+            <a:r>
+              <a:rPr kumimoji="0" lang="en-US" sz="2200" b="0" i="0" u="none" strike="noStrike" kern="1200" cap="none" spc="0" normalizeH="0" baseline="0" noProof="0" dirty="0">
+                <a:ln>
+                  <a:noFill/>
+                </a:ln>
+                <a:solidFill>
+                  <a:srgbClr val="90C226"/>
+                </a:solidFill>
+                <a:effectLst/>
+                <a:uLnTx/>
+                <a:uFillTx/>
+                <a:latin typeface="Trebuchet MS" panose="020B0603020202020204"/>
+                <a:ea typeface="+mj-ea"/>
+                <a:cs typeface="+mj-cs"/>
+              </a:rPr>
+              <a:t>CanvasGrid </a:t>
+            </a:r>
+            <a:r>
+              <a:rPr lang="en-US" sz="3600" b="1" dirty="0">
+                <a:latin typeface="Consolas" panose="020B0609020204030204" pitchFamily="49" charset="0"/>
+              </a:rPr>
+              <a:t>get_canvas_items</a:t>
+            </a:r>
+            <a:r>
+              <a:rPr lang="en-US" sz="3600" dirty="0"/>
+              <a:t> </a:t>
+            </a:r>
+            <a:r>
+              <a:rPr lang="en-US" sz="2800" dirty="0">
                 <a:solidFill>
                   <a:schemeClr val="accent1"/>
                 </a:solidFill>
               </a:rPr>
-              <a:t>Audio Feedback </a:t>
-            </a:r>
-            <a:r>
-              <a:rPr lang="en-US" sz="2800" dirty="0">
-                <a:solidFill>
-                  <a:schemeClr val="accent1"/>
-                </a:solidFill>
-              </a:rPr>
               <a:t>continued</a:t>
             </a:r>
             <a:endParaRPr lang="en-US" sz="2800" dirty="0"/>
           </a:p>
         </p:txBody>
       </p:sp>
-      <p:sp>
-        <p:nvSpPr>
-          <p:cNvPr id="3" name="Content Placeholder 2">
+      <p:graphicFrame>
+        <p:nvGraphicFramePr>
+          <p:cNvPr id="7" name="Content Placeholder 6">
             <a:extLst>
               <a:ext uri="{FF2B5EF4-FFF2-40B4-BE49-F238E27FC236}">
-                <a16:creationId xmlns:a16="http://schemas.microsoft.com/office/drawing/2014/main" id="{0C360948-50A1-2DC8-8408-53BDDAF2B33C}"/>
+                <a16:creationId xmlns:a16="http://schemas.microsoft.com/office/drawing/2014/main" id="{83595BD9-9FB0-755F-D8F3-6252508F6806}"/>
               </a:ext>
             </a:extLst>
           </p:cNvPr>
-          <p:cNvSpPr>
-            <a:spLocks noGrp="1"/>
-          </p:cNvSpPr>
+          <p:cNvGraphicFramePr>
+            <a:graphicFrameLocks noGrp="1"/>
+          </p:cNvGraphicFramePr>
           <p:nvPr>
             <p:ph idx="1"/>
-          </p:nvPr>
-        </p:nvSpPr>
-        <p:spPr>
-          <a:xfrm>
-            <a:off x="550113" y="2051051"/>
-            <a:ext cx="8596668" cy="3880773"/>
-          </a:xfrm>
-        </p:spPr>
-        <p:txBody>
-          <a:bodyPr>
-            <a:normAutofit/>
-          </a:bodyPr>
-          <a:lstStyle/>
-          <a:p>
-            <a:r>
-              <a:rPr lang="en-US" sz="3200" dirty="0">
-                <a:solidFill>
-                  <a:schemeClr val="tx2"/>
-                </a:solidFill>
-              </a:rPr>
-              <a:t>Voice – uses pyttsx3 speech to text module</a:t>
-            </a:r>
-          </a:p>
-          <a:p>
-            <a:r>
-              <a:rPr lang="en-US" sz="3200" dirty="0">
-                <a:solidFill>
-                  <a:schemeClr val="tx2"/>
-                </a:solidFill>
-              </a:rPr>
-              <a:t>Tones – github:</a:t>
-            </a:r>
-            <a:r>
-              <a:rPr lang="en-US" sz="3200" b="0" i="0" u="sng" dirty="0">
-                <a:solidFill>
-                  <a:schemeClr val="tx2"/>
-                </a:solidFill>
-                <a:effectLst/>
-                <a:latin typeface="-apple-system"/>
-                <a:hlinkClick r:id="rId2">
+            <p:extLst>
+              <p:ext uri="{D42A27DB-BD31-4B8C-83A1-F6EECF244321}">
+                <p14:modId xmlns:p14="http://schemas.microsoft.com/office/powerpoint/2010/main" val="3376498018"/>
+              </p:ext>
+            </p:extLst>
+          </p:nvPr>
+        </p:nvGraphicFramePr>
+        <p:xfrm>
+          <a:off x="66675" y="1219199"/>
+          <a:ext cx="10462094" cy="4800959"/>
+        </p:xfrm>
+        <a:graphic>
+          <a:graphicData uri="http://schemas.openxmlformats.org/drawingml/2006/table">
+            <a:tbl>
+              <a:tblPr/>
+              <a:tblGrid>
+                <a:gridCol w="10462094">
                   <a:extLst>
-                    <a:ext uri="{A12FA001-AC4F-418D-AE19-62706E023703}">
-                      <ahyp:hlinkClr xmlns:ahyp="http://schemas.microsoft.com/office/drawing/2018/hyperlinkcolor" val="tx"/>
+                    <a:ext uri="{9D8B030D-6E8A-4147-A177-3AD203B41FA5}">
+                      <a16:colId xmlns:a16="http://schemas.microsoft.com/office/drawing/2014/main" val="2688735557"/>
                     </a:ext>
                   </a:extLst>
-                </a:hlinkClick>
-              </a:rPr>
-              <a:t> </a:t>
-            </a:r>
-            <a:r>
-              <a:rPr lang="en-US" sz="3200" b="0" i="0" u="sng" dirty="0">
-                <a:solidFill>
-                  <a:srgbClr val="0070C0"/>
-                </a:solidFill>
-                <a:effectLst/>
-                <a:latin typeface="-apple-system"/>
-                <a:hlinkClick r:id="rId2">
-                  <a:extLst>
-                    <a:ext uri="{A12FA001-AC4F-418D-AE19-62706E023703}">
-                      <ahyp:hlinkClr xmlns:ahyp="http://schemas.microsoft.com/office/drawing/2018/hyperlinkcolor" val="tx"/>
-                    </a:ext>
-                  </a:extLst>
-                </a:hlinkClick>
-              </a:rPr>
-              <a:t>daviddavini</a:t>
-            </a:r>
-            <a:r>
-              <a:rPr lang="en-US" sz="3200" b="0" i="0" dirty="0">
-                <a:solidFill>
-                  <a:srgbClr val="0070C0"/>
-                </a:solidFill>
-                <a:effectLst/>
-                <a:latin typeface="-apple-system"/>
-              </a:rPr>
-              <a:t>/</a:t>
-            </a:r>
-            <a:r>
-              <a:rPr lang="en-US" sz="3200" b="1" i="0" u="none" strike="noStrike" dirty="0">
-                <a:solidFill>
-                  <a:srgbClr val="0070C0"/>
-                </a:solidFill>
-                <a:effectLst/>
-                <a:latin typeface="-apple-system"/>
-                <a:hlinkClick r:id="rId3">
-                  <a:extLst>
-                    <a:ext uri="{A12FA001-AC4F-418D-AE19-62706E023703}">
-                      <ahyp:hlinkClr xmlns:ahyp="http://schemas.microsoft.com/office/drawing/2018/hyperlinkcolor" val="tx"/>
-                    </a:ext>
-                  </a:extLst>
-                </a:hlinkClick>
-              </a:rPr>
-              <a:t>pysinewave</a:t>
-            </a:r>
-            <a:endParaRPr lang="en-US" sz="3200" b="1" i="0" u="none" strike="noStrike" dirty="0">
-              <a:solidFill>
-                <a:srgbClr val="0070C0"/>
-              </a:solidFill>
-              <a:effectLst/>
-              <a:latin typeface="-apple-system"/>
-            </a:endParaRPr>
-          </a:p>
-          <a:p>
-            <a:pPr lvl="1"/>
-            <a:r>
-              <a:rPr lang="en-US" sz="3200" b="1" i="0" u="none" strike="noStrike" dirty="0">
-                <a:solidFill>
-                  <a:schemeClr val="tx2"/>
-                </a:solidFill>
-                <a:effectLst/>
-                <a:latin typeface="-apple-system"/>
-              </a:rPr>
-              <a:t> </a:t>
-            </a:r>
-            <a:r>
-              <a:rPr lang="en-US" sz="3200" i="0" u="none" strike="noStrike" dirty="0">
-                <a:solidFill>
-                  <a:schemeClr val="tx2"/>
-                </a:solidFill>
-                <a:effectLst/>
-                <a:latin typeface="-apple-system"/>
-              </a:rPr>
-              <a:t>pysinewave_master – PYPI: not new enough</a:t>
-            </a:r>
-          </a:p>
-          <a:p>
-            <a:pPr lvl="1"/>
-            <a:r>
-              <a:rPr lang="en-US" sz="3200" dirty="0">
-                <a:solidFill>
-                  <a:schemeClr val="tx2"/>
-                </a:solidFill>
-                <a:latin typeface="-apple-system"/>
-              </a:rPr>
-              <a:t>async, stereo</a:t>
-            </a:r>
-          </a:p>
-          <a:p>
-            <a:r>
-              <a:rPr lang="en-US" sz="3400" dirty="0">
-                <a:solidFill>
-                  <a:schemeClr val="tx2"/>
-                </a:solidFill>
-                <a:latin typeface="-apple-system"/>
-              </a:rPr>
-              <a:t>Added simple drawing facility</a:t>
-            </a:r>
-            <a:endParaRPr lang="en-US" sz="3400" dirty="0">
-              <a:solidFill>
-                <a:schemeClr val="tx2"/>
-              </a:solidFill>
-            </a:endParaRPr>
-          </a:p>
-        </p:txBody>
-      </p:sp>
+                </a:gridCol>
+              </a:tblGrid>
+              <a:tr h="4800959">
+                <a:tc>
+                  <a:txBody>
+                    <a:bodyPr/>
+                    <a:lstStyle/>
+                    <a:p>
+                      <a:pPr algn="l"/>
+                      <a:r>
+                        <a:rPr lang="en-US" sz="2800" dirty="0">
+                          <a:solidFill>
+                            <a:srgbClr val="000000"/>
+                          </a:solidFill>
+                          <a:latin typeface="Consolas" panose="020B0609020204030204" pitchFamily="49" charset="0"/>
+                        </a:rPr>
+                        <a:t>        </a:t>
+                      </a:r>
+                      <a:r>
+                        <a:rPr lang="en-US" sz="2800" dirty="0">
+                          <a:solidFill>
+                            <a:schemeClr val="bg1">
+                              <a:lumMod val="50000"/>
+                            </a:schemeClr>
+                          </a:solidFill>
+                          <a:latin typeface="Consolas" panose="020B0609020204030204" pitchFamily="49" charset="0"/>
+                        </a:rPr>
+                        <a:t>… debug / tracking statements</a:t>
+                      </a:r>
+                      <a:r>
+                        <a:rPr lang="en-US" sz="2800" i="0" u="none" dirty="0">
+                          <a:solidFill>
+                            <a:srgbClr val="00AA00"/>
+                          </a:solidFill>
+                          <a:latin typeface="Consolas" panose="020B0609020204030204" pitchFamily="49" charset="0"/>
+                        </a:rPr>
+                        <a:t> </a:t>
+                      </a:r>
+                    </a:p>
+                    <a:p>
+                      <a:pPr algn="l"/>
+                      <a:r>
+                        <a:rPr lang="en-US" sz="2800" i="0" u="none" dirty="0">
+                          <a:solidFill>
+                            <a:srgbClr val="00AA00"/>
+                          </a:solidFill>
+                          <a:latin typeface="Consolas" panose="020B0609020204030204" pitchFamily="49" charset="0"/>
+                        </a:rPr>
+                        <a:t>        </a:t>
+                      </a:r>
+                      <a:r>
+                        <a:rPr lang="en-US" sz="2800" dirty="0">
+                          <a:solidFill>
+                            <a:srgbClr val="0000FF"/>
+                          </a:solidFill>
+                          <a:latin typeface="Consolas" panose="020B0609020204030204" pitchFamily="49" charset="0"/>
+                        </a:rPr>
+                        <a:t>for</a:t>
+                      </a:r>
+                      <a:r>
+                        <a:rPr lang="en-US" sz="2800" dirty="0">
+                          <a:solidFill>
+                            <a:srgbClr val="000000"/>
+                          </a:solidFill>
+                          <a:latin typeface="Consolas" panose="020B0609020204030204" pitchFamily="49" charset="0"/>
+                        </a:rPr>
+                        <a:t> ix </a:t>
+                      </a:r>
+                      <a:r>
+                        <a:rPr lang="en-US" sz="2800" dirty="0">
+                          <a:solidFill>
+                            <a:srgbClr val="0000FF"/>
+                          </a:solidFill>
+                          <a:latin typeface="Consolas" panose="020B0609020204030204" pitchFamily="49" charset="0"/>
+                        </a:rPr>
+                        <a:t>in</a:t>
+                      </a:r>
+                      <a:r>
+                        <a:rPr lang="en-US" sz="2800" dirty="0">
+                          <a:solidFill>
+                            <a:srgbClr val="000000"/>
+                          </a:solidFill>
+                          <a:latin typeface="Consolas" panose="020B0609020204030204" pitchFamily="49" charset="0"/>
+                        </a:rPr>
+                        <a:t> range(len(xs)-</a:t>
+                      </a:r>
+                      <a:r>
+                        <a:rPr lang="en-US" sz="2800" dirty="0">
+                          <a:solidFill>
+                            <a:srgbClr val="800000"/>
+                          </a:solidFill>
+                          <a:latin typeface="Consolas" panose="020B0609020204030204" pitchFamily="49" charset="0"/>
+                        </a:rPr>
+                        <a:t>1</a:t>
+                      </a:r>
+                      <a:r>
+                        <a:rPr lang="en-US" sz="2800" dirty="0">
+                          <a:solidFill>
+                            <a:srgbClr val="000000"/>
+                          </a:solidFill>
+                          <a:latin typeface="Consolas" panose="020B0609020204030204" pitchFamily="49" charset="0"/>
+                        </a:rPr>
+                        <a:t>):</a:t>
+                      </a:r>
+                    </a:p>
+                    <a:p>
+                      <a:pPr algn="l"/>
+                      <a:r>
+                        <a:rPr lang="en-US" sz="2800" dirty="0">
+                          <a:solidFill>
+                            <a:srgbClr val="000000"/>
+                          </a:solidFill>
+                          <a:latin typeface="Consolas" panose="020B0609020204030204" pitchFamily="49" charset="0"/>
+                        </a:rPr>
+                        <a:t>            </a:t>
+                      </a:r>
+                      <a:r>
+                        <a:rPr lang="en-US" sz="2800" dirty="0">
+                          <a:solidFill>
+                            <a:srgbClr val="0000FF"/>
+                          </a:solidFill>
+                          <a:latin typeface="Consolas" panose="020B0609020204030204" pitchFamily="49" charset="0"/>
+                        </a:rPr>
+                        <a:t>for</a:t>
+                      </a:r>
+                      <a:r>
+                        <a:rPr lang="en-US" sz="2800" dirty="0">
+                          <a:solidFill>
+                            <a:srgbClr val="000000"/>
+                          </a:solidFill>
+                          <a:latin typeface="Consolas" panose="020B0609020204030204" pitchFamily="49" charset="0"/>
+                        </a:rPr>
+                        <a:t> iy </a:t>
+                      </a:r>
+                      <a:r>
+                        <a:rPr lang="en-US" sz="2800" dirty="0">
+                          <a:solidFill>
+                            <a:srgbClr val="0000FF"/>
+                          </a:solidFill>
+                          <a:latin typeface="Consolas" panose="020B0609020204030204" pitchFamily="49" charset="0"/>
+                        </a:rPr>
+                        <a:t>in</a:t>
+                      </a:r>
+                      <a:r>
+                        <a:rPr lang="en-US" sz="2800" dirty="0">
+                          <a:solidFill>
+                            <a:srgbClr val="000000"/>
+                          </a:solidFill>
+                          <a:latin typeface="Consolas" panose="020B0609020204030204" pitchFamily="49" charset="0"/>
+                        </a:rPr>
+                        <a:t> range(len(ys)-</a:t>
+                      </a:r>
+                      <a:r>
+                        <a:rPr lang="en-US" sz="2800" dirty="0">
+                          <a:solidFill>
+                            <a:srgbClr val="800000"/>
+                          </a:solidFill>
+                          <a:latin typeface="Consolas" panose="020B0609020204030204" pitchFamily="49" charset="0"/>
+                        </a:rPr>
+                        <a:t>1</a:t>
+                      </a:r>
+                      <a:r>
+                        <a:rPr lang="en-US" sz="2800" dirty="0">
+                          <a:solidFill>
+                            <a:srgbClr val="000000"/>
+                          </a:solidFill>
+                          <a:latin typeface="Consolas" panose="020B0609020204030204" pitchFamily="49" charset="0"/>
+                        </a:rPr>
+                        <a:t>):</a:t>
+                      </a:r>
+                    </a:p>
+                    <a:p>
+                      <a:pPr algn="l"/>
+                      <a:r>
+                        <a:rPr lang="en-US" sz="2800" dirty="0">
+                          <a:solidFill>
+                            <a:srgbClr val="000000"/>
+                          </a:solidFill>
+                          <a:latin typeface="Consolas" panose="020B0609020204030204" pitchFamily="49" charset="0"/>
+                        </a:rPr>
+                        <a:t>                cx1,cy1,cx2,cy2 =</a:t>
+                      </a:r>
+                    </a:p>
+                    <a:p>
+                      <a:pPr algn="l"/>
+                      <a:r>
+                        <a:rPr lang="en-US" sz="2800" dirty="0">
+                          <a:solidFill>
+                            <a:srgbClr val="000000"/>
+                          </a:solidFill>
+                          <a:latin typeface="Consolas" panose="020B0609020204030204" pitchFamily="49" charset="0"/>
+                        </a:rPr>
+                        <a:t>                </a:t>
+                      </a:r>
+                      <a:r>
+                        <a:rPr lang="en-US" sz="2800" i="1" dirty="0">
+                          <a:solidFill>
+                            <a:srgbClr val="000000"/>
+                          </a:solidFill>
+                          <a:latin typeface="Consolas" panose="020B0609020204030204" pitchFamily="49" charset="0"/>
+                        </a:rPr>
+                        <a:t>self.get_grid_ullr(ix=ix, iy=iy,</a:t>
+                      </a:r>
+                    </a:p>
+                    <a:p>
+                      <a:pPr algn="l"/>
+                      <a:r>
+                        <a:rPr lang="en-US" sz="2800" i="1" dirty="0">
+                          <a:solidFill>
+                            <a:srgbClr val="000000"/>
+                          </a:solidFill>
+                          <a:latin typeface="Consolas" panose="020B0609020204030204" pitchFamily="49" charset="0"/>
+                        </a:rPr>
+                        <a:t>                                    xs=xs, ys=ys)</a:t>
+                      </a:r>
+                    </a:p>
+                    <a:p>
+                      <a:pPr algn="l"/>
+                      <a:r>
+                        <a:rPr lang="en-US" sz="2800" dirty="0">
+                          <a:solidFill>
+                            <a:srgbClr val="000000"/>
+                          </a:solidFill>
+                          <a:latin typeface="Consolas" panose="020B0609020204030204" pitchFamily="49" charset="0"/>
+                        </a:rPr>
+                        <a:t>                item_ids_over_raw =</a:t>
+                      </a:r>
+                    </a:p>
+                    <a:p>
+                      <a:pPr algn="l"/>
+                      <a:r>
+                        <a:rPr lang="en-US" sz="2800" dirty="0">
+                          <a:solidFill>
+                            <a:srgbClr val="000000"/>
+                          </a:solidFill>
+                          <a:latin typeface="Consolas" panose="020B0609020204030204" pitchFamily="49" charset="0"/>
+                        </a:rPr>
+                        <a:t>                    </a:t>
+                      </a:r>
+                      <a:r>
+                        <a:rPr lang="en-US" sz="2800" b="1" i="0" dirty="0">
+                          <a:solidFill>
+                            <a:srgbClr val="000000"/>
+                          </a:solidFill>
+                          <a:latin typeface="Consolas" panose="020B0609020204030204" pitchFamily="49" charset="0"/>
+                        </a:rPr>
+                        <a:t>self.base</a:t>
+                      </a:r>
+                      <a:r>
+                        <a:rPr lang="en-US" sz="2800" i="1" dirty="0">
+                          <a:solidFill>
+                            <a:srgbClr val="000000"/>
+                          </a:solidFill>
+                          <a:latin typeface="Consolas" panose="020B0609020204030204" pitchFamily="49" charset="0"/>
+                        </a:rPr>
+                        <a:t>.find_overlapping(</a:t>
+                      </a:r>
+                    </a:p>
+                    <a:p>
+                      <a:pPr algn="l"/>
+                      <a:r>
+                        <a:rPr lang="en-US" sz="2800" i="1" dirty="0">
+                          <a:solidFill>
+                            <a:srgbClr val="000000"/>
+                          </a:solidFill>
+                          <a:latin typeface="Consolas" panose="020B0609020204030204" pitchFamily="49" charset="0"/>
+                        </a:rPr>
+                        <a:t>                               cx1,cy1,cx2,cy2)</a:t>
+                      </a:r>
+                    </a:p>
+                    <a:p>
+                      <a:pPr algn="l"/>
+                      <a:r>
+                        <a:rPr lang="en-US" sz="2800" dirty="0">
+                          <a:solidFill>
+                            <a:srgbClr val="0000FF"/>
+                          </a:solidFill>
+                          <a:latin typeface="Consolas" panose="020B0609020204030204" pitchFamily="49" charset="0"/>
+                        </a:rPr>
+                        <a:t>                if</a:t>
+                      </a:r>
+                      <a:r>
+                        <a:rPr lang="en-US" sz="2800" dirty="0">
+                          <a:solidFill>
+                            <a:srgbClr val="000000"/>
+                          </a:solidFill>
+                          <a:latin typeface="Consolas" panose="020B0609020204030204" pitchFamily="49" charset="0"/>
+                        </a:rPr>
+                        <a:t> len(item_ids_over_raw) == </a:t>
+                      </a:r>
+                      <a:r>
+                        <a:rPr lang="en-US" sz="2800" dirty="0">
+                          <a:solidFill>
+                            <a:srgbClr val="800000"/>
+                          </a:solidFill>
+                          <a:latin typeface="Consolas" panose="020B0609020204030204" pitchFamily="49" charset="0"/>
+                        </a:rPr>
+                        <a:t>0</a:t>
+                      </a:r>
+                      <a:r>
+                        <a:rPr lang="en-US" sz="2800" dirty="0">
+                          <a:solidFill>
+                            <a:srgbClr val="000000"/>
+                          </a:solidFill>
+                          <a:latin typeface="Consolas" panose="020B0609020204030204" pitchFamily="49" charset="0"/>
+                        </a:rPr>
+                        <a:t>:</a:t>
+                      </a:r>
+                    </a:p>
+                    <a:p>
+                      <a:pPr algn="l"/>
+                      <a:r>
+                        <a:rPr lang="en-US" sz="2800" dirty="0">
+                          <a:solidFill>
+                            <a:srgbClr val="000000"/>
+                          </a:solidFill>
+                          <a:latin typeface="Consolas" panose="020B0609020204030204" pitchFamily="49" charset="0"/>
+                        </a:rPr>
+                        <a:t>                    </a:t>
+                      </a:r>
+                      <a:r>
+                        <a:rPr lang="en-US" sz="2800" dirty="0">
+                          <a:solidFill>
+                            <a:srgbClr val="0000FF"/>
+                          </a:solidFill>
+                          <a:latin typeface="Consolas" panose="020B0609020204030204" pitchFamily="49" charset="0"/>
+                        </a:rPr>
+                        <a:t>continue</a:t>
+                      </a:r>
+                      <a:r>
+                        <a:rPr lang="en-US" sz="2800" dirty="0">
+                          <a:solidFill>
+                            <a:srgbClr val="000000"/>
+                          </a:solidFill>
+                          <a:latin typeface="Consolas" panose="020B0609020204030204" pitchFamily="49" charset="0"/>
+                        </a:rPr>
+                        <a:t>    </a:t>
+                      </a:r>
+                      <a:r>
+                        <a:rPr lang="en-US" sz="2800" dirty="0">
+                          <a:solidFill>
+                            <a:srgbClr val="808080"/>
+                          </a:solidFill>
+                          <a:latin typeface="Consolas" panose="020B0609020204030204" pitchFamily="49" charset="0"/>
+                        </a:rPr>
+                        <a:t># Skip - no overlap</a:t>
+                      </a:r>
+                      <a:r>
+                        <a:rPr lang="en-US" sz="2800" dirty="0">
+                          <a:solidFill>
+                            <a:srgbClr val="000000"/>
+                          </a:solidFill>
+                          <a:latin typeface="Consolas" panose="020B0609020204030204" pitchFamily="49" charset="0"/>
+                        </a:rPr>
+                        <a:t>                </a:t>
+                      </a:r>
+                    </a:p>
+                  </a:txBody>
+                  <a:tcPr marL="0" marR="0" marT="0" marB="0">
+                    <a:lnL>
+                      <a:noFill/>
+                    </a:lnL>
+                    <a:lnR>
+                      <a:noFill/>
+                    </a:lnR>
+                    <a:lnT>
+                      <a:noFill/>
+                    </a:lnT>
+                    <a:lnB>
+                      <a:noFill/>
+                    </a:lnB>
+                  </a:tcPr>
+                </a:tc>
+                <a:extLst>
+                  <a:ext uri="{0D108BD9-81ED-4DB2-BD59-A6C34878D82A}">
+                    <a16:rowId xmlns:a16="http://schemas.microsoft.com/office/drawing/2014/main" val="1185727523"/>
+                  </a:ext>
+                </a:extLst>
+              </a:tr>
+            </a:tbl>
+          </a:graphicData>
+        </a:graphic>
+      </p:graphicFrame>
       <p:sp>
         <p:nvSpPr>
           <p:cNvPr id="4" name="Date Placeholder 3">
@@ -14221,7 +14018,7 @@
           <a:p>
             <a:fld id="{A7119916-CD40-456D-ABE3-55F8822671F7}" type="datetime1">
               <a:rPr lang="en-US" smtClean="0"/>
-              <a:t>2/10/2023</a:t>
+              <a:t>3/1/2023</a:t>
             </a:fld>
             <a:endParaRPr lang="en-US" dirty="0"/>
           </a:p>
@@ -14277,10 +14074,18 @@
           <a:lstStyle/>
           <a:p>
             <a:fld id="{6D22F896-40B5-4ADD-8801-0D06FADFA095}" type="slidenum">
-              <a:rPr lang="en-US" smtClean="0"/>
+              <a:rPr lang="en-US" smtClean="0">
+                <a:solidFill>
+                  <a:schemeClr val="tx1"/>
+                </a:solidFill>
+              </a:rPr>
               <a:t>17</a:t>
             </a:fld>
-            <a:endParaRPr lang="en-US" dirty="0"/>
+            <a:endParaRPr lang="en-US" dirty="0">
+              <a:solidFill>
+                <a:schemeClr val="tx1"/>
+              </a:solidFill>
+            </a:endParaRPr>
           </a:p>
         </p:txBody>
       </p:sp>
@@ -14299,7 +14104,7 @@
           <p:nvPr/>
         </p:nvPicPr>
         <p:blipFill>
-          <a:blip r:embed="rId4">
+          <a:blip r:embed="rId2">
             <a:extLst>
               <a:ext uri="{28A0092B-C50C-407E-A947-70E740481C1C}">
                 <a14:useLocalDpi xmlns:a14="http://schemas.microsoft.com/office/drawing/2010/main" val="0"/>
@@ -14334,7 +14139,7 @@
     </p:spTree>
     <p:extLst>
       <p:ext uri="{BB962C8B-B14F-4D97-AF65-F5344CB8AC3E}">
-        <p14:creationId xmlns:p14="http://schemas.microsoft.com/office/powerpoint/2010/main" val="4035209992"/>
+        <p14:creationId xmlns:p14="http://schemas.microsoft.com/office/powerpoint/2010/main" val="1389261335"/>
       </p:ext>
     </p:extLst>
   </p:cSld>
@@ -14411,131 +14216,550 @@
             <p:ph type="title"/>
           </p:nvPr>
         </p:nvSpPr>
-        <p:spPr/>
-        <p:txBody>
-          <a:bodyPr>
-            <a:normAutofit/>
-          </a:bodyPr>
-          <a:lstStyle/>
-          <a:p>
-            <a:pPr algn="ctr"/>
-            <a:r>
-              <a:rPr lang="en-US" sz="3600" dirty="0">
+        <p:spPr>
+          <a:xfrm>
+            <a:off x="677334" y="609600"/>
+            <a:ext cx="8596668" cy="1028369"/>
+          </a:xfrm>
+        </p:spPr>
+        <p:txBody>
+          <a:bodyPr/>
+          <a:lstStyle/>
+          <a:p>
+            <a:r>
+              <a:rPr kumimoji="0" lang="en-US" sz="2200" b="0" i="0" u="none" strike="noStrike" kern="1200" cap="none" spc="0" normalizeH="0" baseline="0" noProof="0" dirty="0">
+                <a:ln>
+                  <a:noFill/>
+                </a:ln>
+                <a:solidFill>
+                  <a:srgbClr val="90C226"/>
+                </a:solidFill>
+                <a:effectLst/>
+                <a:uLnTx/>
+                <a:uFillTx/>
+                <a:latin typeface="Trebuchet MS" panose="020B0603020202020204"/>
+                <a:ea typeface="+mj-ea"/>
+                <a:cs typeface="+mj-cs"/>
+              </a:rPr>
+              <a:t>CanvasGrid </a:t>
+            </a:r>
+            <a:r>
+              <a:rPr lang="en-US" sz="3600" b="1" dirty="0">
+                <a:latin typeface="Consolas" panose="020B0609020204030204" pitchFamily="49" charset="0"/>
+              </a:rPr>
+              <a:t>get_canvas_items</a:t>
+            </a:r>
+            <a:r>
+              <a:rPr lang="en-US" sz="3600" dirty="0"/>
+              <a:t> </a:t>
+            </a:r>
+            <a:r>
+              <a:rPr lang="en-US" sz="2800" dirty="0">
                 <a:solidFill>
                   <a:schemeClr val="accent1"/>
                 </a:solidFill>
               </a:rPr>
-              <a:t>Alternate Strategy for Display Cells</a:t>
-            </a:r>
-            <a:br>
-              <a:rPr lang="en-US" sz="3600" dirty="0">
-                <a:solidFill>
-                  <a:schemeClr val="accent1"/>
-                </a:solidFill>
-              </a:rPr>
-            </a:br>
-            <a:r>
-              <a:rPr lang="en-US" sz="3600" dirty="0">
-                <a:solidFill>
-                  <a:schemeClr val="accent1"/>
-                </a:solidFill>
-              </a:rPr>
-              <a:t>Road Not Taken</a:t>
+              <a:t>continued</a:t>
             </a:r>
             <a:endParaRPr lang="en-US" dirty="0"/>
           </a:p>
         </p:txBody>
       </p:sp>
-      <p:sp>
-        <p:nvSpPr>
-          <p:cNvPr id="3" name="Content Placeholder 2">
+      <p:graphicFrame>
+        <p:nvGraphicFramePr>
+          <p:cNvPr id="7" name="Content Placeholder 6">
             <a:extLst>
               <a:ext uri="{FF2B5EF4-FFF2-40B4-BE49-F238E27FC236}">
-                <a16:creationId xmlns:a16="http://schemas.microsoft.com/office/drawing/2014/main" id="{0C360948-50A1-2DC8-8408-53BDDAF2B33C}"/>
+                <a16:creationId xmlns:a16="http://schemas.microsoft.com/office/drawing/2014/main" id="{83595BD9-9FB0-755F-D8F3-6252508F6806}"/>
               </a:ext>
             </a:extLst>
           </p:cNvPr>
-          <p:cNvSpPr>
-            <a:spLocks noGrp="1"/>
-          </p:cNvSpPr>
+          <p:cNvGraphicFramePr>
+            <a:graphicFrameLocks noGrp="1"/>
+          </p:cNvGraphicFramePr>
           <p:nvPr>
             <p:ph idx="1"/>
-          </p:nvPr>
-        </p:nvSpPr>
-        <p:spPr>
-          <a:xfrm>
-            <a:off x="550113" y="2051051"/>
-            <a:ext cx="8596668" cy="3880773"/>
-          </a:xfrm>
-        </p:spPr>
-        <p:txBody>
-          <a:bodyPr>
-            <a:normAutofit/>
-          </a:bodyPr>
-          <a:lstStyle/>
-          <a:p>
-            <a:r>
-              <a:rPr lang="en-US" sz="3200" dirty="0">
-                <a:solidFill>
-                  <a:schemeClr val="tx1"/>
-                </a:solidFill>
-              </a:rPr>
-              <a:t>Scan resulting Tkinter Canvas object</a:t>
-            </a:r>
-          </a:p>
-          <a:p>
-            <a:pPr lvl="1"/>
-            <a:r>
-              <a:rPr lang="en-US" sz="3200" dirty="0">
-                <a:solidFill>
-                  <a:schemeClr val="tx1"/>
-                </a:solidFill>
-              </a:rPr>
-              <a:t>Most Turtle calls unchanged</a:t>
-            </a:r>
-          </a:p>
-          <a:p>
-            <a:pPr lvl="1"/>
-            <a:r>
-              <a:rPr lang="en-US" sz="3200" dirty="0">
-                <a:solidFill>
-                  <a:schemeClr val="tx1"/>
-                </a:solidFill>
-              </a:rPr>
-              <a:t>Simpler – few shadow functions</a:t>
-            </a:r>
-          </a:p>
-          <a:p>
-            <a:pPr lvl="1"/>
-            <a:r>
-              <a:rPr lang="en-US" sz="3200" dirty="0">
-                <a:solidFill>
-                  <a:schemeClr val="tx1"/>
-                </a:solidFill>
-              </a:rPr>
-              <a:t>Supports non-turtle tkinter programs</a:t>
-            </a:r>
-          </a:p>
-          <a:p>
-            <a:pPr lvl="1"/>
-            <a:r>
-              <a:rPr lang="en-US" sz="3200" dirty="0">
-                <a:solidFill>
-                  <a:schemeClr val="tx1"/>
-                </a:solidFill>
-              </a:rPr>
-              <a:t>Facilitates scale changes</a:t>
-            </a:r>
-          </a:p>
-          <a:p>
-            <a:endParaRPr lang="en-US" sz="2400" dirty="0">
-              <a:solidFill>
-                <a:schemeClr val="accent1"/>
-              </a:solidFill>
-            </a:endParaRPr>
-          </a:p>
-        </p:txBody>
-      </p:sp>
+            <p:extLst>
+              <p:ext uri="{D42A27DB-BD31-4B8C-83A1-F6EECF244321}">
+                <p14:modId xmlns:p14="http://schemas.microsoft.com/office/powerpoint/2010/main" val="4273777315"/>
+              </p:ext>
+            </p:extLst>
+          </p:nvPr>
+        </p:nvGraphicFramePr>
+        <p:xfrm>
+          <a:off x="174929" y="1123784"/>
+          <a:ext cx="10398483" cy="4800959"/>
+        </p:xfrm>
+        <a:graphic>
+          <a:graphicData uri="http://schemas.openxmlformats.org/drawingml/2006/table">
+            <a:tbl>
+              <a:tblPr/>
+              <a:tblGrid>
+                <a:gridCol w="10398483">
+                  <a:extLst>
+                    <a:ext uri="{9D8B030D-6E8A-4147-A177-3AD203B41FA5}">
+                      <a16:colId xmlns:a16="http://schemas.microsoft.com/office/drawing/2014/main" val="2688735557"/>
+                    </a:ext>
+                  </a:extLst>
+                </a:gridCol>
+              </a:tblGrid>
+              <a:tr h="4800959">
+                <a:tc>
+                  <a:txBody>
+                    <a:bodyPr/>
+                    <a:lstStyle/>
+                    <a:p>
+                      <a:pPr algn="l"/>
+                      <a:r>
+                        <a:rPr lang="en-US" sz="2800" dirty="0">
+                          <a:solidFill>
+                            <a:srgbClr val="000000"/>
+                          </a:solidFill>
+                          <a:latin typeface="Consolas" panose="020B0609020204030204" pitchFamily="49" charset="0"/>
+                        </a:rPr>
+                        <a:t> </a:t>
+                      </a:r>
+                    </a:p>
+                    <a:p>
+                      <a:pPr algn="l"/>
+                      <a:r>
+                        <a:rPr lang="en-US" sz="2800" dirty="0">
+                          <a:solidFill>
+                            <a:srgbClr val="000000"/>
+                          </a:solidFill>
+                          <a:latin typeface="Consolas" panose="020B0609020204030204" pitchFamily="49" charset="0"/>
+                        </a:rPr>
+                        <a:t>               </a:t>
+                      </a:r>
+                      <a:r>
+                        <a:rPr lang="en-US" sz="2800" dirty="0">
+                          <a:solidFill>
+                            <a:schemeClr val="bg1">
+                              <a:lumMod val="50000"/>
+                            </a:schemeClr>
+                          </a:solidFill>
+                          <a:latin typeface="Consolas" panose="020B0609020204030204" pitchFamily="49" charset="0"/>
+                        </a:rPr>
+                        <a:t>… code for selection on item type</a:t>
+                      </a:r>
+                      <a:r>
+                        <a:rPr lang="en-US" sz="2800" i="0" u="none" dirty="0">
+                          <a:solidFill>
+                            <a:schemeClr val="bg1">
+                              <a:lumMod val="50000"/>
+                            </a:schemeClr>
+                          </a:solidFill>
+                          <a:latin typeface="Consolas" panose="020B0609020204030204" pitchFamily="49" charset="0"/>
+                        </a:rPr>
+                        <a:t> </a:t>
+                      </a:r>
+                    </a:p>
+                    <a:p>
+                      <a:pPr marL="0" marR="0" lvl="0" indent="0" algn="l" defTabSz="457200" rtl="0" eaLnBrk="1" fontAlgn="auto" latinLnBrk="0" hangingPunct="1">
+                        <a:lnSpc>
+                          <a:spcPct val="100000"/>
+                        </a:lnSpc>
+                        <a:spcBef>
+                          <a:spcPts val="0"/>
+                        </a:spcBef>
+                        <a:spcAft>
+                          <a:spcPts val="0"/>
+                        </a:spcAft>
+                        <a:buClrTx/>
+                        <a:buSzTx/>
+                        <a:buFontTx/>
+                        <a:buNone/>
+                        <a:tabLst/>
+                        <a:defRPr/>
+                      </a:pPr>
+                      <a:r>
+                        <a:rPr kumimoji="0" lang="en-US" sz="2800" b="0" i="0" u="none" strike="noStrike" kern="1200" cap="none" spc="0" normalizeH="0" baseline="0" noProof="0" dirty="0">
+                          <a:ln>
+                            <a:noFill/>
+                          </a:ln>
+                          <a:solidFill>
+                            <a:srgbClr val="0000FF"/>
+                          </a:solidFill>
+                          <a:effectLst/>
+                          <a:uLnTx/>
+                          <a:uFillTx/>
+                          <a:latin typeface="Consolas" panose="020B0609020204030204" pitchFamily="49" charset="0"/>
+                          <a:ea typeface="+mn-ea"/>
+                          <a:cs typeface="+mn-cs"/>
+                        </a:rPr>
+                        <a:t> </a:t>
+                      </a:r>
+                    </a:p>
+                    <a:p>
+                      <a:pPr marL="0" marR="0" lvl="0" indent="0" algn="l" defTabSz="457200" rtl="0" eaLnBrk="1" fontAlgn="auto" latinLnBrk="0" hangingPunct="1">
+                        <a:lnSpc>
+                          <a:spcPct val="100000"/>
+                        </a:lnSpc>
+                        <a:spcBef>
+                          <a:spcPts val="0"/>
+                        </a:spcBef>
+                        <a:spcAft>
+                          <a:spcPts val="0"/>
+                        </a:spcAft>
+                        <a:buClrTx/>
+                        <a:buSzTx/>
+                        <a:buFontTx/>
+                        <a:buNone/>
+                        <a:tabLst/>
+                        <a:defRPr/>
+                      </a:pPr>
+                      <a:r>
+                        <a:rPr kumimoji="0" lang="en-US" sz="2800" b="0" i="0" u="none" strike="noStrike" kern="1200" cap="none" spc="0" normalizeH="0" baseline="0" noProof="0" dirty="0">
+                          <a:ln>
+                            <a:noFill/>
+                          </a:ln>
+                          <a:solidFill>
+                            <a:srgbClr val="0000FF"/>
+                          </a:solidFill>
+                          <a:effectLst/>
+                          <a:uLnTx/>
+                          <a:uFillTx/>
+                          <a:latin typeface="Consolas" panose="020B0609020204030204" pitchFamily="49" charset="0"/>
+                          <a:ea typeface="+mn-ea"/>
+                          <a:cs typeface="+mn-cs"/>
+                        </a:rPr>
+                        <a:t>               if</a:t>
+                      </a:r>
+                      <a:r>
+                        <a:rPr kumimoji="0" lang="en-US" sz="2800" b="0" i="0" u="none" strike="noStrike" kern="1200" cap="none" spc="0" normalizeH="0" baseline="0" noProof="0" dirty="0">
+                          <a:ln>
+                            <a:noFill/>
+                          </a:ln>
+                          <a:solidFill>
+                            <a:srgbClr val="000000"/>
+                          </a:solidFill>
+                          <a:effectLst/>
+                          <a:uLnTx/>
+                          <a:uFillTx/>
+                          <a:latin typeface="Consolas" panose="020B0609020204030204" pitchFamily="49" charset="0"/>
+                          <a:ea typeface="+mn-ea"/>
+                          <a:cs typeface="+mn-cs"/>
+                        </a:rPr>
+                        <a:t> chosen:</a:t>
+                      </a:r>
+                    </a:p>
+                    <a:p>
+                      <a:pPr marL="0" marR="0" lvl="0" indent="0" algn="l" defTabSz="457200" rtl="0" eaLnBrk="1" fontAlgn="auto" latinLnBrk="0" hangingPunct="1">
+                        <a:lnSpc>
+                          <a:spcPct val="100000"/>
+                        </a:lnSpc>
+                        <a:spcBef>
+                          <a:spcPts val="0"/>
+                        </a:spcBef>
+                        <a:spcAft>
+                          <a:spcPts val="0"/>
+                        </a:spcAft>
+                        <a:buClrTx/>
+                        <a:buSzTx/>
+                        <a:buFontTx/>
+                        <a:buNone/>
+                        <a:tabLst/>
+                        <a:defRPr/>
+                      </a:pPr>
+                      <a:r>
+                        <a:rPr kumimoji="0" lang="en-US" sz="2800" b="0" i="0" u="none" strike="noStrike" kern="1200" cap="none" spc="0" normalizeH="0" baseline="0" noProof="0" dirty="0">
+                          <a:ln>
+                            <a:noFill/>
+                          </a:ln>
+                          <a:solidFill>
+                            <a:srgbClr val="000000"/>
+                          </a:solidFill>
+                          <a:effectLst/>
+                          <a:uLnTx/>
+                          <a:uFillTx/>
+                          <a:latin typeface="Consolas" panose="020B0609020204030204" pitchFamily="49" charset="0"/>
+                          <a:ea typeface="+mn-ea"/>
+                          <a:cs typeface="+mn-cs"/>
+                        </a:rPr>
+                        <a:t>                    item_ids_over.append(item_id)</a:t>
+                      </a:r>
+                    </a:p>
+                    <a:p>
+                      <a:pPr marL="0" marR="0" lvl="0" indent="0" algn="l" defTabSz="457200" rtl="0" eaLnBrk="1" fontAlgn="auto" latinLnBrk="0" hangingPunct="1">
+                        <a:lnSpc>
+                          <a:spcPct val="100000"/>
+                        </a:lnSpc>
+                        <a:spcBef>
+                          <a:spcPts val="0"/>
+                        </a:spcBef>
+                        <a:spcAft>
+                          <a:spcPts val="0"/>
+                        </a:spcAft>
+                        <a:buClrTx/>
+                        <a:buSzTx/>
+                        <a:buFontTx/>
+                        <a:buNone/>
+                        <a:tabLst/>
+                        <a:defRPr/>
+                      </a:pPr>
+                      <a:r>
+                        <a:rPr kumimoji="0" lang="en-US" sz="2800" b="0" i="0" u="none" strike="noStrike" kern="1200" cap="none" spc="0" normalizeH="0" baseline="0" noProof="0" dirty="0">
+                          <a:ln>
+                            <a:noFill/>
+                          </a:ln>
+                          <a:solidFill>
+                            <a:srgbClr val="000000"/>
+                          </a:solidFill>
+                          <a:effectLst/>
+                          <a:uLnTx/>
+                          <a:uFillTx/>
+                          <a:latin typeface="Consolas" panose="020B0609020204030204" pitchFamily="49" charset="0"/>
+                          <a:ea typeface="+mn-ea"/>
+                          <a:cs typeface="+mn-cs"/>
+                        </a:rPr>
+                        <a:t>            </a:t>
+                      </a:r>
+                      <a:r>
+                        <a:rPr kumimoji="0" lang="en-US" sz="2800" b="0" i="0" u="none" strike="noStrike" kern="1200" cap="none" spc="0" normalizeH="0" baseline="0" noProof="0" dirty="0">
+                          <a:ln>
+                            <a:noFill/>
+                          </a:ln>
+                          <a:solidFill>
+                            <a:srgbClr val="0000FF"/>
+                          </a:solidFill>
+                          <a:effectLst/>
+                          <a:uLnTx/>
+                          <a:uFillTx/>
+                          <a:latin typeface="Consolas" panose="020B0609020204030204" pitchFamily="49" charset="0"/>
+                          <a:ea typeface="+mn-ea"/>
+                          <a:cs typeface="+mn-cs"/>
+                        </a:rPr>
+                        <a:t>if</a:t>
+                      </a:r>
+                      <a:r>
+                        <a:rPr kumimoji="0" lang="en-US" sz="2800" b="0" i="0" u="none" strike="noStrike" kern="1200" cap="none" spc="0" normalizeH="0" baseline="0" noProof="0" dirty="0">
+                          <a:ln>
+                            <a:noFill/>
+                          </a:ln>
+                          <a:solidFill>
+                            <a:srgbClr val="000000"/>
+                          </a:solidFill>
+                          <a:effectLst/>
+                          <a:uLnTx/>
+                          <a:uFillTx/>
+                          <a:latin typeface="Consolas" panose="020B0609020204030204" pitchFamily="49" charset="0"/>
+                          <a:ea typeface="+mn-ea"/>
+                          <a:cs typeface="+mn-cs"/>
+                        </a:rPr>
+                        <a:t> len(item_ids_over) &gt; </a:t>
+                      </a:r>
+                      <a:r>
+                        <a:rPr kumimoji="0" lang="en-US" sz="2800" b="0" i="0" u="none" strike="noStrike" kern="1200" cap="none" spc="0" normalizeH="0" baseline="0" noProof="0" dirty="0">
+                          <a:ln>
+                            <a:noFill/>
+                          </a:ln>
+                          <a:solidFill>
+                            <a:srgbClr val="800000"/>
+                          </a:solidFill>
+                          <a:effectLst/>
+                          <a:uLnTx/>
+                          <a:uFillTx/>
+                          <a:latin typeface="Consolas" panose="020B0609020204030204" pitchFamily="49" charset="0"/>
+                          <a:ea typeface="+mn-ea"/>
+                          <a:cs typeface="+mn-cs"/>
+                        </a:rPr>
+                        <a:t>0</a:t>
+                      </a:r>
+                      <a:r>
+                        <a:rPr kumimoji="0" lang="en-US" sz="2800" b="0" i="0" u="none" strike="noStrike" kern="1200" cap="none" spc="0" normalizeH="0" baseline="0" noProof="0" dirty="0">
+                          <a:ln>
+                            <a:noFill/>
+                          </a:ln>
+                          <a:solidFill>
+                            <a:srgbClr val="000000"/>
+                          </a:solidFill>
+                          <a:effectLst/>
+                          <a:uLnTx/>
+                          <a:uFillTx/>
+                          <a:latin typeface="Consolas" panose="020B0609020204030204" pitchFamily="49" charset="0"/>
+                          <a:ea typeface="+mn-ea"/>
+                          <a:cs typeface="+mn-cs"/>
+                        </a:rPr>
+                        <a:t>:</a:t>
+                      </a:r>
+                    </a:p>
+                    <a:p>
+                      <a:pPr marL="0" marR="0" lvl="0" indent="0" algn="l" defTabSz="457200" rtl="0" eaLnBrk="1" fontAlgn="auto" latinLnBrk="0" hangingPunct="1">
+                        <a:lnSpc>
+                          <a:spcPct val="100000"/>
+                        </a:lnSpc>
+                        <a:spcBef>
+                          <a:spcPts val="0"/>
+                        </a:spcBef>
+                        <a:spcAft>
+                          <a:spcPts val="0"/>
+                        </a:spcAft>
+                        <a:buClrTx/>
+                        <a:buSzTx/>
+                        <a:buFontTx/>
+                        <a:buNone/>
+                        <a:tabLst/>
+                        <a:defRPr/>
+                      </a:pPr>
+                      <a:r>
+                        <a:rPr kumimoji="0" lang="en-US" sz="2800" b="0" i="0" u="none" strike="noStrike" kern="1200" cap="none" spc="0" normalizeH="0" baseline="0" noProof="0" dirty="0">
+                          <a:ln>
+                            <a:noFill/>
+                          </a:ln>
+                          <a:solidFill>
+                            <a:srgbClr val="000000"/>
+                          </a:solidFill>
+                          <a:effectLst/>
+                          <a:uLnTx/>
+                          <a:uFillTx/>
+                          <a:latin typeface="Consolas" panose="020B0609020204030204" pitchFamily="49" charset="0"/>
+                          <a:ea typeface="+mn-ea"/>
+                          <a:cs typeface="+mn-cs"/>
+                        </a:rPr>
+                        <a:t>                ixy_ids_list.append(((ix,iy),</a:t>
+                      </a:r>
+                    </a:p>
+                    <a:p>
+                      <a:pPr marL="0" marR="0" lvl="0" indent="0" algn="l" defTabSz="457200" rtl="0" eaLnBrk="1" fontAlgn="auto" latinLnBrk="0" hangingPunct="1">
+                        <a:lnSpc>
+                          <a:spcPct val="100000"/>
+                        </a:lnSpc>
+                        <a:spcBef>
+                          <a:spcPts val="0"/>
+                        </a:spcBef>
+                        <a:spcAft>
+                          <a:spcPts val="0"/>
+                        </a:spcAft>
+                        <a:buClrTx/>
+                        <a:buSzTx/>
+                        <a:buFontTx/>
+                        <a:buNone/>
+                        <a:tabLst/>
+                        <a:defRPr/>
+                      </a:pPr>
+                      <a:r>
+                        <a:rPr kumimoji="0" lang="en-US" sz="2800" b="0" i="0" u="none" strike="noStrike" kern="1200" cap="none" spc="0" normalizeH="0" baseline="0" noProof="0" dirty="0">
+                          <a:ln>
+                            <a:noFill/>
+                          </a:ln>
+                          <a:solidFill>
+                            <a:srgbClr val="000000"/>
+                          </a:solidFill>
+                          <a:effectLst/>
+                          <a:uLnTx/>
+                          <a:uFillTx/>
+                          <a:latin typeface="Consolas" panose="020B0609020204030204" pitchFamily="49" charset="0"/>
+                          <a:ea typeface="+mn-ea"/>
+                          <a:cs typeface="+mn-cs"/>
+                        </a:rPr>
+                        <a:t>                                   item_infos_over))</a:t>
+                      </a:r>
+                    </a:p>
+                    <a:p>
+                      <a:pPr marL="0" marR="0" lvl="0" indent="0" algn="l" defTabSz="457200" rtl="0" eaLnBrk="1" fontAlgn="auto" latinLnBrk="0" hangingPunct="1">
+                        <a:lnSpc>
+                          <a:spcPct val="100000"/>
+                        </a:lnSpc>
+                        <a:spcBef>
+                          <a:spcPts val="0"/>
+                        </a:spcBef>
+                        <a:spcAft>
+                          <a:spcPts val="0"/>
+                        </a:spcAft>
+                        <a:buClrTx/>
+                        <a:buSzTx/>
+                        <a:buFontTx/>
+                        <a:buNone/>
+                        <a:tabLst/>
+                        <a:defRPr/>
+                      </a:pPr>
+                      <a:r>
+                        <a:rPr kumimoji="0" lang="en-US" sz="2800" b="0" i="0" u="none" strike="noStrike" kern="1200" cap="none" spc="0" normalizeH="0" baseline="0" noProof="0" dirty="0">
+                          <a:ln>
+                            <a:noFill/>
+                          </a:ln>
+                          <a:solidFill>
+                            <a:srgbClr val="000000"/>
+                          </a:solidFill>
+                          <a:effectLst/>
+                          <a:uLnTx/>
+                          <a:uFillTx/>
+                          <a:latin typeface="Consolas" panose="020B0609020204030204" pitchFamily="49" charset="0"/>
+                          <a:ea typeface="+mn-ea"/>
+                          <a:cs typeface="+mn-cs"/>
+                        </a:rPr>
+                        <a:t>        </a:t>
+                      </a:r>
+                      <a:r>
+                        <a:rPr kumimoji="0" lang="en-US" sz="2800" b="0" i="0" u="none" strike="noStrike" kern="1200" cap="none" spc="0" normalizeH="0" baseline="0" noProof="0" dirty="0">
+                          <a:ln>
+                            <a:noFill/>
+                          </a:ln>
+                          <a:solidFill>
+                            <a:srgbClr val="0000FF"/>
+                          </a:solidFill>
+                          <a:effectLst/>
+                          <a:uLnTx/>
+                          <a:uFillTx/>
+                          <a:latin typeface="Consolas" panose="020B0609020204030204" pitchFamily="49" charset="0"/>
+                          <a:ea typeface="+mn-ea"/>
+                          <a:cs typeface="+mn-cs"/>
+                        </a:rPr>
+                        <a:t>return</a:t>
+                      </a:r>
+                      <a:r>
+                        <a:rPr kumimoji="0" lang="en-US" sz="2800" b="0" i="0" u="none" strike="noStrike" kern="1200" cap="none" spc="0" normalizeH="0" baseline="0" noProof="0" dirty="0">
+                          <a:ln>
+                            <a:noFill/>
+                          </a:ln>
+                          <a:solidFill>
+                            <a:srgbClr val="000000"/>
+                          </a:solidFill>
+                          <a:effectLst/>
+                          <a:uLnTx/>
+                          <a:uFillTx/>
+                          <a:latin typeface="Consolas" panose="020B0609020204030204" pitchFamily="49" charset="0"/>
+                          <a:ea typeface="+mn-ea"/>
+                          <a:cs typeface="+mn-cs"/>
+                        </a:rPr>
+                        <a:t> ixy_ids_list</a:t>
+                      </a:r>
+                      <a:r>
+                        <a:rPr lang="en-US" sz="2800" dirty="0">
+                          <a:solidFill>
+                            <a:srgbClr val="000000"/>
+                          </a:solidFill>
+                          <a:latin typeface="Consolas" panose="020B0609020204030204" pitchFamily="49" charset="0"/>
+                        </a:rPr>
+                        <a:t>                </a:t>
+                      </a:r>
+                    </a:p>
+                  </a:txBody>
+                  <a:tcPr marL="0" marR="0" marT="0" marB="0">
+                    <a:lnL>
+                      <a:noFill/>
+                    </a:lnL>
+                    <a:lnR>
+                      <a:noFill/>
+                    </a:lnR>
+                    <a:lnT>
+                      <a:noFill/>
+                    </a:lnT>
+                    <a:lnB>
+                      <a:noFill/>
+                    </a:lnB>
+                  </a:tcPr>
+                </a:tc>
+                <a:extLst>
+                  <a:ext uri="{0D108BD9-81ED-4DB2-BD59-A6C34878D82A}">
+                    <a16:rowId xmlns:a16="http://schemas.microsoft.com/office/drawing/2014/main" val="1185727523"/>
+                  </a:ext>
+                </a:extLst>
+              </a:tr>
+            </a:tbl>
+          </a:graphicData>
+        </a:graphic>
+      </p:graphicFrame>
       <p:sp>
         <p:nvSpPr>
           <p:cNvPr id="4" name="Date Placeholder 3">
@@ -14559,7 +14783,7 @@
           <a:p>
             <a:fld id="{A7119916-CD40-456D-ABE3-55F8822671F7}" type="datetime1">
               <a:rPr lang="en-US" smtClean="0"/>
-              <a:t>2/10/2023</a:t>
+              <a:t>3/1/2023</a:t>
             </a:fld>
             <a:endParaRPr lang="en-US" dirty="0"/>
           </a:p>
@@ -14615,10 +14839,18 @@
           <a:lstStyle/>
           <a:p>
             <a:fld id="{6D22F896-40B5-4ADD-8801-0D06FADFA095}" type="slidenum">
-              <a:rPr lang="en-US" smtClean="0"/>
+              <a:rPr lang="en-US" smtClean="0">
+                <a:solidFill>
+                  <a:schemeClr val="tx1"/>
+                </a:solidFill>
+              </a:rPr>
               <a:t>18</a:t>
             </a:fld>
-            <a:endParaRPr lang="en-US" dirty="0"/>
+            <a:endParaRPr lang="en-US" dirty="0">
+              <a:solidFill>
+                <a:schemeClr val="tx1"/>
+              </a:solidFill>
+            </a:endParaRPr>
           </a:p>
         </p:txBody>
       </p:sp>
@@ -14672,7 +14904,7 @@
     </p:spTree>
     <p:extLst>
       <p:ext uri="{BB962C8B-B14F-4D97-AF65-F5344CB8AC3E}">
-        <p14:creationId xmlns:p14="http://schemas.microsoft.com/office/powerpoint/2010/main" val="496217816"/>
+        <p14:creationId xmlns:p14="http://schemas.microsoft.com/office/powerpoint/2010/main" val="98113392"/>
       </p:ext>
     </p:extLst>
   </p:cSld>
@@ -14751,21 +14983,13 @@
         </p:nvSpPr>
         <p:spPr/>
         <p:txBody>
-          <a:bodyPr>
-            <a:normAutofit/>
-          </a:bodyPr>
-          <a:lstStyle/>
-          <a:p>
-            <a:pPr algn="ctr"/>
-            <a:r>
-              <a:rPr lang="en-US" sz="3600" dirty="0">
-                <a:solidFill>
-                  <a:schemeClr val="accent1"/>
-                </a:solidFill>
-              </a:rPr>
-              <a:t>Future Possibilities</a:t>
-            </a:r>
-            <a:endParaRPr lang="en-US" dirty="0"/>
+          <a:bodyPr/>
+          <a:lstStyle/>
+          <a:p>
+            <a:r>
+              <a:rPr lang="en-US" dirty="0"/>
+              <a:t>Display window with audio feedback</a:t>
+            </a:r>
           </a:p>
         </p:txBody>
       </p:sp>
@@ -14793,78 +15017,64 @@
         </p:spPr>
         <p:txBody>
           <a:bodyPr>
-            <a:normAutofit lnSpcReduction="10000"/>
+            <a:normAutofit/>
           </a:bodyPr>
           <a:lstStyle/>
           <a:p>
             <a:r>
-              <a:rPr lang="en-US" sz="2800" dirty="0">
+              <a:rPr lang="en-US" sz="3200" dirty="0">
                 <a:solidFill>
                   <a:schemeClr val="tx1"/>
                 </a:solidFill>
               </a:rPr>
-              <a:t>Navigational Improvements</a:t>
+              <a:t>Braille Picture was OK – but slow</a:t>
+            </a:r>
+          </a:p>
+          <a:p>
+            <a:r>
+              <a:rPr lang="en-US" sz="3200" dirty="0">
+                <a:solidFill>
+                  <a:schemeClr val="tx1"/>
+                </a:solidFill>
+              </a:rPr>
+              <a:t>Displays Braille picture with:</a:t>
             </a:r>
           </a:p>
           <a:p>
             <a:pPr lvl="1"/>
             <a:r>
-              <a:rPr lang="en-US" sz="2800" dirty="0">
+              <a:rPr lang="en-US" sz="3000" dirty="0">
                 <a:solidFill>
                   <a:schemeClr val="tx1"/>
                 </a:solidFill>
               </a:rPr>
-              <a:t>Speedups – async talking</a:t>
+              <a:t>User navigation (cursor keys, mouse)</a:t>
             </a:r>
           </a:p>
           <a:p>
             <a:pPr lvl="1"/>
             <a:r>
-              <a:rPr lang="en-US" sz="2800" dirty="0">
+              <a:rPr lang="en-US" sz="3000" dirty="0">
                 <a:solidFill>
                   <a:schemeClr val="tx1"/>
                 </a:solidFill>
               </a:rPr>
-              <a:t>Stereo audio feedback, distance, direction, feedback</a:t>
+              <a:t>Speech description of location/color</a:t>
             </a:r>
           </a:p>
           <a:p>
             <a:pPr lvl="1"/>
             <a:r>
-              <a:rPr lang="en-US" sz="2800" dirty="0">
+              <a:rPr lang="en-US" sz="3000" dirty="0">
                 <a:solidFill>
                   <a:schemeClr val="tx1"/>
                 </a:solidFill>
               </a:rPr>
-              <a:t>More intelligent/automatic scanning</a:t>
-            </a:r>
-          </a:p>
-          <a:p>
-            <a:r>
-              <a:rPr lang="en-US" sz="2800" dirty="0">
-                <a:solidFill>
-                  <a:schemeClr val="tx1"/>
-                </a:solidFill>
-              </a:rPr>
-              <a:t>Presentation Improvements</a:t>
-            </a:r>
-          </a:p>
-          <a:p>
-            <a:pPr lvl="1"/>
-            <a:r>
-              <a:rPr lang="en-US" sz="2800" dirty="0">
-                <a:solidFill>
-                  <a:schemeClr val="tx1"/>
-                </a:solidFill>
-              </a:rPr>
-              <a:t>Real-time scaling region magnification / selection</a:t>
-            </a:r>
-          </a:p>
-          <a:p>
-            <a:pPr marL="0" indent="0">
-              <a:buNone/>
-            </a:pPr>
-            <a:endParaRPr lang="en-US" sz="2400" dirty="0">
+              <a:t>Audio tones – faster yet response</a:t>
+            </a:r>
+          </a:p>
+          <a:p>
+            <a:endParaRPr lang="en-US" sz="2800" dirty="0">
               <a:solidFill>
                 <a:schemeClr val="tx1"/>
               </a:solidFill>
@@ -14893,75 +15103,11 @@
           <a:bodyPr/>
           <a:lstStyle/>
           <a:p>
-            <a:pPr marL="0" marR="0" lvl="0" indent="0" algn="r" defTabSz="914400" rtl="0" eaLnBrk="1" fontAlgn="auto" latinLnBrk="0" hangingPunct="1">
-              <a:lnSpc>
-                <a:spcPct val="100000"/>
-              </a:lnSpc>
-              <a:spcBef>
-                <a:spcPts val="0"/>
-              </a:spcBef>
-              <a:spcAft>
-                <a:spcPts val="0"/>
-              </a:spcAft>
-              <a:buClrTx/>
-              <a:buSzTx/>
-              <a:buFontTx/>
-              <a:buNone/>
-              <a:tabLst/>
-              <a:defRPr/>
-            </a:pPr>
             <a:fld id="{A7119916-CD40-456D-ABE3-55F8822671F7}" type="datetime1">
-              <a:rPr kumimoji="0" lang="en-US" sz="900" b="0" i="0" u="none" strike="noStrike" kern="1200" cap="none" spc="0" normalizeH="0" baseline="0" noProof="0" smtClean="0">
-                <a:ln>
-                  <a:noFill/>
-                </a:ln>
-                <a:solidFill>
-                  <a:prstClr val="black">
-                    <a:tint val="75000"/>
-                  </a:prstClr>
-                </a:solidFill>
-                <a:effectLst/>
-                <a:uLnTx/>
-                <a:uFillTx/>
-                <a:latin typeface="Trebuchet MS" panose="020B0603020202020204"/>
-                <a:ea typeface="+mn-ea"/>
-                <a:cs typeface="+mn-cs"/>
-              </a:rPr>
-              <a:pPr marL="0" marR="0" lvl="0" indent="0" algn="r" defTabSz="914400" rtl="0" eaLnBrk="1" fontAlgn="auto" latinLnBrk="0" hangingPunct="1">
-                <a:lnSpc>
-                  <a:spcPct val="100000"/>
-                </a:lnSpc>
-                <a:spcBef>
-                  <a:spcPts val="0"/>
-                </a:spcBef>
-                <a:spcAft>
-                  <a:spcPts val="0"/>
-                </a:spcAft>
-                <a:buClrTx/>
-                <a:buSzTx/>
-                <a:buFontTx/>
-                <a:buNone/>
-                <a:tabLst/>
-                <a:defRPr/>
-              </a:pPr>
-              <a:t>2/10/2023</a:t>
+              <a:rPr lang="en-US" smtClean="0"/>
+              <a:t>3/1/2023</a:t>
             </a:fld>
-            <a:endParaRPr kumimoji="0" lang="en-US" sz="900" b="0" i="0" u="none" strike="noStrike" kern="1200" cap="none" spc="0" normalizeH="0" baseline="0" noProof="0" dirty="0">
-              <a:ln>
-                <a:noFill/>
-              </a:ln>
-              <a:solidFill>
-                <a:prstClr val="black">
-                  <a:tint val="75000"/>
-                </a:prstClr>
-              </a:solidFill>
-              <a:effectLst/>
-              <a:uLnTx/>
-              <a:uFillTx/>
-              <a:latin typeface="Trebuchet MS" panose="020B0603020202020204"/>
-              <a:ea typeface="+mn-ea"/>
-              <a:cs typeface="+mn-cs"/>
-            </a:endParaRPr>
+            <a:endParaRPr lang="en-US" dirty="0"/>
           </a:p>
         </p:txBody>
       </p:sp>
@@ -14986,40 +15132,8 @@
           <a:bodyPr/>
           <a:lstStyle/>
           <a:p>
-            <a:pPr marL="0" marR="0" lvl="0" indent="0" algn="l" defTabSz="914400" rtl="0" eaLnBrk="1" fontAlgn="auto" latinLnBrk="0" hangingPunct="1">
-              <a:lnSpc>
-                <a:spcPct val="100000"/>
-              </a:lnSpc>
-              <a:spcBef>
-                <a:spcPts val="0"/>
-              </a:spcBef>
-              <a:spcAft>
-                <a:spcPts val="0"/>
-              </a:spcAft>
-              <a:buClrTx/>
-              <a:buSzTx/>
-              <a:buFontTx/>
-              <a:buNone/>
-              <a:tabLst/>
-              <a:defRPr/>
-            </a:pPr>
-            <a:r>
-              <a:rPr kumimoji="0" lang="en-US" sz="900" b="0" i="0" u="none" strike="noStrike" kern="1200" cap="none" spc="0" normalizeH="0" baseline="0" noProof="0" dirty="0">
-                <a:ln>
-                  <a:noFill/>
-                </a:ln>
-                <a:solidFill>
-                  <a:prstClr val="black">
-                    <a:tint val="75000"/>
-                  </a:prstClr>
-                </a:solidFill>
-                <a:effectLst/>
-                <a:uLnTx/>
-                <a:uFillTx/>
-                <a:latin typeface="Trebuchet MS" panose="020B0603020202020204"/>
-                <a:ea typeface="+mn-ea"/>
-                <a:cs typeface="+mn-cs"/>
-              </a:rPr>
+            <a:r>
+              <a:rPr lang="en-US" dirty="0"/>
               <a:t>raysmith@alum.mit.edu</a:t>
             </a:r>
           </a:p>
@@ -15046,70 +15160,18 @@
           <a:bodyPr/>
           <a:lstStyle/>
           <a:p>
-            <a:pPr marL="0" marR="0" lvl="0" indent="0" algn="r" defTabSz="914400" rtl="0" eaLnBrk="1" fontAlgn="auto" latinLnBrk="0" hangingPunct="1">
-              <a:lnSpc>
-                <a:spcPct val="100000"/>
-              </a:lnSpc>
-              <a:spcBef>
-                <a:spcPts val="0"/>
-              </a:spcBef>
-              <a:spcAft>
-                <a:spcPts val="0"/>
-              </a:spcAft>
-              <a:buClrTx/>
-              <a:buSzTx/>
-              <a:buFontTx/>
-              <a:buNone/>
-              <a:tabLst/>
-              <a:defRPr/>
-            </a:pPr>
             <a:fld id="{6D22F896-40B5-4ADD-8801-0D06FADFA095}" type="slidenum">
-              <a:rPr kumimoji="0" lang="en-US" sz="900" b="0" i="0" u="none" strike="noStrike" kern="1200" cap="none" spc="0" normalizeH="0" baseline="0" noProof="0" smtClean="0">
-                <a:ln>
-                  <a:noFill/>
-                </a:ln>
-                <a:solidFill>
-                  <a:srgbClr val="90C226"/>
-                </a:solidFill>
-                <a:effectLst/>
-                <a:uLnTx/>
-                <a:uFillTx/>
-                <a:latin typeface="Trebuchet MS" panose="020B0603020202020204"/>
-                <a:ea typeface="+mn-ea"/>
-                <a:cs typeface="+mn-cs"/>
-              </a:rPr>
-              <a:pPr marL="0" marR="0" lvl="0" indent="0" algn="r" defTabSz="914400" rtl="0" eaLnBrk="1" fontAlgn="auto" latinLnBrk="0" hangingPunct="1">
-                <a:lnSpc>
-                  <a:spcPct val="100000"/>
-                </a:lnSpc>
-                <a:spcBef>
-                  <a:spcPts val="0"/>
-                </a:spcBef>
-                <a:spcAft>
-                  <a:spcPts val="0"/>
-                </a:spcAft>
-                <a:buClrTx/>
-                <a:buSzTx/>
-                <a:buFontTx/>
-                <a:buNone/>
-                <a:tabLst/>
-                <a:defRPr/>
-              </a:pPr>
+              <a:rPr lang="en-US" smtClean="0">
+                <a:solidFill>
+                  <a:schemeClr val="tx1"/>
+                </a:solidFill>
+              </a:rPr>
               <a:t>19</a:t>
             </a:fld>
-            <a:endParaRPr kumimoji="0" lang="en-US" sz="900" b="0" i="0" u="none" strike="noStrike" kern="1200" cap="none" spc="0" normalizeH="0" baseline="0" noProof="0" dirty="0">
-              <a:ln>
-                <a:noFill/>
-              </a:ln>
+            <a:endParaRPr lang="en-US" dirty="0">
               <a:solidFill>
-                <a:srgbClr val="90C226"/>
+                <a:schemeClr val="tx1"/>
               </a:solidFill>
-              <a:effectLst/>
-              <a:uLnTx/>
-              <a:uFillTx/>
-              <a:latin typeface="Trebuchet MS" panose="020B0603020202020204"/>
-              <a:ea typeface="+mn-ea"/>
-              <a:cs typeface="+mn-cs"/>
             </a:endParaRPr>
           </a:p>
         </p:txBody>
@@ -15164,7 +15226,7 @@
     </p:spTree>
     <p:extLst>
       <p:ext uri="{BB962C8B-B14F-4D97-AF65-F5344CB8AC3E}">
-        <p14:creationId xmlns:p14="http://schemas.microsoft.com/office/powerpoint/2010/main" val="587817200"/>
+        <p14:creationId xmlns:p14="http://schemas.microsoft.com/office/powerpoint/2010/main" val="2117034800"/>
       </p:ext>
     </p:extLst>
   </p:cSld>
@@ -15289,13 +15351,8 @@
             <a:pPr lvl="1"/>
             <a:r>
               <a:rPr lang="en-US" sz="3400" i="1" dirty="0"/>
-              <a:t>Demonstrate shadowing turtle module, adding features for </a:t>
-            </a:r>
-            <a:r>
-              <a:rPr lang="en-US" sz="3400" i="1"/>
-              <a:t>the blind</a:t>
-            </a:r>
-            <a:endParaRPr lang="en-US" sz="3400" i="1" dirty="0"/>
+              <a:t>Demonstrate shadowing turtle module, adding features for the blind</a:t>
+            </a:r>
           </a:p>
           <a:p>
             <a:r>
@@ -15390,7 +15447,7 @@
                 <a:tabLst/>
                 <a:defRPr/>
               </a:pPr>
-              <a:t>2/10/2023</a:t>
+              <a:t>3/1/2023</a:t>
             </a:fld>
             <a:endParaRPr kumimoji="0" lang="en-US" sz="900" b="0" i="0" u="none" strike="noStrike" kern="1200" cap="none" spc="0" normalizeH="0" baseline="0" noProof="0" dirty="0">
               <a:ln>
@@ -15515,7 +15572,7 @@
                   <a:noFill/>
                 </a:ln>
                 <a:solidFill>
-                  <a:srgbClr val="90C226"/>
+                  <a:schemeClr val="tx1"/>
                 </a:solidFill>
                 <a:effectLst/>
                 <a:uLnTx/>
@@ -15548,7 +15605,7 @@
                 <a:noFill/>
               </a:ln>
               <a:solidFill>
-                <a:srgbClr val="90C226"/>
+                <a:schemeClr val="tx1"/>
               </a:solidFill>
               <a:effectLst/>
               <a:uLnTx/>
@@ -15642,21 +15699,26 @@
         </p:nvSpPr>
         <p:spPr/>
         <p:txBody>
-          <a:bodyPr>
-            <a:normAutofit/>
-          </a:bodyPr>
-          <a:lstStyle/>
-          <a:p>
-            <a:pPr algn="ctr"/>
+          <a:bodyPr/>
+          <a:lstStyle/>
+          <a:p>
             <a:r>
               <a:rPr lang="en-US" sz="3600" dirty="0">
                 <a:solidFill>
                   <a:schemeClr val="accent1"/>
                 </a:solidFill>
               </a:rPr>
-              <a:t>Lessons Learned / Relearned</a:t>
-            </a:r>
-            <a:endParaRPr lang="en-US" dirty="0"/>
+              <a:t>Audio Feedback </a:t>
+            </a:r>
+            <a:r>
+              <a:rPr lang="en-US" sz="2800" dirty="0">
+                <a:solidFill>
+                  <a:schemeClr val="accent1"/>
+                </a:solidFill>
+              </a:rPr>
+              <a:t>continued</a:t>
+            </a:r>
+            <a:endParaRPr lang="en-US" sz="2800" dirty="0"/>
           </a:p>
         </p:txBody>
       </p:sp>
@@ -15689,40 +15751,140 @@
           <a:lstStyle/>
           <a:p>
             <a:r>
-              <a:rPr lang="en-US" sz="3600" dirty="0">
-                <a:solidFill>
-                  <a:schemeClr val="tx1"/>
-                </a:solidFill>
-              </a:rPr>
-              <a:t>No substitute for feedback</a:t>
-            </a:r>
+              <a:rPr lang="en-US" sz="3200" dirty="0">
+                <a:solidFill>
+                  <a:schemeClr val="tx2"/>
+                </a:solidFill>
+              </a:rPr>
+              <a:t>Voice – uses pyttsx3 speech to text module</a:t>
+            </a:r>
+          </a:p>
+          <a:p>
+            <a:r>
+              <a:rPr lang="en-US" sz="3200" dirty="0">
+                <a:solidFill>
+                  <a:schemeClr val="tx2"/>
+                </a:solidFill>
+              </a:rPr>
+              <a:t>Tones – github:</a:t>
+            </a:r>
+            <a:r>
+              <a:rPr lang="en-US" sz="3200" b="0" i="0" u="sng" dirty="0">
+                <a:solidFill>
+                  <a:schemeClr val="tx2"/>
+                </a:solidFill>
+                <a:effectLst/>
+                <a:latin typeface="-apple-system"/>
+                <a:hlinkClick r:id="rId2">
+                  <a:extLst>
+                    <a:ext uri="{A12FA001-AC4F-418D-AE19-62706E023703}">
+                      <ahyp:hlinkClr xmlns:ahyp="http://schemas.microsoft.com/office/drawing/2018/hyperlinkcolor" val="tx"/>
+                    </a:ext>
+                  </a:extLst>
+                </a:hlinkClick>
+              </a:rPr>
+              <a:t> </a:t>
+            </a:r>
+            <a:r>
+              <a:rPr lang="en-US" sz="3200" b="0" i="0" u="sng" dirty="0">
+                <a:solidFill>
+                  <a:srgbClr val="0070C0"/>
+                </a:solidFill>
+                <a:effectLst/>
+                <a:latin typeface="-apple-system"/>
+                <a:hlinkClick r:id="rId2">
+                  <a:extLst>
+                    <a:ext uri="{A12FA001-AC4F-418D-AE19-62706E023703}">
+                      <ahyp:hlinkClr xmlns:ahyp="http://schemas.microsoft.com/office/drawing/2018/hyperlinkcolor" val="tx"/>
+                    </a:ext>
+                  </a:extLst>
+                </a:hlinkClick>
+              </a:rPr>
+              <a:t>daviddavini</a:t>
+            </a:r>
+            <a:r>
+              <a:rPr lang="en-US" sz="3200" b="0" i="0" dirty="0">
+                <a:solidFill>
+                  <a:srgbClr val="0070C0"/>
+                </a:solidFill>
+                <a:effectLst/>
+                <a:latin typeface="-apple-system"/>
+              </a:rPr>
+              <a:t>/</a:t>
+            </a:r>
+            <a:r>
+              <a:rPr lang="en-US" sz="3200" b="1" i="0" u="none" strike="noStrike" dirty="0">
+                <a:solidFill>
+                  <a:srgbClr val="0070C0"/>
+                </a:solidFill>
+                <a:effectLst/>
+                <a:latin typeface="-apple-system"/>
+                <a:hlinkClick r:id="rId3">
+                  <a:extLst>
+                    <a:ext uri="{A12FA001-AC4F-418D-AE19-62706E023703}">
+                      <ahyp:hlinkClr xmlns:ahyp="http://schemas.microsoft.com/office/drawing/2018/hyperlinkcolor" val="tx"/>
+                    </a:ext>
+                  </a:extLst>
+                </a:hlinkClick>
+              </a:rPr>
+              <a:t>pysinewave</a:t>
+            </a:r>
+            <a:endParaRPr lang="en-US" sz="3200" b="1" i="0" u="none" strike="noStrike" dirty="0">
+              <a:solidFill>
+                <a:srgbClr val="0070C0"/>
+              </a:solidFill>
+              <a:effectLst/>
+              <a:latin typeface="-apple-system"/>
+            </a:endParaRPr>
           </a:p>
           <a:p>
             <a:pPr lvl="1"/>
             <a:r>
-              <a:rPr lang="en-US" sz="3600" dirty="0">
-                <a:solidFill>
-                  <a:schemeClr val="tx1"/>
-                </a:solidFill>
-              </a:rPr>
-              <a:t>Users - recognize what they like</a:t>
+              <a:rPr lang="en-US" sz="3200" b="1" i="0" u="none" strike="noStrike" dirty="0">
+                <a:solidFill>
+                  <a:schemeClr val="tx2"/>
+                </a:solidFill>
+                <a:effectLst/>
+                <a:latin typeface="-apple-system"/>
+              </a:rPr>
+              <a:t> </a:t>
+            </a:r>
+            <a:r>
+              <a:rPr lang="en-US" sz="3200" i="0" u="none" strike="noStrike" dirty="0">
+                <a:solidFill>
+                  <a:schemeClr val="tx2"/>
+                </a:solidFill>
+                <a:effectLst/>
+                <a:latin typeface="-apple-system"/>
+              </a:rPr>
+              <a:t>pysinewave_master – PYPI: not new enough</a:t>
             </a:r>
           </a:p>
           <a:p>
             <a:pPr lvl="1"/>
             <a:r>
-              <a:rPr lang="en-US" sz="3600" dirty="0">
-                <a:solidFill>
-                  <a:schemeClr val="tx1"/>
-                </a:solidFill>
-              </a:rPr>
-              <a:t>Developers - knows what can be done</a:t>
-            </a:r>
-          </a:p>
-          <a:p>
-            <a:endParaRPr lang="en-US" sz="3600" dirty="0">
+              <a:rPr lang="en-US" sz="3200" dirty="0">
+                <a:solidFill>
+                  <a:schemeClr val="tx2"/>
+                </a:solidFill>
+                <a:latin typeface="-apple-system"/>
+              </a:rPr>
+              <a:t>async, stereo</a:t>
+            </a:r>
+          </a:p>
+          <a:p>
+            <a:r>
+              <a:rPr lang="en-US" sz="3400" dirty="0">
+                <a:solidFill>
+                  <a:schemeClr val="tx2"/>
+                </a:solidFill>
+                <a:latin typeface="-apple-system"/>
+              </a:rPr>
+              <a:t>Added simple drawing facility</a:t>
+            </a:r>
+            <a:endParaRPr lang="en-US" sz="3400" dirty="0">
               <a:solidFill>
-                <a:schemeClr val="tx1"/>
+                <a:schemeClr val="tx2"/>
               </a:solidFill>
             </a:endParaRPr>
           </a:p>
@@ -15749,75 +15911,11 @@
           <a:bodyPr/>
           <a:lstStyle/>
           <a:p>
-            <a:pPr marL="0" marR="0" lvl="0" indent="0" algn="r" defTabSz="914400" rtl="0" eaLnBrk="1" fontAlgn="auto" latinLnBrk="0" hangingPunct="1">
-              <a:lnSpc>
-                <a:spcPct val="100000"/>
-              </a:lnSpc>
-              <a:spcBef>
-                <a:spcPts val="0"/>
-              </a:spcBef>
-              <a:spcAft>
-                <a:spcPts val="0"/>
-              </a:spcAft>
-              <a:buClrTx/>
-              <a:buSzTx/>
-              <a:buFontTx/>
-              <a:buNone/>
-              <a:tabLst/>
-              <a:defRPr/>
-            </a:pPr>
             <a:fld id="{A7119916-CD40-456D-ABE3-55F8822671F7}" type="datetime1">
-              <a:rPr kumimoji="0" lang="en-US" sz="900" b="0" i="0" u="none" strike="noStrike" kern="1200" cap="none" spc="0" normalizeH="0" baseline="0" noProof="0" smtClean="0">
-                <a:ln>
-                  <a:noFill/>
-                </a:ln>
-                <a:solidFill>
-                  <a:prstClr val="black">
-                    <a:tint val="75000"/>
-                  </a:prstClr>
-                </a:solidFill>
-                <a:effectLst/>
-                <a:uLnTx/>
-                <a:uFillTx/>
-                <a:latin typeface="Trebuchet MS" panose="020B0603020202020204"/>
-                <a:ea typeface="+mn-ea"/>
-                <a:cs typeface="+mn-cs"/>
-              </a:rPr>
-              <a:pPr marL="0" marR="0" lvl="0" indent="0" algn="r" defTabSz="914400" rtl="0" eaLnBrk="1" fontAlgn="auto" latinLnBrk="0" hangingPunct="1">
-                <a:lnSpc>
-                  <a:spcPct val="100000"/>
-                </a:lnSpc>
-                <a:spcBef>
-                  <a:spcPts val="0"/>
-                </a:spcBef>
-                <a:spcAft>
-                  <a:spcPts val="0"/>
-                </a:spcAft>
-                <a:buClrTx/>
-                <a:buSzTx/>
-                <a:buFontTx/>
-                <a:buNone/>
-                <a:tabLst/>
-                <a:defRPr/>
-              </a:pPr>
-              <a:t>2/10/2023</a:t>
+              <a:rPr lang="en-US" smtClean="0"/>
+              <a:t>3/1/2023</a:t>
             </a:fld>
-            <a:endParaRPr kumimoji="0" lang="en-US" sz="900" b="0" i="0" u="none" strike="noStrike" kern="1200" cap="none" spc="0" normalizeH="0" baseline="0" noProof="0" dirty="0">
-              <a:ln>
-                <a:noFill/>
-              </a:ln>
-              <a:solidFill>
-                <a:prstClr val="black">
-                  <a:tint val="75000"/>
-                </a:prstClr>
-              </a:solidFill>
-              <a:effectLst/>
-              <a:uLnTx/>
-              <a:uFillTx/>
-              <a:latin typeface="Trebuchet MS" panose="020B0603020202020204"/>
-              <a:ea typeface="+mn-ea"/>
-              <a:cs typeface="+mn-cs"/>
-            </a:endParaRPr>
+            <a:endParaRPr lang="en-US" dirty="0"/>
           </a:p>
         </p:txBody>
       </p:sp>
@@ -15842,40 +15940,8 @@
           <a:bodyPr/>
           <a:lstStyle/>
           <a:p>
-            <a:pPr marL="0" marR="0" lvl="0" indent="0" algn="l" defTabSz="914400" rtl="0" eaLnBrk="1" fontAlgn="auto" latinLnBrk="0" hangingPunct="1">
-              <a:lnSpc>
-                <a:spcPct val="100000"/>
-              </a:lnSpc>
-              <a:spcBef>
-                <a:spcPts val="0"/>
-              </a:spcBef>
-              <a:spcAft>
-                <a:spcPts val="0"/>
-              </a:spcAft>
-              <a:buClrTx/>
-              <a:buSzTx/>
-              <a:buFontTx/>
-              <a:buNone/>
-              <a:tabLst/>
-              <a:defRPr/>
-            </a:pPr>
-            <a:r>
-              <a:rPr kumimoji="0" lang="en-US" sz="900" b="0" i="0" u="none" strike="noStrike" kern="1200" cap="none" spc="0" normalizeH="0" baseline="0" noProof="0" dirty="0">
-                <a:ln>
-                  <a:noFill/>
-                </a:ln>
-                <a:solidFill>
-                  <a:prstClr val="black">
-                    <a:tint val="75000"/>
-                  </a:prstClr>
-                </a:solidFill>
-                <a:effectLst/>
-                <a:uLnTx/>
-                <a:uFillTx/>
-                <a:latin typeface="Trebuchet MS" panose="020B0603020202020204"/>
-                <a:ea typeface="+mn-ea"/>
-                <a:cs typeface="+mn-cs"/>
-              </a:rPr>
+            <a:r>
+              <a:rPr lang="en-US" dirty="0"/>
               <a:t>raysmith@alum.mit.edu</a:t>
             </a:r>
           </a:p>
@@ -15902,70 +15968,18 @@
           <a:bodyPr/>
           <a:lstStyle/>
           <a:p>
-            <a:pPr marL="0" marR="0" lvl="0" indent="0" algn="r" defTabSz="914400" rtl="0" eaLnBrk="1" fontAlgn="auto" latinLnBrk="0" hangingPunct="1">
-              <a:lnSpc>
-                <a:spcPct val="100000"/>
-              </a:lnSpc>
-              <a:spcBef>
-                <a:spcPts val="0"/>
-              </a:spcBef>
-              <a:spcAft>
-                <a:spcPts val="0"/>
-              </a:spcAft>
-              <a:buClrTx/>
-              <a:buSzTx/>
-              <a:buFontTx/>
-              <a:buNone/>
-              <a:tabLst/>
-              <a:defRPr/>
-            </a:pPr>
             <a:fld id="{6D22F896-40B5-4ADD-8801-0D06FADFA095}" type="slidenum">
-              <a:rPr kumimoji="0" lang="en-US" sz="900" b="0" i="0" u="none" strike="noStrike" kern="1200" cap="none" spc="0" normalizeH="0" baseline="0" noProof="0" smtClean="0">
-                <a:ln>
-                  <a:noFill/>
-                </a:ln>
-                <a:solidFill>
-                  <a:srgbClr val="90C226"/>
-                </a:solidFill>
-                <a:effectLst/>
-                <a:uLnTx/>
-                <a:uFillTx/>
-                <a:latin typeface="Trebuchet MS" panose="020B0603020202020204"/>
-                <a:ea typeface="+mn-ea"/>
-                <a:cs typeface="+mn-cs"/>
-              </a:rPr>
-              <a:pPr marL="0" marR="0" lvl="0" indent="0" algn="r" defTabSz="914400" rtl="0" eaLnBrk="1" fontAlgn="auto" latinLnBrk="0" hangingPunct="1">
-                <a:lnSpc>
-                  <a:spcPct val="100000"/>
-                </a:lnSpc>
-                <a:spcBef>
-                  <a:spcPts val="0"/>
-                </a:spcBef>
-                <a:spcAft>
-                  <a:spcPts val="0"/>
-                </a:spcAft>
-                <a:buClrTx/>
-                <a:buSzTx/>
-                <a:buFontTx/>
-                <a:buNone/>
-                <a:tabLst/>
-                <a:defRPr/>
-              </a:pPr>
+              <a:rPr lang="en-US" smtClean="0">
+                <a:solidFill>
+                  <a:schemeClr val="tx1"/>
+                </a:solidFill>
+              </a:rPr>
               <a:t>20</a:t>
             </a:fld>
-            <a:endParaRPr kumimoji="0" lang="en-US" sz="900" b="0" i="0" u="none" strike="noStrike" kern="1200" cap="none" spc="0" normalizeH="0" baseline="0" noProof="0" dirty="0">
-              <a:ln>
-                <a:noFill/>
-              </a:ln>
+            <a:endParaRPr lang="en-US" dirty="0">
               <a:solidFill>
-                <a:srgbClr val="90C226"/>
+                <a:schemeClr val="tx1"/>
               </a:solidFill>
-              <a:effectLst/>
-              <a:uLnTx/>
-              <a:uFillTx/>
-              <a:latin typeface="Trebuchet MS" panose="020B0603020202020204"/>
-              <a:ea typeface="+mn-ea"/>
-              <a:cs typeface="+mn-cs"/>
             </a:endParaRPr>
           </a:p>
         </p:txBody>
@@ -15985,7 +15999,7 @@
           <p:nvPr/>
         </p:nvPicPr>
         <p:blipFill>
-          <a:blip r:embed="rId3">
+          <a:blip r:embed="rId4">
             <a:extLst>
               <a:ext uri="{28A0092B-C50C-407E-A947-70E740481C1C}">
                 <a14:useLocalDpi xmlns:a14="http://schemas.microsoft.com/office/drawing/2010/main" val="0"/>
@@ -16020,7 +16034,7 @@
     </p:spTree>
     <p:extLst>
       <p:ext uri="{BB962C8B-B14F-4D97-AF65-F5344CB8AC3E}">
-        <p14:creationId xmlns:p14="http://schemas.microsoft.com/office/powerpoint/2010/main" val="2429641061"/>
+        <p14:creationId xmlns:p14="http://schemas.microsoft.com/office/powerpoint/2010/main" val="4035209992"/>
       </p:ext>
     </p:extLst>
   </p:cSld>
@@ -16099,16 +16113,34 @@
         </p:nvSpPr>
         <p:spPr/>
         <p:txBody>
-          <a:bodyPr/>
-          <a:lstStyle/>
-          <a:p>
+          <a:bodyPr>
+            <a:normAutofit/>
+          </a:bodyPr>
+          <a:lstStyle/>
+          <a:p>
+            <a:pPr algn="ctr"/>
             <a:r>
               <a:rPr lang="en-US" sz="3600" dirty="0">
                 <a:solidFill>
                   <a:schemeClr val="accent1"/>
                 </a:solidFill>
               </a:rPr>
-              <a:t>Source Code</a:t>
+              <a:t>Previous strategy for display cells</a:t>
+            </a:r>
+            <a:br>
+              <a:rPr lang="en-US" sz="3600" dirty="0">
+                <a:solidFill>
+                  <a:schemeClr val="accent1"/>
+                </a:solidFill>
+              </a:rPr>
+            </a:br>
+            <a:r>
+              <a:rPr lang="en-US" sz="3600" dirty="0">
+                <a:solidFill>
+                  <a:schemeClr val="accent1"/>
+                </a:solidFill>
+              </a:rPr>
+              <a:t>worked</a:t>
             </a:r>
             <a:endParaRPr lang="en-US" dirty="0"/>
           </a:p>
@@ -16138,133 +16170,98 @@
         </p:spPr>
         <p:txBody>
           <a:bodyPr>
-            <a:noAutofit/>
+            <a:normAutofit/>
           </a:bodyPr>
           <a:lstStyle/>
           <a:p>
             <a:r>
               <a:rPr lang="en-US" sz="2800" dirty="0">
                 <a:solidFill>
+                  <a:srgbClr val="92D050"/>
+                </a:solidFill>
+              </a:rPr>
+              <a:t>By</a:t>
+            </a:r>
+          </a:p>
+          <a:p>
+            <a:pPr lvl="1"/>
+            <a:r>
+              <a:rPr lang="en-US" sz="2600" dirty="0">
+                <a:solidFill>
                   <a:schemeClr val="tx1"/>
                 </a:solidFill>
               </a:rPr>
-              <a:t>GitHub Project </a:t>
-            </a:r>
+              <a:t>Create sample points for ALL shapes created</a:t>
+            </a:r>
+          </a:p>
+          <a:p>
+            <a:pPr lvl="1"/>
+            <a:r>
+              <a:rPr lang="en-US" sz="2600" dirty="0">
+                <a:solidFill>
+                  <a:schemeClr val="tx1"/>
+                </a:solidFill>
+              </a:rPr>
+              <a:t>Getting display regions in which points found</a:t>
+            </a:r>
+          </a:p>
+          <a:p>
             <a:r>
               <a:rPr lang="en-US" sz="2800" dirty="0">
                 <a:solidFill>
-                  <a:srgbClr val="00B0F0"/>
-                </a:solidFill>
-              </a:rPr>
-              <a:t>github.com/raysmith619/resource_lib</a:t>
-            </a:r>
-          </a:p>
-          <a:p>
-            <a:pPr marL="457200" lvl="1" indent="0">
-              <a:buNone/>
-            </a:pPr>
-            <a:r>
-              <a:rPr lang="en-US" sz="3400" dirty="0">
-                <a:solidFill>
-                  <a:srgbClr val="00B0F0"/>
-                </a:solidFill>
-              </a:rPr>
-              <a:t>src/ </a:t>
-            </a:r>
-            <a:r>
-              <a:rPr lang="en-US" sz="3400" dirty="0">
-                <a:solidFill>
-                  <a:schemeClr val="tx1"/>
-                </a:solidFill>
-              </a:rPr>
-              <a:t>– source files (all Python)</a:t>
-            </a:r>
-          </a:p>
-          <a:p>
-            <a:pPr marL="457200" lvl="1" indent="0">
-              <a:buNone/>
-            </a:pPr>
-            <a:r>
-              <a:rPr lang="en-US" sz="3400" dirty="0">
-                <a:solidFill>
-                  <a:srgbClr val="00B0F0"/>
-                </a:solidFill>
-              </a:rPr>
-              <a:t>README.md </a:t>
-            </a:r>
-            <a:r>
-              <a:rPr lang="en-US" sz="3400" dirty="0">
-                <a:solidFill>
-                  <a:schemeClr val="tx1"/>
-                </a:solidFill>
-              </a:rPr>
-              <a:t>– Short description</a:t>
-            </a:r>
-          </a:p>
-          <a:p>
-            <a:r>
-              <a:rPr lang="en-US" sz="2400" dirty="0">
-                <a:solidFill>
-                  <a:schemeClr val="tx1"/>
-                </a:solidFill>
-              </a:rPr>
-              <a:t>Alternate direction, with discussion</a:t>
-            </a:r>
-          </a:p>
-          <a:p>
-            <a:pPr marL="0" indent="0">
-              <a:buNone/>
-            </a:pPr>
-            <a:r>
-              <a:rPr lang="en-US" sz="2400" b="0" i="0" u="sng" dirty="0">
-                <a:solidFill>
-                  <a:srgbClr val="00B0F0"/>
-                </a:solidFill>
-                <a:effectLst/>
-                <a:latin typeface="-apple-system"/>
-                <a:hlinkClick r:id="rId2">
-                  <a:extLst>
-                    <a:ext uri="{A12FA001-AC4F-418D-AE19-62706E023703}">
-                      <ahyp:hlinkClr xmlns:ahyp="http://schemas.microsoft.com/office/drawing/2018/hyperlinkcolor" val="tx"/>
-                    </a:ext>
-                  </a:extLst>
-                </a:hlinkClick>
-              </a:rPr>
-              <a:t>raysmith619</a:t>
-            </a:r>
-            <a:r>
-              <a:rPr lang="en-US" sz="2400" b="0" i="0" dirty="0">
-                <a:solidFill>
-                  <a:srgbClr val="00B0F0"/>
-                </a:solidFill>
-                <a:effectLst/>
-                <a:latin typeface="-apple-system"/>
-              </a:rPr>
-              <a:t>/</a:t>
-            </a:r>
-            <a:r>
-              <a:rPr lang="en-US" sz="2400" b="1" i="0" u="none" strike="noStrike" dirty="0">
-                <a:solidFill>
-                  <a:srgbClr val="00B0F0"/>
-                </a:solidFill>
-                <a:effectLst/>
-                <a:latin typeface="-apple-system"/>
-                <a:hlinkClick r:id="rId3">
-                  <a:extLst>
-                    <a:ext uri="{A12FA001-AC4F-418D-AE19-62706E023703}">
-                      <ahyp:hlinkClr xmlns:ahyp="http://schemas.microsoft.com/office/drawing/2018/hyperlinkcolor" val="tx"/>
-                    </a:ext>
-                  </a:extLst>
-                </a:hlinkClick>
-              </a:rPr>
-              <a:t>TurtleBraille</a:t>
-            </a:r>
-            <a:br>
-              <a:rPr lang="en-US" sz="3600" dirty="0"/>
-            </a:br>
-            <a:endParaRPr lang="en-US" sz="3600" dirty="0">
+                  <a:schemeClr val="accent1"/>
+                </a:solidFill>
+              </a:rPr>
+              <a:t>but we had to…</a:t>
+            </a:r>
+            <a:endParaRPr lang="en-US" sz="2800" dirty="0">
               <a:solidFill>
                 <a:schemeClr val="tx1"/>
+              </a:solidFill>
+            </a:endParaRPr>
+          </a:p>
+          <a:p>
+            <a:pPr lvl="1"/>
+            <a:r>
+              <a:rPr lang="en-US" sz="2600" dirty="0">
+                <a:solidFill>
+                  <a:schemeClr val="tx1"/>
+                </a:solidFill>
+              </a:rPr>
+              <a:t>"shadow functions" for ALL turtle commands used </a:t>
+            </a:r>
+          </a:p>
+          <a:p>
+            <a:pPr lvl="1"/>
+            <a:r>
+              <a:rPr lang="en-US" sz="2600" dirty="0">
+                <a:solidFill>
+                  <a:schemeClr val="tx1"/>
+                </a:solidFill>
+              </a:rPr>
+              <a:t>Lots of Turtle "reverse engineering" </a:t>
+            </a:r>
+          </a:p>
+          <a:p>
+            <a:pPr lvl="1"/>
+            <a:r>
+              <a:rPr lang="en-US" sz="2600" dirty="0">
+                <a:solidFill>
+                  <a:schemeClr val="tx1"/>
+                </a:solidFill>
+              </a:rPr>
+              <a:t>No support for tkinter programs</a:t>
+            </a:r>
+            <a:endParaRPr lang="en-US" sz="2400" dirty="0">
+              <a:solidFill>
+                <a:schemeClr val="accent1"/>
+              </a:solidFill>
+            </a:endParaRPr>
+          </a:p>
+          <a:p>
+            <a:endParaRPr lang="en-US" sz="2400" dirty="0">
+              <a:solidFill>
+                <a:schemeClr val="accent1"/>
               </a:solidFill>
             </a:endParaRPr>
           </a:p>
@@ -16293,7 +16290,7 @@
           <a:p>
             <a:fld id="{A7119916-CD40-456D-ABE3-55F8822671F7}" type="datetime1">
               <a:rPr lang="en-US" smtClean="0"/>
-              <a:t>2/10/2023</a:t>
+              <a:t>3/1/2023</a:t>
             </a:fld>
             <a:endParaRPr lang="en-US" dirty="0"/>
           </a:p>
@@ -16349,10 +16346,18 @@
           <a:lstStyle/>
           <a:p>
             <a:fld id="{6D22F896-40B5-4ADD-8801-0D06FADFA095}" type="slidenum">
-              <a:rPr lang="en-US" smtClean="0"/>
+              <a:rPr lang="en-US" smtClean="0">
+                <a:solidFill>
+                  <a:schemeClr val="tx1"/>
+                </a:solidFill>
+              </a:rPr>
               <a:t>21</a:t>
             </a:fld>
-            <a:endParaRPr lang="en-US" dirty="0"/>
+            <a:endParaRPr lang="en-US" dirty="0">
+              <a:solidFill>
+                <a:schemeClr val="tx1"/>
+              </a:solidFill>
+            </a:endParaRPr>
           </a:p>
         </p:txBody>
       </p:sp>
@@ -16371,7 +16376,7 @@
           <p:nvPr/>
         </p:nvPicPr>
         <p:blipFill>
-          <a:blip r:embed="rId4">
+          <a:blip r:embed="rId2">
             <a:extLst>
               <a:ext uri="{28A0092B-C50C-407E-A947-70E740481C1C}">
                 <a14:useLocalDpi xmlns:a14="http://schemas.microsoft.com/office/drawing/2010/main" val="0"/>
@@ -16406,7 +16411,7 @@
     </p:spTree>
     <p:extLst>
       <p:ext uri="{BB962C8B-B14F-4D97-AF65-F5344CB8AC3E}">
-        <p14:creationId xmlns:p14="http://schemas.microsoft.com/office/powerpoint/2010/main" val="4289353309"/>
+        <p14:creationId xmlns:p14="http://schemas.microsoft.com/office/powerpoint/2010/main" val="496217816"/>
       </p:ext>
     </p:extLst>
   </p:cSld>
@@ -16472,7 +16477,7 @@
           <p:cNvPr id="2" name="Title 1">
             <a:extLst>
               <a:ext uri="{FF2B5EF4-FFF2-40B4-BE49-F238E27FC236}">
-                <a16:creationId xmlns:a16="http://schemas.microsoft.com/office/drawing/2014/main" id="{F7E90694-AA7F-451B-A875-1D23D1FDBA32}"/>
+                <a16:creationId xmlns:a16="http://schemas.microsoft.com/office/drawing/2014/main" id="{4C738398-DAA7-2BCE-76F4-AF36E34176F5}"/>
               </a:ext>
             </a:extLst>
           </p:cNvPr>
@@ -16483,12 +16488,7 @@
             <p:ph type="title"/>
           </p:nvPr>
         </p:nvSpPr>
-        <p:spPr>
-          <a:xfrm>
-            <a:off x="955892" y="2723014"/>
-            <a:ext cx="8596668" cy="2289739"/>
-          </a:xfrm>
-        </p:spPr>
+        <p:spPr/>
         <p:txBody>
           <a:bodyPr>
             <a:normAutofit/>
@@ -16497,13 +16497,95 @@
           <a:p>
             <a:pPr algn="ctr"/>
             <a:r>
-              <a:rPr lang="en-US" sz="6600" dirty="0">
+              <a:rPr lang="en-US" sz="3600" dirty="0">
+                <a:solidFill>
+                  <a:schemeClr val="accent1"/>
+                </a:solidFill>
+              </a:rPr>
+              <a:t>Future Possibilities</a:t>
+            </a:r>
+            <a:endParaRPr lang="en-US" dirty="0"/>
+          </a:p>
+        </p:txBody>
+      </p:sp>
+      <p:sp>
+        <p:nvSpPr>
+          <p:cNvPr id="3" name="Content Placeholder 2">
+            <a:extLst>
+              <a:ext uri="{FF2B5EF4-FFF2-40B4-BE49-F238E27FC236}">
+                <a16:creationId xmlns:a16="http://schemas.microsoft.com/office/drawing/2014/main" id="{0C360948-50A1-2DC8-8408-53BDDAF2B33C}"/>
+              </a:ext>
+            </a:extLst>
+          </p:cNvPr>
+          <p:cNvSpPr>
+            <a:spLocks noGrp="1"/>
+          </p:cNvSpPr>
+          <p:nvPr>
+            <p:ph idx="1"/>
+          </p:nvPr>
+        </p:nvSpPr>
+        <p:spPr>
+          <a:xfrm>
+            <a:off x="550113" y="2051051"/>
+            <a:ext cx="8596668" cy="3880773"/>
+          </a:xfrm>
+        </p:spPr>
+        <p:txBody>
+          <a:bodyPr>
+            <a:normAutofit/>
+          </a:bodyPr>
+          <a:lstStyle/>
+          <a:p>
+            <a:r>
+              <a:rPr lang="en-US" sz="2800" dirty="0">
                 <a:solidFill>
                   <a:schemeClr val="tx1"/>
                 </a:solidFill>
               </a:rPr>
-              <a:t>Question and Answer</a:t>
-            </a:r>
+              <a:t>Navigational Improvements</a:t>
+            </a:r>
+          </a:p>
+          <a:p>
+            <a:pPr lvl="1"/>
+            <a:r>
+              <a:rPr lang="en-US" sz="2800" dirty="0">
+                <a:solidFill>
+                  <a:schemeClr val="tx1"/>
+                </a:solidFill>
+              </a:rPr>
+              <a:t>Stereo audio feedback, distance, direction, feedback</a:t>
+            </a:r>
+          </a:p>
+          <a:p>
+            <a:r>
+              <a:rPr lang="en-US" sz="2800" dirty="0">
+                <a:solidFill>
+                  <a:schemeClr val="tx1"/>
+                </a:solidFill>
+              </a:rPr>
+              <a:t>Presentation Improvements</a:t>
+            </a:r>
+          </a:p>
+          <a:p>
+            <a:pPr lvl="1"/>
+            <a:r>
+              <a:rPr lang="en-US" sz="2800" dirty="0">
+                <a:solidFill>
+                  <a:schemeClr val="tx1"/>
+                </a:solidFill>
+              </a:rPr>
+              <a:t>Real-time scaling region magnification / selection</a:t>
+            </a:r>
+          </a:p>
+          <a:p>
+            <a:pPr marL="0" indent="0">
+              <a:buNone/>
+            </a:pPr>
+            <a:endParaRPr lang="en-US" sz="2400" dirty="0">
+              <a:solidFill>
+                <a:schemeClr val="tx1"/>
+              </a:solidFill>
+            </a:endParaRPr>
           </a:p>
         </p:txBody>
       </p:sp>
@@ -16512,7 +16594,7 @@
           <p:cNvPr id="4" name="Date Placeholder 3">
             <a:extLst>
               <a:ext uri="{FF2B5EF4-FFF2-40B4-BE49-F238E27FC236}">
-                <a16:creationId xmlns:a16="http://schemas.microsoft.com/office/drawing/2014/main" id="{B623EE2F-E3E9-437B-AFAE-1E0C5C94A5F8}"/>
+                <a16:creationId xmlns:a16="http://schemas.microsoft.com/office/drawing/2014/main" id="{5EDCC79F-3336-222D-207D-DDBE9A586431}"/>
               </a:ext>
             </a:extLst>
           </p:cNvPr>
@@ -16579,7 +16661,7 @@
                 <a:tabLst/>
                 <a:defRPr/>
               </a:pPr>
-              <a:t>2/10/2023</a:t>
+              <a:t>3/1/2023</a:t>
             </a:fld>
             <a:endParaRPr kumimoji="0" lang="en-US" sz="900" b="0" i="0" u="none" strike="noStrike" kern="1200" cap="none" spc="0" normalizeH="0" baseline="0" noProof="0" dirty="0">
               <a:ln>
@@ -16605,7 +16687,7 @@
           <p:cNvPr id="5" name="Footer Placeholder 4">
             <a:extLst>
               <a:ext uri="{FF2B5EF4-FFF2-40B4-BE49-F238E27FC236}">
-                <a16:creationId xmlns:a16="http://schemas.microsoft.com/office/drawing/2014/main" id="{4E4D04EE-5AD0-4A57-A42E-AE62E411ACEA}"/>
+                <a16:creationId xmlns:a16="http://schemas.microsoft.com/office/drawing/2014/main" id="{009CCD2F-A4CE-60DA-E7BA-37B3D06C1ADD}"/>
               </a:ext>
             </a:extLst>
           </p:cNvPr>
@@ -16665,7 +16747,7 @@
           <p:cNvPr id="6" name="Slide Number Placeholder 5">
             <a:extLst>
               <a:ext uri="{FF2B5EF4-FFF2-40B4-BE49-F238E27FC236}">
-                <a16:creationId xmlns:a16="http://schemas.microsoft.com/office/drawing/2014/main" id="{9711C448-36A8-43E6-A891-6E42F22D1185}"/>
+                <a16:creationId xmlns:a16="http://schemas.microsoft.com/office/drawing/2014/main" id="{54E7395C-C96B-C82A-58E2-49E4B31B73C9}"/>
               </a:ext>
             </a:extLst>
           </p:cNvPr>
@@ -16704,7 +16786,7 @@
                   <a:noFill/>
                 </a:ln>
                 <a:solidFill>
-                  <a:srgbClr val="90C226"/>
+                  <a:schemeClr val="tx1"/>
                 </a:solidFill>
                 <a:effectLst/>
                 <a:uLnTx/>
@@ -16737,7 +16819,1197 @@
                 <a:noFill/>
               </a:ln>
               <a:solidFill>
-                <a:srgbClr val="90C226"/>
+                <a:schemeClr val="tx1"/>
+              </a:solidFill>
+              <a:effectLst/>
+              <a:uLnTx/>
+              <a:uFillTx/>
+              <a:latin typeface="Trebuchet MS" panose="020B0603020202020204"/>
+              <a:ea typeface="+mn-ea"/>
+              <a:cs typeface="+mn-cs"/>
+            </a:endParaRPr>
+          </a:p>
+        </p:txBody>
+      </p:sp>
+      <p:pic>
+        <p:nvPicPr>
+          <p:cNvPr id="1025" name="Picture 1" descr="2">
+            <a:extLst>
+              <a:ext uri="{FF2B5EF4-FFF2-40B4-BE49-F238E27FC236}">
+                <a16:creationId xmlns:a16="http://schemas.microsoft.com/office/drawing/2014/main" id="{E655AFAE-90EF-81F0-845D-A0C543B6A4BD}"/>
+              </a:ext>
+            </a:extLst>
+          </p:cNvPr>
+          <p:cNvPicPr>
+            <a:picLocks noChangeAspect="1" noChangeArrowheads="1"/>
+          </p:cNvPicPr>
+          <p:nvPr/>
+        </p:nvPicPr>
+        <p:blipFill>
+          <a:blip r:embed="rId2">
+            <a:extLst>
+              <a:ext uri="{28A0092B-C50C-407E-A947-70E740481C1C}">
+                <a14:useLocalDpi xmlns:a14="http://schemas.microsoft.com/office/drawing/2010/main" val="0"/>
+              </a:ext>
+            </a:extLst>
+          </a:blip>
+          <a:srcRect/>
+          <a:stretch>
+            <a:fillRect/>
+          </a:stretch>
+        </p:blipFill>
+        <p:spPr bwMode="auto">
+          <a:xfrm>
+            <a:off x="0" y="0"/>
+            <a:ext cx="133350" cy="219075"/>
+          </a:xfrm>
+          <a:prstGeom prst="rect">
+            <a:avLst/>
+          </a:prstGeom>
+          <a:noFill/>
+          <a:extLst>
+            <a:ext uri="{909E8E84-426E-40DD-AFC4-6F175D3DCCD1}">
+              <a14:hiddenFill xmlns:a14="http://schemas.microsoft.com/office/drawing/2010/main">
+                <a:solidFill>
+                  <a:srgbClr val="FFFFFF"/>
+                </a:solidFill>
+              </a14:hiddenFill>
+            </a:ext>
+          </a:extLst>
+        </p:spPr>
+      </p:pic>
+    </p:spTree>
+    <p:extLst>
+      <p:ext uri="{BB962C8B-B14F-4D97-AF65-F5344CB8AC3E}">
+        <p14:creationId xmlns:p14="http://schemas.microsoft.com/office/powerpoint/2010/main" val="587817200"/>
+      </p:ext>
+    </p:extLst>
+  </p:cSld>
+  <p:clrMapOvr>
+    <a:masterClrMapping/>
+  </p:clrMapOvr>
+</p:sld>
+</file>
+
+<file path=ppt/slides/slide23.xml><?xml version="1.0" encoding="utf-8"?>
+<p:sld xmlns:a="http://schemas.openxmlformats.org/drawingml/2006/main" xmlns:r="http://schemas.openxmlformats.org/officeDocument/2006/relationships" xmlns:p="http://schemas.openxmlformats.org/presentationml/2006/main">
+  <p:cSld>
+    <p:bg>
+      <p:bgPr>
+        <a:gradFill>
+          <a:gsLst>
+            <a:gs pos="0">
+              <a:schemeClr val="accent4">
+                <a:lumMod val="20000"/>
+                <a:lumOff val="80000"/>
+              </a:schemeClr>
+            </a:gs>
+            <a:gs pos="74000">
+              <a:schemeClr val="accent4">
+                <a:lumMod val="45000"/>
+                <a:lumOff val="55000"/>
+              </a:schemeClr>
+            </a:gs>
+            <a:gs pos="83000">
+              <a:schemeClr val="accent4">
+                <a:lumMod val="45000"/>
+                <a:lumOff val="55000"/>
+              </a:schemeClr>
+            </a:gs>
+            <a:gs pos="100000">
+              <a:schemeClr val="accent4">
+                <a:lumMod val="30000"/>
+                <a:lumOff val="70000"/>
+              </a:schemeClr>
+            </a:gs>
+          </a:gsLst>
+          <a:lin ang="5400000" scaled="1"/>
+        </a:gradFill>
+        <a:effectLst/>
+      </p:bgPr>
+    </p:bg>
+    <p:spTree>
+      <p:nvGrpSpPr>
+        <p:cNvPr id="1" name=""/>
+        <p:cNvGrpSpPr/>
+        <p:nvPr/>
+      </p:nvGrpSpPr>
+      <p:grpSpPr>
+        <a:xfrm>
+          <a:off x="0" y="0"/>
+          <a:ext cx="0" cy="0"/>
+          <a:chOff x="0" y="0"/>
+          <a:chExt cx="0" cy="0"/>
+        </a:xfrm>
+      </p:grpSpPr>
+      <p:sp>
+        <p:nvSpPr>
+          <p:cNvPr id="2" name="Title 1">
+            <a:extLst>
+              <a:ext uri="{FF2B5EF4-FFF2-40B4-BE49-F238E27FC236}">
+                <a16:creationId xmlns:a16="http://schemas.microsoft.com/office/drawing/2014/main" id="{4C738398-DAA7-2BCE-76F4-AF36E34176F5}"/>
+              </a:ext>
+            </a:extLst>
+          </p:cNvPr>
+          <p:cNvSpPr>
+            <a:spLocks noGrp="1"/>
+          </p:cNvSpPr>
+          <p:nvPr>
+            <p:ph type="title"/>
+          </p:nvPr>
+        </p:nvSpPr>
+        <p:spPr/>
+        <p:txBody>
+          <a:bodyPr>
+            <a:normAutofit/>
+          </a:bodyPr>
+          <a:lstStyle/>
+          <a:p>
+            <a:pPr algn="ctr"/>
+            <a:r>
+              <a:rPr lang="en-US" sz="3600" dirty="0">
+                <a:solidFill>
+                  <a:schemeClr val="accent1"/>
+                </a:solidFill>
+              </a:rPr>
+              <a:t>Lessons Learned / Relearned</a:t>
+            </a:r>
+            <a:endParaRPr lang="en-US" dirty="0"/>
+          </a:p>
+        </p:txBody>
+      </p:sp>
+      <p:sp>
+        <p:nvSpPr>
+          <p:cNvPr id="3" name="Content Placeholder 2">
+            <a:extLst>
+              <a:ext uri="{FF2B5EF4-FFF2-40B4-BE49-F238E27FC236}">
+                <a16:creationId xmlns:a16="http://schemas.microsoft.com/office/drawing/2014/main" id="{0C360948-50A1-2DC8-8408-53BDDAF2B33C}"/>
+              </a:ext>
+            </a:extLst>
+          </p:cNvPr>
+          <p:cNvSpPr>
+            <a:spLocks noGrp="1"/>
+          </p:cNvSpPr>
+          <p:nvPr>
+            <p:ph idx="1"/>
+          </p:nvPr>
+        </p:nvSpPr>
+        <p:spPr>
+          <a:xfrm>
+            <a:off x="550113" y="2051051"/>
+            <a:ext cx="8596668" cy="3880773"/>
+          </a:xfrm>
+        </p:spPr>
+        <p:txBody>
+          <a:bodyPr>
+            <a:normAutofit/>
+          </a:bodyPr>
+          <a:lstStyle/>
+          <a:p>
+            <a:r>
+              <a:rPr lang="en-US" sz="3600" dirty="0">
+                <a:solidFill>
+                  <a:schemeClr val="tx1"/>
+                </a:solidFill>
+              </a:rPr>
+              <a:t>No substitute for feedback</a:t>
+            </a:r>
+          </a:p>
+          <a:p>
+            <a:pPr lvl="1"/>
+            <a:r>
+              <a:rPr lang="en-US" sz="3600" dirty="0">
+                <a:solidFill>
+                  <a:schemeClr val="tx1"/>
+                </a:solidFill>
+              </a:rPr>
+              <a:t>Users - recognize what they like</a:t>
+            </a:r>
+          </a:p>
+          <a:p>
+            <a:pPr lvl="1"/>
+            <a:r>
+              <a:rPr lang="en-US" sz="3600" dirty="0">
+                <a:solidFill>
+                  <a:schemeClr val="tx1"/>
+                </a:solidFill>
+              </a:rPr>
+              <a:t>Developers - knows what can be done</a:t>
+            </a:r>
+          </a:p>
+          <a:p>
+            <a:endParaRPr lang="en-US" sz="3600" dirty="0">
+              <a:solidFill>
+                <a:schemeClr val="tx1"/>
+              </a:solidFill>
+            </a:endParaRPr>
+          </a:p>
+        </p:txBody>
+      </p:sp>
+      <p:sp>
+        <p:nvSpPr>
+          <p:cNvPr id="4" name="Date Placeholder 3">
+            <a:extLst>
+              <a:ext uri="{FF2B5EF4-FFF2-40B4-BE49-F238E27FC236}">
+                <a16:creationId xmlns:a16="http://schemas.microsoft.com/office/drawing/2014/main" id="{5EDCC79F-3336-222D-207D-DDBE9A586431}"/>
+              </a:ext>
+            </a:extLst>
+          </p:cNvPr>
+          <p:cNvSpPr>
+            <a:spLocks noGrp="1"/>
+          </p:cNvSpPr>
+          <p:nvPr>
+            <p:ph type="dt" sz="half" idx="10"/>
+          </p:nvPr>
+        </p:nvSpPr>
+        <p:spPr/>
+        <p:txBody>
+          <a:bodyPr/>
+          <a:lstStyle/>
+          <a:p>
+            <a:pPr marL="0" marR="0" lvl="0" indent="0" algn="r" defTabSz="914400" rtl="0" eaLnBrk="1" fontAlgn="auto" latinLnBrk="0" hangingPunct="1">
+              <a:lnSpc>
+                <a:spcPct val="100000"/>
+              </a:lnSpc>
+              <a:spcBef>
+                <a:spcPts val="0"/>
+              </a:spcBef>
+              <a:spcAft>
+                <a:spcPts val="0"/>
+              </a:spcAft>
+              <a:buClrTx/>
+              <a:buSzTx/>
+              <a:buFontTx/>
+              <a:buNone/>
+              <a:tabLst/>
+              <a:defRPr/>
+            </a:pPr>
+            <a:fld id="{A7119916-CD40-456D-ABE3-55F8822671F7}" type="datetime1">
+              <a:rPr kumimoji="0" lang="en-US" sz="900" b="0" i="0" u="none" strike="noStrike" kern="1200" cap="none" spc="0" normalizeH="0" baseline="0" noProof="0" smtClean="0">
+                <a:ln>
+                  <a:noFill/>
+                </a:ln>
+                <a:solidFill>
+                  <a:prstClr val="black">
+                    <a:tint val="75000"/>
+                  </a:prstClr>
+                </a:solidFill>
+                <a:effectLst/>
+                <a:uLnTx/>
+                <a:uFillTx/>
+                <a:latin typeface="Trebuchet MS" panose="020B0603020202020204"/>
+                <a:ea typeface="+mn-ea"/>
+                <a:cs typeface="+mn-cs"/>
+              </a:rPr>
+              <a:pPr marL="0" marR="0" lvl="0" indent="0" algn="r" defTabSz="914400" rtl="0" eaLnBrk="1" fontAlgn="auto" latinLnBrk="0" hangingPunct="1">
+                <a:lnSpc>
+                  <a:spcPct val="100000"/>
+                </a:lnSpc>
+                <a:spcBef>
+                  <a:spcPts val="0"/>
+                </a:spcBef>
+                <a:spcAft>
+                  <a:spcPts val="0"/>
+                </a:spcAft>
+                <a:buClrTx/>
+                <a:buSzTx/>
+                <a:buFontTx/>
+                <a:buNone/>
+                <a:tabLst/>
+                <a:defRPr/>
+              </a:pPr>
+              <a:t>3/1/2023</a:t>
+            </a:fld>
+            <a:endParaRPr kumimoji="0" lang="en-US" sz="900" b="0" i="0" u="none" strike="noStrike" kern="1200" cap="none" spc="0" normalizeH="0" baseline="0" noProof="0" dirty="0">
+              <a:ln>
+                <a:noFill/>
+              </a:ln>
+              <a:solidFill>
+                <a:prstClr val="black">
+                  <a:tint val="75000"/>
+                </a:prstClr>
+              </a:solidFill>
+              <a:effectLst/>
+              <a:uLnTx/>
+              <a:uFillTx/>
+              <a:latin typeface="Trebuchet MS" panose="020B0603020202020204"/>
+              <a:ea typeface="+mn-ea"/>
+              <a:cs typeface="+mn-cs"/>
+            </a:endParaRPr>
+          </a:p>
+        </p:txBody>
+      </p:sp>
+      <p:sp>
+        <p:nvSpPr>
+          <p:cNvPr id="5" name="Footer Placeholder 4">
+            <a:extLst>
+              <a:ext uri="{FF2B5EF4-FFF2-40B4-BE49-F238E27FC236}">
+                <a16:creationId xmlns:a16="http://schemas.microsoft.com/office/drawing/2014/main" id="{009CCD2F-A4CE-60DA-E7BA-37B3D06C1ADD}"/>
+              </a:ext>
+            </a:extLst>
+          </p:cNvPr>
+          <p:cNvSpPr>
+            <a:spLocks noGrp="1"/>
+          </p:cNvSpPr>
+          <p:nvPr>
+            <p:ph type="ftr" sz="quarter" idx="11"/>
+          </p:nvPr>
+        </p:nvSpPr>
+        <p:spPr/>
+        <p:txBody>
+          <a:bodyPr/>
+          <a:lstStyle/>
+          <a:p>
+            <a:pPr marL="0" marR="0" lvl="0" indent="0" algn="l" defTabSz="914400" rtl="0" eaLnBrk="1" fontAlgn="auto" latinLnBrk="0" hangingPunct="1">
+              <a:lnSpc>
+                <a:spcPct val="100000"/>
+              </a:lnSpc>
+              <a:spcBef>
+                <a:spcPts val="0"/>
+              </a:spcBef>
+              <a:spcAft>
+                <a:spcPts val="0"/>
+              </a:spcAft>
+              <a:buClrTx/>
+              <a:buSzTx/>
+              <a:buFontTx/>
+              <a:buNone/>
+              <a:tabLst/>
+              <a:defRPr/>
+            </a:pPr>
+            <a:r>
+              <a:rPr kumimoji="0" lang="en-US" sz="900" b="0" i="0" u="none" strike="noStrike" kern="1200" cap="none" spc="0" normalizeH="0" baseline="0" noProof="0" dirty="0">
+                <a:ln>
+                  <a:noFill/>
+                </a:ln>
+                <a:solidFill>
+                  <a:prstClr val="black">
+                    <a:tint val="75000"/>
+                  </a:prstClr>
+                </a:solidFill>
+                <a:effectLst/>
+                <a:uLnTx/>
+                <a:uFillTx/>
+                <a:latin typeface="Trebuchet MS" panose="020B0603020202020204"/>
+                <a:ea typeface="+mn-ea"/>
+                <a:cs typeface="+mn-cs"/>
+              </a:rPr>
+              <a:t>raysmith@alum.mit.edu</a:t>
+            </a:r>
+          </a:p>
+        </p:txBody>
+      </p:sp>
+      <p:sp>
+        <p:nvSpPr>
+          <p:cNvPr id="6" name="Slide Number Placeholder 5">
+            <a:extLst>
+              <a:ext uri="{FF2B5EF4-FFF2-40B4-BE49-F238E27FC236}">
+                <a16:creationId xmlns:a16="http://schemas.microsoft.com/office/drawing/2014/main" id="{54E7395C-C96B-C82A-58E2-49E4B31B73C9}"/>
+              </a:ext>
+            </a:extLst>
+          </p:cNvPr>
+          <p:cNvSpPr>
+            <a:spLocks noGrp="1"/>
+          </p:cNvSpPr>
+          <p:nvPr>
+            <p:ph type="sldNum" sz="quarter" idx="12"/>
+          </p:nvPr>
+        </p:nvSpPr>
+        <p:spPr/>
+        <p:txBody>
+          <a:bodyPr/>
+          <a:lstStyle/>
+          <a:p>
+            <a:pPr marL="0" marR="0" lvl="0" indent="0" algn="r" defTabSz="914400" rtl="0" eaLnBrk="1" fontAlgn="auto" latinLnBrk="0" hangingPunct="1">
+              <a:lnSpc>
+                <a:spcPct val="100000"/>
+              </a:lnSpc>
+              <a:spcBef>
+                <a:spcPts val="0"/>
+              </a:spcBef>
+              <a:spcAft>
+                <a:spcPts val="0"/>
+              </a:spcAft>
+              <a:buClrTx/>
+              <a:buSzTx/>
+              <a:buFontTx/>
+              <a:buNone/>
+              <a:tabLst/>
+              <a:defRPr/>
+            </a:pPr>
+            <a:fld id="{6D22F896-40B5-4ADD-8801-0D06FADFA095}" type="slidenum">
+              <a:rPr kumimoji="0" lang="en-US" sz="900" b="0" i="0" u="none" strike="noStrike" kern="1200" cap="none" spc="0" normalizeH="0" baseline="0" noProof="0" smtClean="0">
+                <a:ln>
+                  <a:noFill/>
+                </a:ln>
+                <a:solidFill>
+                  <a:schemeClr val="tx1"/>
+                </a:solidFill>
+                <a:effectLst/>
+                <a:uLnTx/>
+                <a:uFillTx/>
+                <a:latin typeface="Trebuchet MS" panose="020B0603020202020204"/>
+                <a:ea typeface="+mn-ea"/>
+                <a:cs typeface="+mn-cs"/>
+              </a:rPr>
+              <a:pPr marL="0" marR="0" lvl="0" indent="0" algn="r" defTabSz="914400" rtl="0" eaLnBrk="1" fontAlgn="auto" latinLnBrk="0" hangingPunct="1">
+                <a:lnSpc>
+                  <a:spcPct val="100000"/>
+                </a:lnSpc>
+                <a:spcBef>
+                  <a:spcPts val="0"/>
+                </a:spcBef>
+                <a:spcAft>
+                  <a:spcPts val="0"/>
+                </a:spcAft>
+                <a:buClrTx/>
+                <a:buSzTx/>
+                <a:buFontTx/>
+                <a:buNone/>
+                <a:tabLst/>
+                <a:defRPr/>
+              </a:pPr>
+              <a:t>23</a:t>
+            </a:fld>
+            <a:endParaRPr kumimoji="0" lang="en-US" sz="900" b="0" i="0" u="none" strike="noStrike" kern="1200" cap="none" spc="0" normalizeH="0" baseline="0" noProof="0" dirty="0">
+              <a:ln>
+                <a:noFill/>
+              </a:ln>
+              <a:solidFill>
+                <a:schemeClr val="tx1"/>
+              </a:solidFill>
+              <a:effectLst/>
+              <a:uLnTx/>
+              <a:uFillTx/>
+              <a:latin typeface="Trebuchet MS" panose="020B0603020202020204"/>
+              <a:ea typeface="+mn-ea"/>
+              <a:cs typeface="+mn-cs"/>
+            </a:endParaRPr>
+          </a:p>
+        </p:txBody>
+      </p:sp>
+      <p:pic>
+        <p:nvPicPr>
+          <p:cNvPr id="1025" name="Picture 1" descr="2">
+            <a:extLst>
+              <a:ext uri="{FF2B5EF4-FFF2-40B4-BE49-F238E27FC236}">
+                <a16:creationId xmlns:a16="http://schemas.microsoft.com/office/drawing/2014/main" id="{E655AFAE-90EF-81F0-845D-A0C543B6A4BD}"/>
+              </a:ext>
+            </a:extLst>
+          </p:cNvPr>
+          <p:cNvPicPr>
+            <a:picLocks noChangeAspect="1" noChangeArrowheads="1"/>
+          </p:cNvPicPr>
+          <p:nvPr/>
+        </p:nvPicPr>
+        <p:blipFill>
+          <a:blip r:embed="rId3">
+            <a:extLst>
+              <a:ext uri="{28A0092B-C50C-407E-A947-70E740481C1C}">
+                <a14:useLocalDpi xmlns:a14="http://schemas.microsoft.com/office/drawing/2010/main" val="0"/>
+              </a:ext>
+            </a:extLst>
+          </a:blip>
+          <a:srcRect/>
+          <a:stretch>
+            <a:fillRect/>
+          </a:stretch>
+        </p:blipFill>
+        <p:spPr bwMode="auto">
+          <a:xfrm>
+            <a:off x="0" y="0"/>
+            <a:ext cx="133350" cy="219075"/>
+          </a:xfrm>
+          <a:prstGeom prst="rect">
+            <a:avLst/>
+          </a:prstGeom>
+          <a:noFill/>
+          <a:extLst>
+            <a:ext uri="{909E8E84-426E-40DD-AFC4-6F175D3DCCD1}">
+              <a14:hiddenFill xmlns:a14="http://schemas.microsoft.com/office/drawing/2010/main">
+                <a:solidFill>
+                  <a:srgbClr val="FFFFFF"/>
+                </a:solidFill>
+              </a14:hiddenFill>
+            </a:ext>
+          </a:extLst>
+        </p:spPr>
+      </p:pic>
+    </p:spTree>
+    <p:extLst>
+      <p:ext uri="{BB962C8B-B14F-4D97-AF65-F5344CB8AC3E}">
+        <p14:creationId xmlns:p14="http://schemas.microsoft.com/office/powerpoint/2010/main" val="2429641061"/>
+      </p:ext>
+    </p:extLst>
+  </p:cSld>
+  <p:clrMapOvr>
+    <a:masterClrMapping/>
+  </p:clrMapOvr>
+</p:sld>
+</file>
+
+<file path=ppt/slides/slide24.xml><?xml version="1.0" encoding="utf-8"?>
+<p:sld xmlns:a="http://schemas.openxmlformats.org/drawingml/2006/main" xmlns:r="http://schemas.openxmlformats.org/officeDocument/2006/relationships" xmlns:p="http://schemas.openxmlformats.org/presentationml/2006/main">
+  <p:cSld>
+    <p:bg>
+      <p:bgPr>
+        <a:gradFill>
+          <a:gsLst>
+            <a:gs pos="0">
+              <a:schemeClr val="accent4">
+                <a:lumMod val="20000"/>
+                <a:lumOff val="80000"/>
+              </a:schemeClr>
+            </a:gs>
+            <a:gs pos="74000">
+              <a:schemeClr val="accent4">
+                <a:lumMod val="45000"/>
+                <a:lumOff val="55000"/>
+              </a:schemeClr>
+            </a:gs>
+            <a:gs pos="83000">
+              <a:schemeClr val="accent4">
+                <a:lumMod val="45000"/>
+                <a:lumOff val="55000"/>
+              </a:schemeClr>
+            </a:gs>
+            <a:gs pos="100000">
+              <a:schemeClr val="accent4">
+                <a:lumMod val="30000"/>
+                <a:lumOff val="70000"/>
+              </a:schemeClr>
+            </a:gs>
+          </a:gsLst>
+          <a:lin ang="5400000" scaled="1"/>
+        </a:gradFill>
+        <a:effectLst/>
+      </p:bgPr>
+    </p:bg>
+    <p:spTree>
+      <p:nvGrpSpPr>
+        <p:cNvPr id="1" name=""/>
+        <p:cNvGrpSpPr/>
+        <p:nvPr/>
+      </p:nvGrpSpPr>
+      <p:grpSpPr>
+        <a:xfrm>
+          <a:off x="0" y="0"/>
+          <a:ext cx="0" cy="0"/>
+          <a:chOff x="0" y="0"/>
+          <a:chExt cx="0" cy="0"/>
+        </a:xfrm>
+      </p:grpSpPr>
+      <p:sp>
+        <p:nvSpPr>
+          <p:cNvPr id="2" name="Title 1">
+            <a:extLst>
+              <a:ext uri="{FF2B5EF4-FFF2-40B4-BE49-F238E27FC236}">
+                <a16:creationId xmlns:a16="http://schemas.microsoft.com/office/drawing/2014/main" id="{4C738398-DAA7-2BCE-76F4-AF36E34176F5}"/>
+              </a:ext>
+            </a:extLst>
+          </p:cNvPr>
+          <p:cNvSpPr>
+            <a:spLocks noGrp="1"/>
+          </p:cNvSpPr>
+          <p:nvPr>
+            <p:ph type="title"/>
+          </p:nvPr>
+        </p:nvSpPr>
+        <p:spPr/>
+        <p:txBody>
+          <a:bodyPr/>
+          <a:lstStyle/>
+          <a:p>
+            <a:r>
+              <a:rPr lang="en-US" sz="3600" dirty="0">
+                <a:solidFill>
+                  <a:schemeClr val="accent1"/>
+                </a:solidFill>
+              </a:rPr>
+              <a:t>Source Code</a:t>
+            </a:r>
+            <a:endParaRPr lang="en-US" dirty="0"/>
+          </a:p>
+        </p:txBody>
+      </p:sp>
+      <p:sp>
+        <p:nvSpPr>
+          <p:cNvPr id="3" name="Content Placeholder 2">
+            <a:extLst>
+              <a:ext uri="{FF2B5EF4-FFF2-40B4-BE49-F238E27FC236}">
+                <a16:creationId xmlns:a16="http://schemas.microsoft.com/office/drawing/2014/main" id="{0C360948-50A1-2DC8-8408-53BDDAF2B33C}"/>
+              </a:ext>
+            </a:extLst>
+          </p:cNvPr>
+          <p:cNvSpPr>
+            <a:spLocks noGrp="1"/>
+          </p:cNvSpPr>
+          <p:nvPr>
+            <p:ph idx="1"/>
+          </p:nvPr>
+        </p:nvSpPr>
+        <p:spPr>
+          <a:xfrm>
+            <a:off x="550113" y="2051051"/>
+            <a:ext cx="8596668" cy="3880773"/>
+          </a:xfrm>
+        </p:spPr>
+        <p:txBody>
+          <a:bodyPr>
+            <a:noAutofit/>
+          </a:bodyPr>
+          <a:lstStyle/>
+          <a:p>
+            <a:r>
+              <a:rPr lang="en-US" sz="2800" dirty="0">
+                <a:solidFill>
+                  <a:schemeClr val="tx1"/>
+                </a:solidFill>
+              </a:rPr>
+              <a:t>GitHub Project </a:t>
+            </a:r>
+            <a:r>
+              <a:rPr lang="en-US" sz="2800" dirty="0">
+                <a:solidFill>
+                  <a:srgbClr val="00B0F0"/>
+                </a:solidFill>
+              </a:rPr>
+              <a:t>github.com/raysmith619/resource_lib</a:t>
+            </a:r>
+          </a:p>
+          <a:p>
+            <a:pPr marL="457200" lvl="1" indent="0">
+              <a:buNone/>
+            </a:pPr>
+            <a:r>
+              <a:rPr lang="en-US" sz="3400" dirty="0">
+                <a:solidFill>
+                  <a:srgbClr val="00B0F0"/>
+                </a:solidFill>
+              </a:rPr>
+              <a:t>src/ </a:t>
+            </a:r>
+            <a:r>
+              <a:rPr lang="en-US" sz="3400" dirty="0">
+                <a:solidFill>
+                  <a:schemeClr val="tx1"/>
+                </a:solidFill>
+              </a:rPr>
+              <a:t>– source files (all Python)</a:t>
+            </a:r>
+          </a:p>
+          <a:p>
+            <a:pPr marL="457200" lvl="1" indent="0">
+              <a:buNone/>
+            </a:pPr>
+            <a:r>
+              <a:rPr lang="en-US" sz="3400" dirty="0">
+                <a:solidFill>
+                  <a:srgbClr val="00B0F0"/>
+                </a:solidFill>
+              </a:rPr>
+              <a:t>README.md </a:t>
+            </a:r>
+            <a:r>
+              <a:rPr lang="en-US" sz="3400" dirty="0">
+                <a:solidFill>
+                  <a:schemeClr val="tx1"/>
+                </a:solidFill>
+              </a:rPr>
+              <a:t>– Short description</a:t>
+            </a:r>
+          </a:p>
+          <a:p>
+            <a:pPr marL="0" indent="0">
+              <a:buNone/>
+            </a:pPr>
+            <a:br>
+              <a:rPr lang="en-US" sz="3600" dirty="0"/>
+            </a:br>
+            <a:endParaRPr lang="en-US" sz="3600" dirty="0">
+              <a:solidFill>
+                <a:schemeClr val="tx1"/>
+              </a:solidFill>
+            </a:endParaRPr>
+          </a:p>
+        </p:txBody>
+      </p:sp>
+      <p:sp>
+        <p:nvSpPr>
+          <p:cNvPr id="4" name="Date Placeholder 3">
+            <a:extLst>
+              <a:ext uri="{FF2B5EF4-FFF2-40B4-BE49-F238E27FC236}">
+                <a16:creationId xmlns:a16="http://schemas.microsoft.com/office/drawing/2014/main" id="{5EDCC79F-3336-222D-207D-DDBE9A586431}"/>
+              </a:ext>
+            </a:extLst>
+          </p:cNvPr>
+          <p:cNvSpPr>
+            <a:spLocks noGrp="1"/>
+          </p:cNvSpPr>
+          <p:nvPr>
+            <p:ph type="dt" sz="half" idx="10"/>
+          </p:nvPr>
+        </p:nvSpPr>
+        <p:spPr/>
+        <p:txBody>
+          <a:bodyPr/>
+          <a:lstStyle/>
+          <a:p>
+            <a:fld id="{A7119916-CD40-456D-ABE3-55F8822671F7}" type="datetime1">
+              <a:rPr lang="en-US" smtClean="0"/>
+              <a:t>3/1/2023</a:t>
+            </a:fld>
+            <a:endParaRPr lang="en-US" dirty="0"/>
+          </a:p>
+        </p:txBody>
+      </p:sp>
+      <p:sp>
+        <p:nvSpPr>
+          <p:cNvPr id="5" name="Footer Placeholder 4">
+            <a:extLst>
+              <a:ext uri="{FF2B5EF4-FFF2-40B4-BE49-F238E27FC236}">
+                <a16:creationId xmlns:a16="http://schemas.microsoft.com/office/drawing/2014/main" id="{009CCD2F-A4CE-60DA-E7BA-37B3D06C1ADD}"/>
+              </a:ext>
+            </a:extLst>
+          </p:cNvPr>
+          <p:cNvSpPr>
+            <a:spLocks noGrp="1"/>
+          </p:cNvSpPr>
+          <p:nvPr>
+            <p:ph type="ftr" sz="quarter" idx="11"/>
+          </p:nvPr>
+        </p:nvSpPr>
+        <p:spPr/>
+        <p:txBody>
+          <a:bodyPr/>
+          <a:lstStyle/>
+          <a:p>
+            <a:r>
+              <a:rPr lang="en-US" dirty="0"/>
+              <a:t>raysmith@alum.mit.edu</a:t>
+            </a:r>
+          </a:p>
+        </p:txBody>
+      </p:sp>
+      <p:sp>
+        <p:nvSpPr>
+          <p:cNvPr id="6" name="Slide Number Placeholder 5">
+            <a:extLst>
+              <a:ext uri="{FF2B5EF4-FFF2-40B4-BE49-F238E27FC236}">
+                <a16:creationId xmlns:a16="http://schemas.microsoft.com/office/drawing/2014/main" id="{54E7395C-C96B-C82A-58E2-49E4B31B73C9}"/>
+              </a:ext>
+            </a:extLst>
+          </p:cNvPr>
+          <p:cNvSpPr>
+            <a:spLocks noGrp="1"/>
+          </p:cNvSpPr>
+          <p:nvPr>
+            <p:ph type="sldNum" sz="quarter" idx="12"/>
+          </p:nvPr>
+        </p:nvSpPr>
+        <p:spPr/>
+        <p:txBody>
+          <a:bodyPr/>
+          <a:lstStyle/>
+          <a:p>
+            <a:fld id="{6D22F896-40B5-4ADD-8801-0D06FADFA095}" type="slidenum">
+              <a:rPr lang="en-US" smtClean="0">
+                <a:solidFill>
+                  <a:schemeClr val="tx1"/>
+                </a:solidFill>
+              </a:rPr>
+              <a:t>24</a:t>
+            </a:fld>
+            <a:endParaRPr lang="en-US" dirty="0">
+              <a:solidFill>
+                <a:schemeClr val="tx1"/>
+              </a:solidFill>
+            </a:endParaRPr>
+          </a:p>
+        </p:txBody>
+      </p:sp>
+      <p:pic>
+        <p:nvPicPr>
+          <p:cNvPr id="1025" name="Picture 1" descr="2">
+            <a:extLst>
+              <a:ext uri="{FF2B5EF4-FFF2-40B4-BE49-F238E27FC236}">
+                <a16:creationId xmlns:a16="http://schemas.microsoft.com/office/drawing/2014/main" id="{E655AFAE-90EF-81F0-845D-A0C543B6A4BD}"/>
+              </a:ext>
+            </a:extLst>
+          </p:cNvPr>
+          <p:cNvPicPr>
+            <a:picLocks noChangeAspect="1" noChangeArrowheads="1"/>
+          </p:cNvPicPr>
+          <p:nvPr/>
+        </p:nvPicPr>
+        <p:blipFill>
+          <a:blip r:embed="rId2">
+            <a:extLst>
+              <a:ext uri="{28A0092B-C50C-407E-A947-70E740481C1C}">
+                <a14:useLocalDpi xmlns:a14="http://schemas.microsoft.com/office/drawing/2010/main" val="0"/>
+              </a:ext>
+            </a:extLst>
+          </a:blip>
+          <a:srcRect/>
+          <a:stretch>
+            <a:fillRect/>
+          </a:stretch>
+        </p:blipFill>
+        <p:spPr bwMode="auto">
+          <a:xfrm>
+            <a:off x="0" y="0"/>
+            <a:ext cx="133350" cy="219075"/>
+          </a:xfrm>
+          <a:prstGeom prst="rect">
+            <a:avLst/>
+          </a:prstGeom>
+          <a:noFill/>
+          <a:extLst>
+            <a:ext uri="{909E8E84-426E-40DD-AFC4-6F175D3DCCD1}">
+              <a14:hiddenFill xmlns:a14="http://schemas.microsoft.com/office/drawing/2010/main">
+                <a:solidFill>
+                  <a:srgbClr val="FFFFFF"/>
+                </a:solidFill>
+              </a14:hiddenFill>
+            </a:ext>
+          </a:extLst>
+        </p:spPr>
+      </p:pic>
+    </p:spTree>
+    <p:extLst>
+      <p:ext uri="{BB962C8B-B14F-4D97-AF65-F5344CB8AC3E}">
+        <p14:creationId xmlns:p14="http://schemas.microsoft.com/office/powerpoint/2010/main" val="4289353309"/>
+      </p:ext>
+    </p:extLst>
+  </p:cSld>
+  <p:clrMapOvr>
+    <a:masterClrMapping/>
+  </p:clrMapOvr>
+</p:sld>
+</file>
+
+<file path=ppt/slides/slide25.xml><?xml version="1.0" encoding="utf-8"?>
+<p:sld xmlns:a="http://schemas.openxmlformats.org/drawingml/2006/main" xmlns:r="http://schemas.openxmlformats.org/officeDocument/2006/relationships" xmlns:p="http://schemas.openxmlformats.org/presentationml/2006/main">
+  <p:cSld>
+    <p:bg>
+      <p:bgPr>
+        <a:gradFill>
+          <a:gsLst>
+            <a:gs pos="0">
+              <a:schemeClr val="accent4">
+                <a:lumMod val="20000"/>
+                <a:lumOff val="80000"/>
+              </a:schemeClr>
+            </a:gs>
+            <a:gs pos="74000">
+              <a:schemeClr val="accent4">
+                <a:lumMod val="45000"/>
+                <a:lumOff val="55000"/>
+              </a:schemeClr>
+            </a:gs>
+            <a:gs pos="83000">
+              <a:schemeClr val="accent4">
+                <a:lumMod val="45000"/>
+                <a:lumOff val="55000"/>
+              </a:schemeClr>
+            </a:gs>
+            <a:gs pos="100000">
+              <a:schemeClr val="accent4">
+                <a:lumMod val="30000"/>
+                <a:lumOff val="70000"/>
+              </a:schemeClr>
+            </a:gs>
+          </a:gsLst>
+          <a:lin ang="5400000" scaled="1"/>
+        </a:gradFill>
+        <a:effectLst/>
+      </p:bgPr>
+    </p:bg>
+    <p:spTree>
+      <p:nvGrpSpPr>
+        <p:cNvPr id="1" name=""/>
+        <p:cNvGrpSpPr/>
+        <p:nvPr/>
+      </p:nvGrpSpPr>
+      <p:grpSpPr>
+        <a:xfrm>
+          <a:off x="0" y="0"/>
+          <a:ext cx="0" cy="0"/>
+          <a:chOff x="0" y="0"/>
+          <a:chExt cx="0" cy="0"/>
+        </a:xfrm>
+      </p:grpSpPr>
+      <p:sp>
+        <p:nvSpPr>
+          <p:cNvPr id="2" name="Title 1">
+            <a:extLst>
+              <a:ext uri="{FF2B5EF4-FFF2-40B4-BE49-F238E27FC236}">
+                <a16:creationId xmlns:a16="http://schemas.microsoft.com/office/drawing/2014/main" id="{F7E90694-AA7F-451B-A875-1D23D1FDBA32}"/>
+              </a:ext>
+            </a:extLst>
+          </p:cNvPr>
+          <p:cNvSpPr>
+            <a:spLocks noGrp="1"/>
+          </p:cNvSpPr>
+          <p:nvPr>
+            <p:ph type="title"/>
+          </p:nvPr>
+        </p:nvSpPr>
+        <p:spPr>
+          <a:xfrm>
+            <a:off x="955892" y="2723014"/>
+            <a:ext cx="8596668" cy="2289739"/>
+          </a:xfrm>
+        </p:spPr>
+        <p:txBody>
+          <a:bodyPr>
+            <a:normAutofit/>
+          </a:bodyPr>
+          <a:lstStyle/>
+          <a:p>
+            <a:pPr algn="ctr"/>
+            <a:r>
+              <a:rPr lang="en-US" sz="6600" dirty="0">
+                <a:solidFill>
+                  <a:schemeClr val="tx1"/>
+                </a:solidFill>
+              </a:rPr>
+              <a:t>Question and Answer</a:t>
+            </a:r>
+          </a:p>
+        </p:txBody>
+      </p:sp>
+      <p:sp>
+        <p:nvSpPr>
+          <p:cNvPr id="4" name="Date Placeholder 3">
+            <a:extLst>
+              <a:ext uri="{FF2B5EF4-FFF2-40B4-BE49-F238E27FC236}">
+                <a16:creationId xmlns:a16="http://schemas.microsoft.com/office/drawing/2014/main" id="{B623EE2F-E3E9-437B-AFAE-1E0C5C94A5F8}"/>
+              </a:ext>
+            </a:extLst>
+          </p:cNvPr>
+          <p:cNvSpPr>
+            <a:spLocks noGrp="1"/>
+          </p:cNvSpPr>
+          <p:nvPr>
+            <p:ph type="dt" sz="half" idx="10"/>
+          </p:nvPr>
+        </p:nvSpPr>
+        <p:spPr/>
+        <p:txBody>
+          <a:bodyPr/>
+          <a:lstStyle/>
+          <a:p>
+            <a:pPr marL="0" marR="0" lvl="0" indent="0" algn="r" defTabSz="914400" rtl="0" eaLnBrk="1" fontAlgn="auto" latinLnBrk="0" hangingPunct="1">
+              <a:lnSpc>
+                <a:spcPct val="100000"/>
+              </a:lnSpc>
+              <a:spcBef>
+                <a:spcPts val="0"/>
+              </a:spcBef>
+              <a:spcAft>
+                <a:spcPts val="0"/>
+              </a:spcAft>
+              <a:buClrTx/>
+              <a:buSzTx/>
+              <a:buFontTx/>
+              <a:buNone/>
+              <a:tabLst/>
+              <a:defRPr/>
+            </a:pPr>
+            <a:fld id="{A7119916-CD40-456D-ABE3-55F8822671F7}" type="datetime1">
+              <a:rPr kumimoji="0" lang="en-US" sz="900" b="0" i="0" u="none" strike="noStrike" kern="1200" cap="none" spc="0" normalizeH="0" baseline="0" noProof="0" smtClean="0">
+                <a:ln>
+                  <a:noFill/>
+                </a:ln>
+                <a:solidFill>
+                  <a:prstClr val="black">
+                    <a:tint val="75000"/>
+                  </a:prstClr>
+                </a:solidFill>
+                <a:effectLst/>
+                <a:uLnTx/>
+                <a:uFillTx/>
+                <a:latin typeface="Trebuchet MS" panose="020B0603020202020204"/>
+                <a:ea typeface="+mn-ea"/>
+                <a:cs typeface="+mn-cs"/>
+              </a:rPr>
+              <a:pPr marL="0" marR="0" lvl="0" indent="0" algn="r" defTabSz="914400" rtl="0" eaLnBrk="1" fontAlgn="auto" latinLnBrk="0" hangingPunct="1">
+                <a:lnSpc>
+                  <a:spcPct val="100000"/>
+                </a:lnSpc>
+                <a:spcBef>
+                  <a:spcPts val="0"/>
+                </a:spcBef>
+                <a:spcAft>
+                  <a:spcPts val="0"/>
+                </a:spcAft>
+                <a:buClrTx/>
+                <a:buSzTx/>
+                <a:buFontTx/>
+                <a:buNone/>
+                <a:tabLst/>
+                <a:defRPr/>
+              </a:pPr>
+              <a:t>3/1/2023</a:t>
+            </a:fld>
+            <a:endParaRPr kumimoji="0" lang="en-US" sz="900" b="0" i="0" u="none" strike="noStrike" kern="1200" cap="none" spc="0" normalizeH="0" baseline="0" noProof="0" dirty="0">
+              <a:ln>
+                <a:noFill/>
+              </a:ln>
+              <a:solidFill>
+                <a:prstClr val="black">
+                  <a:tint val="75000"/>
+                </a:prstClr>
+              </a:solidFill>
+              <a:effectLst/>
+              <a:uLnTx/>
+              <a:uFillTx/>
+              <a:latin typeface="Trebuchet MS" panose="020B0603020202020204"/>
+              <a:ea typeface="+mn-ea"/>
+              <a:cs typeface="+mn-cs"/>
+            </a:endParaRPr>
+          </a:p>
+        </p:txBody>
+      </p:sp>
+      <p:sp>
+        <p:nvSpPr>
+          <p:cNvPr id="5" name="Footer Placeholder 4">
+            <a:extLst>
+              <a:ext uri="{FF2B5EF4-FFF2-40B4-BE49-F238E27FC236}">
+                <a16:creationId xmlns:a16="http://schemas.microsoft.com/office/drawing/2014/main" id="{4E4D04EE-5AD0-4A57-A42E-AE62E411ACEA}"/>
+              </a:ext>
+            </a:extLst>
+          </p:cNvPr>
+          <p:cNvSpPr>
+            <a:spLocks noGrp="1"/>
+          </p:cNvSpPr>
+          <p:nvPr>
+            <p:ph type="ftr" sz="quarter" idx="11"/>
+          </p:nvPr>
+        </p:nvSpPr>
+        <p:spPr/>
+        <p:txBody>
+          <a:bodyPr/>
+          <a:lstStyle/>
+          <a:p>
+            <a:pPr marL="0" marR="0" lvl="0" indent="0" algn="l" defTabSz="914400" rtl="0" eaLnBrk="1" fontAlgn="auto" latinLnBrk="0" hangingPunct="1">
+              <a:lnSpc>
+                <a:spcPct val="100000"/>
+              </a:lnSpc>
+              <a:spcBef>
+                <a:spcPts val="0"/>
+              </a:spcBef>
+              <a:spcAft>
+                <a:spcPts val="0"/>
+              </a:spcAft>
+              <a:buClrTx/>
+              <a:buSzTx/>
+              <a:buFontTx/>
+              <a:buNone/>
+              <a:tabLst/>
+              <a:defRPr/>
+            </a:pPr>
+            <a:r>
+              <a:rPr kumimoji="0" lang="en-US" sz="900" b="0" i="0" u="none" strike="noStrike" kern="1200" cap="none" spc="0" normalizeH="0" baseline="0" noProof="0" dirty="0">
+                <a:ln>
+                  <a:noFill/>
+                </a:ln>
+                <a:solidFill>
+                  <a:prstClr val="black">
+                    <a:tint val="75000"/>
+                  </a:prstClr>
+                </a:solidFill>
+                <a:effectLst/>
+                <a:uLnTx/>
+                <a:uFillTx/>
+                <a:latin typeface="Trebuchet MS" panose="020B0603020202020204"/>
+                <a:ea typeface="+mn-ea"/>
+                <a:cs typeface="+mn-cs"/>
+              </a:rPr>
+              <a:t>raysmith@alum.mit.edu</a:t>
+            </a:r>
+          </a:p>
+        </p:txBody>
+      </p:sp>
+      <p:sp>
+        <p:nvSpPr>
+          <p:cNvPr id="6" name="Slide Number Placeholder 5">
+            <a:extLst>
+              <a:ext uri="{FF2B5EF4-FFF2-40B4-BE49-F238E27FC236}">
+                <a16:creationId xmlns:a16="http://schemas.microsoft.com/office/drawing/2014/main" id="{9711C448-36A8-43E6-A891-6E42F22D1185}"/>
+              </a:ext>
+            </a:extLst>
+          </p:cNvPr>
+          <p:cNvSpPr>
+            <a:spLocks noGrp="1"/>
+          </p:cNvSpPr>
+          <p:nvPr>
+            <p:ph type="sldNum" sz="quarter" idx="12"/>
+          </p:nvPr>
+        </p:nvSpPr>
+        <p:spPr/>
+        <p:txBody>
+          <a:bodyPr/>
+          <a:lstStyle/>
+          <a:p>
+            <a:pPr marL="0" marR="0" lvl="0" indent="0" algn="r" defTabSz="914400" rtl="0" eaLnBrk="1" fontAlgn="auto" latinLnBrk="0" hangingPunct="1">
+              <a:lnSpc>
+                <a:spcPct val="100000"/>
+              </a:lnSpc>
+              <a:spcBef>
+                <a:spcPts val="0"/>
+              </a:spcBef>
+              <a:spcAft>
+                <a:spcPts val="0"/>
+              </a:spcAft>
+              <a:buClrTx/>
+              <a:buSzTx/>
+              <a:buFontTx/>
+              <a:buNone/>
+              <a:tabLst/>
+              <a:defRPr/>
+            </a:pPr>
+            <a:fld id="{6D22F896-40B5-4ADD-8801-0D06FADFA095}" type="slidenum">
+              <a:rPr kumimoji="0" lang="en-US" sz="900" b="0" i="0" u="none" strike="noStrike" kern="1200" cap="none" spc="0" normalizeH="0" baseline="0" noProof="0" smtClean="0">
+                <a:ln>
+                  <a:noFill/>
+                </a:ln>
+                <a:solidFill>
+                  <a:schemeClr val="tx1"/>
+                </a:solidFill>
+                <a:effectLst/>
+                <a:uLnTx/>
+                <a:uFillTx/>
+                <a:latin typeface="Trebuchet MS" panose="020B0603020202020204"/>
+                <a:ea typeface="+mn-ea"/>
+                <a:cs typeface="+mn-cs"/>
+              </a:rPr>
+              <a:pPr marL="0" marR="0" lvl="0" indent="0" algn="r" defTabSz="914400" rtl="0" eaLnBrk="1" fontAlgn="auto" latinLnBrk="0" hangingPunct="1">
+                <a:lnSpc>
+                  <a:spcPct val="100000"/>
+                </a:lnSpc>
+                <a:spcBef>
+                  <a:spcPts val="0"/>
+                </a:spcBef>
+                <a:spcAft>
+                  <a:spcPts val="0"/>
+                </a:spcAft>
+                <a:buClrTx/>
+                <a:buSzTx/>
+                <a:buFontTx/>
+                <a:buNone/>
+                <a:tabLst/>
+                <a:defRPr/>
+              </a:pPr>
+              <a:t>25</a:t>
+            </a:fld>
+            <a:endParaRPr kumimoji="0" lang="en-US" sz="900" b="0" i="0" u="none" strike="noStrike" kern="1200" cap="none" spc="0" normalizeH="0" baseline="0" noProof="0" dirty="0">
+              <a:ln>
+                <a:noFill/>
+              </a:ln>
+              <a:solidFill>
+                <a:schemeClr val="tx1"/>
               </a:solidFill>
               <a:effectLst/>
               <a:uLnTx/>
@@ -16878,7 +18150,7 @@
             <a:pPr lvl="1"/>
             <a:r>
               <a:rPr lang="en-US" sz="4000" i="1" dirty="0"/>
-              <a:t>Graphics / Pictures are powerful</a:t>
+              <a:t>Graphics / Pictures are helpful</a:t>
             </a:r>
           </a:p>
           <a:p>
@@ -16962,7 +18234,7 @@
                 <a:tabLst/>
                 <a:defRPr/>
               </a:pPr>
-              <a:t>2/10/2023</a:t>
+              <a:t>3/1/2023</a:t>
             </a:fld>
             <a:endParaRPr kumimoji="0" lang="en-US" sz="900" b="0" i="0" u="none" strike="noStrike" kern="1200" cap="none" spc="0" normalizeH="0" baseline="0" noProof="0" dirty="0">
               <a:ln>
@@ -17087,7 +18359,7 @@
                   <a:noFill/>
                 </a:ln>
                 <a:solidFill>
-                  <a:srgbClr val="90C226"/>
+                  <a:schemeClr val="tx1"/>
                 </a:solidFill>
                 <a:effectLst/>
                 <a:uLnTx/>
@@ -17120,7 +18392,7 @@
                 <a:noFill/>
               </a:ln>
               <a:solidFill>
-                <a:srgbClr val="90C226"/>
+                <a:schemeClr val="tx1"/>
               </a:solidFill>
               <a:effectLst/>
               <a:uLnTx/>
@@ -17251,17 +18523,12 @@
           </a:bodyPr>
           <a:lstStyle/>
           <a:p>
-            <a:pPr lvl="1"/>
+            <a:pPr marL="457200" lvl="1" indent="0">
+              <a:buNone/>
+            </a:pPr>
             <a:r>
               <a:rPr lang="en-US" sz="4000" i="1" dirty="0"/>
-              <a:t>Initial goal: Help beginners learn Programming</a:t>
-            </a:r>
-          </a:p>
-          <a:p>
-            <a:pPr lvl="1"/>
-            <a:r>
-              <a:rPr lang="en-US" sz="4000" i="1" dirty="0"/>
-              <a:t>Extended goal: Simple graphics for Visually Impaired </a:t>
+              <a:t>An aid, for the visually impaired beginning programmer, to help in "seeing" the graphical output produced by simple programs</a:t>
             </a:r>
           </a:p>
         </p:txBody>
@@ -17338,7 +18605,7 @@
                 <a:tabLst/>
                 <a:defRPr/>
               </a:pPr>
-              <a:t>2/10/2023</a:t>
+              <a:t>3/1/2023</a:t>
             </a:fld>
             <a:endParaRPr kumimoji="0" lang="en-US" sz="900" b="0" i="0" u="none" strike="noStrike" kern="1200" cap="none" spc="0" normalizeH="0" baseline="0" noProof="0" dirty="0">
               <a:ln>
@@ -17463,7 +18730,7 @@
                   <a:noFill/>
                 </a:ln>
                 <a:solidFill>
-                  <a:srgbClr val="90C226"/>
+                  <a:schemeClr val="tx1"/>
                 </a:solidFill>
                 <a:effectLst/>
                 <a:uLnTx/>
@@ -17496,7 +18763,7 @@
                 <a:noFill/>
               </a:ln>
               <a:solidFill>
-                <a:srgbClr val="90C226"/>
+                <a:schemeClr val="tx1"/>
               </a:solidFill>
               <a:effectLst/>
               <a:uLnTx/>
@@ -17690,7 +18957,7 @@
                 <a:latin typeface="Courier New" panose="02070309020205020404" pitchFamily="49" charset="0"/>
                 <a:cs typeface="Courier New" panose="02070309020205020404" pitchFamily="49" charset="0"/>
               </a:rPr>
-              <a:t>width(40)	# Widen square edges</a:t>
+              <a:t>width(40)							# Widen square edges</a:t>
             </a:r>
           </a:p>
           <a:p>
@@ -17726,7 +18993,7 @@
                 <a:latin typeface="Courier New" panose="02070309020205020404" pitchFamily="49" charset="0"/>
                 <a:cs typeface="Courier New" panose="02070309020205020404" pitchFamily="49" charset="0"/>
               </a:rPr>
-              <a:t>    color(colr)		# Give side this color</a:t>
+              <a:t>    color(colr)				# Give side this color</a:t>
             </a:r>
           </a:p>
           <a:p>
@@ -17762,7 +19029,7 @@
                 <a:latin typeface="Courier New" panose="02070309020205020404" pitchFamily="49" charset="0"/>
                 <a:cs typeface="Courier New" panose="02070309020205020404" pitchFamily="49" charset="0"/>
               </a:rPr>
-              <a:t>done()		        # Complete drawing</a:t>
+              <a:t>done()		        			# Complete drawing</a:t>
             </a:r>
           </a:p>
           <a:p>
@@ -17845,7 +19112,7 @@
                 <a:tabLst/>
                 <a:defRPr/>
               </a:pPr>
-              <a:t>2/10/2023</a:t>
+              <a:t>3/1/2023</a:t>
             </a:fld>
             <a:endParaRPr kumimoji="0" lang="en-US" sz="900" b="0" i="0" u="none" strike="noStrike" kern="1200" cap="none" spc="0" normalizeH="0" baseline="0" noProof="0" dirty="0">
               <a:ln>
@@ -17970,7 +19237,7 @@
                   <a:noFill/>
                 </a:ln>
                 <a:solidFill>
-                  <a:srgbClr val="90C226"/>
+                  <a:schemeClr val="tx1"/>
                 </a:solidFill>
                 <a:effectLst/>
                 <a:uLnTx/>
@@ -18003,7 +19270,7 @@
                 <a:noFill/>
               </a:ln>
               <a:solidFill>
-                <a:srgbClr val="90C226"/>
+                <a:schemeClr val="tx1"/>
               </a:solidFill>
               <a:effectLst/>
               <a:uLnTx/>
@@ -18212,7 +19479,7 @@
                 <a:tabLst/>
                 <a:defRPr/>
               </a:pPr>
-              <a:t>2/10/2023</a:t>
+              <a:t>3/1/2023</a:t>
             </a:fld>
             <a:endParaRPr kumimoji="0" lang="en-US" sz="900" b="0" i="0" u="none" strike="noStrike" kern="1200" cap="none" spc="0" normalizeH="0" baseline="0" noProof="0" dirty="0">
               <a:ln>
@@ -18337,7 +19604,7 @@
                   <a:noFill/>
                 </a:ln>
                 <a:solidFill>
-                  <a:srgbClr val="90C226"/>
+                  <a:schemeClr val="tx1"/>
                 </a:solidFill>
                 <a:effectLst/>
                 <a:uLnTx/>
@@ -18370,7 +19637,7 @@
                 <a:noFill/>
               </a:ln>
               <a:solidFill>
-                <a:srgbClr val="90C226"/>
+                <a:schemeClr val="tx1"/>
               </a:solidFill>
               <a:effectLst/>
               <a:uLnTx/>
@@ -18550,7 +19817,7 @@
                 <a:latin typeface="Courier New" panose="02070309020205020404" pitchFamily="49" charset="0"/>
                 <a:cs typeface="Courier New" panose="02070309020205020404" pitchFamily="49" charset="0"/>
               </a:rPr>
-              <a:t>width(40)	# Widen square edges</a:t>
+              <a:t>width(40)							# Widen square edges</a:t>
             </a:r>
           </a:p>
           <a:p>
@@ -18586,7 +19853,7 @@
                 <a:latin typeface="Courier New" panose="02070309020205020404" pitchFamily="49" charset="0"/>
                 <a:cs typeface="Courier New" panose="02070309020205020404" pitchFamily="49" charset="0"/>
               </a:rPr>
-              <a:t>    color(colr)		# Give side this color</a:t>
+              <a:t>    color(colr)				# Give side this color</a:t>
             </a:r>
           </a:p>
           <a:p>
@@ -18622,7 +19889,7 @@
                 <a:latin typeface="Courier New" panose="02070309020205020404" pitchFamily="49" charset="0"/>
                 <a:cs typeface="Courier New" panose="02070309020205020404" pitchFamily="49" charset="0"/>
               </a:rPr>
-              <a:t>done()		        # Complete drawing</a:t>
+              <a:t>done()		        			# Complete drawing</a:t>
             </a:r>
           </a:p>
           <a:p>
@@ -18705,7 +19972,7 @@
                 <a:tabLst/>
                 <a:defRPr/>
               </a:pPr>
-              <a:t>2/10/2023</a:t>
+              <a:t>3/1/2023</a:t>
             </a:fld>
             <a:endParaRPr kumimoji="0" lang="en-US" sz="900" b="0" i="0" u="none" strike="noStrike" kern="1200" cap="none" spc="0" normalizeH="0" baseline="0" noProof="0" dirty="0">
               <a:ln>
@@ -18830,7 +20097,7 @@
                   <a:noFill/>
                 </a:ln>
                 <a:solidFill>
-                  <a:srgbClr val="90C226"/>
+                  <a:schemeClr val="tx1"/>
                 </a:solidFill>
                 <a:effectLst/>
                 <a:uLnTx/>
@@ -18863,7 +20130,7 @@
                 <a:noFill/>
               </a:ln>
               <a:solidFill>
-                <a:srgbClr val="90C226"/>
+                <a:schemeClr val="tx1"/>
               </a:solidFill>
               <a:effectLst/>
               <a:uLnTx/>
@@ -19004,7 +20271,7 @@
           <a:p>
             <a:fld id="{A7119916-CD40-456D-ABE3-55F8822671F7}" type="datetime1">
               <a:rPr lang="en-US" smtClean="0"/>
-              <a:t>2/10/2023</a:t>
+              <a:t>3/1/2023</a:t>
             </a:fld>
             <a:endParaRPr lang="en-US" dirty="0"/>
           </a:p>
@@ -19060,10 +20327,18 @@
           <a:lstStyle/>
           <a:p>
             <a:fld id="{6D22F896-40B5-4ADD-8801-0D06FADFA095}" type="slidenum">
-              <a:rPr lang="en-US" smtClean="0"/>
+              <a:rPr lang="en-US" smtClean="0">
+                <a:solidFill>
+                  <a:schemeClr val="tx1"/>
+                </a:solidFill>
+              </a:rPr>
               <a:t>8</a:t>
             </a:fld>
-            <a:endParaRPr lang="en-US" dirty="0"/>
+            <a:endParaRPr lang="en-US" dirty="0">
+              <a:solidFill>
+                <a:schemeClr val="tx1"/>
+              </a:solidFill>
+            </a:endParaRPr>
           </a:p>
         </p:txBody>
       </p:sp>
@@ -19271,7 +20546,7 @@
         </p:spPr>
         <p:txBody>
           <a:bodyPr>
-            <a:normAutofit/>
+            <a:normAutofit fontScale="92500"/>
           </a:bodyPr>
           <a:lstStyle/>
           <a:p>
@@ -19319,7 +20594,23 @@
                   <a:schemeClr val="tx1"/>
                 </a:solidFill>
               </a:rPr>
-              <a:t>Coarse – 40 characters by 25 lines</a:t>
+              <a:t>Coarse – </a:t>
+            </a:r>
+            <a:r>
+              <a:rPr lang="en-US" sz="3600">
+                <a:solidFill>
+                  <a:schemeClr val="tx1"/>
+                </a:solidFill>
+              </a:rPr>
+              <a:t>30 to 40 </a:t>
+            </a:r>
+            <a:r>
+              <a:rPr lang="en-US" sz="3600" dirty="0">
+                <a:solidFill>
+                  <a:schemeClr val="tx1"/>
+                </a:solidFill>
+              </a:rPr>
+              <a:t>characters by 25 lines</a:t>
             </a:r>
           </a:p>
           <a:p>
@@ -19358,7 +20649,7 @@
           <a:p>
             <a:fld id="{A7119916-CD40-456D-ABE3-55F8822671F7}" type="datetime1">
               <a:rPr lang="en-US" smtClean="0"/>
-              <a:t>2/10/2023</a:t>
+              <a:t>3/1/2023</a:t>
             </a:fld>
             <a:endParaRPr lang="en-US" dirty="0"/>
           </a:p>
@@ -19414,10 +20705,18 @@
           <a:lstStyle/>
           <a:p>
             <a:fld id="{6D22F896-40B5-4ADD-8801-0D06FADFA095}" type="slidenum">
-              <a:rPr lang="en-US" smtClean="0"/>
+              <a:rPr lang="en-US" smtClean="0">
+                <a:solidFill>
+                  <a:schemeClr val="tx1"/>
+                </a:solidFill>
+              </a:rPr>
               <a:t>9</a:t>
             </a:fld>
-            <a:endParaRPr lang="en-US" dirty="0"/>
+            <a:endParaRPr lang="en-US" dirty="0">
+              <a:solidFill>
+                <a:schemeClr val="tx1"/>
+              </a:solidFill>
+            </a:endParaRPr>
           </a:p>
         </p:txBody>
       </p:sp>

--- a/Docs/ForTheBlind/Implementing Visually Impaired Introduction.pptx
+++ b/Docs/ForTheBlind/Implementing Visually Impaired Introduction.pptx
@@ -221,7 +221,7 @@
           <a:p>
             <a:fld id="{656D2E9F-587F-4929-A615-D1B22C008AE4}" type="datetimeFigureOut">
               <a:rPr lang="en-US" smtClean="0"/>
-              <a:t>3/1/2023</a:t>
+              <a:t>2/2/2024</a:t>
             </a:fld>
             <a:endParaRPr lang="en-US" dirty="0"/>
           </a:p>
@@ -652,7 +652,7 @@
                 <a:tabLst/>
                 <a:defRPr/>
               </a:pPr>
-              <a:t>3/1/2023</a:t>
+              <a:t>2/2/2024</a:t>
             </a:fld>
             <a:endParaRPr kumimoji="0" lang="en-US" sz="1200" b="0" i="0" u="none" strike="noStrike" kern="1200" cap="none" spc="0" normalizeH="0" baseline="0" noProof="0" dirty="0">
               <a:ln>
@@ -1415,7 +1415,7 @@
                 <a:tabLst/>
                 <a:defRPr/>
               </a:pPr>
-              <a:t>3/1/2023</a:t>
+              <a:t>2/2/2024</a:t>
             </a:fld>
             <a:endParaRPr kumimoji="0" lang="en-US" sz="1200" b="0" i="0" u="none" strike="noStrike" kern="1200" cap="none" spc="0" normalizeH="0" baseline="0" noProof="0" dirty="0">
               <a:ln>
@@ -1746,7 +1746,7 @@
                 <a:tabLst/>
                 <a:defRPr/>
               </a:pPr>
-              <a:t>3/1/2023</a:t>
+              <a:t>2/2/2024</a:t>
             </a:fld>
             <a:endParaRPr kumimoji="0" lang="en-US" sz="1200" b="0" i="0" u="none" strike="noStrike" kern="1200" cap="none" spc="0" normalizeH="0" baseline="0" noProof="0" dirty="0">
               <a:ln>
@@ -2077,7 +2077,7 @@
                 <a:tabLst/>
                 <a:defRPr/>
               </a:pPr>
-              <a:t>3/1/2023</a:t>
+              <a:t>2/2/2024</a:t>
             </a:fld>
             <a:endParaRPr kumimoji="0" lang="en-US" sz="1200" b="0" i="0" u="none" strike="noStrike" kern="1200" cap="none" spc="0" normalizeH="0" baseline="0" noProof="0" dirty="0">
               <a:ln>
@@ -2408,7 +2408,7 @@
                 <a:tabLst/>
                 <a:defRPr/>
               </a:pPr>
-              <a:t>3/1/2023</a:t>
+              <a:t>2/2/2024</a:t>
             </a:fld>
             <a:endParaRPr kumimoji="0" lang="en-US" sz="1200" b="0" i="0" u="none" strike="noStrike" kern="1200" cap="none" spc="0" normalizeH="0" baseline="0" noProof="0" dirty="0">
               <a:ln>
@@ -2771,7 +2771,7 @@
                 <a:tabLst/>
                 <a:defRPr/>
               </a:pPr>
-              <a:t>3/1/2023</a:t>
+              <a:t>2/2/2024</a:t>
             </a:fld>
             <a:endParaRPr kumimoji="0" lang="en-US" sz="1200" b="0" i="0" u="none" strike="noStrike" kern="1200" cap="none" spc="0" normalizeH="0" baseline="0" noProof="0" dirty="0">
               <a:ln>
@@ -3105,7 +3105,7 @@
                 <a:tabLst/>
                 <a:defRPr/>
               </a:pPr>
-              <a:t>3/1/2023</a:t>
+              <a:t>2/2/2024</a:t>
             </a:fld>
             <a:endParaRPr kumimoji="0" lang="en-US" sz="1200" b="0" i="0" u="none" strike="noStrike" kern="1200" cap="none" spc="0" normalizeH="0" baseline="0" noProof="0" dirty="0">
               <a:ln>
@@ -3439,7 +3439,7 @@
                 <a:tabLst/>
                 <a:defRPr/>
               </a:pPr>
-              <a:t>3/1/2023</a:t>
+              <a:t>2/2/2024</a:t>
             </a:fld>
             <a:endParaRPr kumimoji="0" lang="en-US" sz="1200" b="0" i="0" u="none" strike="noStrike" kern="1200" cap="none" spc="0" normalizeH="0" baseline="0" noProof="0" dirty="0">
               <a:ln>
@@ -4508,7 +4508,7 @@
           <a:p>
             <a:fld id="{B1DF5501-EE91-4443-9D3B-24E6F28D34E2}" type="datetime1">
               <a:rPr lang="en-US" smtClean="0"/>
-              <a:t>3/1/2023</a:t>
+              <a:t>2/2/2024</a:t>
             </a:fld>
             <a:endParaRPr lang="en-US" dirty="0"/>
           </a:p>
@@ -4774,7 +4774,7 @@
           <a:p>
             <a:fld id="{E954E1E9-8456-43AD-BA28-861520D256B9}" type="datetime1">
               <a:rPr lang="en-US" smtClean="0"/>
-              <a:t>3/1/2023</a:t>
+              <a:t>2/2/2024</a:t>
             </a:fld>
             <a:endParaRPr lang="en-US" dirty="0"/>
           </a:p>
@@ -5092,7 +5092,7 @@
           <a:p>
             <a:fld id="{FAF31E0C-AAFD-4E63-B3AE-16CD757951F4}" type="datetime1">
               <a:rPr lang="en-US" smtClean="0"/>
-              <a:t>3/1/2023</a:t>
+              <a:t>2/2/2024</a:t>
             </a:fld>
             <a:endParaRPr lang="en-US" dirty="0"/>
           </a:p>
@@ -5437,7 +5437,7 @@
           <a:p>
             <a:fld id="{000084FF-4715-4B6E-BD22-453621E5873F}" type="datetime1">
               <a:rPr lang="en-US" smtClean="0"/>
-              <a:t>3/1/2023</a:t>
+              <a:t>2/2/2024</a:t>
             </a:fld>
             <a:endParaRPr lang="en-US" dirty="0"/>
           </a:p>
@@ -5755,7 +5755,7 @@
           <a:p>
             <a:fld id="{6AC37F8D-4DF5-4AB6-A766-5A84B3D74A3B}" type="datetime1">
               <a:rPr lang="en-US" smtClean="0"/>
-              <a:t>3/1/2023</a:t>
+              <a:t>2/2/2024</a:t>
             </a:fld>
             <a:endParaRPr lang="en-US" dirty="0"/>
           </a:p>
@@ -6152,7 +6152,7 @@
           <a:p>
             <a:fld id="{1BF3CD1A-162D-40B2-9B22-9056F77C27F2}" type="datetime1">
               <a:rPr lang="en-US" smtClean="0"/>
-              <a:t>3/1/2023</a:t>
+              <a:t>2/2/2024</a:t>
             </a:fld>
             <a:endParaRPr lang="en-US" dirty="0"/>
           </a:p>
@@ -6326,7 +6326,7 @@
           <a:p>
             <a:fld id="{D42E4200-B1E5-4E39-8279-05DD69810A37}" type="datetime1">
               <a:rPr lang="en-US" smtClean="0"/>
-              <a:t>3/1/2023</a:t>
+              <a:t>2/2/2024</a:t>
             </a:fld>
             <a:endParaRPr lang="en-US" dirty="0"/>
           </a:p>
@@ -6509,7 +6509,7 @@
           <a:p>
             <a:fld id="{47CF7895-00AC-42E5-9790-7B0E3CE09DF2}" type="datetime1">
               <a:rPr lang="en-US" smtClean="0"/>
-              <a:t>3/1/2023</a:t>
+              <a:t>2/2/2024</a:t>
             </a:fld>
             <a:endParaRPr lang="en-US" dirty="0"/>
           </a:p>
@@ -6688,7 +6688,7 @@
           <a:p>
             <a:fld id="{A7119916-CD40-456D-ABE3-55F8822671F7}" type="datetime1">
               <a:rPr lang="en-US" smtClean="0"/>
-              <a:t>3/1/2023</a:t>
+              <a:t>2/2/2024</a:t>
             </a:fld>
             <a:endParaRPr lang="en-US" dirty="0"/>
           </a:p>
@@ -6938,7 +6938,7 @@
           <a:p>
             <a:fld id="{3F9A13D6-B8C2-463B-B3F7-C62E098B328E}" type="datetime1">
               <a:rPr lang="en-US" smtClean="0"/>
-              <a:t>3/1/2023</a:t>
+              <a:t>2/2/2024</a:t>
             </a:fld>
             <a:endParaRPr lang="en-US" dirty="0"/>
           </a:p>
@@ -7173,7 +7173,7 @@
           <a:p>
             <a:fld id="{D2B63420-31EE-4E4B-911C-2601B14D9FDD}" type="datetime1">
               <a:rPr lang="en-US" smtClean="0"/>
-              <a:t>3/1/2023</a:t>
+              <a:t>2/2/2024</a:t>
             </a:fld>
             <a:endParaRPr lang="en-US" dirty="0"/>
           </a:p>
@@ -7550,7 +7550,7 @@
           <a:p>
             <a:fld id="{2DD8986D-86F8-41E6-8CFF-8C91AEF92622}" type="datetime1">
               <a:rPr lang="en-US" smtClean="0"/>
-              <a:t>3/1/2023</a:t>
+              <a:t>2/2/2024</a:t>
             </a:fld>
             <a:endParaRPr lang="en-US" dirty="0"/>
           </a:p>
@@ -7676,7 +7676,7 @@
           <a:p>
             <a:fld id="{BA885161-032E-4C6A-8EDA-39D168DF18E4}" type="datetime1">
               <a:rPr lang="en-US" smtClean="0"/>
-              <a:t>3/1/2023</a:t>
+              <a:t>2/2/2024</a:t>
             </a:fld>
             <a:endParaRPr lang="en-US" dirty="0"/>
           </a:p>
@@ -7774,7 +7774,7 @@
           <a:p>
             <a:fld id="{958E6740-E523-48D9-9C4E-6F218E87BAF3}" type="datetime1">
               <a:rPr lang="en-US" smtClean="0"/>
-              <a:t>3/1/2023</a:t>
+              <a:t>2/2/2024</a:t>
             </a:fld>
             <a:endParaRPr lang="en-US" dirty="0"/>
           </a:p>
@@ -8032,7 +8032,7 @@
           <a:p>
             <a:fld id="{6121D4CA-FF09-4CB8-8D51-2613D19A0F2E}" type="datetime1">
               <a:rPr lang="en-US" smtClean="0"/>
-              <a:t>3/1/2023</a:t>
+              <a:t>2/2/2024</a:t>
             </a:fld>
             <a:endParaRPr lang="en-US" dirty="0"/>
           </a:p>
@@ -8297,7 +8297,7 @@
           <a:p>
             <a:fld id="{8C4779EA-AEA7-43B3-9B65-A77E9A890421}" type="datetime1">
               <a:rPr lang="en-US" smtClean="0"/>
-              <a:t>3/1/2023</a:t>
+              <a:t>2/2/2024</a:t>
             </a:fld>
             <a:endParaRPr lang="en-US" dirty="0"/>
           </a:p>
@@ -9043,7 +9043,7 @@
           <a:p>
             <a:fld id="{059A67F1-3EA0-4026-BE6A-31EE4E1B1DB5}" type="datetime1">
               <a:rPr lang="en-US" smtClean="0"/>
-              <a:t>3/1/2023</a:t>
+              <a:t>2/2/2024</a:t>
             </a:fld>
             <a:endParaRPr lang="en-US" dirty="0"/>
           </a:p>
@@ -9644,7 +9644,7 @@
               </a:spcAft>
             </a:pPr>
             <a:r>
-              <a:rPr lang="en-US" sz="6000" kern="1400" spc="-50" dirty="0">
+              <a:rPr lang="en-US" sz="6600" kern="1400" spc="-50" dirty="0">
                 <a:effectLst/>
                 <a:latin typeface="Calibri Light" panose="020F0302020204030204" pitchFamily="34" charset="0"/>
                 <a:ea typeface="Times New Roman" panose="02020603050405020304" pitchFamily="18" charset="0"/>
@@ -9653,7 +9653,7 @@
               <a:t>Implementing Turtle Braille</a:t>
             </a:r>
             <a:br>
-              <a:rPr lang="en-US" sz="6000" kern="1400" spc="-50" dirty="0">
+              <a:rPr lang="en-US" sz="6600" kern="1400" spc="-50" dirty="0">
                 <a:effectLst/>
                 <a:latin typeface="Calibri Light" panose="020F0302020204030204" pitchFamily="34" charset="0"/>
                 <a:ea typeface="Times New Roman" panose="02020603050405020304" pitchFamily="18" charset="0"/>
@@ -9661,57 +9661,23 @@
               </a:rPr>
             </a:br>
             <a:r>
+              <a:rPr lang="en-US" sz="6600" dirty="0">
+                <a:effectLst/>
+                <a:latin typeface="Calibri" panose="020F0502020204030204" pitchFamily="34" charset="0"/>
+                <a:ea typeface="Calibri" panose="020F0502020204030204" pitchFamily="34" charset="0"/>
+                <a:cs typeface="Times New Roman" panose="02020603050405020304" pitchFamily="18" charset="0"/>
+              </a:rPr>
+              <a:t>A tool to help the blind "see" simple graphics</a:t>
+            </a:r>
+            <a:br>
               <a:rPr lang="en-US" sz="6000" dirty="0">
                 <a:effectLst/>
                 <a:latin typeface="Calibri" panose="020F0502020204030204" pitchFamily="34" charset="0"/>
                 <a:ea typeface="Calibri" panose="020F0502020204030204" pitchFamily="34" charset="0"/>
                 <a:cs typeface="Times New Roman" panose="02020603050405020304" pitchFamily="18" charset="0"/>
               </a:rPr>
-              <a:t>One Pixel at a Time</a:t>
-            </a:r>
+            </a:br>
             <a:endParaRPr lang="en-US" sz="6000" dirty="0"/>
-          </a:p>
-        </p:txBody>
-      </p:sp>
-      <p:sp>
-        <p:nvSpPr>
-          <p:cNvPr id="3" name="Content Placeholder 2">
-            <a:extLst>
-              <a:ext uri="{FF2B5EF4-FFF2-40B4-BE49-F238E27FC236}">
-                <a16:creationId xmlns:a16="http://schemas.microsoft.com/office/drawing/2014/main" id="{B25115FD-141E-48C6-A3F1-61C4558CC9C7}"/>
-              </a:ext>
-            </a:extLst>
-          </p:cNvPr>
-          <p:cNvSpPr>
-            <a:spLocks noGrp="1"/>
-          </p:cNvSpPr>
-          <p:nvPr>
-            <p:ph idx="1"/>
-          </p:nvPr>
-        </p:nvSpPr>
-        <p:spPr>
-          <a:xfrm>
-            <a:off x="677334" y="4405023"/>
-            <a:ext cx="8596668" cy="1636339"/>
-          </a:xfrm>
-        </p:spPr>
-        <p:txBody>
-          <a:bodyPr>
-            <a:normAutofit/>
-          </a:bodyPr>
-          <a:lstStyle/>
-          <a:p>
-            <a:pPr marL="457200" lvl="1" indent="0">
-              <a:buNone/>
-            </a:pPr>
-            <a:r>
-              <a:rPr lang="en-US" sz="3400" i="1" dirty="0">
-                <a:solidFill>
-                  <a:schemeClr val="accent2"/>
-                </a:solidFill>
-              </a:rPr>
-              <a:t>A tool to help the blind "see" simple graphics</a:t>
-            </a:r>
           </a:p>
         </p:txBody>
       </p:sp>
@@ -9787,7 +9753,7 @@
                 <a:tabLst/>
                 <a:defRPr/>
               </a:pPr>
-              <a:t>3/1/2023</a:t>
+              <a:t>2/2/2024</a:t>
             </a:fld>
             <a:endParaRPr kumimoji="0" lang="en-US" sz="900" b="0" i="0" u="none" strike="noStrike" kern="1200" cap="none" spc="0" normalizeH="0" baseline="0" noProof="0" dirty="0">
               <a:ln>
@@ -10159,7 +10125,7 @@
           <a:p>
             <a:fld id="{A7119916-CD40-456D-ABE3-55F8822671F7}" type="datetime1">
               <a:rPr lang="en-US" smtClean="0"/>
-              <a:t>3/1/2023</a:t>
+              <a:t>2/2/2024</a:t>
             </a:fld>
             <a:endParaRPr lang="en-US" dirty="0"/>
           </a:p>
@@ -10498,7 +10464,7 @@
           <a:p>
             <a:fld id="{A7119916-CD40-456D-ABE3-55F8822671F7}" type="datetime1">
               <a:rPr lang="en-US" smtClean="0"/>
-              <a:t>3/1/2023</a:t>
+              <a:t>2/2/2024</a:t>
             </a:fld>
             <a:endParaRPr lang="en-US" dirty="0"/>
           </a:p>
@@ -11076,7 +11042,7 @@
           <a:p>
             <a:fld id="{A7119916-CD40-456D-ABE3-55F8822671F7}" type="datetime1">
               <a:rPr lang="en-US" smtClean="0"/>
-              <a:t>3/1/2023</a:t>
+              <a:t>2/2/2024</a:t>
             </a:fld>
             <a:endParaRPr lang="en-US" dirty="0"/>
           </a:p>
@@ -11600,7 +11566,7 @@
           <a:p>
             <a:fld id="{A7119916-CD40-456D-ABE3-55F8822671F7}" type="datetime1">
               <a:rPr lang="en-US" smtClean="0"/>
-              <a:t>3/1/2023</a:t>
+              <a:t>2/2/2024</a:t>
             </a:fld>
             <a:endParaRPr lang="en-US" dirty="0"/>
           </a:p>
@@ -12161,7 +12127,7 @@
           <a:p>
             <a:fld id="{A7119916-CD40-456D-ABE3-55F8822671F7}" type="datetime1">
               <a:rPr lang="en-US" smtClean="0"/>
-              <a:t>3/1/2023</a:t>
+              <a:t>2/2/2024</a:t>
             </a:fld>
             <a:endParaRPr lang="en-US" dirty="0"/>
           </a:p>
@@ -12643,7 +12609,7 @@
           <a:p>
             <a:fld id="{A7119916-CD40-456D-ABE3-55F8822671F7}" type="datetime1">
               <a:rPr lang="en-US" smtClean="0"/>
-              <a:t>3/1/2023</a:t>
+              <a:t>2/2/2024</a:t>
             </a:fld>
             <a:endParaRPr lang="en-US" dirty="0"/>
           </a:p>
@@ -12896,14 +12862,14 @@
             <p:ph idx="1"/>
             <p:extLst>
               <p:ext uri="{D42A27DB-BD31-4B8C-83A1-F6EECF244321}">
-                <p14:modId xmlns:p14="http://schemas.microsoft.com/office/powerpoint/2010/main" val="3419389144"/>
+                <p14:modId xmlns:p14="http://schemas.microsoft.com/office/powerpoint/2010/main" val="4014573959"/>
               </p:ext>
             </p:extLst>
           </p:nvPr>
         </p:nvGraphicFramePr>
         <p:xfrm>
-          <a:off x="22221" y="690825"/>
-          <a:ext cx="10557509" cy="5974080"/>
+          <a:off x="22221" y="287383"/>
+          <a:ext cx="10557509" cy="6827520"/>
         </p:xfrm>
         <a:graphic>
           <a:graphicData uri="http://schemas.openxmlformats.org/drawingml/2006/table">
@@ -12918,7 +12884,7 @@
                   </a:extLst>
                 </a:gridCol>
               </a:tblGrid>
-              <a:tr h="4800959">
+              <a:tr h="6377522">
                 <a:tc>
                   <a:txBody>
                     <a:bodyPr/>
@@ -12927,6 +12893,30 @@
                       <a:endParaRPr lang="en-US" sz="2800" dirty="0">
                         <a:latin typeface="Consolas" panose="020B0609020204030204" pitchFamily="49" charset="0"/>
                       </a:endParaRPr>
+                    </a:p>
+                    <a:p>
+                      <a:pPr algn="l"/>
+                      <a:r>
+                        <a:rPr lang="en-US" sz="2800" dirty="0">
+                          <a:solidFill>
+                            <a:srgbClr val="000000"/>
+                          </a:solidFill>
+                          <a:latin typeface="Consolas" panose="020B0609020204030204" pitchFamily="49" charset="0"/>
+                        </a:rPr>
+                        <a:t>    </a:t>
+                      </a:r>
+                    </a:p>
+                    <a:p>
+                      <a:pPr algn="l"/>
+                      <a:r>
+                        <a:rPr lang="en-US" sz="2800" dirty="0">
+                          <a:solidFill>
+                            <a:srgbClr val="000000"/>
+                          </a:solidFill>
+                          <a:latin typeface="Consolas" panose="020B0609020204030204" pitchFamily="49" charset="0"/>
+                        </a:rPr>
+                        <a:t>    </a:t>
+                      </a:r>
                     </a:p>
                     <a:p>
                       <a:pPr algn="l"/>
@@ -13322,7 +13312,7 @@
           <a:p>
             <a:fld id="{A7119916-CD40-456D-ABE3-55F8822671F7}" type="datetime1">
               <a:rPr lang="en-US" smtClean="0"/>
-              <a:t>3/1/2023</a:t>
+              <a:t>2/2/2024</a:t>
             </a:fld>
             <a:endParaRPr lang="en-US" dirty="0"/>
           </a:p>
@@ -14018,7 +14008,7 @@
           <a:p>
             <a:fld id="{A7119916-CD40-456D-ABE3-55F8822671F7}" type="datetime1">
               <a:rPr lang="en-US" smtClean="0"/>
-              <a:t>3/1/2023</a:t>
+              <a:t>2/2/2024</a:t>
             </a:fld>
             <a:endParaRPr lang="en-US" dirty="0"/>
           </a:p>
@@ -14783,7 +14773,7 @@
           <a:p>
             <a:fld id="{A7119916-CD40-456D-ABE3-55F8822671F7}" type="datetime1">
               <a:rPr lang="en-US" smtClean="0"/>
-              <a:t>3/1/2023</a:t>
+              <a:t>2/2/2024</a:t>
             </a:fld>
             <a:endParaRPr lang="en-US" dirty="0"/>
           </a:p>
@@ -15105,7 +15095,7 @@
           <a:p>
             <a:fld id="{A7119916-CD40-456D-ABE3-55F8822671F7}" type="datetime1">
               <a:rPr lang="en-US" smtClean="0"/>
-              <a:t>3/1/2023</a:t>
+              <a:t>2/2/2024</a:t>
             </a:fld>
             <a:endParaRPr lang="en-US" dirty="0"/>
           </a:p>
@@ -15447,7 +15437,7 @@
                 <a:tabLst/>
                 <a:defRPr/>
               </a:pPr>
-              <a:t>3/1/2023</a:t>
+              <a:t>2/2/2024</a:t>
             </a:fld>
             <a:endParaRPr kumimoji="0" lang="en-US" sz="900" b="0" i="0" u="none" strike="noStrike" kern="1200" cap="none" spc="0" normalizeH="0" baseline="0" noProof="0" dirty="0">
               <a:ln>
@@ -15756,7 +15746,7 @@
                   <a:schemeClr val="tx2"/>
                 </a:solidFill>
               </a:rPr>
-              <a:t>Voice – uses pyttsx3 speech to text module</a:t>
+              <a:t>Voice – uses pyttsx3 text to speech module</a:t>
             </a:r>
           </a:p>
           <a:p>
@@ -15766,68 +15756,7 @@
                   <a:schemeClr val="tx2"/>
                 </a:solidFill>
               </a:rPr>
-              <a:t>Tones – github:</a:t>
-            </a:r>
-            <a:r>
-              <a:rPr lang="en-US" sz="3200" b="0" i="0" u="sng" dirty="0">
-                <a:solidFill>
-                  <a:schemeClr val="tx2"/>
-                </a:solidFill>
-                <a:effectLst/>
-                <a:latin typeface="-apple-system"/>
-                <a:hlinkClick r:id="rId2">
-                  <a:extLst>
-                    <a:ext uri="{A12FA001-AC4F-418D-AE19-62706E023703}">
-                      <ahyp:hlinkClr xmlns:ahyp="http://schemas.microsoft.com/office/drawing/2018/hyperlinkcolor" val="tx"/>
-                    </a:ext>
-                  </a:extLst>
-                </a:hlinkClick>
-              </a:rPr>
-              <a:t> </a:t>
-            </a:r>
-            <a:r>
-              <a:rPr lang="en-US" sz="3200" b="0" i="0" u="sng" dirty="0">
-                <a:solidFill>
-                  <a:srgbClr val="0070C0"/>
-                </a:solidFill>
-                <a:effectLst/>
-                <a:latin typeface="-apple-system"/>
-                <a:hlinkClick r:id="rId2">
-                  <a:extLst>
-                    <a:ext uri="{A12FA001-AC4F-418D-AE19-62706E023703}">
-                      <ahyp:hlinkClr xmlns:ahyp="http://schemas.microsoft.com/office/drawing/2018/hyperlinkcolor" val="tx"/>
-                    </a:ext>
-                  </a:extLst>
-                </a:hlinkClick>
-              </a:rPr>
-              <a:t>daviddavini</a:t>
-            </a:r>
-            <a:r>
-              <a:rPr lang="en-US" sz="3200" b="0" i="0" dirty="0">
-                <a:solidFill>
-                  <a:srgbClr val="0070C0"/>
-                </a:solidFill>
-                <a:effectLst/>
-                <a:latin typeface="-apple-system"/>
-              </a:rPr>
-              <a:t>/</a:t>
-            </a:r>
-            <a:r>
-              <a:rPr lang="en-US" sz="3200" b="1" i="0" u="none" strike="noStrike" dirty="0">
-                <a:solidFill>
-                  <a:srgbClr val="0070C0"/>
-                </a:solidFill>
-                <a:effectLst/>
-                <a:latin typeface="-apple-system"/>
-                <a:hlinkClick r:id="rId3">
-                  <a:extLst>
-                    <a:ext uri="{A12FA001-AC4F-418D-AE19-62706E023703}">
-                      <ahyp:hlinkClr xmlns:ahyp="http://schemas.microsoft.com/office/drawing/2018/hyperlinkcolor" val="tx"/>
-                    </a:ext>
-                  </a:extLst>
-                </a:hlinkClick>
-              </a:rPr>
-              <a:t>pysinewave</a:t>
+              <a:t>Tones</a:t>
             </a:r>
             <a:endParaRPr lang="en-US" sz="3200" b="1" i="0" u="none" strike="noStrike" dirty="0">
               <a:solidFill>
@@ -15840,6 +15769,36 @@
           <a:p>
             <a:pPr lvl="1"/>
             <a:r>
+              <a:rPr lang="en-US" sz="3200" dirty="0">
+                <a:solidFill>
+                  <a:schemeClr val="tx2"/>
+                </a:solidFill>
+                <a:latin typeface="-apple-system"/>
+              </a:rPr>
+              <a:t>sounddevice – playing </a:t>
+            </a:r>
+            <a:r>
+              <a:rPr lang="en-US" sz="3200" dirty="0" err="1">
+                <a:solidFill>
+                  <a:schemeClr val="tx2"/>
+                </a:solidFill>
+                <a:latin typeface="-apple-system"/>
+              </a:rPr>
+              <a:t>numpy</a:t>
+            </a:r>
+            <a:r>
+              <a:rPr lang="en-US" sz="3200" dirty="0">
+                <a:solidFill>
+                  <a:schemeClr val="tx2"/>
+                </a:solidFill>
+                <a:latin typeface="-apple-system"/>
+              </a:rPr>
+              <a:t> arrays</a:t>
+            </a:r>
+          </a:p>
+          <a:p>
+            <a:pPr lvl="1"/>
+            <a:r>
               <a:rPr lang="en-US" sz="3200" b="1" i="0" u="none" strike="noStrike" dirty="0">
                 <a:solidFill>
                   <a:schemeClr val="tx2"/>
@@ -15857,19 +15816,7 @@
                 <a:effectLst/>
                 <a:latin typeface="-apple-system"/>
               </a:rPr>
-              <a:t>pysinewave_master – PYPI: not new enough</a:t>
-            </a:r>
-          </a:p>
-          <a:p>
-            <a:pPr lvl="1"/>
-            <a:r>
-              <a:rPr lang="en-US" sz="3200" dirty="0">
-                <a:solidFill>
-                  <a:schemeClr val="tx2"/>
-                </a:solidFill>
-                <a:latin typeface="-apple-system"/>
-              </a:rPr>
-              <a:t>async, stereo</a:t>
+              <a:t>pysinewave – pitch to frequency arithmetic</a:t>
             </a:r>
           </a:p>
           <a:p>
@@ -15913,7 +15860,7 @@
           <a:p>
             <a:fld id="{A7119916-CD40-456D-ABE3-55F8822671F7}" type="datetime1">
               <a:rPr lang="en-US" smtClean="0"/>
-              <a:t>3/1/2023</a:t>
+              <a:t>2/2/2024</a:t>
             </a:fld>
             <a:endParaRPr lang="en-US" dirty="0"/>
           </a:p>
@@ -15999,7 +15946,7 @@
           <p:nvPr/>
         </p:nvPicPr>
         <p:blipFill>
-          <a:blip r:embed="rId4">
+          <a:blip r:embed="rId2">
             <a:extLst>
               <a:ext uri="{28A0092B-C50C-407E-A947-70E740481C1C}">
                 <a14:useLocalDpi xmlns:a14="http://schemas.microsoft.com/office/drawing/2010/main" val="0"/>
@@ -16290,7 +16237,7 @@
           <a:p>
             <a:fld id="{A7119916-CD40-456D-ABE3-55F8822671F7}" type="datetime1">
               <a:rPr lang="en-US" smtClean="0"/>
-              <a:t>3/1/2023</a:t>
+              <a:t>2/2/2024</a:t>
             </a:fld>
             <a:endParaRPr lang="en-US" dirty="0"/>
           </a:p>
@@ -16661,7 +16608,7 @@
                 <a:tabLst/>
                 <a:defRPr/>
               </a:pPr>
-              <a:t>3/1/2023</a:t>
+              <a:t>2/2/2024</a:t>
             </a:fld>
             <a:endParaRPr kumimoji="0" lang="en-US" sz="900" b="0" i="0" u="none" strike="noStrike" kern="1200" cap="none" spc="0" normalizeH="0" baseline="0" noProof="0" dirty="0">
               <a:ln>
@@ -17118,7 +17065,7 @@
                 <a:tabLst/>
                 <a:defRPr/>
               </a:pPr>
-              <a:t>3/1/2023</a:t>
+              <a:t>2/2/2024</a:t>
             </a:fld>
             <a:endParaRPr kumimoji="0" lang="en-US" sz="900" b="0" i="0" u="none" strike="noStrike" kern="1200" cap="none" spc="0" normalizeH="0" baseline="0" noProof="0" dirty="0">
               <a:ln>
@@ -17557,7 +17504,7 @@
           <a:p>
             <a:fld id="{A7119916-CD40-456D-ABE3-55F8822671F7}" type="datetime1">
               <a:rPr lang="en-US" smtClean="0"/>
-              <a:t>3/1/2023</a:t>
+              <a:t>2/2/2024</a:t>
             </a:fld>
             <a:endParaRPr lang="en-US" dirty="0"/>
           </a:p>
@@ -17851,7 +17798,7 @@
                 <a:tabLst/>
                 <a:defRPr/>
               </a:pPr>
-              <a:t>3/1/2023</a:t>
+              <a:t>2/2/2024</a:t>
             </a:fld>
             <a:endParaRPr kumimoji="0" lang="en-US" sz="900" b="0" i="0" u="none" strike="noStrike" kern="1200" cap="none" spc="0" normalizeH="0" baseline="0" noProof="0" dirty="0">
               <a:ln>
@@ -18234,7 +18181,7 @@
                 <a:tabLst/>
                 <a:defRPr/>
               </a:pPr>
-              <a:t>3/1/2023</a:t>
+              <a:t>2/2/2024</a:t>
             </a:fld>
             <a:endParaRPr kumimoji="0" lang="en-US" sz="900" b="0" i="0" u="none" strike="noStrike" kern="1200" cap="none" spc="0" normalizeH="0" baseline="0" noProof="0" dirty="0">
               <a:ln>
@@ -18605,7 +18552,7 @@
                 <a:tabLst/>
                 <a:defRPr/>
               </a:pPr>
-              <a:t>3/1/2023</a:t>
+              <a:t>2/2/2024</a:t>
             </a:fld>
             <a:endParaRPr kumimoji="0" lang="en-US" sz="900" b="0" i="0" u="none" strike="noStrike" kern="1200" cap="none" spc="0" normalizeH="0" baseline="0" noProof="0" dirty="0">
               <a:ln>
@@ -19112,7 +19059,7 @@
                 <a:tabLst/>
                 <a:defRPr/>
               </a:pPr>
-              <a:t>3/1/2023</a:t>
+              <a:t>2/2/2024</a:t>
             </a:fld>
             <a:endParaRPr kumimoji="0" lang="en-US" sz="900" b="0" i="0" u="none" strike="noStrike" kern="1200" cap="none" spc="0" normalizeH="0" baseline="0" noProof="0" dirty="0">
               <a:ln>
@@ -19479,7 +19426,7 @@
                 <a:tabLst/>
                 <a:defRPr/>
               </a:pPr>
-              <a:t>3/1/2023</a:t>
+              <a:t>2/2/2024</a:t>
             </a:fld>
             <a:endParaRPr kumimoji="0" lang="en-US" sz="900" b="0" i="0" u="none" strike="noStrike" kern="1200" cap="none" spc="0" normalizeH="0" baseline="0" noProof="0" dirty="0">
               <a:ln>
@@ -19972,7 +19919,7 @@
                 <a:tabLst/>
                 <a:defRPr/>
               </a:pPr>
-              <a:t>3/1/2023</a:t>
+              <a:t>2/2/2024</a:t>
             </a:fld>
             <a:endParaRPr kumimoji="0" lang="en-US" sz="900" b="0" i="0" u="none" strike="noStrike" kern="1200" cap="none" spc="0" normalizeH="0" baseline="0" noProof="0" dirty="0">
               <a:ln>
@@ -20271,7 +20218,7 @@
           <a:p>
             <a:fld id="{A7119916-CD40-456D-ABE3-55F8822671F7}" type="datetime1">
               <a:rPr lang="en-US" smtClean="0"/>
-              <a:t>3/1/2023</a:t>
+              <a:t>2/2/2024</a:t>
             </a:fld>
             <a:endParaRPr lang="en-US" dirty="0"/>
           </a:p>
@@ -20649,7 +20596,7 @@
           <a:p>
             <a:fld id="{A7119916-CD40-456D-ABE3-55F8822671F7}" type="datetime1">
               <a:rPr lang="en-US" smtClean="0"/>
-              <a:t>3/1/2023</a:t>
+              <a:t>2/2/2024</a:t>
             </a:fld>
             <a:endParaRPr lang="en-US" dirty="0"/>
           </a:p>
